--- a/Lecture Slides/VideoLectureSlides/1.6.pptx
+++ b/Lecture Slides/VideoLectureSlides/1.6.pptx
@@ -5,15 +5,26 @@
     <p:sldMasterId id="2147483660" r:id="rId4"/>
   </p:sldMasterIdLst>
   <p:notesMasterIdLst>
-    <p:notesMasterId r:id="rId11"/>
+    <p:notesMasterId r:id="rId22"/>
   </p:notesMasterIdLst>
   <p:sldIdLst>
     <p:sldId id="256" r:id="rId5"/>
     <p:sldId id="288" r:id="rId6"/>
-    <p:sldId id="293" r:id="rId7"/>
-    <p:sldId id="294" r:id="rId8"/>
-    <p:sldId id="295" r:id="rId9"/>
-    <p:sldId id="287" r:id="rId10"/>
+    <p:sldId id="302" r:id="rId7"/>
+    <p:sldId id="289" r:id="rId8"/>
+    <p:sldId id="290" r:id="rId9"/>
+    <p:sldId id="291" r:id="rId10"/>
+    <p:sldId id="292" r:id="rId11"/>
+    <p:sldId id="293" r:id="rId12"/>
+    <p:sldId id="294" r:id="rId13"/>
+    <p:sldId id="295" r:id="rId14"/>
+    <p:sldId id="296" r:id="rId15"/>
+    <p:sldId id="287" r:id="rId16"/>
+    <p:sldId id="297" r:id="rId17"/>
+    <p:sldId id="298" r:id="rId18"/>
+    <p:sldId id="300" r:id="rId19"/>
+    <p:sldId id="299" r:id="rId20"/>
+    <p:sldId id="301" r:id="rId21"/>
   </p:sldIdLst>
   <p:sldSz cx="9144000" cy="6858000" type="screen4x3"/>
   <p:notesSz cx="6858000" cy="9144000"/>
@@ -148,7 +159,7 @@
 <file path=ppt/revisionInfo.xml><?xml version="1.0" encoding="utf-8"?>
 <p1510:revInfo xmlns:a="http://schemas.openxmlformats.org/drawingml/2006/main" xmlns:r="http://schemas.openxmlformats.org/officeDocument/2006/relationships" xmlns:p1510="http://schemas.microsoft.com/office/powerpoint/2015/10/main">
   <p1510:revLst>
-    <p1510:client id="{DE3AC780-C7CA-4D4F-8A35-2A8C68BD5872}" v="143" dt="2020-08-23T19:24:52.906"/>
+    <p1510:client id="{1DEC9EA4-08C1-4B16-BA96-BA475B1550BC}" v="62" dt="2020-09-01T20:25:17.358"/>
   </p1510:revLst>
 </p1510:revInfo>
 </file>
@@ -157,19 +168,19 @@
 <pc:chgInfo xmlns:a="http://schemas.openxmlformats.org/drawingml/2006/main" xmlns:r="http://schemas.openxmlformats.org/officeDocument/2006/relationships" xmlns:ac="http://schemas.microsoft.com/office/drawing/2013/main/command" xmlns:pc="http://schemas.microsoft.com/office/powerpoint/2013/main/command">
   <pc:docChgLst>
     <pc:chgData name="Moore, Jacob Preston" userId="fdd3fd0f-c483-48c9-988d-7deb216763fd" providerId="ADAL" clId="{1DEC9EA4-08C1-4B16-BA96-BA475B1550BC}"/>
-    <pc:docChg chg="custSel addSld delSld modSld">
-      <pc:chgData name="Moore, Jacob Preston" userId="fdd3fd0f-c483-48c9-988d-7deb216763fd" providerId="ADAL" clId="{1DEC9EA4-08C1-4B16-BA96-BA475B1550BC}" dt="2020-08-23T19:24:52.906" v="185"/>
+    <pc:docChg chg="undo custSel addSld delSld modSld sldOrd">
+      <pc:chgData name="Moore, Jacob Preston" userId="fdd3fd0f-c483-48c9-988d-7deb216763fd" providerId="ADAL" clId="{1DEC9EA4-08C1-4B16-BA96-BA475B1550BC}" dt="2020-09-01T20:25:17.358" v="173" actId="20577"/>
       <pc:docMkLst>
         <pc:docMk/>
       </pc:docMkLst>
       <pc:sldChg chg="modSp">
-        <pc:chgData name="Moore, Jacob Preston" userId="fdd3fd0f-c483-48c9-988d-7deb216763fd" providerId="ADAL" clId="{1DEC9EA4-08C1-4B16-BA96-BA475B1550BC}" dt="2020-08-23T18:26:30.307" v="12" actId="20577"/>
+        <pc:chgData name="Moore, Jacob Preston" userId="fdd3fd0f-c483-48c9-988d-7deb216763fd" providerId="ADAL" clId="{1DEC9EA4-08C1-4B16-BA96-BA475B1550BC}" dt="2020-08-23T16:26:30.429" v="55" actId="20577"/>
         <pc:sldMkLst>
           <pc:docMk/>
           <pc:sldMk cId="3080430471" sldId="256"/>
         </pc:sldMkLst>
         <pc:spChg chg="mod">
-          <ac:chgData name="Moore, Jacob Preston" userId="fdd3fd0f-c483-48c9-988d-7deb216763fd" providerId="ADAL" clId="{1DEC9EA4-08C1-4B16-BA96-BA475B1550BC}" dt="2020-08-23T18:26:30.307" v="12" actId="20577"/>
+          <ac:chgData name="Moore, Jacob Preston" userId="fdd3fd0f-c483-48c9-988d-7deb216763fd" providerId="ADAL" clId="{1DEC9EA4-08C1-4B16-BA96-BA475B1550BC}" dt="2020-08-23T16:26:30.429" v="55" actId="20577"/>
           <ac:spMkLst>
             <pc:docMk/>
             <pc:sldMk cId="3080430471" sldId="256"/>
@@ -177,166 +188,217 @@
           </ac:spMkLst>
         </pc:spChg>
       </pc:sldChg>
-      <pc:sldChg chg="modSp add del modAnim">
-        <pc:chgData name="Moore, Jacob Preston" userId="fdd3fd0f-c483-48c9-988d-7deb216763fd" providerId="ADAL" clId="{1DEC9EA4-08C1-4B16-BA96-BA475B1550BC}" dt="2020-08-23T19:08:57.853" v="40"/>
+      <pc:sldChg chg="addSp delSp add">
+        <pc:chgData name="Moore, Jacob Preston" userId="fdd3fd0f-c483-48c9-988d-7deb216763fd" providerId="ADAL" clId="{1DEC9EA4-08C1-4B16-BA96-BA475B1550BC}" dt="2020-08-23T16:12:22.315" v="53"/>
         <pc:sldMkLst>
           <pc:docMk/>
-          <pc:sldMk cId="3642683568" sldId="288"/>
+          <pc:sldMk cId="3309860852" sldId="288"/>
+        </pc:sldMkLst>
+        <pc:spChg chg="add del">
+          <ac:chgData name="Moore, Jacob Preston" userId="fdd3fd0f-c483-48c9-988d-7deb216763fd" providerId="ADAL" clId="{1DEC9EA4-08C1-4B16-BA96-BA475B1550BC}" dt="2020-08-23T16:12:22.315" v="53"/>
+          <ac:spMkLst>
+            <pc:docMk/>
+            <pc:sldMk cId="3309860852" sldId="288"/>
+            <ac:spMk id="7" creationId="{08A17294-E99C-47CC-93A4-4FE2D9C948A7}"/>
+          </ac:spMkLst>
+        </pc:spChg>
+      </pc:sldChg>
+      <pc:sldChg chg="modSp add">
+        <pc:chgData name="Moore, Jacob Preston" userId="fdd3fd0f-c483-48c9-988d-7deb216763fd" providerId="ADAL" clId="{1DEC9EA4-08C1-4B16-BA96-BA475B1550BC}" dt="2020-09-01T20:23:20.589" v="169" actId="20577"/>
+        <pc:sldMkLst>
+          <pc:docMk/>
+          <pc:sldMk cId="1182082120" sldId="289"/>
         </pc:sldMkLst>
         <pc:spChg chg="mod">
-          <ac:chgData name="Moore, Jacob Preston" userId="fdd3fd0f-c483-48c9-988d-7deb216763fd" providerId="ADAL" clId="{1DEC9EA4-08C1-4B16-BA96-BA475B1550BC}" dt="2020-08-23T18:34:59.198" v="37" actId="113"/>
+          <ac:chgData name="Moore, Jacob Preston" userId="fdd3fd0f-c483-48c9-988d-7deb216763fd" providerId="ADAL" clId="{1DEC9EA4-08C1-4B16-BA96-BA475B1550BC}" dt="2020-09-01T20:23:20.589" v="169" actId="20577"/>
           <ac:spMkLst>
             <pc:docMk/>
-            <pc:sldMk cId="3642683568" sldId="288"/>
+            <pc:sldMk cId="1182082120" sldId="289"/>
+            <ac:spMk id="2" creationId="{00000000-0000-0000-0000-000000000000}"/>
+          </ac:spMkLst>
+        </pc:spChg>
+      </pc:sldChg>
+      <pc:sldChg chg="modSp add">
+        <pc:chgData name="Moore, Jacob Preston" userId="fdd3fd0f-c483-48c9-988d-7deb216763fd" providerId="ADAL" clId="{1DEC9EA4-08C1-4B16-BA96-BA475B1550BC}" dt="2020-09-01T20:25:17.358" v="173" actId="20577"/>
+        <pc:sldMkLst>
+          <pc:docMk/>
+          <pc:sldMk cId="1878726931" sldId="290"/>
+        </pc:sldMkLst>
+        <pc:spChg chg="mod">
+          <ac:chgData name="Moore, Jacob Preston" userId="fdd3fd0f-c483-48c9-988d-7deb216763fd" providerId="ADAL" clId="{1DEC9EA4-08C1-4B16-BA96-BA475B1550BC}" dt="2020-09-01T20:25:17.358" v="173" actId="20577"/>
+          <ac:spMkLst>
+            <pc:docMk/>
+            <pc:sldMk cId="1878726931" sldId="290"/>
             <ac:spMk id="3" creationId="{00000000-0000-0000-0000-000000000000}"/>
           </ac:spMkLst>
         </pc:spChg>
       </pc:sldChg>
-      <pc:sldChg chg="del">
-        <pc:chgData name="Moore, Jacob Preston" userId="fdd3fd0f-c483-48c9-988d-7deb216763fd" providerId="ADAL" clId="{1DEC9EA4-08C1-4B16-BA96-BA475B1550BC}" dt="2020-08-23T18:26:37.372" v="14" actId="2696"/>
+      <pc:sldChg chg="add">
+        <pc:chgData name="Moore, Jacob Preston" userId="fdd3fd0f-c483-48c9-988d-7deb216763fd" providerId="ADAL" clId="{1DEC9EA4-08C1-4B16-BA96-BA475B1550BC}" dt="2020-08-23T16:04:58.608" v="24"/>
         <pc:sldMkLst>
           <pc:docMk/>
-          <pc:sldMk cId="2525870602" sldId="289"/>
+          <pc:sldMk cId="85784440" sldId="291"/>
         </pc:sldMkLst>
       </pc:sldChg>
-      <pc:sldChg chg="del">
-        <pc:chgData name="Moore, Jacob Preston" userId="fdd3fd0f-c483-48c9-988d-7deb216763fd" providerId="ADAL" clId="{1DEC9EA4-08C1-4B16-BA96-BA475B1550BC}" dt="2020-08-23T18:26:37.384" v="15" actId="2696"/>
+      <pc:sldChg chg="add">
+        <pc:chgData name="Moore, Jacob Preston" userId="fdd3fd0f-c483-48c9-988d-7deb216763fd" providerId="ADAL" clId="{1DEC9EA4-08C1-4B16-BA96-BA475B1550BC}" dt="2020-08-23T16:04:58.608" v="24"/>
         <pc:sldMkLst>
           <pc:docMk/>
-          <pc:sldMk cId="444073582" sldId="290"/>
+          <pc:sldMk cId="1065110183" sldId="292"/>
         </pc:sldMkLst>
       </pc:sldChg>
-      <pc:sldChg chg="del">
-        <pc:chgData name="Moore, Jacob Preston" userId="fdd3fd0f-c483-48c9-988d-7deb216763fd" providerId="ADAL" clId="{1DEC9EA4-08C1-4B16-BA96-BA475B1550BC}" dt="2020-08-23T18:26:37.391" v="16" actId="2696"/>
+      <pc:sldChg chg="add">
+        <pc:chgData name="Moore, Jacob Preston" userId="fdd3fd0f-c483-48c9-988d-7deb216763fd" providerId="ADAL" clId="{1DEC9EA4-08C1-4B16-BA96-BA475B1550BC}" dt="2020-08-23T16:04:58.608" v="24"/>
         <pc:sldMkLst>
           <pc:docMk/>
-          <pc:sldMk cId="1790905930" sldId="292"/>
+          <pc:sldMk cId="4127202656" sldId="293"/>
         </pc:sldMkLst>
       </pc:sldChg>
-      <pc:sldChg chg="modSp add modAnim">
-        <pc:chgData name="Moore, Jacob Preston" userId="fdd3fd0f-c483-48c9-988d-7deb216763fd" providerId="ADAL" clId="{1DEC9EA4-08C1-4B16-BA96-BA475B1550BC}" dt="2020-08-23T19:23:11.489" v="174"/>
+      <pc:sldChg chg="add">
+        <pc:chgData name="Moore, Jacob Preston" userId="fdd3fd0f-c483-48c9-988d-7deb216763fd" providerId="ADAL" clId="{1DEC9EA4-08C1-4B16-BA96-BA475B1550BC}" dt="2020-08-23T16:04:58.608" v="24"/>
         <pc:sldMkLst>
           <pc:docMk/>
-          <pc:sldMk cId="3990908239" sldId="293"/>
+          <pc:sldMk cId="3956896579" sldId="294"/>
+        </pc:sldMkLst>
+      </pc:sldChg>
+      <pc:sldChg chg="modSp add">
+        <pc:chgData name="Moore, Jacob Preston" userId="fdd3fd0f-c483-48c9-988d-7deb216763fd" providerId="ADAL" clId="{1DEC9EA4-08C1-4B16-BA96-BA475B1550BC}" dt="2020-08-23T16:35:38.798" v="166" actId="20577"/>
+        <pc:sldMkLst>
+          <pc:docMk/>
+          <pc:sldMk cId="3462403737" sldId="295"/>
         </pc:sldMkLst>
         <pc:spChg chg="mod">
-          <ac:chgData name="Moore, Jacob Preston" userId="fdd3fd0f-c483-48c9-988d-7deb216763fd" providerId="ADAL" clId="{1DEC9EA4-08C1-4B16-BA96-BA475B1550BC}" dt="2020-08-23T19:09:49.262" v="45"/>
+          <ac:chgData name="Moore, Jacob Preston" userId="fdd3fd0f-c483-48c9-988d-7deb216763fd" providerId="ADAL" clId="{1DEC9EA4-08C1-4B16-BA96-BA475B1550BC}" dt="2020-08-23T16:35:38.798" v="166" actId="20577"/>
           <ac:spMkLst>
             <pc:docMk/>
-            <pc:sldMk cId="3990908239" sldId="293"/>
+            <pc:sldMk cId="3462403737" sldId="295"/>
             <ac:spMk id="3" creationId="{00000000-0000-0000-0000-000000000000}"/>
           </ac:spMkLst>
         </pc:spChg>
       </pc:sldChg>
-      <pc:sldChg chg="addSp delSp modSp add modAnim">
-        <pc:chgData name="Moore, Jacob Preston" userId="fdd3fd0f-c483-48c9-988d-7deb216763fd" providerId="ADAL" clId="{1DEC9EA4-08C1-4B16-BA96-BA475B1550BC}" dt="2020-08-23T19:24:22.690" v="182"/>
+      <pc:sldChg chg="modSp add">
+        <pc:chgData name="Moore, Jacob Preston" userId="fdd3fd0f-c483-48c9-988d-7deb216763fd" providerId="ADAL" clId="{1DEC9EA4-08C1-4B16-BA96-BA475B1550BC}" dt="2020-08-23T16:36:36.502" v="168" actId="166"/>
         <pc:sldMkLst>
           <pc:docMk/>
-          <pc:sldMk cId="2003935324" sldId="294"/>
+          <pc:sldMk cId="3545132802" sldId="296"/>
+        </pc:sldMkLst>
+        <pc:spChg chg="mod ord">
+          <ac:chgData name="Moore, Jacob Preston" userId="fdd3fd0f-c483-48c9-988d-7deb216763fd" providerId="ADAL" clId="{1DEC9EA4-08C1-4B16-BA96-BA475B1550BC}" dt="2020-08-23T16:36:36.502" v="168" actId="166"/>
+          <ac:spMkLst>
+            <pc:docMk/>
+            <pc:sldMk cId="3545132802" sldId="296"/>
+            <ac:spMk id="15" creationId="{00000000-0000-0000-0000-000000000000}"/>
+          </ac:spMkLst>
+        </pc:spChg>
+      </pc:sldChg>
+      <pc:sldChg chg="add">
+        <pc:chgData name="Moore, Jacob Preston" userId="fdd3fd0f-c483-48c9-988d-7deb216763fd" providerId="ADAL" clId="{1DEC9EA4-08C1-4B16-BA96-BA475B1550BC}" dt="2020-08-23T16:07:37.436" v="25"/>
+        <pc:sldMkLst>
+          <pc:docMk/>
+          <pc:sldMk cId="948972480" sldId="297"/>
+        </pc:sldMkLst>
+      </pc:sldChg>
+      <pc:sldChg chg="modSp add">
+        <pc:chgData name="Moore, Jacob Preston" userId="fdd3fd0f-c483-48c9-988d-7deb216763fd" providerId="ADAL" clId="{1DEC9EA4-08C1-4B16-BA96-BA475B1550BC}" dt="2020-08-23T16:08:45.089" v="44" actId="20577"/>
+        <pc:sldMkLst>
+          <pc:docMk/>
+          <pc:sldMk cId="307900893" sldId="298"/>
         </pc:sldMkLst>
         <pc:spChg chg="mod">
-          <ac:chgData name="Moore, Jacob Preston" userId="fdd3fd0f-c483-48c9-988d-7deb216763fd" providerId="ADAL" clId="{1DEC9EA4-08C1-4B16-BA96-BA475B1550BC}" dt="2020-08-23T19:20:24.481" v="151" actId="20577"/>
+          <ac:chgData name="Moore, Jacob Preston" userId="fdd3fd0f-c483-48c9-988d-7deb216763fd" providerId="ADAL" clId="{1DEC9EA4-08C1-4B16-BA96-BA475B1550BC}" dt="2020-08-23T16:08:45.089" v="44" actId="20577"/>
           <ac:spMkLst>
             <pc:docMk/>
-            <pc:sldMk cId="2003935324" sldId="294"/>
-            <ac:spMk id="8" creationId="{00000000-0000-0000-0000-000000000000}"/>
+            <pc:sldMk cId="307900893" sldId="298"/>
+            <ac:spMk id="2" creationId="{00000000-0000-0000-0000-000000000000}"/>
           </ac:spMkLst>
         </pc:spChg>
-        <pc:picChg chg="add mod">
-          <ac:chgData name="Moore, Jacob Preston" userId="fdd3fd0f-c483-48c9-988d-7deb216763fd" providerId="ADAL" clId="{1DEC9EA4-08C1-4B16-BA96-BA475B1550BC}" dt="2020-08-23T19:19:21.117" v="61" actId="1076"/>
-          <ac:picMkLst>
-            <pc:docMk/>
-            <pc:sldMk cId="2003935324" sldId="294"/>
-            <ac:picMk id="1026" creationId="{914960C9-C93D-4D8A-997D-78D7CF8AA781}"/>
-          </ac:picMkLst>
-        </pc:picChg>
-        <pc:picChg chg="del">
-          <ac:chgData name="Moore, Jacob Preston" userId="fdd3fd0f-c483-48c9-988d-7deb216763fd" providerId="ADAL" clId="{1DEC9EA4-08C1-4B16-BA96-BA475B1550BC}" dt="2020-08-23T19:11:49.482" v="48" actId="478"/>
-          <ac:picMkLst>
-            <pc:docMk/>
-            <pc:sldMk cId="2003935324" sldId="294"/>
-            <ac:picMk id="6146" creationId="{00000000-0000-0000-0000-000000000000}"/>
-          </ac:picMkLst>
-        </pc:picChg>
-        <pc:cxnChg chg="mod">
-          <ac:chgData name="Moore, Jacob Preston" userId="fdd3fd0f-c483-48c9-988d-7deb216763fd" providerId="ADAL" clId="{1DEC9EA4-08C1-4B16-BA96-BA475B1550BC}" dt="2020-08-23T19:19:12.403" v="60" actId="1036"/>
-          <ac:cxnSpMkLst>
-            <pc:docMk/>
-            <pc:sldMk cId="2003935324" sldId="294"/>
-            <ac:cxnSpMk id="10" creationId="{00000000-0000-0000-0000-000000000000}"/>
-          </ac:cxnSpMkLst>
-        </pc:cxnChg>
-        <pc:cxnChg chg="mod">
-          <ac:chgData name="Moore, Jacob Preston" userId="fdd3fd0f-c483-48c9-988d-7deb216763fd" providerId="ADAL" clId="{1DEC9EA4-08C1-4B16-BA96-BA475B1550BC}" dt="2020-08-23T19:19:27.739" v="71" actId="1037"/>
-          <ac:cxnSpMkLst>
-            <pc:docMk/>
-            <pc:sldMk cId="2003935324" sldId="294"/>
-            <ac:cxnSpMk id="11" creationId="{00000000-0000-0000-0000-000000000000}"/>
-          </ac:cxnSpMkLst>
-        </pc:cxnChg>
-        <pc:cxnChg chg="mod">
-          <ac:chgData name="Moore, Jacob Preston" userId="fdd3fd0f-c483-48c9-988d-7deb216763fd" providerId="ADAL" clId="{1DEC9EA4-08C1-4B16-BA96-BA475B1550BC}" dt="2020-08-23T19:16:44.431" v="49" actId="693"/>
-          <ac:cxnSpMkLst>
-            <pc:docMk/>
-            <pc:sldMk cId="2003935324" sldId="294"/>
-            <ac:cxnSpMk id="13" creationId="{00000000-0000-0000-0000-000000000000}"/>
-          </ac:cxnSpMkLst>
-        </pc:cxnChg>
-        <pc:cxnChg chg="mod">
-          <ac:chgData name="Moore, Jacob Preston" userId="fdd3fd0f-c483-48c9-988d-7deb216763fd" providerId="ADAL" clId="{1DEC9EA4-08C1-4B16-BA96-BA475B1550BC}" dt="2020-08-23T19:19:27.739" v="71" actId="1037"/>
-          <ac:cxnSpMkLst>
-            <pc:docMk/>
-            <pc:sldMk cId="2003935324" sldId="294"/>
-            <ac:cxnSpMk id="20" creationId="{00000000-0000-0000-0000-000000000000}"/>
-          </ac:cxnSpMkLst>
-        </pc:cxnChg>
       </pc:sldChg>
-      <pc:sldChg chg="addSp delSp modSp add delAnim modAnim">
-        <pc:chgData name="Moore, Jacob Preston" userId="fdd3fd0f-c483-48c9-988d-7deb216763fd" providerId="ADAL" clId="{1DEC9EA4-08C1-4B16-BA96-BA475B1550BC}" dt="2020-08-23T19:24:52.906" v="185"/>
+      <pc:sldChg chg="add">
+        <pc:chgData name="Moore, Jacob Preston" userId="fdd3fd0f-c483-48c9-988d-7deb216763fd" providerId="ADAL" clId="{1DEC9EA4-08C1-4B16-BA96-BA475B1550BC}" dt="2020-08-23T16:07:37.436" v="25"/>
         <pc:sldMkLst>
           <pc:docMk/>
-          <pc:sldMk cId="744401461" sldId="295"/>
+          <pc:sldMk cId="1492307721" sldId="299"/>
+        </pc:sldMkLst>
+      </pc:sldChg>
+      <pc:sldChg chg="modSp add ord">
+        <pc:chgData name="Moore, Jacob Preston" userId="fdd3fd0f-c483-48c9-988d-7deb216763fd" providerId="ADAL" clId="{1DEC9EA4-08C1-4B16-BA96-BA475B1550BC}" dt="2020-08-23T16:08:56.491" v="48" actId="27636"/>
+        <pc:sldMkLst>
+          <pc:docMk/>
+          <pc:sldMk cId="3714287723" sldId="300"/>
         </pc:sldMkLst>
         <pc:spChg chg="mod">
-          <ac:chgData name="Moore, Jacob Preston" userId="fdd3fd0f-c483-48c9-988d-7deb216763fd" providerId="ADAL" clId="{1DEC9EA4-08C1-4B16-BA96-BA475B1550BC}" dt="2020-08-23T19:22:31.191" v="172" actId="113"/>
+          <ac:chgData name="Moore, Jacob Preston" userId="fdd3fd0f-c483-48c9-988d-7deb216763fd" providerId="ADAL" clId="{1DEC9EA4-08C1-4B16-BA96-BA475B1550BC}" dt="2020-08-23T16:08:56.491" v="48" actId="27636"/>
           <ac:spMkLst>
             <pc:docMk/>
-            <pc:sldMk cId="744401461" sldId="295"/>
-            <ac:spMk id="3" creationId="{00000000-0000-0000-0000-000000000000}"/>
+            <pc:sldMk cId="3714287723" sldId="300"/>
+            <ac:spMk id="2" creationId="{00000000-0000-0000-0000-000000000000}"/>
           </ac:spMkLst>
         </pc:spChg>
-        <pc:spChg chg="del">
-          <ac:chgData name="Moore, Jacob Preston" userId="fdd3fd0f-c483-48c9-988d-7deb216763fd" providerId="ADAL" clId="{1DEC9EA4-08C1-4B16-BA96-BA475B1550BC}" dt="2020-08-23T19:22:18.275" v="168" actId="478"/>
+      </pc:sldChg>
+      <pc:sldChg chg="add">
+        <pc:chgData name="Moore, Jacob Preston" userId="fdd3fd0f-c483-48c9-988d-7deb216763fd" providerId="ADAL" clId="{1DEC9EA4-08C1-4B16-BA96-BA475B1550BC}" dt="2020-08-23T16:07:37.436" v="25"/>
+        <pc:sldMkLst>
+          <pc:docMk/>
+          <pc:sldMk cId="3819238583" sldId="301"/>
+        </pc:sldMkLst>
+      </pc:sldChg>
+      <pc:sldChg chg="modSp add modAnim">
+        <pc:chgData name="Moore, Jacob Preston" userId="fdd3fd0f-c483-48c9-988d-7deb216763fd" providerId="ADAL" clId="{1DEC9EA4-08C1-4B16-BA96-BA475B1550BC}" dt="2020-08-23T16:27:47.174" v="89" actId="1076"/>
+        <pc:sldMkLst>
+          <pc:docMk/>
+          <pc:sldMk cId="3189583828" sldId="302"/>
+        </pc:sldMkLst>
+        <pc:spChg chg="mod">
+          <ac:chgData name="Moore, Jacob Preston" userId="fdd3fd0f-c483-48c9-988d-7deb216763fd" providerId="ADAL" clId="{1DEC9EA4-08C1-4B16-BA96-BA475B1550BC}" dt="2020-08-23T16:27:25.972" v="86" actId="20577"/>
           <ac:spMkLst>
             <pc:docMk/>
-            <pc:sldMk cId="744401461" sldId="295"/>
-            <ac:spMk id="5" creationId="{00000000-0000-0000-0000-000000000000}"/>
+            <pc:sldMk cId="3189583828" sldId="302"/>
+            <ac:spMk id="2" creationId="{00000000-0000-0000-0000-000000000000}"/>
           </ac:spMkLst>
         </pc:spChg>
-        <pc:spChg chg="del">
-          <ac:chgData name="Moore, Jacob Preston" userId="fdd3fd0f-c483-48c9-988d-7deb216763fd" providerId="ADAL" clId="{1DEC9EA4-08C1-4B16-BA96-BA475B1550BC}" dt="2020-08-23T19:22:18.275" v="168" actId="478"/>
+        <pc:spChg chg="mod ord">
+          <ac:chgData name="Moore, Jacob Preston" userId="fdd3fd0f-c483-48c9-988d-7deb216763fd" providerId="ADAL" clId="{1DEC9EA4-08C1-4B16-BA96-BA475B1550BC}" dt="2020-08-23T16:27:47.174" v="89" actId="1076"/>
           <ac:spMkLst>
             <pc:docMk/>
-            <pc:sldMk cId="744401461" sldId="295"/>
-            <ac:spMk id="9" creationId="{00000000-0000-0000-0000-000000000000}"/>
+            <pc:sldMk cId="3189583828" sldId="302"/>
+            <ac:spMk id="15" creationId="{00000000-0000-0000-0000-000000000000}"/>
           </ac:spMkLst>
         </pc:spChg>
-        <pc:picChg chg="add mod">
-          <ac:chgData name="Moore, Jacob Preston" userId="fdd3fd0f-c483-48c9-988d-7deb216763fd" providerId="ADAL" clId="{1DEC9EA4-08C1-4B16-BA96-BA475B1550BC}" dt="2020-08-23T19:22:20.640" v="170" actId="1076"/>
-          <ac:picMkLst>
-            <pc:docMk/>
-            <pc:sldMk cId="744401461" sldId="295"/>
-            <ac:picMk id="8" creationId="{13523CD8-2235-41D9-A507-CF64EA263EF5}"/>
-          </ac:picMkLst>
-        </pc:picChg>
-        <pc:picChg chg="del">
-          <ac:chgData name="Moore, Jacob Preston" userId="fdd3fd0f-c483-48c9-988d-7deb216763fd" providerId="ADAL" clId="{1DEC9EA4-08C1-4B16-BA96-BA475B1550BC}" dt="2020-08-23T19:21:40.300" v="167" actId="478"/>
-          <ac:picMkLst>
-            <pc:docMk/>
-            <pc:sldMk cId="744401461" sldId="295"/>
-            <ac:picMk id="5124" creationId="{00000000-0000-0000-0000-000000000000}"/>
-          </ac:picMkLst>
-        </pc:picChg>
+      </pc:sldChg>
+      <pc:sldChg chg="del">
+        <pc:chgData name="Moore, Jacob Preston" userId="fdd3fd0f-c483-48c9-988d-7deb216763fd" providerId="ADAL" clId="{1DEC9EA4-08C1-4B16-BA96-BA475B1550BC}" dt="2020-08-23T16:04:56.538" v="19" actId="2696"/>
+        <pc:sldMkLst>
+          <pc:docMk/>
+          <pc:sldMk cId="3576391048" sldId="314"/>
+        </pc:sldMkLst>
+      </pc:sldChg>
+      <pc:sldChg chg="del">
+        <pc:chgData name="Moore, Jacob Preston" userId="fdd3fd0f-c483-48c9-988d-7deb216763fd" providerId="ADAL" clId="{1DEC9EA4-08C1-4B16-BA96-BA475B1550BC}" dt="2020-08-23T16:04:56.572" v="21" actId="2696"/>
+        <pc:sldMkLst>
+          <pc:docMk/>
+          <pc:sldMk cId="1496043169" sldId="318"/>
+        </pc:sldMkLst>
+      </pc:sldChg>
+      <pc:sldChg chg="del">
+        <pc:chgData name="Moore, Jacob Preston" userId="fdd3fd0f-c483-48c9-988d-7deb216763fd" providerId="ADAL" clId="{1DEC9EA4-08C1-4B16-BA96-BA475B1550BC}" dt="2020-08-23T16:04:56.585" v="22" actId="2696"/>
+        <pc:sldMkLst>
+          <pc:docMk/>
+          <pc:sldMk cId="3724594762" sldId="319"/>
+        </pc:sldMkLst>
+      </pc:sldChg>
+      <pc:sldChg chg="del">
+        <pc:chgData name="Moore, Jacob Preston" userId="fdd3fd0f-c483-48c9-988d-7deb216763fd" providerId="ADAL" clId="{1DEC9EA4-08C1-4B16-BA96-BA475B1550BC}" dt="2020-08-23T16:04:56.591" v="23" actId="2696"/>
+        <pc:sldMkLst>
+          <pc:docMk/>
+          <pc:sldMk cId="3535607454" sldId="320"/>
+        </pc:sldMkLst>
+      </pc:sldChg>
+      <pc:sldChg chg="del">
+        <pc:chgData name="Moore, Jacob Preston" userId="fdd3fd0f-c483-48c9-988d-7deb216763fd" providerId="ADAL" clId="{1DEC9EA4-08C1-4B16-BA96-BA475B1550BC}" dt="2020-08-23T16:04:56.556" v="20" actId="2696"/>
+        <pc:sldMkLst>
+          <pc:docMk/>
+          <pc:sldMk cId="80664795" sldId="321"/>
+        </pc:sldMkLst>
       </pc:sldChg>
     </pc:docChg>
   </pc:docChgLst>
@@ -425,7 +487,7 @@
           <a:p>
             <a:fld id="{1AA1AB63-216F-4D5B-8811-CCB935E98D4A}" type="datetimeFigureOut">
               <a:rPr lang="en-US" smtClean="0"/>
-              <a:t>8/23/2020</a:t>
+              <a:t>9/1/2020</a:t>
             </a:fld>
             <a:endParaRPr lang="en-US"/>
           </a:p>
@@ -690,90 +752,6 @@
     </a:lvl9pPr>
   </p:notesStyle>
 </p:notesMaster>
-</file>
-
-<file path=ppt/notesSlides/notesSlide1.xml><?xml version="1.0" encoding="utf-8"?>
-<p:notes xmlns:a="http://schemas.openxmlformats.org/drawingml/2006/main" xmlns:r="http://schemas.openxmlformats.org/officeDocument/2006/relationships" xmlns:p="http://schemas.openxmlformats.org/presentationml/2006/main">
-  <p:cSld>
-    <p:spTree>
-      <p:nvGrpSpPr>
-        <p:cNvPr id="1" name=""/>
-        <p:cNvGrpSpPr/>
-        <p:nvPr/>
-      </p:nvGrpSpPr>
-      <p:grpSpPr>
-        <a:xfrm>
-          <a:off x="0" y="0"/>
-          <a:ext cx="0" cy="0"/>
-          <a:chOff x="0" y="0"/>
-          <a:chExt cx="0" cy="0"/>
-        </a:xfrm>
-      </p:grpSpPr>
-      <p:sp>
-        <p:nvSpPr>
-          <p:cNvPr id="2" name="Slide Image Placeholder 1"/>
-          <p:cNvSpPr>
-            <a:spLocks noGrp="1" noRot="1" noChangeAspect="1"/>
-          </p:cNvSpPr>
-          <p:nvPr>
-            <p:ph type="sldImg"/>
-          </p:nvPr>
-        </p:nvSpPr>
-        <p:spPr/>
-      </p:sp>
-      <p:sp>
-        <p:nvSpPr>
-          <p:cNvPr id="3" name="Notes Placeholder 2"/>
-          <p:cNvSpPr>
-            <a:spLocks noGrp="1"/>
-          </p:cNvSpPr>
-          <p:nvPr>
-            <p:ph type="body" idx="1"/>
-          </p:nvPr>
-        </p:nvSpPr>
-        <p:spPr/>
-        <p:txBody>
-          <a:bodyPr/>
-          <a:lstStyle/>
-          <a:p>
-            <a:endParaRPr lang="en-US" dirty="0"/>
-          </a:p>
-        </p:txBody>
-      </p:sp>
-      <p:sp>
-        <p:nvSpPr>
-          <p:cNvPr id="4" name="Slide Number Placeholder 3"/>
-          <p:cNvSpPr>
-            <a:spLocks noGrp="1"/>
-          </p:cNvSpPr>
-          <p:nvPr>
-            <p:ph type="sldNum" sz="quarter" idx="10"/>
-          </p:nvPr>
-        </p:nvSpPr>
-        <p:spPr/>
-        <p:txBody>
-          <a:bodyPr/>
-          <a:lstStyle/>
-          <a:p>
-            <a:fld id="{D071503E-B3EF-424C-B3CC-B319B8E34A61}" type="slidenum">
-              <a:rPr lang="en-US" smtClean="0"/>
-              <a:t>3</a:t>
-            </a:fld>
-            <a:endParaRPr lang="en-US"/>
-          </a:p>
-        </p:txBody>
-      </p:sp>
-    </p:spTree>
-    <p:extLst>
-      <p:ext uri="{BB962C8B-B14F-4D97-AF65-F5344CB8AC3E}">
-        <p14:creationId xmlns:p14="http://schemas.microsoft.com/office/powerpoint/2010/main" val="194988702"/>
-      </p:ext>
-    </p:extLst>
-  </p:cSld>
-  <p:clrMapOvr>
-    <a:masterClrMapping/>
-  </p:clrMapOvr>
-</p:notes>
 </file>
 
 <file path=ppt/slideLayouts/slideLayout1.xml><?xml version="1.0" encoding="utf-8"?>
@@ -3959,7 +3937,7 @@
           <a:p>
             <a:r>
               <a:rPr lang="en-US" dirty="0"/>
-              <a:t>Newton’s Second Law of Motion</a:t>
+              <a:t>Free Body Diagrams</a:t>
             </a:r>
           </a:p>
         </p:txBody>
@@ -4004,6 +3982,3304 @@
     <p:extLst>
       <p:ext uri="{BB962C8B-B14F-4D97-AF65-F5344CB8AC3E}">
         <p14:creationId xmlns:p14="http://schemas.microsoft.com/office/powerpoint/2010/main" val="3080430471"/>
+      </p:ext>
+    </p:extLst>
+  </p:cSld>
+  <p:clrMapOvr>
+    <a:masterClrMapping/>
+  </p:clrMapOvr>
+</p:sld>
+</file>
+
+<file path=ppt/slides/slide10.xml><?xml version="1.0" encoding="utf-8"?>
+<p:sld xmlns:a="http://schemas.openxmlformats.org/drawingml/2006/main" xmlns:r="http://schemas.openxmlformats.org/officeDocument/2006/relationships" xmlns:p="http://schemas.openxmlformats.org/presentationml/2006/main">
+  <p:cSld>
+    <p:spTree>
+      <p:nvGrpSpPr>
+        <p:cNvPr id="1" name=""/>
+        <p:cNvGrpSpPr/>
+        <p:nvPr/>
+      </p:nvGrpSpPr>
+      <p:grpSpPr>
+        <a:xfrm>
+          <a:off x="0" y="0"/>
+          <a:ext cx="0" cy="0"/>
+          <a:chOff x="0" y="0"/>
+          <a:chExt cx="0" cy="0"/>
+        </a:xfrm>
+      </p:grpSpPr>
+      <p:sp>
+        <p:nvSpPr>
+          <p:cNvPr id="2" name="Title 1"/>
+          <p:cNvSpPr>
+            <a:spLocks noGrp="1"/>
+          </p:cNvSpPr>
+          <p:nvPr>
+            <p:ph type="title"/>
+          </p:nvPr>
+        </p:nvSpPr>
+        <p:spPr/>
+        <p:txBody>
+          <a:bodyPr>
+            <a:normAutofit fontScale="90000"/>
+          </a:bodyPr>
+          <a:lstStyle/>
+          <a:p>
+            <a:r>
+              <a:rPr lang="en-US" dirty="0"/>
+              <a:t>Creating a Free Body Diagrams (Review)</a:t>
+            </a:r>
+          </a:p>
+        </p:txBody>
+      </p:sp>
+      <p:sp>
+        <p:nvSpPr>
+          <p:cNvPr id="3" name="Content Placeholder 2"/>
+          <p:cNvSpPr>
+            <a:spLocks noGrp="1"/>
+          </p:cNvSpPr>
+          <p:nvPr>
+            <p:ph idx="1"/>
+          </p:nvPr>
+        </p:nvSpPr>
+        <p:spPr>
+          <a:xfrm>
+            <a:off x="457200" y="1600200"/>
+            <a:ext cx="8229600" cy="4724400"/>
+          </a:xfrm>
+        </p:spPr>
+        <p:txBody>
+          <a:bodyPr>
+            <a:normAutofit fontScale="92500" lnSpcReduction="20000"/>
+          </a:bodyPr>
+          <a:lstStyle/>
+          <a:p>
+            <a:pPr marL="514350" indent="-514350">
+              <a:buFont typeface="+mj-lt"/>
+              <a:buAutoNum type="arabicPeriod"/>
+            </a:pPr>
+            <a:r>
+              <a:rPr lang="en-US" dirty="0"/>
+              <a:t>Draw a picture of the body being analyzed separate from all the background objects.</a:t>
+            </a:r>
+          </a:p>
+          <a:p>
+            <a:pPr marL="514350" indent="-514350">
+              <a:buFont typeface="+mj-lt"/>
+              <a:buAutoNum type="arabicPeriod"/>
+            </a:pPr>
+            <a:r>
+              <a:rPr lang="en-US" dirty="0"/>
+              <a:t>Draw in any forces acting on the body.</a:t>
+            </a:r>
+          </a:p>
+          <a:p>
+            <a:pPr marL="914400" lvl="1" indent="-514350"/>
+            <a:r>
+              <a:rPr lang="en-US" dirty="0"/>
+              <a:t>Direct pushing or pulling forces</a:t>
+            </a:r>
+          </a:p>
+          <a:p>
+            <a:pPr marL="914400" lvl="1" indent="-514350"/>
+            <a:r>
+              <a:rPr lang="en-US" dirty="0"/>
+              <a:t>Normal forces at any point of contact</a:t>
+            </a:r>
+          </a:p>
+          <a:p>
+            <a:pPr marL="914400" lvl="1" indent="-514350"/>
+            <a:r>
+              <a:rPr lang="en-US" dirty="0"/>
+              <a:t>Gravitational forces</a:t>
+            </a:r>
+          </a:p>
+          <a:p>
+            <a:pPr marL="914400" lvl="1" indent="-514350"/>
+            <a:r>
+              <a:rPr lang="en-US" dirty="0"/>
+              <a:t>Friction forces on rough surfaces</a:t>
+            </a:r>
+          </a:p>
+          <a:p>
+            <a:pPr marL="914400" lvl="1" indent="-514350"/>
+            <a:r>
+              <a:rPr lang="en-US" dirty="0"/>
+              <a:t>Tension in any cables or wire.</a:t>
+            </a:r>
+          </a:p>
+          <a:p>
+            <a:pPr marL="914400" lvl="1" indent="-514350"/>
+            <a:r>
+              <a:rPr lang="en-US" dirty="0"/>
+              <a:t>etc.</a:t>
+            </a:r>
+          </a:p>
+          <a:p>
+            <a:pPr marL="514350" indent="-514350">
+              <a:buFont typeface="+mj-lt"/>
+              <a:buAutoNum type="arabicPeriod"/>
+            </a:pPr>
+            <a:r>
+              <a:rPr lang="en-US" dirty="0"/>
+              <a:t>Add any angles for the force vectors and any key dimensions</a:t>
+            </a:r>
+          </a:p>
+        </p:txBody>
+      </p:sp>
+      <p:sp>
+        <p:nvSpPr>
+          <p:cNvPr id="4" name="Slide Number Placeholder 3"/>
+          <p:cNvSpPr>
+            <a:spLocks noGrp="1"/>
+          </p:cNvSpPr>
+          <p:nvPr>
+            <p:ph type="sldNum" sz="quarter" idx="12"/>
+          </p:nvPr>
+        </p:nvSpPr>
+        <p:spPr/>
+        <p:txBody>
+          <a:bodyPr/>
+          <a:lstStyle/>
+          <a:p>
+            <a:fld id="{929262FE-7F58-4A1E-8AF3-5A510A86DEBD}" type="slidenum">
+              <a:rPr lang="en-US" smtClean="0"/>
+              <a:t>10</a:t>
+            </a:fld>
+            <a:endParaRPr lang="en-US"/>
+          </a:p>
+        </p:txBody>
+      </p:sp>
+    </p:spTree>
+    <p:extLst>
+      <p:ext uri="{BB962C8B-B14F-4D97-AF65-F5344CB8AC3E}">
+        <p14:creationId xmlns:p14="http://schemas.microsoft.com/office/powerpoint/2010/main" val="3462403737"/>
+      </p:ext>
+    </p:extLst>
+  </p:cSld>
+  <p:clrMapOvr>
+    <a:masterClrMapping/>
+  </p:clrMapOvr>
+</p:sld>
+</file>
+
+<file path=ppt/slides/slide11.xml><?xml version="1.0" encoding="utf-8"?>
+<p:sld xmlns:a="http://schemas.openxmlformats.org/drawingml/2006/main" xmlns:r="http://schemas.openxmlformats.org/officeDocument/2006/relationships" xmlns:p="http://schemas.openxmlformats.org/presentationml/2006/main">
+  <p:cSld>
+    <p:spTree>
+      <p:nvGrpSpPr>
+        <p:cNvPr id="1" name=""/>
+        <p:cNvGrpSpPr/>
+        <p:nvPr/>
+      </p:nvGrpSpPr>
+      <p:grpSpPr>
+        <a:xfrm>
+          <a:off x="0" y="0"/>
+          <a:ext cx="0" cy="0"/>
+          <a:chOff x="0" y="0"/>
+          <a:chExt cx="0" cy="0"/>
+        </a:xfrm>
+      </p:grpSpPr>
+      <p:sp>
+        <p:nvSpPr>
+          <p:cNvPr id="2" name="Title 1"/>
+          <p:cNvSpPr>
+            <a:spLocks noGrp="1"/>
+          </p:cNvSpPr>
+          <p:nvPr>
+            <p:ph type="title"/>
+          </p:nvPr>
+        </p:nvSpPr>
+        <p:spPr>
+          <a:xfrm>
+            <a:off x="457200" y="-76200"/>
+            <a:ext cx="8229600" cy="1143000"/>
+          </a:xfrm>
+        </p:spPr>
+        <p:txBody>
+          <a:bodyPr/>
+          <a:lstStyle/>
+          <a:p>
+            <a:r>
+              <a:rPr lang="en-US" dirty="0"/>
+              <a:t>Creating a Free Body Diagram</a:t>
+            </a:r>
+          </a:p>
+        </p:txBody>
+      </p:sp>
+      <p:sp>
+        <p:nvSpPr>
+          <p:cNvPr id="4" name="Slide Number Placeholder 3"/>
+          <p:cNvSpPr>
+            <a:spLocks noGrp="1"/>
+          </p:cNvSpPr>
+          <p:nvPr>
+            <p:ph type="sldNum" sz="quarter" idx="12"/>
+          </p:nvPr>
+        </p:nvSpPr>
+        <p:spPr/>
+        <p:txBody>
+          <a:bodyPr/>
+          <a:lstStyle/>
+          <a:p>
+            <a:fld id="{929262FE-7F58-4A1E-8AF3-5A510A86DEBD}" type="slidenum">
+              <a:rPr lang="en-US" smtClean="0"/>
+              <a:t>11</a:t>
+            </a:fld>
+            <a:endParaRPr lang="en-US"/>
+          </a:p>
+        </p:txBody>
+      </p:sp>
+      <p:pic>
+        <p:nvPicPr>
+          <p:cNvPr id="5" name="Picture 2" descr="C:\Users\jpm46\AppData\Local\Microsoft\Windows\Temporary Internet Files\Content.IE5\51DE7FD3\silhouette-young-man[1].jpg"/>
+          <p:cNvPicPr>
+            <a:picLocks noChangeAspect="1" noChangeArrowheads="1"/>
+          </p:cNvPicPr>
+          <p:nvPr/>
+        </p:nvPicPr>
+        <p:blipFill>
+          <a:blip r:embed="rId2">
+            <a:extLst>
+              <a:ext uri="{BEBA8EAE-BF5A-486C-A8C5-ECC9F3942E4B}">
+                <a14:imgProps xmlns:a14="http://schemas.microsoft.com/office/drawing/2010/main">
+                  <a14:imgLayer r:embed="rId3">
+                    <a14:imgEffect>
+                      <a14:backgroundRemoval t="3089" b="96423" l="31870" r="76911"/>
+                    </a14:imgEffect>
+                  </a14:imgLayer>
+                </a14:imgProps>
+              </a:ext>
+              <a:ext uri="{28A0092B-C50C-407E-A947-70E740481C1C}">
+                <a14:useLocalDpi xmlns:a14="http://schemas.microsoft.com/office/drawing/2010/main" val="0"/>
+              </a:ext>
+            </a:extLst>
+          </a:blip>
+          <a:srcRect/>
+          <a:stretch>
+            <a:fillRect/>
+          </a:stretch>
+        </p:blipFill>
+        <p:spPr bwMode="auto">
+          <a:xfrm flipH="1">
+            <a:off x="705945" y="1143000"/>
+            <a:ext cx="2623457" cy="2623457"/>
+          </a:xfrm>
+          <a:prstGeom prst="rect">
+            <a:avLst/>
+          </a:prstGeom>
+          <a:noFill/>
+          <a:extLst>
+            <a:ext uri="{909E8E84-426E-40DD-AFC4-6F175D3DCCD1}">
+              <a14:hiddenFill xmlns:a14="http://schemas.microsoft.com/office/drawing/2010/main">
+                <a:solidFill>
+                  <a:srgbClr val="FFFFFF"/>
+                </a:solidFill>
+              </a14:hiddenFill>
+            </a:ext>
+          </a:extLst>
+        </p:spPr>
+      </p:pic>
+      <p:sp>
+        <p:nvSpPr>
+          <p:cNvPr id="6" name="L-Shape 5"/>
+          <p:cNvSpPr/>
+          <p:nvPr/>
+        </p:nvSpPr>
+        <p:spPr>
+          <a:xfrm>
+            <a:off x="401145" y="990600"/>
+            <a:ext cx="3810000" cy="5715000"/>
+          </a:xfrm>
+          <a:prstGeom prst="corner">
+            <a:avLst>
+              <a:gd name="adj1" fmla="val 19062"/>
+              <a:gd name="adj2" fmla="val 20410"/>
+            </a:avLst>
+          </a:prstGeom>
+          <a:solidFill>
+            <a:schemeClr val="bg2">
+              <a:lumMod val="75000"/>
+            </a:schemeClr>
+          </a:solidFill>
+          <a:ln>
+            <a:solidFill>
+              <a:schemeClr val="bg2">
+                <a:lumMod val="50000"/>
+              </a:schemeClr>
+            </a:solidFill>
+          </a:ln>
+        </p:spPr>
+        <p:style>
+          <a:lnRef idx="2">
+            <a:schemeClr val="accent1">
+              <a:shade val="50000"/>
+            </a:schemeClr>
+          </a:lnRef>
+          <a:fillRef idx="1">
+            <a:schemeClr val="accent1"/>
+          </a:fillRef>
+          <a:effectRef idx="0">
+            <a:schemeClr val="accent1"/>
+          </a:effectRef>
+          <a:fontRef idx="minor">
+            <a:schemeClr val="lt1"/>
+          </a:fontRef>
+        </p:style>
+        <p:txBody>
+          <a:bodyPr rtlCol="0" anchor="ctr"/>
+          <a:lstStyle/>
+          <a:p>
+            <a:pPr algn="ctr"/>
+            <a:endParaRPr lang="en-US"/>
+          </a:p>
+        </p:txBody>
+      </p:sp>
+      <p:sp>
+        <p:nvSpPr>
+          <p:cNvPr id="7" name="Rounded Rectangle 6"/>
+          <p:cNvSpPr/>
+          <p:nvPr/>
+        </p:nvSpPr>
+        <p:spPr>
+          <a:xfrm rot="19759876">
+            <a:off x="2170755" y="2139895"/>
+            <a:ext cx="270777" cy="4090966"/>
+          </a:xfrm>
+          <a:prstGeom prst="roundRect">
+            <a:avLst>
+              <a:gd name="adj" fmla="val 50000"/>
+            </a:avLst>
+          </a:prstGeom>
+        </p:spPr>
+        <p:style>
+          <a:lnRef idx="1">
+            <a:schemeClr val="dk1"/>
+          </a:lnRef>
+          <a:fillRef idx="2">
+            <a:schemeClr val="dk1"/>
+          </a:fillRef>
+          <a:effectRef idx="1">
+            <a:schemeClr val="dk1"/>
+          </a:effectRef>
+          <a:fontRef idx="minor">
+            <a:schemeClr val="dk1"/>
+          </a:fontRef>
+        </p:style>
+        <p:txBody>
+          <a:bodyPr rtlCol="0" anchor="ctr"/>
+          <a:lstStyle/>
+          <a:p>
+            <a:pPr algn="ctr"/>
+            <a:endParaRPr lang="en-US"/>
+          </a:p>
+        </p:txBody>
+      </p:sp>
+      <p:sp>
+        <p:nvSpPr>
+          <p:cNvPr id="8" name="Rounded Rectangle 7"/>
+          <p:cNvSpPr/>
+          <p:nvPr/>
+        </p:nvSpPr>
+        <p:spPr>
+          <a:xfrm rot="19759876">
+            <a:off x="6649757" y="1758895"/>
+            <a:ext cx="270777" cy="4090966"/>
+          </a:xfrm>
+          <a:prstGeom prst="roundRect">
+            <a:avLst>
+              <a:gd name="adj" fmla="val 50000"/>
+            </a:avLst>
+          </a:prstGeom>
+        </p:spPr>
+        <p:style>
+          <a:lnRef idx="1">
+            <a:schemeClr val="dk1"/>
+          </a:lnRef>
+          <a:fillRef idx="2">
+            <a:schemeClr val="dk1"/>
+          </a:fillRef>
+          <a:effectRef idx="1">
+            <a:schemeClr val="dk1"/>
+          </a:effectRef>
+          <a:fontRef idx="minor">
+            <a:schemeClr val="dk1"/>
+          </a:fontRef>
+        </p:style>
+        <p:txBody>
+          <a:bodyPr rtlCol="0" anchor="ctr"/>
+          <a:lstStyle/>
+          <a:p>
+            <a:pPr algn="ctr"/>
+            <a:endParaRPr lang="en-US"/>
+          </a:p>
+        </p:txBody>
+      </p:sp>
+      <p:cxnSp>
+        <p:nvCxnSpPr>
+          <p:cNvPr id="9" name="Straight Arrow Connector 8"/>
+          <p:cNvCxnSpPr/>
+          <p:nvPr/>
+        </p:nvCxnSpPr>
+        <p:spPr>
+          <a:xfrm>
+            <a:off x="6805350" y="3799113"/>
+            <a:ext cx="0" cy="903515"/>
+          </a:xfrm>
+          <a:prstGeom prst="straightConnector1">
+            <a:avLst/>
+          </a:prstGeom>
+          <a:ln>
+            <a:solidFill>
+              <a:srgbClr val="FF0000"/>
+            </a:solidFill>
+            <a:tailEnd type="arrow"/>
+          </a:ln>
+        </p:spPr>
+        <p:style>
+          <a:lnRef idx="3">
+            <a:schemeClr val="dk1"/>
+          </a:lnRef>
+          <a:fillRef idx="0">
+            <a:schemeClr val="dk1"/>
+          </a:fillRef>
+          <a:effectRef idx="2">
+            <a:schemeClr val="dk1"/>
+          </a:effectRef>
+          <a:fontRef idx="minor">
+            <a:schemeClr val="tx1"/>
+          </a:fontRef>
+        </p:style>
+      </p:cxnSp>
+      <mc:AlternateContent xmlns:mc="http://schemas.openxmlformats.org/markup-compatibility/2006" xmlns:a14="http://schemas.microsoft.com/office/drawing/2010/main">
+        <mc:Choice Requires="a14">
+          <p:sp>
+            <p:nvSpPr>
+              <p:cNvPr id="10" name="TextBox 9"/>
+              <p:cNvSpPr txBox="1"/>
+              <p:nvPr/>
+            </p:nvSpPr>
+            <p:spPr>
+              <a:xfrm>
+                <a:off x="6311234" y="4250870"/>
+                <a:ext cx="473911" cy="395686"/>
+              </a:xfrm>
+              <a:prstGeom prst="rect">
+                <a:avLst/>
+              </a:prstGeom>
+              <a:noFill/>
+            </p:spPr>
+            <p:txBody>
+              <a:bodyPr wrap="none" rtlCol="0">
+                <a:spAutoFit/>
+              </a:bodyPr>
+              <a:lstStyle/>
+              <a:p>
+                <a:pPr/>
+                <a14:m>
+                  <m:oMathPara xmlns:m="http://schemas.openxmlformats.org/officeDocument/2006/math">
+                    <m:oMathParaPr>
+                      <m:jc m:val="centerGroup"/>
+                    </m:oMathParaPr>
+                    <m:oMath xmlns:m="http://schemas.openxmlformats.org/officeDocument/2006/math">
+                      <m:sSub>
+                        <m:sSubPr>
+                          <m:ctrlPr>
+                            <a:rPr lang="en-US" b="1" i="1" smtClean="0">
+                              <a:solidFill>
+                                <a:srgbClr val="FF0000"/>
+                              </a:solidFill>
+                              <a:latin typeface="Cambria Math" panose="02040503050406030204" pitchFamily="18" charset="0"/>
+                            </a:rPr>
+                          </m:ctrlPr>
+                        </m:sSubPr>
+                        <m:e>
+                          <m:r>
+                            <a:rPr lang="en-US" b="1" i="0" smtClean="0">
+                              <a:solidFill>
+                                <a:srgbClr val="FF0000"/>
+                              </a:solidFill>
+                              <a:latin typeface="Cambria Math"/>
+                            </a:rPr>
+                            <m:t>𝐅</m:t>
+                          </m:r>
+                        </m:e>
+                        <m:sub>
+                          <m:r>
+                            <a:rPr lang="en-US" b="1" i="0" smtClean="0">
+                              <a:solidFill>
+                                <a:srgbClr val="FF0000"/>
+                              </a:solidFill>
+                              <a:latin typeface="Cambria Math"/>
+                            </a:rPr>
+                            <m:t>𝐠</m:t>
+                          </m:r>
+                        </m:sub>
+                      </m:sSub>
+                    </m:oMath>
+                  </m:oMathPara>
+                </a14:m>
+                <a:endParaRPr lang="en-US" b="1" dirty="0">
+                  <a:solidFill>
+                    <a:srgbClr val="FF0000"/>
+                  </a:solidFill>
+                  <a:latin typeface="Arial Black" panose="020B0A04020102020204" pitchFamily="34" charset="0"/>
+                </a:endParaRPr>
+              </a:p>
+            </p:txBody>
+          </p:sp>
+        </mc:Choice>
+        <mc:Fallback xmlns="">
+          <p:sp>
+            <p:nvSpPr>
+              <p:cNvPr id="10" name="TextBox 9"/>
+              <p:cNvSpPr txBox="1">
+                <a:spLocks noRot="1" noChangeAspect="1" noMove="1" noResize="1" noEditPoints="1" noAdjustHandles="1" noChangeArrowheads="1" noChangeShapeType="1" noTextEdit="1"/>
+              </p:cNvSpPr>
+              <p:nvPr/>
+            </p:nvSpPr>
+            <p:spPr>
+              <a:xfrm>
+                <a:off x="6311234" y="4250870"/>
+                <a:ext cx="473911" cy="395686"/>
+              </a:xfrm>
+              <a:prstGeom prst="rect">
+                <a:avLst/>
+              </a:prstGeom>
+              <a:blipFill rotWithShape="1">
+                <a:blip r:embed="rId4"/>
+                <a:stretch>
+                  <a:fillRect b="-4615"/>
+                </a:stretch>
+              </a:blipFill>
+            </p:spPr>
+            <p:txBody>
+              <a:bodyPr/>
+              <a:lstStyle/>
+              <a:p>
+                <a:r>
+                  <a:rPr lang="en-US">
+                    <a:noFill/>
+                  </a:rPr>
+                  <a:t> </a:t>
+                </a:r>
+              </a:p>
+            </p:txBody>
+          </p:sp>
+        </mc:Fallback>
+      </mc:AlternateContent>
+      <p:cxnSp>
+        <p:nvCxnSpPr>
+          <p:cNvPr id="11" name="Straight Arrow Connector 10"/>
+          <p:cNvCxnSpPr/>
+          <p:nvPr/>
+        </p:nvCxnSpPr>
+        <p:spPr>
+          <a:xfrm>
+            <a:off x="4830690" y="2144486"/>
+            <a:ext cx="838200" cy="0"/>
+          </a:xfrm>
+          <a:prstGeom prst="straightConnector1">
+            <a:avLst/>
+          </a:prstGeom>
+          <a:ln>
+            <a:solidFill>
+              <a:srgbClr val="FF0000"/>
+            </a:solidFill>
+            <a:tailEnd type="arrow"/>
+          </a:ln>
+        </p:spPr>
+        <p:style>
+          <a:lnRef idx="3">
+            <a:schemeClr val="dk1"/>
+          </a:lnRef>
+          <a:fillRef idx="0">
+            <a:schemeClr val="dk1"/>
+          </a:fillRef>
+          <a:effectRef idx="2">
+            <a:schemeClr val="dk1"/>
+          </a:effectRef>
+          <a:fontRef idx="minor">
+            <a:schemeClr val="tx1"/>
+          </a:fontRef>
+        </p:style>
+      </p:cxnSp>
+      <p:cxnSp>
+        <p:nvCxnSpPr>
+          <p:cNvPr id="12" name="Straight Arrow Connector 11"/>
+          <p:cNvCxnSpPr/>
+          <p:nvPr/>
+        </p:nvCxnSpPr>
+        <p:spPr>
+          <a:xfrm>
+            <a:off x="6314639" y="2100942"/>
+            <a:ext cx="0" cy="903515"/>
+          </a:xfrm>
+          <a:prstGeom prst="straightConnector1">
+            <a:avLst/>
+          </a:prstGeom>
+          <a:ln>
+            <a:solidFill>
+              <a:srgbClr val="FF0000"/>
+            </a:solidFill>
+            <a:tailEnd type="arrow"/>
+          </a:ln>
+        </p:spPr>
+        <p:style>
+          <a:lnRef idx="3">
+            <a:schemeClr val="dk1"/>
+          </a:lnRef>
+          <a:fillRef idx="0">
+            <a:schemeClr val="dk1"/>
+          </a:fillRef>
+          <a:effectRef idx="2">
+            <a:schemeClr val="dk1"/>
+          </a:effectRef>
+          <a:fontRef idx="minor">
+            <a:schemeClr val="tx1"/>
+          </a:fontRef>
+        </p:style>
+      </p:cxnSp>
+      <p:cxnSp>
+        <p:nvCxnSpPr>
+          <p:cNvPr id="13" name="Straight Arrow Connector 12"/>
+          <p:cNvCxnSpPr/>
+          <p:nvPr/>
+        </p:nvCxnSpPr>
+        <p:spPr>
+          <a:xfrm flipV="1">
+            <a:off x="7749003" y="5573486"/>
+            <a:ext cx="0" cy="1170214"/>
+          </a:xfrm>
+          <a:prstGeom prst="straightConnector1">
+            <a:avLst/>
+          </a:prstGeom>
+          <a:ln>
+            <a:solidFill>
+              <a:srgbClr val="FF0000"/>
+            </a:solidFill>
+            <a:tailEnd type="arrow"/>
+          </a:ln>
+        </p:spPr>
+        <p:style>
+          <a:lnRef idx="3">
+            <a:schemeClr val="dk1"/>
+          </a:lnRef>
+          <a:fillRef idx="0">
+            <a:schemeClr val="dk1"/>
+          </a:fillRef>
+          <a:effectRef idx="2">
+            <a:schemeClr val="dk1"/>
+          </a:effectRef>
+          <a:fontRef idx="minor">
+            <a:schemeClr val="tx1"/>
+          </a:fontRef>
+        </p:style>
+      </p:cxnSp>
+      <p:cxnSp>
+        <p:nvCxnSpPr>
+          <p:cNvPr id="14" name="Straight Arrow Connector 13"/>
+          <p:cNvCxnSpPr/>
+          <p:nvPr/>
+        </p:nvCxnSpPr>
+        <p:spPr>
+          <a:xfrm flipH="1">
+            <a:off x="7749003" y="5573486"/>
+            <a:ext cx="838200" cy="0"/>
+          </a:xfrm>
+          <a:prstGeom prst="straightConnector1">
+            <a:avLst/>
+          </a:prstGeom>
+          <a:ln>
+            <a:solidFill>
+              <a:srgbClr val="FF0000"/>
+            </a:solidFill>
+            <a:tailEnd type="arrow"/>
+          </a:ln>
+        </p:spPr>
+        <p:style>
+          <a:lnRef idx="3">
+            <a:schemeClr val="dk1"/>
+          </a:lnRef>
+          <a:fillRef idx="0">
+            <a:schemeClr val="dk1"/>
+          </a:fillRef>
+          <a:effectRef idx="2">
+            <a:schemeClr val="dk1"/>
+          </a:effectRef>
+          <a:fontRef idx="minor">
+            <a:schemeClr val="tx1"/>
+          </a:fontRef>
+        </p:style>
+      </p:cxnSp>
+      <mc:AlternateContent xmlns:mc="http://schemas.openxmlformats.org/markup-compatibility/2006" xmlns:a14="http://schemas.microsoft.com/office/drawing/2010/main">
+        <mc:Choice Requires="a14">
+          <p:sp>
+            <p:nvSpPr>
+              <p:cNvPr id="16" name="TextBox 15"/>
+              <p:cNvSpPr txBox="1"/>
+              <p:nvPr/>
+            </p:nvSpPr>
+            <p:spPr>
+              <a:xfrm>
+                <a:off x="4603031" y="1733958"/>
+                <a:ext cx="600549" cy="369332"/>
+              </a:xfrm>
+              <a:prstGeom prst="rect">
+                <a:avLst/>
+              </a:prstGeom>
+              <a:noFill/>
+            </p:spPr>
+            <p:txBody>
+              <a:bodyPr wrap="none" rtlCol="0">
+                <a:spAutoFit/>
+              </a:bodyPr>
+              <a:lstStyle/>
+              <a:p>
+                <a:pPr/>
+                <a14:m>
+                  <m:oMathPara xmlns:m="http://schemas.openxmlformats.org/officeDocument/2006/math">
+                    <m:oMathParaPr>
+                      <m:jc m:val="centerGroup"/>
+                    </m:oMathParaPr>
+                    <m:oMath xmlns:m="http://schemas.openxmlformats.org/officeDocument/2006/math">
+                      <m:sSub>
+                        <m:sSubPr>
+                          <m:ctrlPr>
+                            <a:rPr lang="en-US" b="1" i="1" smtClean="0">
+                              <a:solidFill>
+                                <a:srgbClr val="FF0000"/>
+                              </a:solidFill>
+                              <a:latin typeface="Cambria Math" panose="02040503050406030204" pitchFamily="18" charset="0"/>
+                            </a:rPr>
+                          </m:ctrlPr>
+                        </m:sSubPr>
+                        <m:e>
+                          <m:r>
+                            <a:rPr lang="en-US" b="1" i="0" smtClean="0">
+                              <a:solidFill>
+                                <a:srgbClr val="FF0000"/>
+                              </a:solidFill>
+                              <a:latin typeface="Cambria Math"/>
+                            </a:rPr>
+                            <m:t>𝐅</m:t>
+                          </m:r>
+                        </m:e>
+                        <m:sub>
+                          <m:r>
+                            <a:rPr lang="en-US" b="1" i="0" smtClean="0">
+                              <a:solidFill>
+                                <a:srgbClr val="FF0000"/>
+                              </a:solidFill>
+                              <a:latin typeface="Cambria Math"/>
+                            </a:rPr>
+                            <m:t>𝐍𝟏</m:t>
+                          </m:r>
+                        </m:sub>
+                      </m:sSub>
+                    </m:oMath>
+                  </m:oMathPara>
+                </a14:m>
+                <a:endParaRPr lang="en-US" b="1" dirty="0">
+                  <a:solidFill>
+                    <a:srgbClr val="FF0000"/>
+                  </a:solidFill>
+                  <a:latin typeface="Arial Black" panose="020B0A04020102020204" pitchFamily="34" charset="0"/>
+                </a:endParaRPr>
+              </a:p>
+            </p:txBody>
+          </p:sp>
+        </mc:Choice>
+        <mc:Fallback xmlns="">
+          <p:sp>
+            <p:nvSpPr>
+              <p:cNvPr id="16" name="TextBox 15"/>
+              <p:cNvSpPr txBox="1">
+                <a:spLocks noRot="1" noChangeAspect="1" noMove="1" noResize="1" noEditPoints="1" noAdjustHandles="1" noChangeArrowheads="1" noChangeShapeType="1" noTextEdit="1"/>
+              </p:cNvSpPr>
+              <p:nvPr/>
+            </p:nvSpPr>
+            <p:spPr>
+              <a:xfrm>
+                <a:off x="4603031" y="1733958"/>
+                <a:ext cx="600549" cy="369332"/>
+              </a:xfrm>
+              <a:prstGeom prst="rect">
+                <a:avLst/>
+              </a:prstGeom>
+              <a:blipFill rotWithShape="1">
+                <a:blip r:embed="rId6"/>
+                <a:stretch>
+                  <a:fillRect/>
+                </a:stretch>
+              </a:blipFill>
+            </p:spPr>
+            <p:txBody>
+              <a:bodyPr/>
+              <a:lstStyle/>
+              <a:p>
+                <a:r>
+                  <a:rPr lang="en-US">
+                    <a:noFill/>
+                  </a:rPr>
+                  <a:t> </a:t>
+                </a:r>
+              </a:p>
+            </p:txBody>
+          </p:sp>
+        </mc:Fallback>
+      </mc:AlternateContent>
+      <mc:AlternateContent xmlns:mc="http://schemas.openxmlformats.org/markup-compatibility/2006" xmlns:a14="http://schemas.microsoft.com/office/drawing/2010/main">
+        <mc:Choice Requires="a14">
+          <p:sp>
+            <p:nvSpPr>
+              <p:cNvPr id="17" name="TextBox 16"/>
+              <p:cNvSpPr txBox="1"/>
+              <p:nvPr/>
+            </p:nvSpPr>
+            <p:spPr>
+              <a:xfrm>
+                <a:off x="7716345" y="6412468"/>
+                <a:ext cx="600549" cy="369332"/>
+              </a:xfrm>
+              <a:prstGeom prst="rect">
+                <a:avLst/>
+              </a:prstGeom>
+              <a:noFill/>
+            </p:spPr>
+            <p:txBody>
+              <a:bodyPr wrap="none" rtlCol="0">
+                <a:spAutoFit/>
+              </a:bodyPr>
+              <a:lstStyle/>
+              <a:p>
+                <a:pPr/>
+                <a14:m>
+                  <m:oMathPara xmlns:m="http://schemas.openxmlformats.org/officeDocument/2006/math">
+                    <m:oMathParaPr>
+                      <m:jc m:val="centerGroup"/>
+                    </m:oMathParaPr>
+                    <m:oMath xmlns:m="http://schemas.openxmlformats.org/officeDocument/2006/math">
+                      <m:sSub>
+                        <m:sSubPr>
+                          <m:ctrlPr>
+                            <a:rPr lang="en-US" b="1" i="1" smtClean="0">
+                              <a:solidFill>
+                                <a:srgbClr val="FF0000"/>
+                              </a:solidFill>
+                              <a:latin typeface="Cambria Math" panose="02040503050406030204" pitchFamily="18" charset="0"/>
+                            </a:rPr>
+                          </m:ctrlPr>
+                        </m:sSubPr>
+                        <m:e>
+                          <m:r>
+                            <a:rPr lang="en-US" b="1" i="0" smtClean="0">
+                              <a:solidFill>
+                                <a:srgbClr val="FF0000"/>
+                              </a:solidFill>
+                              <a:latin typeface="Cambria Math"/>
+                            </a:rPr>
+                            <m:t>𝐅</m:t>
+                          </m:r>
+                        </m:e>
+                        <m:sub>
+                          <m:r>
+                            <a:rPr lang="en-US" b="1" i="0" smtClean="0">
+                              <a:solidFill>
+                                <a:srgbClr val="FF0000"/>
+                              </a:solidFill>
+                              <a:latin typeface="Cambria Math"/>
+                            </a:rPr>
+                            <m:t>𝐍𝟐</m:t>
+                          </m:r>
+                        </m:sub>
+                      </m:sSub>
+                    </m:oMath>
+                  </m:oMathPara>
+                </a14:m>
+                <a:endParaRPr lang="en-US" b="1" dirty="0">
+                  <a:solidFill>
+                    <a:srgbClr val="FF0000"/>
+                  </a:solidFill>
+                  <a:latin typeface="Arial Black" panose="020B0A04020102020204" pitchFamily="34" charset="0"/>
+                </a:endParaRPr>
+              </a:p>
+            </p:txBody>
+          </p:sp>
+        </mc:Choice>
+        <mc:Fallback xmlns="">
+          <p:sp>
+            <p:nvSpPr>
+              <p:cNvPr id="17" name="TextBox 16"/>
+              <p:cNvSpPr txBox="1">
+                <a:spLocks noRot="1" noChangeAspect="1" noMove="1" noResize="1" noEditPoints="1" noAdjustHandles="1" noChangeArrowheads="1" noChangeShapeType="1" noTextEdit="1"/>
+              </p:cNvSpPr>
+              <p:nvPr/>
+            </p:nvSpPr>
+            <p:spPr>
+              <a:xfrm>
+                <a:off x="7716345" y="6412468"/>
+                <a:ext cx="600549" cy="369332"/>
+              </a:xfrm>
+              <a:prstGeom prst="rect">
+                <a:avLst/>
+              </a:prstGeom>
+              <a:blipFill rotWithShape="1">
+                <a:blip r:embed="rId7"/>
+                <a:stretch>
+                  <a:fillRect/>
+                </a:stretch>
+              </a:blipFill>
+            </p:spPr>
+            <p:txBody>
+              <a:bodyPr/>
+              <a:lstStyle/>
+              <a:p>
+                <a:r>
+                  <a:rPr lang="en-US">
+                    <a:noFill/>
+                  </a:rPr>
+                  <a:t> </a:t>
+                </a:r>
+              </a:p>
+            </p:txBody>
+          </p:sp>
+        </mc:Fallback>
+      </mc:AlternateContent>
+      <mc:AlternateContent xmlns:mc="http://schemas.openxmlformats.org/markup-compatibility/2006" xmlns:a14="http://schemas.microsoft.com/office/drawing/2010/main">
+        <mc:Choice Requires="a14">
+          <p:sp>
+            <p:nvSpPr>
+              <p:cNvPr id="18" name="TextBox 17"/>
+              <p:cNvSpPr txBox="1"/>
+              <p:nvPr/>
+            </p:nvSpPr>
+            <p:spPr>
+              <a:xfrm>
+                <a:off x="8209683" y="5573486"/>
+                <a:ext cx="477117" cy="369332"/>
+              </a:xfrm>
+              <a:prstGeom prst="rect">
+                <a:avLst/>
+              </a:prstGeom>
+              <a:noFill/>
+            </p:spPr>
+            <p:txBody>
+              <a:bodyPr wrap="none" rtlCol="0">
+                <a:spAutoFit/>
+              </a:bodyPr>
+              <a:lstStyle/>
+              <a:p>
+                <a:pPr/>
+                <a14:m>
+                  <m:oMathPara xmlns:m="http://schemas.openxmlformats.org/officeDocument/2006/math">
+                    <m:oMathParaPr>
+                      <m:jc m:val="centerGroup"/>
+                    </m:oMathParaPr>
+                    <m:oMath xmlns:m="http://schemas.openxmlformats.org/officeDocument/2006/math">
+                      <m:sSub>
+                        <m:sSubPr>
+                          <m:ctrlPr>
+                            <a:rPr lang="en-US" b="1" i="1" smtClean="0">
+                              <a:solidFill>
+                                <a:srgbClr val="FF0000"/>
+                              </a:solidFill>
+                              <a:latin typeface="Cambria Math" panose="02040503050406030204" pitchFamily="18" charset="0"/>
+                            </a:rPr>
+                          </m:ctrlPr>
+                        </m:sSubPr>
+                        <m:e>
+                          <m:r>
+                            <a:rPr lang="en-US" b="1" i="0" smtClean="0">
+                              <a:solidFill>
+                                <a:srgbClr val="FF0000"/>
+                              </a:solidFill>
+                              <a:latin typeface="Cambria Math"/>
+                            </a:rPr>
+                            <m:t>𝐅</m:t>
+                          </m:r>
+                        </m:e>
+                        <m:sub>
+                          <m:r>
+                            <a:rPr lang="en-US" b="1" i="0" smtClean="0">
+                              <a:solidFill>
+                                <a:srgbClr val="FF0000"/>
+                              </a:solidFill>
+                              <a:latin typeface="Cambria Math"/>
+                            </a:rPr>
+                            <m:t>𝐅</m:t>
+                          </m:r>
+                        </m:sub>
+                      </m:sSub>
+                    </m:oMath>
+                  </m:oMathPara>
+                </a14:m>
+                <a:endParaRPr lang="en-US" b="1" dirty="0">
+                  <a:solidFill>
+                    <a:srgbClr val="FF0000"/>
+                  </a:solidFill>
+                  <a:latin typeface="Arial Black" panose="020B0A04020102020204" pitchFamily="34" charset="0"/>
+                </a:endParaRPr>
+              </a:p>
+            </p:txBody>
+          </p:sp>
+        </mc:Choice>
+        <mc:Fallback xmlns="">
+          <p:sp>
+            <p:nvSpPr>
+              <p:cNvPr id="18" name="TextBox 17"/>
+              <p:cNvSpPr txBox="1">
+                <a:spLocks noRot="1" noChangeAspect="1" noMove="1" noResize="1" noEditPoints="1" noAdjustHandles="1" noChangeArrowheads="1" noChangeShapeType="1" noTextEdit="1"/>
+              </p:cNvSpPr>
+              <p:nvPr/>
+            </p:nvSpPr>
+            <p:spPr>
+              <a:xfrm>
+                <a:off x="8209683" y="5573486"/>
+                <a:ext cx="477117" cy="369332"/>
+              </a:xfrm>
+              <a:prstGeom prst="rect">
+                <a:avLst/>
+              </a:prstGeom>
+              <a:blipFill rotWithShape="1">
+                <a:blip r:embed="rId8"/>
+                <a:stretch>
+                  <a:fillRect/>
+                </a:stretch>
+              </a:blipFill>
+            </p:spPr>
+            <p:txBody>
+              <a:bodyPr/>
+              <a:lstStyle/>
+              <a:p>
+                <a:r>
+                  <a:rPr lang="en-US">
+                    <a:noFill/>
+                  </a:rPr>
+                  <a:t> </a:t>
+                </a:r>
+              </a:p>
+            </p:txBody>
+          </p:sp>
+        </mc:Fallback>
+      </mc:AlternateContent>
+      <p:cxnSp>
+        <p:nvCxnSpPr>
+          <p:cNvPr id="19" name="Straight Connector 18"/>
+          <p:cNvCxnSpPr/>
+          <p:nvPr/>
+        </p:nvCxnSpPr>
+        <p:spPr>
+          <a:xfrm rot="16200000">
+            <a:off x="6101721" y="1596745"/>
+            <a:ext cx="298146" cy="551248"/>
+          </a:xfrm>
+          <a:prstGeom prst="line">
+            <a:avLst/>
+          </a:prstGeom>
+        </p:spPr>
+        <p:style>
+          <a:lnRef idx="1">
+            <a:schemeClr val="accent1"/>
+          </a:lnRef>
+          <a:fillRef idx="0">
+            <a:schemeClr val="accent1"/>
+          </a:fillRef>
+          <a:effectRef idx="0">
+            <a:schemeClr val="accent1"/>
+          </a:effectRef>
+          <a:fontRef idx="minor">
+            <a:schemeClr val="tx1"/>
+          </a:fontRef>
+        </p:style>
+      </p:cxnSp>
+      <p:cxnSp>
+        <p:nvCxnSpPr>
+          <p:cNvPr id="20" name="Straight Connector 19"/>
+          <p:cNvCxnSpPr/>
+          <p:nvPr/>
+        </p:nvCxnSpPr>
+        <p:spPr>
+          <a:xfrm rot="16200000">
+            <a:off x="6636072" y="2464429"/>
+            <a:ext cx="298146" cy="551248"/>
+          </a:xfrm>
+          <a:prstGeom prst="line">
+            <a:avLst/>
+          </a:prstGeom>
+        </p:spPr>
+        <p:style>
+          <a:lnRef idx="1">
+            <a:schemeClr val="accent1"/>
+          </a:lnRef>
+          <a:fillRef idx="0">
+            <a:schemeClr val="accent1"/>
+          </a:fillRef>
+          <a:effectRef idx="0">
+            <a:schemeClr val="accent1"/>
+          </a:effectRef>
+          <a:fontRef idx="minor">
+            <a:schemeClr val="tx1"/>
+          </a:fontRef>
+        </p:style>
+      </p:cxnSp>
+      <p:cxnSp>
+        <p:nvCxnSpPr>
+          <p:cNvPr id="21" name="Straight Connector 20"/>
+          <p:cNvCxnSpPr/>
+          <p:nvPr/>
+        </p:nvCxnSpPr>
+        <p:spPr>
+          <a:xfrm rot="16200000">
+            <a:off x="7083434" y="3258906"/>
+            <a:ext cx="298146" cy="551248"/>
+          </a:xfrm>
+          <a:prstGeom prst="line">
+            <a:avLst/>
+          </a:prstGeom>
+        </p:spPr>
+        <p:style>
+          <a:lnRef idx="1">
+            <a:schemeClr val="accent1"/>
+          </a:lnRef>
+          <a:fillRef idx="0">
+            <a:schemeClr val="accent1"/>
+          </a:fillRef>
+          <a:effectRef idx="0">
+            <a:schemeClr val="accent1"/>
+          </a:effectRef>
+          <a:fontRef idx="minor">
+            <a:schemeClr val="tx1"/>
+          </a:fontRef>
+        </p:style>
+      </p:cxnSp>
+      <p:cxnSp>
+        <p:nvCxnSpPr>
+          <p:cNvPr id="22" name="Straight Connector 21"/>
+          <p:cNvCxnSpPr/>
+          <p:nvPr/>
+        </p:nvCxnSpPr>
+        <p:spPr>
+          <a:xfrm rot="16200000">
+            <a:off x="8104154" y="5001795"/>
+            <a:ext cx="298146" cy="551248"/>
+          </a:xfrm>
+          <a:prstGeom prst="line">
+            <a:avLst/>
+          </a:prstGeom>
+        </p:spPr>
+        <p:style>
+          <a:lnRef idx="1">
+            <a:schemeClr val="accent1"/>
+          </a:lnRef>
+          <a:fillRef idx="0">
+            <a:schemeClr val="accent1"/>
+          </a:fillRef>
+          <a:effectRef idx="0">
+            <a:schemeClr val="accent1"/>
+          </a:effectRef>
+          <a:fontRef idx="minor">
+            <a:schemeClr val="tx1"/>
+          </a:fontRef>
+        </p:style>
+      </p:cxnSp>
+      <p:cxnSp>
+        <p:nvCxnSpPr>
+          <p:cNvPr id="23" name="Straight Connector 22"/>
+          <p:cNvCxnSpPr/>
+          <p:nvPr/>
+        </p:nvCxnSpPr>
+        <p:spPr>
+          <a:xfrm>
+            <a:off x="6436463" y="1768348"/>
+            <a:ext cx="1992579" cy="3419275"/>
+          </a:xfrm>
+          <a:prstGeom prst="line">
+            <a:avLst/>
+          </a:prstGeom>
+        </p:spPr>
+        <p:style>
+          <a:lnRef idx="1">
+            <a:schemeClr val="accent1"/>
+          </a:lnRef>
+          <a:fillRef idx="0">
+            <a:schemeClr val="accent1"/>
+          </a:fillRef>
+          <a:effectRef idx="0">
+            <a:schemeClr val="accent1"/>
+          </a:effectRef>
+          <a:fontRef idx="minor">
+            <a:schemeClr val="tx1"/>
+          </a:fontRef>
+        </p:style>
+      </p:cxnSp>
+      <p:cxnSp>
+        <p:nvCxnSpPr>
+          <p:cNvPr id="24" name="Straight Connector 23"/>
+          <p:cNvCxnSpPr/>
+          <p:nvPr/>
+        </p:nvCxnSpPr>
+        <p:spPr>
+          <a:xfrm>
+            <a:off x="6436463" y="5589276"/>
+            <a:ext cx="1191657" cy="0"/>
+          </a:xfrm>
+          <a:prstGeom prst="line">
+            <a:avLst/>
+          </a:prstGeom>
+        </p:spPr>
+        <p:style>
+          <a:lnRef idx="1">
+            <a:schemeClr val="accent1"/>
+          </a:lnRef>
+          <a:fillRef idx="0">
+            <a:schemeClr val="accent1"/>
+          </a:fillRef>
+          <a:effectRef idx="0">
+            <a:schemeClr val="accent1"/>
+          </a:effectRef>
+          <a:fontRef idx="minor">
+            <a:schemeClr val="tx1"/>
+          </a:fontRef>
+        </p:style>
+      </p:cxnSp>
+      <p:sp>
+        <p:nvSpPr>
+          <p:cNvPr id="25" name="TextBox 24"/>
+          <p:cNvSpPr txBox="1"/>
+          <p:nvPr/>
+        </p:nvSpPr>
+        <p:spPr>
+          <a:xfrm>
+            <a:off x="6415415" y="1983521"/>
+            <a:ext cx="538930" cy="369332"/>
+          </a:xfrm>
+          <a:prstGeom prst="rect">
+            <a:avLst/>
+          </a:prstGeom>
+          <a:solidFill>
+            <a:schemeClr val="bg1"/>
+          </a:solidFill>
+        </p:spPr>
+        <p:txBody>
+          <a:bodyPr wrap="none" rtlCol="0">
+            <a:spAutoFit/>
+          </a:bodyPr>
+          <a:lstStyle/>
+          <a:p>
+            <a:r>
+              <a:rPr lang="en-US" dirty="0">
+                <a:solidFill>
+                  <a:schemeClr val="accent1"/>
+                </a:solidFill>
+              </a:rPr>
+              <a:t>1 m</a:t>
+            </a:r>
+          </a:p>
+        </p:txBody>
+      </p:sp>
+      <p:sp>
+        <p:nvSpPr>
+          <p:cNvPr id="26" name="TextBox 25"/>
+          <p:cNvSpPr txBox="1"/>
+          <p:nvPr/>
+        </p:nvSpPr>
+        <p:spPr>
+          <a:xfrm>
+            <a:off x="6905271" y="2831068"/>
+            <a:ext cx="538930" cy="369332"/>
+          </a:xfrm>
+          <a:prstGeom prst="rect">
+            <a:avLst/>
+          </a:prstGeom>
+          <a:solidFill>
+            <a:schemeClr val="bg1"/>
+          </a:solidFill>
+        </p:spPr>
+        <p:txBody>
+          <a:bodyPr wrap="none" rtlCol="0">
+            <a:spAutoFit/>
+          </a:bodyPr>
+          <a:lstStyle/>
+          <a:p>
+            <a:r>
+              <a:rPr lang="en-US" dirty="0">
+                <a:solidFill>
+                  <a:schemeClr val="accent1"/>
+                </a:solidFill>
+              </a:rPr>
+              <a:t>1 m</a:t>
+            </a:r>
+          </a:p>
+        </p:txBody>
+      </p:sp>
+      <p:sp>
+        <p:nvSpPr>
+          <p:cNvPr id="27" name="TextBox 26"/>
+          <p:cNvSpPr txBox="1"/>
+          <p:nvPr/>
+        </p:nvSpPr>
+        <p:spPr>
+          <a:xfrm>
+            <a:off x="7661917" y="4126468"/>
+            <a:ext cx="538930" cy="369332"/>
+          </a:xfrm>
+          <a:prstGeom prst="rect">
+            <a:avLst/>
+          </a:prstGeom>
+          <a:solidFill>
+            <a:schemeClr val="bg1"/>
+          </a:solidFill>
+        </p:spPr>
+        <p:txBody>
+          <a:bodyPr wrap="none" rtlCol="0">
+            <a:spAutoFit/>
+          </a:bodyPr>
+          <a:lstStyle/>
+          <a:p>
+            <a:r>
+              <a:rPr lang="en-US" dirty="0">
+                <a:solidFill>
+                  <a:schemeClr val="accent1"/>
+                </a:solidFill>
+              </a:rPr>
+              <a:t>2 m</a:t>
+            </a:r>
+          </a:p>
+        </p:txBody>
+      </p:sp>
+      <p:sp>
+        <p:nvSpPr>
+          <p:cNvPr id="28" name="Arc 27"/>
+          <p:cNvSpPr/>
+          <p:nvPr/>
+        </p:nvSpPr>
+        <p:spPr>
+          <a:xfrm>
+            <a:off x="6834603" y="4669970"/>
+            <a:ext cx="1828800" cy="1828800"/>
+          </a:xfrm>
+          <a:prstGeom prst="arc">
+            <a:avLst>
+              <a:gd name="adj1" fmla="val 10836965"/>
+              <a:gd name="adj2" fmla="val 14364037"/>
+            </a:avLst>
+          </a:prstGeom>
+        </p:spPr>
+        <p:style>
+          <a:lnRef idx="1">
+            <a:schemeClr val="accent1"/>
+          </a:lnRef>
+          <a:fillRef idx="0">
+            <a:schemeClr val="accent1"/>
+          </a:fillRef>
+          <a:effectRef idx="0">
+            <a:schemeClr val="accent1"/>
+          </a:effectRef>
+          <a:fontRef idx="minor">
+            <a:schemeClr val="tx1"/>
+          </a:fontRef>
+        </p:style>
+        <p:txBody>
+          <a:bodyPr rtlCol="0" anchor="ctr"/>
+          <a:lstStyle/>
+          <a:p>
+            <a:pPr algn="ctr"/>
+            <a:endParaRPr lang="en-US"/>
+          </a:p>
+        </p:txBody>
+      </p:sp>
+      <p:sp>
+        <p:nvSpPr>
+          <p:cNvPr id="29" name="TextBox 28"/>
+          <p:cNvSpPr txBox="1"/>
+          <p:nvPr/>
+        </p:nvSpPr>
+        <p:spPr>
+          <a:xfrm>
+            <a:off x="6486545" y="4954565"/>
+            <a:ext cx="500458" cy="369332"/>
+          </a:xfrm>
+          <a:prstGeom prst="rect">
+            <a:avLst/>
+          </a:prstGeom>
+          <a:noFill/>
+        </p:spPr>
+        <p:txBody>
+          <a:bodyPr wrap="none" rtlCol="0">
+            <a:spAutoFit/>
+          </a:bodyPr>
+          <a:lstStyle/>
+          <a:p>
+            <a:r>
+              <a:rPr lang="en-US" dirty="0">
+                <a:solidFill>
+                  <a:schemeClr val="accent1"/>
+                </a:solidFill>
+              </a:rPr>
+              <a:t>65</a:t>
+            </a:r>
+            <a:r>
+              <a:rPr lang="en-US" baseline="30000" dirty="0">
+                <a:solidFill>
+                  <a:schemeClr val="accent1"/>
+                </a:solidFill>
+              </a:rPr>
+              <a:t>o</a:t>
+            </a:r>
+          </a:p>
+        </p:txBody>
+      </p:sp>
+      <p:sp>
+        <p:nvSpPr>
+          <p:cNvPr id="30" name="Right Arrow 29"/>
+          <p:cNvSpPr/>
+          <p:nvPr/>
+        </p:nvSpPr>
+        <p:spPr>
+          <a:xfrm>
+            <a:off x="4134945" y="3505200"/>
+            <a:ext cx="916235" cy="838200"/>
+          </a:xfrm>
+          <a:prstGeom prst="rightArrow">
+            <a:avLst/>
+          </a:prstGeom>
+        </p:spPr>
+        <p:style>
+          <a:lnRef idx="2">
+            <a:schemeClr val="accent1">
+              <a:shade val="50000"/>
+            </a:schemeClr>
+          </a:lnRef>
+          <a:fillRef idx="1">
+            <a:schemeClr val="accent1"/>
+          </a:fillRef>
+          <a:effectRef idx="0">
+            <a:schemeClr val="accent1"/>
+          </a:effectRef>
+          <a:fontRef idx="minor">
+            <a:schemeClr val="lt1"/>
+          </a:fontRef>
+        </p:style>
+        <p:txBody>
+          <a:bodyPr rtlCol="0" anchor="ctr"/>
+          <a:lstStyle/>
+          <a:p>
+            <a:pPr algn="ctr"/>
+            <a:endParaRPr lang="en-US"/>
+          </a:p>
+        </p:txBody>
+      </p:sp>
+      <p:sp>
+        <p:nvSpPr>
+          <p:cNvPr id="31" name="TextBox 30"/>
+          <p:cNvSpPr txBox="1"/>
+          <p:nvPr/>
+        </p:nvSpPr>
+        <p:spPr>
+          <a:xfrm>
+            <a:off x="1276974" y="914400"/>
+            <a:ext cx="1867371" cy="369332"/>
+          </a:xfrm>
+          <a:prstGeom prst="rect">
+            <a:avLst/>
+          </a:prstGeom>
+          <a:noFill/>
+        </p:spPr>
+        <p:txBody>
+          <a:bodyPr wrap="none" rtlCol="0">
+            <a:spAutoFit/>
+          </a:bodyPr>
+          <a:lstStyle/>
+          <a:p>
+            <a:r>
+              <a:rPr lang="en-US" dirty="0"/>
+              <a:t>Problem Diagram</a:t>
+            </a:r>
+          </a:p>
+        </p:txBody>
+      </p:sp>
+      <p:sp>
+        <p:nvSpPr>
+          <p:cNvPr id="32" name="TextBox 31"/>
+          <p:cNvSpPr txBox="1"/>
+          <p:nvPr/>
+        </p:nvSpPr>
+        <p:spPr>
+          <a:xfrm>
+            <a:off x="5354145" y="1002268"/>
+            <a:ext cx="1962653" cy="369332"/>
+          </a:xfrm>
+          <a:prstGeom prst="rect">
+            <a:avLst/>
+          </a:prstGeom>
+          <a:noFill/>
+        </p:spPr>
+        <p:txBody>
+          <a:bodyPr wrap="none" rtlCol="0">
+            <a:spAutoFit/>
+          </a:bodyPr>
+          <a:lstStyle/>
+          <a:p>
+            <a:r>
+              <a:rPr lang="en-US" dirty="0"/>
+              <a:t>Free Body Diagram</a:t>
+            </a:r>
+          </a:p>
+        </p:txBody>
+      </p:sp>
+      <mc:AlternateContent xmlns:mc="http://schemas.openxmlformats.org/markup-compatibility/2006" xmlns:a14="http://schemas.microsoft.com/office/drawing/2010/main">
+        <mc:Choice Requires="a14">
+          <p:sp>
+            <p:nvSpPr>
+              <p:cNvPr id="15" name="TextBox 14"/>
+              <p:cNvSpPr txBox="1"/>
+              <p:nvPr/>
+            </p:nvSpPr>
+            <p:spPr>
+              <a:xfrm>
+                <a:off x="6040499" y="1759105"/>
+                <a:ext cx="538032" cy="369332"/>
+              </a:xfrm>
+              <a:prstGeom prst="rect">
+                <a:avLst/>
+              </a:prstGeom>
+              <a:noFill/>
+            </p:spPr>
+            <p:txBody>
+              <a:bodyPr wrap="none" rtlCol="0">
+                <a:spAutoFit/>
+              </a:bodyPr>
+              <a:lstStyle/>
+              <a:p>
+                <a:pPr/>
+                <a14:m>
+                  <m:oMathPara xmlns:m="http://schemas.openxmlformats.org/officeDocument/2006/math">
+                    <m:oMathParaPr>
+                      <m:jc m:val="centerGroup"/>
+                    </m:oMathParaPr>
+                    <m:oMath xmlns:m="http://schemas.openxmlformats.org/officeDocument/2006/math">
+                      <m:sSub>
+                        <m:sSubPr>
+                          <m:ctrlPr>
+                            <a:rPr lang="en-US" b="1" i="1" smtClean="0">
+                              <a:solidFill>
+                                <a:srgbClr val="FF0000"/>
+                              </a:solidFill>
+                              <a:latin typeface="Cambria Math" panose="02040503050406030204" pitchFamily="18" charset="0"/>
+                            </a:rPr>
+                          </m:ctrlPr>
+                        </m:sSubPr>
+                        <m:e>
+                          <m:r>
+                            <a:rPr lang="en-US" b="1" i="0" smtClean="0">
+                              <a:solidFill>
+                                <a:srgbClr val="FF0000"/>
+                              </a:solidFill>
+                              <a:latin typeface="Cambria Math"/>
+                            </a:rPr>
+                            <m:t>𝐅</m:t>
+                          </m:r>
+                        </m:e>
+                        <m:sub>
+                          <m:r>
+                            <a:rPr lang="en-US" b="1" i="0" smtClean="0">
+                              <a:solidFill>
+                                <a:srgbClr val="FF0000"/>
+                              </a:solidFill>
+                              <a:latin typeface="Cambria Math"/>
+                            </a:rPr>
+                            <m:t>𝐦</m:t>
+                          </m:r>
+                        </m:sub>
+                      </m:sSub>
+                    </m:oMath>
+                  </m:oMathPara>
+                </a14:m>
+                <a:endParaRPr lang="en-US" b="1" dirty="0">
+                  <a:solidFill>
+                    <a:srgbClr val="FF0000"/>
+                  </a:solidFill>
+                  <a:latin typeface="Arial Black" panose="020B0A04020102020204" pitchFamily="34" charset="0"/>
+                </a:endParaRPr>
+              </a:p>
+            </p:txBody>
+          </p:sp>
+        </mc:Choice>
+        <mc:Fallback xmlns="">
+          <p:sp>
+            <p:nvSpPr>
+              <p:cNvPr id="15" name="TextBox 14"/>
+              <p:cNvSpPr txBox="1">
+                <a:spLocks noRot="1" noChangeAspect="1" noMove="1" noResize="1" noEditPoints="1" noAdjustHandles="1" noChangeArrowheads="1" noChangeShapeType="1" noTextEdit="1"/>
+              </p:cNvSpPr>
+              <p:nvPr/>
+            </p:nvSpPr>
+            <p:spPr>
+              <a:xfrm>
+                <a:off x="6040499" y="1759105"/>
+                <a:ext cx="538032" cy="369332"/>
+              </a:xfrm>
+              <a:prstGeom prst="rect">
+                <a:avLst/>
+              </a:prstGeom>
+              <a:blipFill>
+                <a:blip r:embed="rId9"/>
+                <a:stretch>
+                  <a:fillRect/>
+                </a:stretch>
+              </a:blipFill>
+            </p:spPr>
+            <p:txBody>
+              <a:bodyPr/>
+              <a:lstStyle/>
+              <a:p>
+                <a:r>
+                  <a:rPr lang="en-US">
+                    <a:noFill/>
+                  </a:rPr>
+                  <a:t> </a:t>
+                </a:r>
+              </a:p>
+            </p:txBody>
+          </p:sp>
+        </mc:Fallback>
+      </mc:AlternateContent>
+    </p:spTree>
+    <p:extLst>
+      <p:ext uri="{BB962C8B-B14F-4D97-AF65-F5344CB8AC3E}">
+        <p14:creationId xmlns:p14="http://schemas.microsoft.com/office/powerpoint/2010/main" val="3545132802"/>
+      </p:ext>
+    </p:extLst>
+  </p:cSld>
+  <p:clrMapOvr>
+    <a:masterClrMapping/>
+  </p:clrMapOvr>
+  <p:timing>
+    <p:tnLst>
+      <p:par>
+        <p:cTn id="1" dur="indefinite" restart="never" nodeType="tmRoot">
+          <p:childTnLst>
+            <p:seq concurrent="1" nextAc="seek">
+              <p:cTn id="2" dur="indefinite" nodeType="mainSeq">
+                <p:childTnLst>
+                  <p:par>
+                    <p:cTn id="3" fill="hold">
+                      <p:stCondLst>
+                        <p:cond delay="indefinite"/>
+                      </p:stCondLst>
+                      <p:childTnLst>
+                        <p:par>
+                          <p:cTn id="4" fill="hold">
+                            <p:stCondLst>
+                              <p:cond delay="0"/>
+                            </p:stCondLst>
+                            <p:childTnLst>
+                              <p:par>
+                                <p:cTn id="5" presetID="10" presetClass="entr" presetSubtype="0" fill="hold" grpId="0" nodeType="clickEffect">
+                                  <p:stCondLst>
+                                    <p:cond delay="0"/>
+                                  </p:stCondLst>
+                                  <p:childTnLst>
+                                    <p:set>
+                                      <p:cBhvr>
+                                        <p:cTn id="6" dur="1" fill="hold">
+                                          <p:stCondLst>
+                                            <p:cond delay="0"/>
+                                          </p:stCondLst>
+                                        </p:cTn>
+                                        <p:tgtEl>
+                                          <p:spTgt spid="8"/>
+                                        </p:tgtEl>
+                                        <p:attrNameLst>
+                                          <p:attrName>style.visibility</p:attrName>
+                                        </p:attrNameLst>
+                                      </p:cBhvr>
+                                      <p:to>
+                                        <p:strVal val="visible"/>
+                                      </p:to>
+                                    </p:set>
+                                    <p:animEffect transition="in" filter="fade">
+                                      <p:cBhvr>
+                                        <p:cTn id="7" dur="500"/>
+                                        <p:tgtEl>
+                                          <p:spTgt spid="8"/>
+                                        </p:tgtEl>
+                                      </p:cBhvr>
+                                    </p:animEffect>
+                                  </p:childTnLst>
+                                </p:cTn>
+                              </p:par>
+                            </p:childTnLst>
+                          </p:cTn>
+                        </p:par>
+                      </p:childTnLst>
+                    </p:cTn>
+                  </p:par>
+                  <p:par>
+                    <p:cTn id="8" fill="hold">
+                      <p:stCondLst>
+                        <p:cond delay="indefinite"/>
+                      </p:stCondLst>
+                      <p:childTnLst>
+                        <p:par>
+                          <p:cTn id="9" fill="hold">
+                            <p:stCondLst>
+                              <p:cond delay="0"/>
+                            </p:stCondLst>
+                            <p:childTnLst>
+                              <p:par>
+                                <p:cTn id="10" presetID="10" presetClass="entr" presetSubtype="0" fill="hold" nodeType="clickEffect">
+                                  <p:stCondLst>
+                                    <p:cond delay="0"/>
+                                  </p:stCondLst>
+                                  <p:childTnLst>
+                                    <p:set>
+                                      <p:cBhvr>
+                                        <p:cTn id="11" dur="1" fill="hold">
+                                          <p:stCondLst>
+                                            <p:cond delay="0"/>
+                                          </p:stCondLst>
+                                        </p:cTn>
+                                        <p:tgtEl>
+                                          <p:spTgt spid="9"/>
+                                        </p:tgtEl>
+                                        <p:attrNameLst>
+                                          <p:attrName>style.visibility</p:attrName>
+                                        </p:attrNameLst>
+                                      </p:cBhvr>
+                                      <p:to>
+                                        <p:strVal val="visible"/>
+                                      </p:to>
+                                    </p:set>
+                                    <p:animEffect transition="in" filter="fade">
+                                      <p:cBhvr>
+                                        <p:cTn id="12" dur="500"/>
+                                        <p:tgtEl>
+                                          <p:spTgt spid="9"/>
+                                        </p:tgtEl>
+                                      </p:cBhvr>
+                                    </p:animEffect>
+                                  </p:childTnLst>
+                                </p:cTn>
+                              </p:par>
+                              <p:par>
+                                <p:cTn id="13" presetID="10" presetClass="entr" presetSubtype="0" fill="hold" grpId="0" nodeType="withEffect">
+                                  <p:stCondLst>
+                                    <p:cond delay="0"/>
+                                  </p:stCondLst>
+                                  <p:childTnLst>
+                                    <p:set>
+                                      <p:cBhvr>
+                                        <p:cTn id="14" dur="1" fill="hold">
+                                          <p:stCondLst>
+                                            <p:cond delay="0"/>
+                                          </p:stCondLst>
+                                        </p:cTn>
+                                        <p:tgtEl>
+                                          <p:spTgt spid="10"/>
+                                        </p:tgtEl>
+                                        <p:attrNameLst>
+                                          <p:attrName>style.visibility</p:attrName>
+                                        </p:attrNameLst>
+                                      </p:cBhvr>
+                                      <p:to>
+                                        <p:strVal val="visible"/>
+                                      </p:to>
+                                    </p:set>
+                                    <p:animEffect transition="in" filter="fade">
+                                      <p:cBhvr>
+                                        <p:cTn id="15" dur="500"/>
+                                        <p:tgtEl>
+                                          <p:spTgt spid="10"/>
+                                        </p:tgtEl>
+                                      </p:cBhvr>
+                                    </p:animEffect>
+                                  </p:childTnLst>
+                                </p:cTn>
+                              </p:par>
+                            </p:childTnLst>
+                          </p:cTn>
+                        </p:par>
+                      </p:childTnLst>
+                    </p:cTn>
+                  </p:par>
+                  <p:par>
+                    <p:cTn id="16" fill="hold">
+                      <p:stCondLst>
+                        <p:cond delay="indefinite"/>
+                      </p:stCondLst>
+                      <p:childTnLst>
+                        <p:par>
+                          <p:cTn id="17" fill="hold">
+                            <p:stCondLst>
+                              <p:cond delay="0"/>
+                            </p:stCondLst>
+                            <p:childTnLst>
+                              <p:par>
+                                <p:cTn id="18" presetID="10" presetClass="entr" presetSubtype="0" fill="hold" nodeType="clickEffect">
+                                  <p:stCondLst>
+                                    <p:cond delay="0"/>
+                                  </p:stCondLst>
+                                  <p:childTnLst>
+                                    <p:set>
+                                      <p:cBhvr>
+                                        <p:cTn id="19" dur="1" fill="hold">
+                                          <p:stCondLst>
+                                            <p:cond delay="0"/>
+                                          </p:stCondLst>
+                                        </p:cTn>
+                                        <p:tgtEl>
+                                          <p:spTgt spid="12"/>
+                                        </p:tgtEl>
+                                        <p:attrNameLst>
+                                          <p:attrName>style.visibility</p:attrName>
+                                        </p:attrNameLst>
+                                      </p:cBhvr>
+                                      <p:to>
+                                        <p:strVal val="visible"/>
+                                      </p:to>
+                                    </p:set>
+                                    <p:animEffect transition="in" filter="fade">
+                                      <p:cBhvr>
+                                        <p:cTn id="20" dur="500"/>
+                                        <p:tgtEl>
+                                          <p:spTgt spid="12"/>
+                                        </p:tgtEl>
+                                      </p:cBhvr>
+                                    </p:animEffect>
+                                  </p:childTnLst>
+                                </p:cTn>
+                              </p:par>
+                              <p:par>
+                                <p:cTn id="21" presetID="10" presetClass="entr" presetSubtype="0" fill="hold" grpId="0" nodeType="withEffect">
+                                  <p:stCondLst>
+                                    <p:cond delay="0"/>
+                                  </p:stCondLst>
+                                  <p:childTnLst>
+                                    <p:set>
+                                      <p:cBhvr>
+                                        <p:cTn id="22" dur="1" fill="hold">
+                                          <p:stCondLst>
+                                            <p:cond delay="0"/>
+                                          </p:stCondLst>
+                                        </p:cTn>
+                                        <p:tgtEl>
+                                          <p:spTgt spid="15"/>
+                                        </p:tgtEl>
+                                        <p:attrNameLst>
+                                          <p:attrName>style.visibility</p:attrName>
+                                        </p:attrNameLst>
+                                      </p:cBhvr>
+                                      <p:to>
+                                        <p:strVal val="visible"/>
+                                      </p:to>
+                                    </p:set>
+                                    <p:animEffect transition="in" filter="fade">
+                                      <p:cBhvr>
+                                        <p:cTn id="23" dur="500"/>
+                                        <p:tgtEl>
+                                          <p:spTgt spid="15"/>
+                                        </p:tgtEl>
+                                      </p:cBhvr>
+                                    </p:animEffect>
+                                  </p:childTnLst>
+                                </p:cTn>
+                              </p:par>
+                            </p:childTnLst>
+                          </p:cTn>
+                        </p:par>
+                      </p:childTnLst>
+                    </p:cTn>
+                  </p:par>
+                  <p:par>
+                    <p:cTn id="24" fill="hold">
+                      <p:stCondLst>
+                        <p:cond delay="indefinite"/>
+                      </p:stCondLst>
+                      <p:childTnLst>
+                        <p:par>
+                          <p:cTn id="25" fill="hold">
+                            <p:stCondLst>
+                              <p:cond delay="0"/>
+                            </p:stCondLst>
+                            <p:childTnLst>
+                              <p:par>
+                                <p:cTn id="26" presetID="10" presetClass="entr" presetSubtype="0" fill="hold" nodeType="clickEffect">
+                                  <p:stCondLst>
+                                    <p:cond delay="0"/>
+                                  </p:stCondLst>
+                                  <p:childTnLst>
+                                    <p:set>
+                                      <p:cBhvr>
+                                        <p:cTn id="27" dur="1" fill="hold">
+                                          <p:stCondLst>
+                                            <p:cond delay="0"/>
+                                          </p:stCondLst>
+                                        </p:cTn>
+                                        <p:tgtEl>
+                                          <p:spTgt spid="11"/>
+                                        </p:tgtEl>
+                                        <p:attrNameLst>
+                                          <p:attrName>style.visibility</p:attrName>
+                                        </p:attrNameLst>
+                                      </p:cBhvr>
+                                      <p:to>
+                                        <p:strVal val="visible"/>
+                                      </p:to>
+                                    </p:set>
+                                    <p:animEffect transition="in" filter="fade">
+                                      <p:cBhvr>
+                                        <p:cTn id="28" dur="500"/>
+                                        <p:tgtEl>
+                                          <p:spTgt spid="11"/>
+                                        </p:tgtEl>
+                                      </p:cBhvr>
+                                    </p:animEffect>
+                                  </p:childTnLst>
+                                </p:cTn>
+                              </p:par>
+                              <p:par>
+                                <p:cTn id="29" presetID="10" presetClass="entr" presetSubtype="0" fill="hold" grpId="0" nodeType="withEffect">
+                                  <p:stCondLst>
+                                    <p:cond delay="0"/>
+                                  </p:stCondLst>
+                                  <p:childTnLst>
+                                    <p:set>
+                                      <p:cBhvr>
+                                        <p:cTn id="30" dur="1" fill="hold">
+                                          <p:stCondLst>
+                                            <p:cond delay="0"/>
+                                          </p:stCondLst>
+                                        </p:cTn>
+                                        <p:tgtEl>
+                                          <p:spTgt spid="16"/>
+                                        </p:tgtEl>
+                                        <p:attrNameLst>
+                                          <p:attrName>style.visibility</p:attrName>
+                                        </p:attrNameLst>
+                                      </p:cBhvr>
+                                      <p:to>
+                                        <p:strVal val="visible"/>
+                                      </p:to>
+                                    </p:set>
+                                    <p:animEffect transition="in" filter="fade">
+                                      <p:cBhvr>
+                                        <p:cTn id="31" dur="500"/>
+                                        <p:tgtEl>
+                                          <p:spTgt spid="16"/>
+                                        </p:tgtEl>
+                                      </p:cBhvr>
+                                    </p:animEffect>
+                                  </p:childTnLst>
+                                </p:cTn>
+                              </p:par>
+                              <p:par>
+                                <p:cTn id="32" presetID="10" presetClass="entr" presetSubtype="0" fill="hold" nodeType="withEffect">
+                                  <p:stCondLst>
+                                    <p:cond delay="0"/>
+                                  </p:stCondLst>
+                                  <p:childTnLst>
+                                    <p:set>
+                                      <p:cBhvr>
+                                        <p:cTn id="33" dur="1" fill="hold">
+                                          <p:stCondLst>
+                                            <p:cond delay="0"/>
+                                          </p:stCondLst>
+                                        </p:cTn>
+                                        <p:tgtEl>
+                                          <p:spTgt spid="13"/>
+                                        </p:tgtEl>
+                                        <p:attrNameLst>
+                                          <p:attrName>style.visibility</p:attrName>
+                                        </p:attrNameLst>
+                                      </p:cBhvr>
+                                      <p:to>
+                                        <p:strVal val="visible"/>
+                                      </p:to>
+                                    </p:set>
+                                    <p:animEffect transition="in" filter="fade">
+                                      <p:cBhvr>
+                                        <p:cTn id="34" dur="500"/>
+                                        <p:tgtEl>
+                                          <p:spTgt spid="13"/>
+                                        </p:tgtEl>
+                                      </p:cBhvr>
+                                    </p:animEffect>
+                                  </p:childTnLst>
+                                </p:cTn>
+                              </p:par>
+                              <p:par>
+                                <p:cTn id="35" presetID="10" presetClass="entr" presetSubtype="0" fill="hold" grpId="0" nodeType="withEffect">
+                                  <p:stCondLst>
+                                    <p:cond delay="0"/>
+                                  </p:stCondLst>
+                                  <p:childTnLst>
+                                    <p:set>
+                                      <p:cBhvr>
+                                        <p:cTn id="36" dur="1" fill="hold">
+                                          <p:stCondLst>
+                                            <p:cond delay="0"/>
+                                          </p:stCondLst>
+                                        </p:cTn>
+                                        <p:tgtEl>
+                                          <p:spTgt spid="17"/>
+                                        </p:tgtEl>
+                                        <p:attrNameLst>
+                                          <p:attrName>style.visibility</p:attrName>
+                                        </p:attrNameLst>
+                                      </p:cBhvr>
+                                      <p:to>
+                                        <p:strVal val="visible"/>
+                                      </p:to>
+                                    </p:set>
+                                    <p:animEffect transition="in" filter="fade">
+                                      <p:cBhvr>
+                                        <p:cTn id="37" dur="500"/>
+                                        <p:tgtEl>
+                                          <p:spTgt spid="17"/>
+                                        </p:tgtEl>
+                                      </p:cBhvr>
+                                    </p:animEffect>
+                                  </p:childTnLst>
+                                </p:cTn>
+                              </p:par>
+                            </p:childTnLst>
+                          </p:cTn>
+                        </p:par>
+                      </p:childTnLst>
+                    </p:cTn>
+                  </p:par>
+                  <p:par>
+                    <p:cTn id="38" fill="hold">
+                      <p:stCondLst>
+                        <p:cond delay="indefinite"/>
+                      </p:stCondLst>
+                      <p:childTnLst>
+                        <p:par>
+                          <p:cTn id="39" fill="hold">
+                            <p:stCondLst>
+                              <p:cond delay="0"/>
+                            </p:stCondLst>
+                            <p:childTnLst>
+                              <p:par>
+                                <p:cTn id="40" presetID="10" presetClass="entr" presetSubtype="0" fill="hold" nodeType="clickEffect">
+                                  <p:stCondLst>
+                                    <p:cond delay="0"/>
+                                  </p:stCondLst>
+                                  <p:childTnLst>
+                                    <p:set>
+                                      <p:cBhvr>
+                                        <p:cTn id="41" dur="1" fill="hold">
+                                          <p:stCondLst>
+                                            <p:cond delay="0"/>
+                                          </p:stCondLst>
+                                        </p:cTn>
+                                        <p:tgtEl>
+                                          <p:spTgt spid="14"/>
+                                        </p:tgtEl>
+                                        <p:attrNameLst>
+                                          <p:attrName>style.visibility</p:attrName>
+                                        </p:attrNameLst>
+                                      </p:cBhvr>
+                                      <p:to>
+                                        <p:strVal val="visible"/>
+                                      </p:to>
+                                    </p:set>
+                                    <p:animEffect transition="in" filter="fade">
+                                      <p:cBhvr>
+                                        <p:cTn id="42" dur="500"/>
+                                        <p:tgtEl>
+                                          <p:spTgt spid="14"/>
+                                        </p:tgtEl>
+                                      </p:cBhvr>
+                                    </p:animEffect>
+                                  </p:childTnLst>
+                                </p:cTn>
+                              </p:par>
+                              <p:par>
+                                <p:cTn id="43" presetID="10" presetClass="entr" presetSubtype="0" fill="hold" grpId="0" nodeType="withEffect">
+                                  <p:stCondLst>
+                                    <p:cond delay="0"/>
+                                  </p:stCondLst>
+                                  <p:childTnLst>
+                                    <p:set>
+                                      <p:cBhvr>
+                                        <p:cTn id="44" dur="1" fill="hold">
+                                          <p:stCondLst>
+                                            <p:cond delay="0"/>
+                                          </p:stCondLst>
+                                        </p:cTn>
+                                        <p:tgtEl>
+                                          <p:spTgt spid="18"/>
+                                        </p:tgtEl>
+                                        <p:attrNameLst>
+                                          <p:attrName>style.visibility</p:attrName>
+                                        </p:attrNameLst>
+                                      </p:cBhvr>
+                                      <p:to>
+                                        <p:strVal val="visible"/>
+                                      </p:to>
+                                    </p:set>
+                                    <p:animEffect transition="in" filter="fade">
+                                      <p:cBhvr>
+                                        <p:cTn id="45" dur="500"/>
+                                        <p:tgtEl>
+                                          <p:spTgt spid="18"/>
+                                        </p:tgtEl>
+                                      </p:cBhvr>
+                                    </p:animEffect>
+                                  </p:childTnLst>
+                                </p:cTn>
+                              </p:par>
+                            </p:childTnLst>
+                          </p:cTn>
+                        </p:par>
+                      </p:childTnLst>
+                    </p:cTn>
+                  </p:par>
+                  <p:par>
+                    <p:cTn id="46" fill="hold">
+                      <p:stCondLst>
+                        <p:cond delay="indefinite"/>
+                      </p:stCondLst>
+                      <p:childTnLst>
+                        <p:par>
+                          <p:cTn id="47" fill="hold">
+                            <p:stCondLst>
+                              <p:cond delay="0"/>
+                            </p:stCondLst>
+                            <p:childTnLst>
+                              <p:par>
+                                <p:cTn id="48" presetID="10" presetClass="entr" presetSubtype="0" fill="hold" nodeType="clickEffect">
+                                  <p:stCondLst>
+                                    <p:cond delay="0"/>
+                                  </p:stCondLst>
+                                  <p:childTnLst>
+                                    <p:set>
+                                      <p:cBhvr>
+                                        <p:cTn id="49" dur="1" fill="hold">
+                                          <p:stCondLst>
+                                            <p:cond delay="0"/>
+                                          </p:stCondLst>
+                                        </p:cTn>
+                                        <p:tgtEl>
+                                          <p:spTgt spid="24"/>
+                                        </p:tgtEl>
+                                        <p:attrNameLst>
+                                          <p:attrName>style.visibility</p:attrName>
+                                        </p:attrNameLst>
+                                      </p:cBhvr>
+                                      <p:to>
+                                        <p:strVal val="visible"/>
+                                      </p:to>
+                                    </p:set>
+                                    <p:animEffect transition="in" filter="fade">
+                                      <p:cBhvr>
+                                        <p:cTn id="50" dur="500"/>
+                                        <p:tgtEl>
+                                          <p:spTgt spid="24"/>
+                                        </p:tgtEl>
+                                      </p:cBhvr>
+                                    </p:animEffect>
+                                  </p:childTnLst>
+                                </p:cTn>
+                              </p:par>
+                              <p:par>
+                                <p:cTn id="51" presetID="10" presetClass="entr" presetSubtype="0" fill="hold" grpId="0" nodeType="withEffect">
+                                  <p:stCondLst>
+                                    <p:cond delay="0"/>
+                                  </p:stCondLst>
+                                  <p:childTnLst>
+                                    <p:set>
+                                      <p:cBhvr>
+                                        <p:cTn id="52" dur="1" fill="hold">
+                                          <p:stCondLst>
+                                            <p:cond delay="0"/>
+                                          </p:stCondLst>
+                                        </p:cTn>
+                                        <p:tgtEl>
+                                          <p:spTgt spid="29"/>
+                                        </p:tgtEl>
+                                        <p:attrNameLst>
+                                          <p:attrName>style.visibility</p:attrName>
+                                        </p:attrNameLst>
+                                      </p:cBhvr>
+                                      <p:to>
+                                        <p:strVal val="visible"/>
+                                      </p:to>
+                                    </p:set>
+                                    <p:animEffect transition="in" filter="fade">
+                                      <p:cBhvr>
+                                        <p:cTn id="53" dur="500"/>
+                                        <p:tgtEl>
+                                          <p:spTgt spid="29"/>
+                                        </p:tgtEl>
+                                      </p:cBhvr>
+                                    </p:animEffect>
+                                  </p:childTnLst>
+                                </p:cTn>
+                              </p:par>
+                              <p:par>
+                                <p:cTn id="54" presetID="10" presetClass="entr" presetSubtype="0" fill="hold" grpId="0" nodeType="withEffect">
+                                  <p:stCondLst>
+                                    <p:cond delay="0"/>
+                                  </p:stCondLst>
+                                  <p:childTnLst>
+                                    <p:set>
+                                      <p:cBhvr>
+                                        <p:cTn id="55" dur="1" fill="hold">
+                                          <p:stCondLst>
+                                            <p:cond delay="0"/>
+                                          </p:stCondLst>
+                                        </p:cTn>
+                                        <p:tgtEl>
+                                          <p:spTgt spid="28"/>
+                                        </p:tgtEl>
+                                        <p:attrNameLst>
+                                          <p:attrName>style.visibility</p:attrName>
+                                        </p:attrNameLst>
+                                      </p:cBhvr>
+                                      <p:to>
+                                        <p:strVal val="visible"/>
+                                      </p:to>
+                                    </p:set>
+                                    <p:animEffect transition="in" filter="fade">
+                                      <p:cBhvr>
+                                        <p:cTn id="56" dur="500"/>
+                                        <p:tgtEl>
+                                          <p:spTgt spid="28"/>
+                                        </p:tgtEl>
+                                      </p:cBhvr>
+                                    </p:animEffect>
+                                  </p:childTnLst>
+                                </p:cTn>
+                              </p:par>
+                              <p:par>
+                                <p:cTn id="57" presetID="10" presetClass="entr" presetSubtype="0" fill="hold" grpId="0" nodeType="withEffect">
+                                  <p:stCondLst>
+                                    <p:cond delay="0"/>
+                                  </p:stCondLst>
+                                  <p:childTnLst>
+                                    <p:set>
+                                      <p:cBhvr>
+                                        <p:cTn id="58" dur="1" fill="hold">
+                                          <p:stCondLst>
+                                            <p:cond delay="0"/>
+                                          </p:stCondLst>
+                                        </p:cTn>
+                                        <p:tgtEl>
+                                          <p:spTgt spid="27"/>
+                                        </p:tgtEl>
+                                        <p:attrNameLst>
+                                          <p:attrName>style.visibility</p:attrName>
+                                        </p:attrNameLst>
+                                      </p:cBhvr>
+                                      <p:to>
+                                        <p:strVal val="visible"/>
+                                      </p:to>
+                                    </p:set>
+                                    <p:animEffect transition="in" filter="fade">
+                                      <p:cBhvr>
+                                        <p:cTn id="59" dur="500"/>
+                                        <p:tgtEl>
+                                          <p:spTgt spid="27"/>
+                                        </p:tgtEl>
+                                      </p:cBhvr>
+                                    </p:animEffect>
+                                  </p:childTnLst>
+                                </p:cTn>
+                              </p:par>
+                              <p:par>
+                                <p:cTn id="60" presetID="10" presetClass="entr" presetSubtype="0" fill="hold" nodeType="withEffect">
+                                  <p:stCondLst>
+                                    <p:cond delay="0"/>
+                                  </p:stCondLst>
+                                  <p:childTnLst>
+                                    <p:set>
+                                      <p:cBhvr>
+                                        <p:cTn id="61" dur="1" fill="hold">
+                                          <p:stCondLst>
+                                            <p:cond delay="0"/>
+                                          </p:stCondLst>
+                                        </p:cTn>
+                                        <p:tgtEl>
+                                          <p:spTgt spid="23"/>
+                                        </p:tgtEl>
+                                        <p:attrNameLst>
+                                          <p:attrName>style.visibility</p:attrName>
+                                        </p:attrNameLst>
+                                      </p:cBhvr>
+                                      <p:to>
+                                        <p:strVal val="visible"/>
+                                      </p:to>
+                                    </p:set>
+                                    <p:animEffect transition="in" filter="fade">
+                                      <p:cBhvr>
+                                        <p:cTn id="62" dur="500"/>
+                                        <p:tgtEl>
+                                          <p:spTgt spid="23"/>
+                                        </p:tgtEl>
+                                      </p:cBhvr>
+                                    </p:animEffect>
+                                  </p:childTnLst>
+                                </p:cTn>
+                              </p:par>
+                              <p:par>
+                                <p:cTn id="63" presetID="10" presetClass="entr" presetSubtype="0" fill="hold" nodeType="withEffect">
+                                  <p:stCondLst>
+                                    <p:cond delay="0"/>
+                                  </p:stCondLst>
+                                  <p:childTnLst>
+                                    <p:set>
+                                      <p:cBhvr>
+                                        <p:cTn id="64" dur="1" fill="hold">
+                                          <p:stCondLst>
+                                            <p:cond delay="0"/>
+                                          </p:stCondLst>
+                                        </p:cTn>
+                                        <p:tgtEl>
+                                          <p:spTgt spid="22"/>
+                                        </p:tgtEl>
+                                        <p:attrNameLst>
+                                          <p:attrName>style.visibility</p:attrName>
+                                        </p:attrNameLst>
+                                      </p:cBhvr>
+                                      <p:to>
+                                        <p:strVal val="visible"/>
+                                      </p:to>
+                                    </p:set>
+                                    <p:animEffect transition="in" filter="fade">
+                                      <p:cBhvr>
+                                        <p:cTn id="65" dur="500"/>
+                                        <p:tgtEl>
+                                          <p:spTgt spid="22"/>
+                                        </p:tgtEl>
+                                      </p:cBhvr>
+                                    </p:animEffect>
+                                  </p:childTnLst>
+                                </p:cTn>
+                              </p:par>
+                              <p:par>
+                                <p:cTn id="66" presetID="10" presetClass="entr" presetSubtype="0" fill="hold" nodeType="withEffect">
+                                  <p:stCondLst>
+                                    <p:cond delay="0"/>
+                                  </p:stCondLst>
+                                  <p:childTnLst>
+                                    <p:set>
+                                      <p:cBhvr>
+                                        <p:cTn id="67" dur="1" fill="hold">
+                                          <p:stCondLst>
+                                            <p:cond delay="0"/>
+                                          </p:stCondLst>
+                                        </p:cTn>
+                                        <p:tgtEl>
+                                          <p:spTgt spid="21"/>
+                                        </p:tgtEl>
+                                        <p:attrNameLst>
+                                          <p:attrName>style.visibility</p:attrName>
+                                        </p:attrNameLst>
+                                      </p:cBhvr>
+                                      <p:to>
+                                        <p:strVal val="visible"/>
+                                      </p:to>
+                                    </p:set>
+                                    <p:animEffect transition="in" filter="fade">
+                                      <p:cBhvr>
+                                        <p:cTn id="68" dur="500"/>
+                                        <p:tgtEl>
+                                          <p:spTgt spid="21"/>
+                                        </p:tgtEl>
+                                      </p:cBhvr>
+                                    </p:animEffect>
+                                  </p:childTnLst>
+                                </p:cTn>
+                              </p:par>
+                              <p:par>
+                                <p:cTn id="69" presetID="10" presetClass="entr" presetSubtype="0" fill="hold" nodeType="withEffect">
+                                  <p:stCondLst>
+                                    <p:cond delay="0"/>
+                                  </p:stCondLst>
+                                  <p:childTnLst>
+                                    <p:set>
+                                      <p:cBhvr>
+                                        <p:cTn id="70" dur="1" fill="hold">
+                                          <p:stCondLst>
+                                            <p:cond delay="0"/>
+                                          </p:stCondLst>
+                                        </p:cTn>
+                                        <p:tgtEl>
+                                          <p:spTgt spid="20"/>
+                                        </p:tgtEl>
+                                        <p:attrNameLst>
+                                          <p:attrName>style.visibility</p:attrName>
+                                        </p:attrNameLst>
+                                      </p:cBhvr>
+                                      <p:to>
+                                        <p:strVal val="visible"/>
+                                      </p:to>
+                                    </p:set>
+                                    <p:animEffect transition="in" filter="fade">
+                                      <p:cBhvr>
+                                        <p:cTn id="71" dur="500"/>
+                                        <p:tgtEl>
+                                          <p:spTgt spid="20"/>
+                                        </p:tgtEl>
+                                      </p:cBhvr>
+                                    </p:animEffect>
+                                  </p:childTnLst>
+                                </p:cTn>
+                              </p:par>
+                              <p:par>
+                                <p:cTn id="72" presetID="10" presetClass="entr" presetSubtype="0" fill="hold" nodeType="withEffect">
+                                  <p:stCondLst>
+                                    <p:cond delay="0"/>
+                                  </p:stCondLst>
+                                  <p:childTnLst>
+                                    <p:set>
+                                      <p:cBhvr>
+                                        <p:cTn id="73" dur="1" fill="hold">
+                                          <p:stCondLst>
+                                            <p:cond delay="0"/>
+                                          </p:stCondLst>
+                                        </p:cTn>
+                                        <p:tgtEl>
+                                          <p:spTgt spid="19"/>
+                                        </p:tgtEl>
+                                        <p:attrNameLst>
+                                          <p:attrName>style.visibility</p:attrName>
+                                        </p:attrNameLst>
+                                      </p:cBhvr>
+                                      <p:to>
+                                        <p:strVal val="visible"/>
+                                      </p:to>
+                                    </p:set>
+                                    <p:animEffect transition="in" filter="fade">
+                                      <p:cBhvr>
+                                        <p:cTn id="74" dur="500"/>
+                                        <p:tgtEl>
+                                          <p:spTgt spid="19"/>
+                                        </p:tgtEl>
+                                      </p:cBhvr>
+                                    </p:animEffect>
+                                  </p:childTnLst>
+                                </p:cTn>
+                              </p:par>
+                              <p:par>
+                                <p:cTn id="75" presetID="10" presetClass="entr" presetSubtype="0" fill="hold" grpId="0" nodeType="withEffect">
+                                  <p:stCondLst>
+                                    <p:cond delay="0"/>
+                                  </p:stCondLst>
+                                  <p:childTnLst>
+                                    <p:set>
+                                      <p:cBhvr>
+                                        <p:cTn id="76" dur="1" fill="hold">
+                                          <p:stCondLst>
+                                            <p:cond delay="0"/>
+                                          </p:stCondLst>
+                                        </p:cTn>
+                                        <p:tgtEl>
+                                          <p:spTgt spid="26"/>
+                                        </p:tgtEl>
+                                        <p:attrNameLst>
+                                          <p:attrName>style.visibility</p:attrName>
+                                        </p:attrNameLst>
+                                      </p:cBhvr>
+                                      <p:to>
+                                        <p:strVal val="visible"/>
+                                      </p:to>
+                                    </p:set>
+                                    <p:animEffect transition="in" filter="fade">
+                                      <p:cBhvr>
+                                        <p:cTn id="77" dur="500"/>
+                                        <p:tgtEl>
+                                          <p:spTgt spid="26"/>
+                                        </p:tgtEl>
+                                      </p:cBhvr>
+                                    </p:animEffect>
+                                  </p:childTnLst>
+                                </p:cTn>
+                              </p:par>
+                              <p:par>
+                                <p:cTn id="78" presetID="10" presetClass="entr" presetSubtype="0" fill="hold" grpId="0" nodeType="withEffect">
+                                  <p:stCondLst>
+                                    <p:cond delay="0"/>
+                                  </p:stCondLst>
+                                  <p:childTnLst>
+                                    <p:set>
+                                      <p:cBhvr>
+                                        <p:cTn id="79" dur="1" fill="hold">
+                                          <p:stCondLst>
+                                            <p:cond delay="0"/>
+                                          </p:stCondLst>
+                                        </p:cTn>
+                                        <p:tgtEl>
+                                          <p:spTgt spid="25"/>
+                                        </p:tgtEl>
+                                        <p:attrNameLst>
+                                          <p:attrName>style.visibility</p:attrName>
+                                        </p:attrNameLst>
+                                      </p:cBhvr>
+                                      <p:to>
+                                        <p:strVal val="visible"/>
+                                      </p:to>
+                                    </p:set>
+                                    <p:animEffect transition="in" filter="fade">
+                                      <p:cBhvr>
+                                        <p:cTn id="80" dur="500"/>
+                                        <p:tgtEl>
+                                          <p:spTgt spid="25"/>
+                                        </p:tgtEl>
+                                      </p:cBhvr>
+                                    </p:animEffect>
+                                  </p:childTnLst>
+                                </p:cTn>
+                              </p:par>
+                            </p:childTnLst>
+                          </p:cTn>
+                        </p:par>
+                      </p:childTnLst>
+                    </p:cTn>
+                  </p:par>
+                </p:childTnLst>
+              </p:cTn>
+              <p:prevCondLst>
+                <p:cond evt="onPrev" delay="0">
+                  <p:tgtEl>
+                    <p:sldTgt/>
+                  </p:tgtEl>
+                </p:cond>
+              </p:prevCondLst>
+              <p:nextCondLst>
+                <p:cond evt="onNext" delay="0">
+                  <p:tgtEl>
+                    <p:sldTgt/>
+                  </p:tgtEl>
+                </p:cond>
+              </p:nextCondLst>
+            </p:seq>
+          </p:childTnLst>
+        </p:cTn>
+      </p:par>
+    </p:tnLst>
+    <p:bldLst>
+      <p:bldP spid="8" grpId="0" animBg="1"/>
+      <p:bldP spid="10" grpId="0"/>
+      <p:bldP spid="16" grpId="0"/>
+      <p:bldP spid="17" grpId="0"/>
+      <p:bldP spid="18" grpId="0"/>
+      <p:bldP spid="25" grpId="0" animBg="1"/>
+      <p:bldP spid="26" grpId="0" animBg="1"/>
+      <p:bldP spid="27" grpId="0" animBg="1"/>
+      <p:bldP spid="28" grpId="0" animBg="1"/>
+      <p:bldP spid="29" grpId="0"/>
+      <p:bldP spid="15" grpId="0"/>
+    </p:bldLst>
+  </p:timing>
+</p:sld>
+</file>
+
+<file path=ppt/slides/slide12.xml><?xml version="1.0" encoding="utf-8"?>
+<p:sld xmlns:a="http://schemas.openxmlformats.org/drawingml/2006/main" xmlns:r="http://schemas.openxmlformats.org/officeDocument/2006/relationships" xmlns:p="http://schemas.openxmlformats.org/presentationml/2006/main">
+  <p:cSld>
+    <p:spTree>
+      <p:nvGrpSpPr>
+        <p:cNvPr id="1" name=""/>
+        <p:cNvGrpSpPr/>
+        <p:nvPr/>
+      </p:nvGrpSpPr>
+      <p:grpSpPr>
+        <a:xfrm>
+          <a:off x="0" y="0"/>
+          <a:ext cx="0" cy="0"/>
+          <a:chOff x="0" y="0"/>
+          <a:chExt cx="0" cy="0"/>
+        </a:xfrm>
+      </p:grpSpPr>
+      <p:sp>
+        <p:nvSpPr>
+          <p:cNvPr id="2" name="Title 1"/>
+          <p:cNvSpPr>
+            <a:spLocks noGrp="1"/>
+          </p:cNvSpPr>
+          <p:nvPr>
+            <p:ph type="ctrTitle"/>
+          </p:nvPr>
+        </p:nvSpPr>
+        <p:spPr/>
+        <p:txBody>
+          <a:bodyPr/>
+          <a:lstStyle/>
+          <a:p>
+            <a:r>
+              <a:rPr lang="en-US" dirty="0"/>
+              <a:t>Thanks for Watching</a:t>
+            </a:r>
+          </a:p>
+        </p:txBody>
+      </p:sp>
+      <p:sp>
+        <p:nvSpPr>
+          <p:cNvPr id="3" name="Subtitle 2"/>
+          <p:cNvSpPr>
+            <a:spLocks noGrp="1"/>
+          </p:cNvSpPr>
+          <p:nvPr>
+            <p:ph type="subTitle" idx="1"/>
+          </p:nvPr>
+        </p:nvSpPr>
+        <p:spPr/>
+        <p:txBody>
+          <a:bodyPr/>
+          <a:lstStyle/>
+          <a:p>
+            <a:r>
+              <a:rPr lang="en-US" dirty="0"/>
+              <a:t>See other engineering mechanics videos and access the full tool at…</a:t>
+            </a:r>
+          </a:p>
+        </p:txBody>
+      </p:sp>
+    </p:spTree>
+    <p:extLst>
+      <p:ext uri="{BB962C8B-B14F-4D97-AF65-F5344CB8AC3E}">
+        <p14:creationId xmlns:p14="http://schemas.microsoft.com/office/powerpoint/2010/main" val="3129637585"/>
+      </p:ext>
+    </p:extLst>
+  </p:cSld>
+  <p:clrMapOvr>
+    <a:masterClrMapping/>
+  </p:clrMapOvr>
+</p:sld>
+</file>
+
+<file path=ppt/slides/slide13.xml><?xml version="1.0" encoding="utf-8"?>
+<p:sld xmlns:a="http://schemas.openxmlformats.org/drawingml/2006/main" xmlns:r="http://schemas.openxmlformats.org/officeDocument/2006/relationships" xmlns:p="http://schemas.openxmlformats.org/presentationml/2006/main">
+  <p:cSld>
+    <p:spTree>
+      <p:nvGrpSpPr>
+        <p:cNvPr id="1" name=""/>
+        <p:cNvGrpSpPr/>
+        <p:nvPr/>
+      </p:nvGrpSpPr>
+      <p:grpSpPr>
+        <a:xfrm>
+          <a:off x="0" y="0"/>
+          <a:ext cx="0" cy="0"/>
+          <a:chOff x="0" y="0"/>
+          <a:chExt cx="0" cy="0"/>
+        </a:xfrm>
+      </p:grpSpPr>
+      <p:sp>
+        <p:nvSpPr>
+          <p:cNvPr id="2" name="Title 1"/>
+          <p:cNvSpPr>
+            <a:spLocks noGrp="1"/>
+          </p:cNvSpPr>
+          <p:nvPr>
+            <p:ph type="title"/>
+          </p:nvPr>
+        </p:nvSpPr>
+        <p:spPr/>
+        <p:txBody>
+          <a:bodyPr>
+            <a:normAutofit fontScale="90000"/>
+          </a:bodyPr>
+          <a:lstStyle/>
+          <a:p>
+            <a:r>
+              <a:rPr lang="en-US" dirty="0"/>
+              <a:t>Free Body Diagram Worked Example</a:t>
+            </a:r>
+          </a:p>
+        </p:txBody>
+      </p:sp>
+      <p:sp>
+        <p:nvSpPr>
+          <p:cNvPr id="3" name="Content Placeholder 2"/>
+          <p:cNvSpPr>
+            <a:spLocks noGrp="1"/>
+          </p:cNvSpPr>
+          <p:nvPr>
+            <p:ph idx="1"/>
+          </p:nvPr>
+        </p:nvSpPr>
+        <p:spPr>
+          <a:xfrm>
+            <a:off x="457200" y="1600201"/>
+            <a:ext cx="8229600" cy="1600200"/>
+          </a:xfrm>
+        </p:spPr>
+        <p:txBody>
+          <a:bodyPr/>
+          <a:lstStyle/>
+          <a:p>
+            <a:r>
+              <a:rPr lang="en-US" dirty="0"/>
+              <a:t>Draw a free body diagram of each of the two boxes below. </a:t>
+            </a:r>
+          </a:p>
+        </p:txBody>
+      </p:sp>
+      <p:pic>
+        <p:nvPicPr>
+          <p:cNvPr id="1026" name="Picture 2" descr="Problem 1 Diagram"/>
+          <p:cNvPicPr>
+            <a:picLocks noChangeAspect="1" noChangeArrowheads="1"/>
+          </p:cNvPicPr>
+          <p:nvPr/>
+        </p:nvPicPr>
+        <p:blipFill>
+          <a:blip r:embed="rId2">
+            <a:extLst>
+              <a:ext uri="{28A0092B-C50C-407E-A947-70E740481C1C}">
+                <a14:useLocalDpi xmlns:a14="http://schemas.microsoft.com/office/drawing/2010/main" val="0"/>
+              </a:ext>
+            </a:extLst>
+          </a:blip>
+          <a:srcRect/>
+          <a:stretch>
+            <a:fillRect/>
+          </a:stretch>
+        </p:blipFill>
+        <p:spPr bwMode="auto">
+          <a:xfrm>
+            <a:off x="1600200" y="3621328"/>
+            <a:ext cx="5638800" cy="3236672"/>
+          </a:xfrm>
+          <a:prstGeom prst="rect">
+            <a:avLst/>
+          </a:prstGeom>
+          <a:noFill/>
+          <a:extLst>
+            <a:ext uri="{909E8E84-426E-40DD-AFC4-6F175D3DCCD1}">
+              <a14:hiddenFill xmlns:a14="http://schemas.microsoft.com/office/drawing/2010/main">
+                <a:solidFill>
+                  <a:srgbClr val="FFFFFF"/>
+                </a:solidFill>
+              </a14:hiddenFill>
+            </a:ext>
+          </a:extLst>
+        </p:spPr>
+      </p:pic>
+    </p:spTree>
+    <p:extLst>
+      <p:ext uri="{BB962C8B-B14F-4D97-AF65-F5344CB8AC3E}">
+        <p14:creationId xmlns:p14="http://schemas.microsoft.com/office/powerpoint/2010/main" val="948972480"/>
+      </p:ext>
+    </p:extLst>
+  </p:cSld>
+  <p:clrMapOvr>
+    <a:masterClrMapping/>
+  </p:clrMapOvr>
+</p:sld>
+</file>
+
+<file path=ppt/slides/slide14.xml><?xml version="1.0" encoding="utf-8"?>
+<p:sld xmlns:a="http://schemas.openxmlformats.org/drawingml/2006/main" xmlns:r="http://schemas.openxmlformats.org/officeDocument/2006/relationships" xmlns:p="http://schemas.openxmlformats.org/presentationml/2006/main">
+  <p:cSld>
+    <p:spTree>
+      <p:nvGrpSpPr>
+        <p:cNvPr id="1" name=""/>
+        <p:cNvGrpSpPr/>
+        <p:nvPr/>
+      </p:nvGrpSpPr>
+      <p:grpSpPr>
+        <a:xfrm>
+          <a:off x="0" y="0"/>
+          <a:ext cx="0" cy="0"/>
+          <a:chOff x="0" y="0"/>
+          <a:chExt cx="0" cy="0"/>
+        </a:xfrm>
+      </p:grpSpPr>
+      <p:sp>
+        <p:nvSpPr>
+          <p:cNvPr id="2" name="Title 1"/>
+          <p:cNvSpPr>
+            <a:spLocks noGrp="1"/>
+          </p:cNvSpPr>
+          <p:nvPr>
+            <p:ph type="title"/>
+          </p:nvPr>
+        </p:nvSpPr>
+        <p:spPr/>
+        <p:txBody>
+          <a:bodyPr>
+            <a:normAutofit fontScale="90000"/>
+          </a:bodyPr>
+          <a:lstStyle/>
+          <a:p>
+            <a:r>
+              <a:rPr lang="en-US" dirty="0"/>
+              <a:t>Free Body Diagram Worked Example</a:t>
+            </a:r>
+          </a:p>
+        </p:txBody>
+      </p:sp>
+      <p:sp>
+        <p:nvSpPr>
+          <p:cNvPr id="3" name="Content Placeholder 2"/>
+          <p:cNvSpPr>
+            <a:spLocks noGrp="1"/>
+          </p:cNvSpPr>
+          <p:nvPr>
+            <p:ph idx="1"/>
+          </p:nvPr>
+        </p:nvSpPr>
+        <p:spPr>
+          <a:xfrm>
+            <a:off x="457200" y="1600201"/>
+            <a:ext cx="8229600" cy="1752600"/>
+          </a:xfrm>
+        </p:spPr>
+        <p:txBody>
+          <a:bodyPr>
+            <a:normAutofit fontScale="92500"/>
+          </a:bodyPr>
+          <a:lstStyle/>
+          <a:p>
+            <a:r>
+              <a:rPr lang="en-US" dirty="0"/>
+              <a:t>Two equally sized barrels are being transported in a hand truck as shown below. Draw a free body diagram for each of the barrels below.</a:t>
+            </a:r>
+          </a:p>
+        </p:txBody>
+      </p:sp>
+      <p:pic>
+        <p:nvPicPr>
+          <p:cNvPr id="2050" name="Picture 2" descr="Problem 2 Diagram"/>
+          <p:cNvPicPr>
+            <a:picLocks noChangeAspect="1" noChangeArrowheads="1"/>
+          </p:cNvPicPr>
+          <p:nvPr/>
+        </p:nvPicPr>
+        <p:blipFill>
+          <a:blip r:embed="rId2">
+            <a:extLst>
+              <a:ext uri="{28A0092B-C50C-407E-A947-70E740481C1C}">
+                <a14:useLocalDpi xmlns:a14="http://schemas.microsoft.com/office/drawing/2010/main" val="0"/>
+              </a:ext>
+            </a:extLst>
+          </a:blip>
+          <a:srcRect/>
+          <a:stretch>
+            <a:fillRect/>
+          </a:stretch>
+        </p:blipFill>
+        <p:spPr bwMode="auto">
+          <a:xfrm>
+            <a:off x="2814637" y="3400713"/>
+            <a:ext cx="3514725" cy="3448051"/>
+          </a:xfrm>
+          <a:prstGeom prst="rect">
+            <a:avLst/>
+          </a:prstGeom>
+          <a:noFill/>
+          <a:extLst>
+            <a:ext uri="{909E8E84-426E-40DD-AFC4-6F175D3DCCD1}">
+              <a14:hiddenFill xmlns:a14="http://schemas.microsoft.com/office/drawing/2010/main">
+                <a:solidFill>
+                  <a:srgbClr val="FFFFFF"/>
+                </a:solidFill>
+              </a14:hiddenFill>
+            </a:ext>
+          </a:extLst>
+        </p:spPr>
+      </p:pic>
+    </p:spTree>
+    <p:extLst>
+      <p:ext uri="{BB962C8B-B14F-4D97-AF65-F5344CB8AC3E}">
+        <p14:creationId xmlns:p14="http://schemas.microsoft.com/office/powerpoint/2010/main" val="307900893"/>
+      </p:ext>
+    </p:extLst>
+  </p:cSld>
+  <p:clrMapOvr>
+    <a:masterClrMapping/>
+  </p:clrMapOvr>
+</p:sld>
+</file>
+
+<file path=ppt/slides/slide15.xml><?xml version="1.0" encoding="utf-8"?>
+<p:sld xmlns:a="http://schemas.openxmlformats.org/drawingml/2006/main" xmlns:r="http://schemas.openxmlformats.org/officeDocument/2006/relationships" xmlns:p="http://schemas.openxmlformats.org/presentationml/2006/main">
+  <p:cSld>
+    <p:spTree>
+      <p:nvGrpSpPr>
+        <p:cNvPr id="1" name=""/>
+        <p:cNvGrpSpPr/>
+        <p:nvPr/>
+      </p:nvGrpSpPr>
+      <p:grpSpPr>
+        <a:xfrm>
+          <a:off x="0" y="0"/>
+          <a:ext cx="0" cy="0"/>
+          <a:chOff x="0" y="0"/>
+          <a:chExt cx="0" cy="0"/>
+        </a:xfrm>
+      </p:grpSpPr>
+      <p:sp>
+        <p:nvSpPr>
+          <p:cNvPr id="2" name="Title 1"/>
+          <p:cNvSpPr>
+            <a:spLocks noGrp="1"/>
+          </p:cNvSpPr>
+          <p:nvPr>
+            <p:ph type="title"/>
+          </p:nvPr>
+        </p:nvSpPr>
+        <p:spPr/>
+        <p:txBody>
+          <a:bodyPr>
+            <a:normAutofit fontScale="90000"/>
+          </a:bodyPr>
+          <a:lstStyle/>
+          <a:p>
+            <a:r>
+              <a:rPr lang="en-US" dirty="0"/>
+              <a:t>Free Body Diagram Worked Example</a:t>
+            </a:r>
+          </a:p>
+        </p:txBody>
+      </p:sp>
+      <p:sp>
+        <p:nvSpPr>
+          <p:cNvPr id="3" name="Content Placeholder 2"/>
+          <p:cNvSpPr>
+            <a:spLocks noGrp="1"/>
+          </p:cNvSpPr>
+          <p:nvPr>
+            <p:ph idx="1"/>
+          </p:nvPr>
+        </p:nvSpPr>
+        <p:spPr>
+          <a:xfrm>
+            <a:off x="457200" y="1600200"/>
+            <a:ext cx="8229600" cy="2285999"/>
+          </a:xfrm>
+        </p:spPr>
+        <p:txBody>
+          <a:bodyPr>
+            <a:normAutofit fontScale="85000" lnSpcReduction="20000"/>
+          </a:bodyPr>
+          <a:lstStyle/>
+          <a:p>
+            <a:r>
+              <a:rPr lang="en-US" dirty="0"/>
+              <a:t>The car shown below is moving and then slams on the brakes, locking up both front and back wheels. The distance between the wheels is 8 feet and the center of mass is 3 feet behind and 2.5 feet above the point of contact between the front wheel and the ground. Draw the free body diagram of the car as it comes to a stop.</a:t>
+            </a:r>
+          </a:p>
+        </p:txBody>
+      </p:sp>
+      <p:pic>
+        <p:nvPicPr>
+          <p:cNvPr id="3074" name="Picture 2" descr="Problem 3 Diagram"/>
+          <p:cNvPicPr>
+            <a:picLocks noChangeAspect="1" noChangeArrowheads="1"/>
+          </p:cNvPicPr>
+          <p:nvPr/>
+        </p:nvPicPr>
+        <p:blipFill>
+          <a:blip r:embed="rId2">
+            <a:extLst>
+              <a:ext uri="{28A0092B-C50C-407E-A947-70E740481C1C}">
+                <a14:useLocalDpi xmlns:a14="http://schemas.microsoft.com/office/drawing/2010/main" val="0"/>
+              </a:ext>
+            </a:extLst>
+          </a:blip>
+          <a:srcRect/>
+          <a:stretch>
+            <a:fillRect/>
+          </a:stretch>
+        </p:blipFill>
+        <p:spPr bwMode="auto">
+          <a:xfrm>
+            <a:off x="1475257" y="3886200"/>
+            <a:ext cx="6193485" cy="2638426"/>
+          </a:xfrm>
+          <a:prstGeom prst="rect">
+            <a:avLst/>
+          </a:prstGeom>
+          <a:noFill/>
+          <a:extLst>
+            <a:ext uri="{909E8E84-426E-40DD-AFC4-6F175D3DCCD1}">
+              <a14:hiddenFill xmlns:a14="http://schemas.microsoft.com/office/drawing/2010/main">
+                <a:solidFill>
+                  <a:srgbClr val="FFFFFF"/>
+                </a:solidFill>
+              </a14:hiddenFill>
+            </a:ext>
+          </a:extLst>
+        </p:spPr>
+      </p:pic>
+    </p:spTree>
+    <p:extLst>
+      <p:ext uri="{BB962C8B-B14F-4D97-AF65-F5344CB8AC3E}">
+        <p14:creationId xmlns:p14="http://schemas.microsoft.com/office/powerpoint/2010/main" val="3714287723"/>
+      </p:ext>
+    </p:extLst>
+  </p:cSld>
+  <p:clrMapOvr>
+    <a:masterClrMapping/>
+  </p:clrMapOvr>
+</p:sld>
+</file>
+
+<file path=ppt/slides/slide16.xml><?xml version="1.0" encoding="utf-8"?>
+<p:sld xmlns:a="http://schemas.openxmlformats.org/drawingml/2006/main" xmlns:r="http://schemas.openxmlformats.org/officeDocument/2006/relationships" xmlns:p="http://schemas.openxmlformats.org/presentationml/2006/main">
+  <p:cSld>
+    <p:spTree>
+      <p:nvGrpSpPr>
+        <p:cNvPr id="1" name=""/>
+        <p:cNvGrpSpPr/>
+        <p:nvPr/>
+      </p:nvGrpSpPr>
+      <p:grpSpPr>
+        <a:xfrm>
+          <a:off x="0" y="0"/>
+          <a:ext cx="0" cy="0"/>
+          <a:chOff x="0" y="0"/>
+          <a:chExt cx="0" cy="0"/>
+        </a:xfrm>
+      </p:grpSpPr>
+      <p:sp>
+        <p:nvSpPr>
+          <p:cNvPr id="2" name="Title 1"/>
+          <p:cNvSpPr>
+            <a:spLocks noGrp="1"/>
+          </p:cNvSpPr>
+          <p:nvPr>
+            <p:ph type="title"/>
+          </p:nvPr>
+        </p:nvSpPr>
+        <p:spPr/>
+        <p:txBody>
+          <a:bodyPr>
+            <a:normAutofit fontScale="90000"/>
+          </a:bodyPr>
+          <a:lstStyle/>
+          <a:p>
+            <a:r>
+              <a:rPr lang="en-US" dirty="0"/>
+              <a:t>Free Body Diagram Worked Example</a:t>
+            </a:r>
+          </a:p>
+        </p:txBody>
+      </p:sp>
+      <p:sp>
+        <p:nvSpPr>
+          <p:cNvPr id="3" name="Content Placeholder 2"/>
+          <p:cNvSpPr>
+            <a:spLocks noGrp="1"/>
+          </p:cNvSpPr>
+          <p:nvPr>
+            <p:ph idx="1"/>
+          </p:nvPr>
+        </p:nvSpPr>
+        <p:spPr>
+          <a:xfrm>
+            <a:off x="457200" y="1600201"/>
+            <a:ext cx="8229600" cy="2286000"/>
+          </a:xfrm>
+        </p:spPr>
+        <p:txBody>
+          <a:bodyPr>
+            <a:normAutofit lnSpcReduction="10000"/>
+          </a:bodyPr>
+          <a:lstStyle/>
+          <a:p>
+            <a:r>
+              <a:rPr lang="en-US" dirty="0"/>
+              <a:t>A 600 lb load is supported by a 5 foot long 100 lb cantilever beam (assume center of mass halfway along beam) that is firmly attached to the wall. Draw a free body diagram of the beam.</a:t>
+            </a:r>
+          </a:p>
+        </p:txBody>
+      </p:sp>
+      <p:pic>
+        <p:nvPicPr>
+          <p:cNvPr id="4098" name="Picture 2" descr="Problem 4 Diagram"/>
+          <p:cNvPicPr>
+            <a:picLocks noChangeAspect="1" noChangeArrowheads="1"/>
+          </p:cNvPicPr>
+          <p:nvPr/>
+        </p:nvPicPr>
+        <p:blipFill>
+          <a:blip r:embed="rId2">
+            <a:extLst>
+              <a:ext uri="{28A0092B-C50C-407E-A947-70E740481C1C}">
+                <a14:useLocalDpi xmlns:a14="http://schemas.microsoft.com/office/drawing/2010/main" val="0"/>
+              </a:ext>
+            </a:extLst>
+          </a:blip>
+          <a:srcRect/>
+          <a:stretch>
+            <a:fillRect/>
+          </a:stretch>
+        </p:blipFill>
+        <p:spPr bwMode="auto">
+          <a:xfrm>
+            <a:off x="2149765" y="3429000"/>
+            <a:ext cx="4844470" cy="3158595"/>
+          </a:xfrm>
+          <a:prstGeom prst="rect">
+            <a:avLst/>
+          </a:prstGeom>
+          <a:noFill/>
+          <a:extLst>
+            <a:ext uri="{909E8E84-426E-40DD-AFC4-6F175D3DCCD1}">
+              <a14:hiddenFill xmlns:a14="http://schemas.microsoft.com/office/drawing/2010/main">
+                <a:solidFill>
+                  <a:srgbClr val="FFFFFF"/>
+                </a:solidFill>
+              </a14:hiddenFill>
+            </a:ext>
+          </a:extLst>
+        </p:spPr>
+      </p:pic>
+    </p:spTree>
+    <p:extLst>
+      <p:ext uri="{BB962C8B-B14F-4D97-AF65-F5344CB8AC3E}">
+        <p14:creationId xmlns:p14="http://schemas.microsoft.com/office/powerpoint/2010/main" val="1492307721"/>
+      </p:ext>
+    </p:extLst>
+  </p:cSld>
+  <p:clrMapOvr>
+    <a:masterClrMapping/>
+  </p:clrMapOvr>
+</p:sld>
+</file>
+
+<file path=ppt/slides/slide17.xml><?xml version="1.0" encoding="utf-8"?>
+<p:sld xmlns:a="http://schemas.openxmlformats.org/drawingml/2006/main" xmlns:r="http://schemas.openxmlformats.org/officeDocument/2006/relationships" xmlns:p="http://schemas.openxmlformats.org/presentationml/2006/main">
+  <p:cSld>
+    <p:spTree>
+      <p:nvGrpSpPr>
+        <p:cNvPr id="1" name=""/>
+        <p:cNvGrpSpPr/>
+        <p:nvPr/>
+      </p:nvGrpSpPr>
+      <p:grpSpPr>
+        <a:xfrm>
+          <a:off x="0" y="0"/>
+          <a:ext cx="0" cy="0"/>
+          <a:chOff x="0" y="0"/>
+          <a:chExt cx="0" cy="0"/>
+        </a:xfrm>
+      </p:grpSpPr>
+      <p:sp>
+        <p:nvSpPr>
+          <p:cNvPr id="2" name="Title 1">
+            <a:extLst>
+              <a:ext uri="{FF2B5EF4-FFF2-40B4-BE49-F238E27FC236}">
+                <a16:creationId xmlns:a16="http://schemas.microsoft.com/office/drawing/2014/main" id="{8E89EBC9-0233-4C43-BC3B-EFD95226ABB8}"/>
+              </a:ext>
+            </a:extLst>
+          </p:cNvPr>
+          <p:cNvSpPr>
+            <a:spLocks noGrp="1"/>
+          </p:cNvSpPr>
+          <p:nvPr>
+            <p:ph type="title"/>
+          </p:nvPr>
+        </p:nvSpPr>
+        <p:spPr/>
+        <p:txBody>
+          <a:bodyPr>
+            <a:normAutofit fontScale="90000"/>
+          </a:bodyPr>
+          <a:lstStyle/>
+          <a:p>
+            <a:r>
+              <a:rPr lang="en-US" dirty="0"/>
+              <a:t>Free Body Diagram Worked Example</a:t>
+            </a:r>
+          </a:p>
+        </p:txBody>
+      </p:sp>
+      <p:pic>
+        <p:nvPicPr>
+          <p:cNvPr id="1026" name="Picture 2" descr="Problem 5 Diagram">
+            <a:extLst>
+              <a:ext uri="{FF2B5EF4-FFF2-40B4-BE49-F238E27FC236}">
+                <a16:creationId xmlns:a16="http://schemas.microsoft.com/office/drawing/2014/main" id="{42173357-CBD0-43FA-8922-9A7F85C0E2CF}"/>
+              </a:ext>
+            </a:extLst>
+          </p:cNvPr>
+          <p:cNvPicPr>
+            <a:picLocks noChangeAspect="1" noChangeArrowheads="1"/>
+          </p:cNvPicPr>
+          <p:nvPr/>
+        </p:nvPicPr>
+        <p:blipFill>
+          <a:blip r:embed="rId2">
+            <a:extLst>
+              <a:ext uri="{28A0092B-C50C-407E-A947-70E740481C1C}">
+                <a14:useLocalDpi xmlns:a14="http://schemas.microsoft.com/office/drawing/2010/main" val="0"/>
+              </a:ext>
+            </a:extLst>
+          </a:blip>
+          <a:srcRect/>
+          <a:stretch>
+            <a:fillRect/>
+          </a:stretch>
+        </p:blipFill>
+        <p:spPr bwMode="auto">
+          <a:xfrm>
+            <a:off x="1752600" y="3061868"/>
+            <a:ext cx="5257800" cy="3796132"/>
+          </a:xfrm>
+          <a:prstGeom prst="rect">
+            <a:avLst/>
+          </a:prstGeom>
+          <a:noFill/>
+          <a:extLst>
+            <a:ext uri="{909E8E84-426E-40DD-AFC4-6F175D3DCCD1}">
+              <a14:hiddenFill xmlns:a14="http://schemas.microsoft.com/office/drawing/2010/main">
+                <a:solidFill>
+                  <a:srgbClr val="FFFFFF"/>
+                </a:solidFill>
+              </a14:hiddenFill>
+            </a:ext>
+          </a:extLst>
+        </p:spPr>
+      </p:pic>
+      <p:sp>
+        <p:nvSpPr>
+          <p:cNvPr id="3" name="Content Placeholder 2">
+            <a:extLst>
+              <a:ext uri="{FF2B5EF4-FFF2-40B4-BE49-F238E27FC236}">
+                <a16:creationId xmlns:a16="http://schemas.microsoft.com/office/drawing/2014/main" id="{00E9A032-F132-45CA-995F-2226FF93A674}"/>
+              </a:ext>
+            </a:extLst>
+          </p:cNvPr>
+          <p:cNvSpPr>
+            <a:spLocks noGrp="1"/>
+          </p:cNvSpPr>
+          <p:nvPr>
+            <p:ph idx="1"/>
+          </p:nvPr>
+        </p:nvSpPr>
+        <p:spPr>
+          <a:xfrm>
+            <a:off x="457200" y="1600201"/>
+            <a:ext cx="8229600" cy="1828799"/>
+          </a:xfrm>
+        </p:spPr>
+        <p:txBody>
+          <a:bodyPr>
+            <a:normAutofit fontScale="77500" lnSpcReduction="20000"/>
+          </a:bodyPr>
+          <a:lstStyle/>
+          <a:p>
+            <a:r>
+              <a:rPr lang="en-US" dirty="0"/>
+              <a:t>The main arm of a crane has a mass of 400kg (assume the center of mass is at the midpoint of the arm) and supports a 200 kg load and a 600 kg counterweight. The arm is connected to the vertical support via a pin joint and two flexible cables. Draw a free body diagram of the arm.</a:t>
+            </a:r>
+          </a:p>
+        </p:txBody>
+      </p:sp>
+    </p:spTree>
+    <p:extLst>
+      <p:ext uri="{BB962C8B-B14F-4D97-AF65-F5344CB8AC3E}">
+        <p14:creationId xmlns:p14="http://schemas.microsoft.com/office/powerpoint/2010/main" val="3819238583"/>
       </p:ext>
     </p:extLst>
   </p:cSld>
@@ -4047,139 +7323,916 @@
           <a:p>
             <a:r>
               <a:rPr lang="en-US" dirty="0"/>
-              <a:t>Newton’s Second Law</a:t>
-            </a:r>
-          </a:p>
-        </p:txBody>
-      </p:sp>
-      <mc:AlternateContent xmlns:mc="http://schemas.openxmlformats.org/markup-compatibility/2006">
-        <mc:Choice xmlns:a14="http://schemas.microsoft.com/office/drawing/2010/main" Requires="a14">
+              <a:t>Free Body Diagrams</a:t>
+            </a:r>
+          </a:p>
+        </p:txBody>
+      </p:sp>
+      <p:sp>
+        <p:nvSpPr>
+          <p:cNvPr id="3" name="Content Placeholder 2"/>
+          <p:cNvSpPr>
+            <a:spLocks noGrp="1"/>
+          </p:cNvSpPr>
+          <p:nvPr>
+            <p:ph idx="1"/>
+          </p:nvPr>
+        </p:nvSpPr>
+        <p:spPr/>
+        <p:txBody>
+          <a:bodyPr>
+            <a:normAutofit fontScale="92500" lnSpcReduction="10000"/>
+          </a:bodyPr>
+          <a:lstStyle/>
+          <a:p>
+            <a:r>
+              <a:rPr lang="en-US" dirty="0"/>
+              <a:t>A free body diagram is a simplified version of a physical system that engineers use as a starting point for analysis.</a:t>
+            </a:r>
+          </a:p>
+          <a:p>
+            <a:endParaRPr lang="en-US" dirty="0"/>
+          </a:p>
+          <a:p>
+            <a:pPr marL="0" indent="0" algn="ctr">
+              <a:buNone/>
+            </a:pPr>
+            <a:r>
+              <a:rPr lang="en-US" dirty="0"/>
+              <a:t>Physical System</a:t>
+            </a:r>
+          </a:p>
+          <a:p>
+            <a:pPr marL="0" indent="0" algn="ctr">
+              <a:buNone/>
+            </a:pPr>
+            <a:endParaRPr lang="en-US" dirty="0"/>
+          </a:p>
+          <a:p>
+            <a:pPr marL="0" indent="0" algn="ctr">
+              <a:buNone/>
+            </a:pPr>
+            <a:r>
+              <a:rPr lang="en-US" dirty="0"/>
+              <a:t>Free Body Diagram</a:t>
+            </a:r>
+          </a:p>
+          <a:p>
+            <a:pPr marL="0" indent="0" algn="ctr">
+              <a:buNone/>
+            </a:pPr>
+            <a:endParaRPr lang="en-US" dirty="0"/>
+          </a:p>
+          <a:p>
+            <a:pPr marL="0" indent="0" algn="ctr">
+              <a:buNone/>
+            </a:pPr>
+            <a:r>
+              <a:rPr lang="en-US" dirty="0"/>
+              <a:t>Equations of Equilibrium / Motion</a:t>
+            </a:r>
+          </a:p>
+        </p:txBody>
+      </p:sp>
+      <p:sp>
+        <p:nvSpPr>
+          <p:cNvPr id="4" name="Slide Number Placeholder 3"/>
+          <p:cNvSpPr>
+            <a:spLocks noGrp="1"/>
+          </p:cNvSpPr>
+          <p:nvPr>
+            <p:ph type="sldNum" sz="quarter" idx="12"/>
+          </p:nvPr>
+        </p:nvSpPr>
+        <p:spPr/>
+        <p:txBody>
+          <a:bodyPr/>
+          <a:lstStyle/>
+          <a:p>
+            <a:fld id="{929262FE-7F58-4A1E-8AF3-5A510A86DEBD}" type="slidenum">
+              <a:rPr lang="en-US" smtClean="0"/>
+              <a:t>2</a:t>
+            </a:fld>
+            <a:endParaRPr lang="en-US"/>
+          </a:p>
+        </p:txBody>
+      </p:sp>
+      <p:sp>
+        <p:nvSpPr>
+          <p:cNvPr id="5" name="Down Arrow 4"/>
+          <p:cNvSpPr/>
+          <p:nvPr/>
+        </p:nvSpPr>
+        <p:spPr>
+          <a:xfrm>
+            <a:off x="4343400" y="3995058"/>
+            <a:ext cx="304800" cy="381000"/>
+          </a:xfrm>
+          <a:prstGeom prst="downArrow">
+            <a:avLst/>
+          </a:prstGeom>
+        </p:spPr>
+        <p:style>
+          <a:lnRef idx="2">
+            <a:schemeClr val="accent1">
+              <a:shade val="50000"/>
+            </a:schemeClr>
+          </a:lnRef>
+          <a:fillRef idx="1">
+            <a:schemeClr val="accent1"/>
+          </a:fillRef>
+          <a:effectRef idx="0">
+            <a:schemeClr val="accent1"/>
+          </a:effectRef>
+          <a:fontRef idx="minor">
+            <a:schemeClr val="lt1"/>
+          </a:fontRef>
+        </p:style>
+        <p:txBody>
+          <a:bodyPr rtlCol="0" anchor="ctr"/>
+          <a:lstStyle/>
+          <a:p>
+            <a:pPr algn="ctr"/>
+            <a:endParaRPr lang="en-US"/>
+          </a:p>
+        </p:txBody>
+      </p:sp>
+      <p:sp>
+        <p:nvSpPr>
+          <p:cNvPr id="6" name="Down Arrow 5"/>
+          <p:cNvSpPr/>
+          <p:nvPr/>
+        </p:nvSpPr>
+        <p:spPr>
+          <a:xfrm>
+            <a:off x="4343400" y="4963886"/>
+            <a:ext cx="304800" cy="381000"/>
+          </a:xfrm>
+          <a:prstGeom prst="downArrow">
+            <a:avLst/>
+          </a:prstGeom>
+        </p:spPr>
+        <p:style>
+          <a:lnRef idx="2">
+            <a:schemeClr val="accent1">
+              <a:shade val="50000"/>
+            </a:schemeClr>
+          </a:lnRef>
+          <a:fillRef idx="1">
+            <a:schemeClr val="accent1"/>
+          </a:fillRef>
+          <a:effectRef idx="0">
+            <a:schemeClr val="accent1"/>
+          </a:effectRef>
+          <a:fontRef idx="minor">
+            <a:schemeClr val="lt1"/>
+          </a:fontRef>
+        </p:style>
+        <p:txBody>
+          <a:bodyPr rtlCol="0" anchor="ctr"/>
+          <a:lstStyle/>
+          <a:p>
+            <a:pPr algn="ctr"/>
+            <a:endParaRPr lang="en-US"/>
+          </a:p>
+        </p:txBody>
+      </p:sp>
+    </p:spTree>
+    <p:extLst>
+      <p:ext uri="{BB962C8B-B14F-4D97-AF65-F5344CB8AC3E}">
+        <p14:creationId xmlns:p14="http://schemas.microsoft.com/office/powerpoint/2010/main" val="3309860852"/>
+      </p:ext>
+    </p:extLst>
+  </p:cSld>
+  <p:clrMapOvr>
+    <a:masterClrMapping/>
+  </p:clrMapOvr>
+  <p:timing>
+    <p:tnLst>
+      <p:par>
+        <p:cTn id="1" dur="indefinite" restart="never" nodeType="tmRoot">
+          <p:childTnLst>
+            <p:seq concurrent="1" nextAc="seek">
+              <p:cTn id="2" dur="indefinite" nodeType="mainSeq">
+                <p:childTnLst>
+                  <p:par>
+                    <p:cTn id="3" fill="hold">
+                      <p:stCondLst>
+                        <p:cond delay="indefinite"/>
+                      </p:stCondLst>
+                      <p:childTnLst>
+                        <p:par>
+                          <p:cTn id="4" fill="hold">
+                            <p:stCondLst>
+                              <p:cond delay="0"/>
+                            </p:stCondLst>
+                            <p:childTnLst>
+                              <p:par>
+                                <p:cTn id="5" presetID="1" presetClass="entr" presetSubtype="0" fill="hold" nodeType="clickEffect">
+                                  <p:stCondLst>
+                                    <p:cond delay="0"/>
+                                  </p:stCondLst>
+                                  <p:childTnLst>
+                                    <p:set>
+                                      <p:cBhvr>
+                                        <p:cTn id="6" dur="1" fill="hold">
+                                          <p:stCondLst>
+                                            <p:cond delay="0"/>
+                                          </p:stCondLst>
+                                        </p:cTn>
+                                        <p:tgtEl>
+                                          <p:spTgt spid="3">
+                                            <p:txEl>
+                                              <p:pRg st="0" end="0"/>
+                                            </p:txEl>
+                                          </p:spTgt>
+                                        </p:tgtEl>
+                                        <p:attrNameLst>
+                                          <p:attrName>style.visibility</p:attrName>
+                                        </p:attrNameLst>
+                                      </p:cBhvr>
+                                      <p:to>
+                                        <p:strVal val="visible"/>
+                                      </p:to>
+                                    </p:set>
+                                  </p:childTnLst>
+                                </p:cTn>
+                              </p:par>
+                            </p:childTnLst>
+                          </p:cTn>
+                        </p:par>
+                      </p:childTnLst>
+                    </p:cTn>
+                  </p:par>
+                  <p:par>
+                    <p:cTn id="7" fill="hold">
+                      <p:stCondLst>
+                        <p:cond delay="indefinite"/>
+                      </p:stCondLst>
+                      <p:childTnLst>
+                        <p:par>
+                          <p:cTn id="8" fill="hold">
+                            <p:stCondLst>
+                              <p:cond delay="0"/>
+                            </p:stCondLst>
+                            <p:childTnLst>
+                              <p:par>
+                                <p:cTn id="9" presetID="10" presetClass="entr" presetSubtype="0" fill="hold" nodeType="clickEffect">
+                                  <p:stCondLst>
+                                    <p:cond delay="0"/>
+                                  </p:stCondLst>
+                                  <p:childTnLst>
+                                    <p:set>
+                                      <p:cBhvr>
+                                        <p:cTn id="10" dur="1" fill="hold">
+                                          <p:stCondLst>
+                                            <p:cond delay="0"/>
+                                          </p:stCondLst>
+                                        </p:cTn>
+                                        <p:tgtEl>
+                                          <p:spTgt spid="3">
+                                            <p:txEl>
+                                              <p:pRg st="2" end="2"/>
+                                            </p:txEl>
+                                          </p:spTgt>
+                                        </p:tgtEl>
+                                        <p:attrNameLst>
+                                          <p:attrName>style.visibility</p:attrName>
+                                        </p:attrNameLst>
+                                      </p:cBhvr>
+                                      <p:to>
+                                        <p:strVal val="visible"/>
+                                      </p:to>
+                                    </p:set>
+                                    <p:animEffect transition="in" filter="fade">
+                                      <p:cBhvr>
+                                        <p:cTn id="11" dur="500"/>
+                                        <p:tgtEl>
+                                          <p:spTgt spid="3">
+                                            <p:txEl>
+                                              <p:pRg st="2" end="2"/>
+                                            </p:txEl>
+                                          </p:spTgt>
+                                        </p:tgtEl>
+                                      </p:cBhvr>
+                                    </p:animEffect>
+                                  </p:childTnLst>
+                                </p:cTn>
+                              </p:par>
+                            </p:childTnLst>
+                          </p:cTn>
+                        </p:par>
+                      </p:childTnLst>
+                    </p:cTn>
+                  </p:par>
+                  <p:par>
+                    <p:cTn id="12" fill="hold">
+                      <p:stCondLst>
+                        <p:cond delay="indefinite"/>
+                      </p:stCondLst>
+                      <p:childTnLst>
+                        <p:par>
+                          <p:cTn id="13" fill="hold">
+                            <p:stCondLst>
+                              <p:cond delay="0"/>
+                            </p:stCondLst>
+                            <p:childTnLst>
+                              <p:par>
+                                <p:cTn id="14" presetID="10" presetClass="entr" presetSubtype="0" fill="hold" nodeType="clickEffect">
+                                  <p:stCondLst>
+                                    <p:cond delay="0"/>
+                                  </p:stCondLst>
+                                  <p:childTnLst>
+                                    <p:set>
+                                      <p:cBhvr>
+                                        <p:cTn id="15" dur="1" fill="hold">
+                                          <p:stCondLst>
+                                            <p:cond delay="0"/>
+                                          </p:stCondLst>
+                                        </p:cTn>
+                                        <p:tgtEl>
+                                          <p:spTgt spid="3">
+                                            <p:txEl>
+                                              <p:pRg st="4" end="4"/>
+                                            </p:txEl>
+                                          </p:spTgt>
+                                        </p:tgtEl>
+                                        <p:attrNameLst>
+                                          <p:attrName>style.visibility</p:attrName>
+                                        </p:attrNameLst>
+                                      </p:cBhvr>
+                                      <p:to>
+                                        <p:strVal val="visible"/>
+                                      </p:to>
+                                    </p:set>
+                                    <p:animEffect transition="in" filter="fade">
+                                      <p:cBhvr>
+                                        <p:cTn id="16" dur="500"/>
+                                        <p:tgtEl>
+                                          <p:spTgt spid="3">
+                                            <p:txEl>
+                                              <p:pRg st="4" end="4"/>
+                                            </p:txEl>
+                                          </p:spTgt>
+                                        </p:tgtEl>
+                                      </p:cBhvr>
+                                    </p:animEffect>
+                                  </p:childTnLst>
+                                </p:cTn>
+                              </p:par>
+                              <p:par>
+                                <p:cTn id="17" presetID="10" presetClass="entr" presetSubtype="0" fill="hold" grpId="0" nodeType="withEffect">
+                                  <p:stCondLst>
+                                    <p:cond delay="0"/>
+                                  </p:stCondLst>
+                                  <p:childTnLst>
+                                    <p:set>
+                                      <p:cBhvr>
+                                        <p:cTn id="18" dur="1" fill="hold">
+                                          <p:stCondLst>
+                                            <p:cond delay="0"/>
+                                          </p:stCondLst>
+                                        </p:cTn>
+                                        <p:tgtEl>
+                                          <p:spTgt spid="5"/>
+                                        </p:tgtEl>
+                                        <p:attrNameLst>
+                                          <p:attrName>style.visibility</p:attrName>
+                                        </p:attrNameLst>
+                                      </p:cBhvr>
+                                      <p:to>
+                                        <p:strVal val="visible"/>
+                                      </p:to>
+                                    </p:set>
+                                    <p:animEffect transition="in" filter="fade">
+                                      <p:cBhvr>
+                                        <p:cTn id="19" dur="500"/>
+                                        <p:tgtEl>
+                                          <p:spTgt spid="5"/>
+                                        </p:tgtEl>
+                                      </p:cBhvr>
+                                    </p:animEffect>
+                                  </p:childTnLst>
+                                </p:cTn>
+                              </p:par>
+                            </p:childTnLst>
+                          </p:cTn>
+                        </p:par>
+                      </p:childTnLst>
+                    </p:cTn>
+                  </p:par>
+                  <p:par>
+                    <p:cTn id="20" fill="hold">
+                      <p:stCondLst>
+                        <p:cond delay="indefinite"/>
+                      </p:stCondLst>
+                      <p:childTnLst>
+                        <p:par>
+                          <p:cTn id="21" fill="hold">
+                            <p:stCondLst>
+                              <p:cond delay="0"/>
+                            </p:stCondLst>
+                            <p:childTnLst>
+                              <p:par>
+                                <p:cTn id="22" presetID="10" presetClass="entr" presetSubtype="0" fill="hold" nodeType="clickEffect">
+                                  <p:stCondLst>
+                                    <p:cond delay="0"/>
+                                  </p:stCondLst>
+                                  <p:childTnLst>
+                                    <p:set>
+                                      <p:cBhvr>
+                                        <p:cTn id="23" dur="1" fill="hold">
+                                          <p:stCondLst>
+                                            <p:cond delay="0"/>
+                                          </p:stCondLst>
+                                        </p:cTn>
+                                        <p:tgtEl>
+                                          <p:spTgt spid="3">
+                                            <p:txEl>
+                                              <p:pRg st="6" end="6"/>
+                                            </p:txEl>
+                                          </p:spTgt>
+                                        </p:tgtEl>
+                                        <p:attrNameLst>
+                                          <p:attrName>style.visibility</p:attrName>
+                                        </p:attrNameLst>
+                                      </p:cBhvr>
+                                      <p:to>
+                                        <p:strVal val="visible"/>
+                                      </p:to>
+                                    </p:set>
+                                    <p:animEffect transition="in" filter="fade">
+                                      <p:cBhvr>
+                                        <p:cTn id="24" dur="500"/>
+                                        <p:tgtEl>
+                                          <p:spTgt spid="3">
+                                            <p:txEl>
+                                              <p:pRg st="6" end="6"/>
+                                            </p:txEl>
+                                          </p:spTgt>
+                                        </p:tgtEl>
+                                      </p:cBhvr>
+                                    </p:animEffect>
+                                  </p:childTnLst>
+                                </p:cTn>
+                              </p:par>
+                              <p:par>
+                                <p:cTn id="25" presetID="10" presetClass="entr" presetSubtype="0" fill="hold" grpId="0" nodeType="withEffect">
+                                  <p:stCondLst>
+                                    <p:cond delay="0"/>
+                                  </p:stCondLst>
+                                  <p:childTnLst>
+                                    <p:set>
+                                      <p:cBhvr>
+                                        <p:cTn id="26" dur="1" fill="hold">
+                                          <p:stCondLst>
+                                            <p:cond delay="0"/>
+                                          </p:stCondLst>
+                                        </p:cTn>
+                                        <p:tgtEl>
+                                          <p:spTgt spid="6"/>
+                                        </p:tgtEl>
+                                        <p:attrNameLst>
+                                          <p:attrName>style.visibility</p:attrName>
+                                        </p:attrNameLst>
+                                      </p:cBhvr>
+                                      <p:to>
+                                        <p:strVal val="visible"/>
+                                      </p:to>
+                                    </p:set>
+                                    <p:animEffect transition="in" filter="fade">
+                                      <p:cBhvr>
+                                        <p:cTn id="27" dur="500"/>
+                                        <p:tgtEl>
+                                          <p:spTgt spid="6"/>
+                                        </p:tgtEl>
+                                      </p:cBhvr>
+                                    </p:animEffect>
+                                  </p:childTnLst>
+                                </p:cTn>
+                              </p:par>
+                            </p:childTnLst>
+                          </p:cTn>
+                        </p:par>
+                      </p:childTnLst>
+                    </p:cTn>
+                  </p:par>
+                </p:childTnLst>
+              </p:cTn>
+              <p:prevCondLst>
+                <p:cond evt="onPrev" delay="0">
+                  <p:tgtEl>
+                    <p:sldTgt/>
+                  </p:tgtEl>
+                </p:cond>
+              </p:prevCondLst>
+              <p:nextCondLst>
+                <p:cond evt="onNext" delay="0">
+                  <p:tgtEl>
+                    <p:sldTgt/>
+                  </p:tgtEl>
+                </p:cond>
+              </p:nextCondLst>
+            </p:seq>
+          </p:childTnLst>
+        </p:cTn>
+      </p:par>
+    </p:tnLst>
+    <p:bldLst>
+      <p:bldP spid="5" grpId="0" animBg="1"/>
+      <p:bldP spid="6" grpId="0" animBg="1"/>
+    </p:bldLst>
+  </p:timing>
+</p:sld>
+</file>
+
+<file path=ppt/slides/slide3.xml><?xml version="1.0" encoding="utf-8"?>
+<p:sld xmlns:a="http://schemas.openxmlformats.org/drawingml/2006/main" xmlns:r="http://schemas.openxmlformats.org/officeDocument/2006/relationships" xmlns:p="http://schemas.openxmlformats.org/presentationml/2006/main">
+  <p:cSld>
+    <p:spTree>
+      <p:nvGrpSpPr>
+        <p:cNvPr id="1" name=""/>
+        <p:cNvGrpSpPr/>
+        <p:nvPr/>
+      </p:nvGrpSpPr>
+      <p:grpSpPr>
+        <a:xfrm>
+          <a:off x="0" y="0"/>
+          <a:ext cx="0" cy="0"/>
+          <a:chOff x="0" y="0"/>
+          <a:chExt cx="0" cy="0"/>
+        </a:xfrm>
+      </p:grpSpPr>
+      <p:sp>
+        <p:nvSpPr>
+          <p:cNvPr id="2" name="Title 1"/>
+          <p:cNvSpPr>
+            <a:spLocks noGrp="1"/>
+          </p:cNvSpPr>
+          <p:nvPr>
+            <p:ph type="title"/>
+          </p:nvPr>
+        </p:nvSpPr>
+        <p:spPr>
+          <a:xfrm>
+            <a:off x="457200" y="-76200"/>
+            <a:ext cx="8229600" cy="1143000"/>
+          </a:xfrm>
+        </p:spPr>
+        <p:txBody>
+          <a:bodyPr/>
+          <a:lstStyle/>
+          <a:p>
+            <a:r>
+              <a:rPr lang="en-US" dirty="0"/>
+              <a:t>What is a Free Body Diagram</a:t>
+            </a:r>
+          </a:p>
+        </p:txBody>
+      </p:sp>
+      <p:sp>
+        <p:nvSpPr>
+          <p:cNvPr id="4" name="Slide Number Placeholder 3"/>
+          <p:cNvSpPr>
+            <a:spLocks noGrp="1"/>
+          </p:cNvSpPr>
+          <p:nvPr>
+            <p:ph type="sldNum" sz="quarter" idx="12"/>
+          </p:nvPr>
+        </p:nvSpPr>
+        <p:spPr/>
+        <p:txBody>
+          <a:bodyPr/>
+          <a:lstStyle/>
+          <a:p>
+            <a:fld id="{929262FE-7F58-4A1E-8AF3-5A510A86DEBD}" type="slidenum">
+              <a:rPr lang="en-US" smtClean="0"/>
+              <a:t>3</a:t>
+            </a:fld>
+            <a:endParaRPr lang="en-US"/>
+          </a:p>
+        </p:txBody>
+      </p:sp>
+      <p:pic>
+        <p:nvPicPr>
+          <p:cNvPr id="5" name="Picture 2" descr="C:\Users\jpm46\AppData\Local\Microsoft\Windows\Temporary Internet Files\Content.IE5\51DE7FD3\silhouette-young-man[1].jpg"/>
+          <p:cNvPicPr>
+            <a:picLocks noChangeAspect="1" noChangeArrowheads="1"/>
+          </p:cNvPicPr>
+          <p:nvPr/>
+        </p:nvPicPr>
+        <p:blipFill>
+          <a:blip r:embed="rId2">
+            <a:extLst>
+              <a:ext uri="{BEBA8EAE-BF5A-486C-A8C5-ECC9F3942E4B}">
+                <a14:imgProps xmlns:a14="http://schemas.microsoft.com/office/drawing/2010/main">
+                  <a14:imgLayer r:embed="rId3">
+                    <a14:imgEffect>
+                      <a14:backgroundRemoval t="3089" b="96423" l="31870" r="76911"/>
+                    </a14:imgEffect>
+                  </a14:imgLayer>
+                </a14:imgProps>
+              </a:ext>
+              <a:ext uri="{28A0092B-C50C-407E-A947-70E740481C1C}">
+                <a14:useLocalDpi xmlns:a14="http://schemas.microsoft.com/office/drawing/2010/main" val="0"/>
+              </a:ext>
+            </a:extLst>
+          </a:blip>
+          <a:srcRect/>
+          <a:stretch>
+            <a:fillRect/>
+          </a:stretch>
+        </p:blipFill>
+        <p:spPr bwMode="auto">
+          <a:xfrm flipH="1">
+            <a:off x="705945" y="1143000"/>
+            <a:ext cx="2623457" cy="2623457"/>
+          </a:xfrm>
+          <a:prstGeom prst="rect">
+            <a:avLst/>
+          </a:prstGeom>
+          <a:noFill/>
+          <a:extLst>
+            <a:ext uri="{909E8E84-426E-40DD-AFC4-6F175D3DCCD1}">
+              <a14:hiddenFill xmlns:a14="http://schemas.microsoft.com/office/drawing/2010/main">
+                <a:solidFill>
+                  <a:srgbClr val="FFFFFF"/>
+                </a:solidFill>
+              </a14:hiddenFill>
+            </a:ext>
+          </a:extLst>
+        </p:spPr>
+      </p:pic>
+      <p:sp>
+        <p:nvSpPr>
+          <p:cNvPr id="6" name="L-Shape 5"/>
+          <p:cNvSpPr/>
+          <p:nvPr/>
+        </p:nvSpPr>
+        <p:spPr>
+          <a:xfrm>
+            <a:off x="401145" y="990600"/>
+            <a:ext cx="3810000" cy="5715000"/>
+          </a:xfrm>
+          <a:prstGeom prst="corner">
+            <a:avLst>
+              <a:gd name="adj1" fmla="val 19062"/>
+              <a:gd name="adj2" fmla="val 20410"/>
+            </a:avLst>
+          </a:prstGeom>
+          <a:solidFill>
+            <a:schemeClr val="bg2">
+              <a:lumMod val="75000"/>
+            </a:schemeClr>
+          </a:solidFill>
+          <a:ln>
+            <a:solidFill>
+              <a:schemeClr val="bg2">
+                <a:lumMod val="50000"/>
+              </a:schemeClr>
+            </a:solidFill>
+          </a:ln>
+        </p:spPr>
+        <p:style>
+          <a:lnRef idx="2">
+            <a:schemeClr val="accent1">
+              <a:shade val="50000"/>
+            </a:schemeClr>
+          </a:lnRef>
+          <a:fillRef idx="1">
+            <a:schemeClr val="accent1"/>
+          </a:fillRef>
+          <a:effectRef idx="0">
+            <a:schemeClr val="accent1"/>
+          </a:effectRef>
+          <a:fontRef idx="minor">
+            <a:schemeClr val="lt1"/>
+          </a:fontRef>
+        </p:style>
+        <p:txBody>
+          <a:bodyPr rtlCol="0" anchor="ctr"/>
+          <a:lstStyle/>
+          <a:p>
+            <a:pPr algn="ctr"/>
+            <a:endParaRPr lang="en-US"/>
+          </a:p>
+        </p:txBody>
+      </p:sp>
+      <p:sp>
+        <p:nvSpPr>
+          <p:cNvPr id="7" name="Rounded Rectangle 6"/>
+          <p:cNvSpPr/>
+          <p:nvPr/>
+        </p:nvSpPr>
+        <p:spPr>
+          <a:xfrm rot="19759876">
+            <a:off x="2170755" y="2139895"/>
+            <a:ext cx="270777" cy="4090966"/>
+          </a:xfrm>
+          <a:prstGeom prst="roundRect">
+            <a:avLst>
+              <a:gd name="adj" fmla="val 50000"/>
+            </a:avLst>
+          </a:prstGeom>
+        </p:spPr>
+        <p:style>
+          <a:lnRef idx="1">
+            <a:schemeClr val="dk1"/>
+          </a:lnRef>
+          <a:fillRef idx="2">
+            <a:schemeClr val="dk1"/>
+          </a:fillRef>
+          <a:effectRef idx="1">
+            <a:schemeClr val="dk1"/>
+          </a:effectRef>
+          <a:fontRef idx="minor">
+            <a:schemeClr val="dk1"/>
+          </a:fontRef>
+        </p:style>
+        <p:txBody>
+          <a:bodyPr rtlCol="0" anchor="ctr"/>
+          <a:lstStyle/>
+          <a:p>
+            <a:pPr algn="ctr"/>
+            <a:endParaRPr lang="en-US"/>
+          </a:p>
+        </p:txBody>
+      </p:sp>
+      <p:sp>
+        <p:nvSpPr>
+          <p:cNvPr id="8" name="Rounded Rectangle 7"/>
+          <p:cNvSpPr/>
+          <p:nvPr/>
+        </p:nvSpPr>
+        <p:spPr>
+          <a:xfrm rot="19759876">
+            <a:off x="6649757" y="1758895"/>
+            <a:ext cx="270777" cy="4090966"/>
+          </a:xfrm>
+          <a:prstGeom prst="roundRect">
+            <a:avLst>
+              <a:gd name="adj" fmla="val 50000"/>
+            </a:avLst>
+          </a:prstGeom>
+        </p:spPr>
+        <p:style>
+          <a:lnRef idx="1">
+            <a:schemeClr val="dk1"/>
+          </a:lnRef>
+          <a:fillRef idx="2">
+            <a:schemeClr val="dk1"/>
+          </a:fillRef>
+          <a:effectRef idx="1">
+            <a:schemeClr val="dk1"/>
+          </a:effectRef>
+          <a:fontRef idx="minor">
+            <a:schemeClr val="dk1"/>
+          </a:fontRef>
+        </p:style>
+        <p:txBody>
+          <a:bodyPr rtlCol="0" anchor="ctr"/>
+          <a:lstStyle/>
+          <a:p>
+            <a:pPr algn="ctr"/>
+            <a:endParaRPr lang="en-US"/>
+          </a:p>
+        </p:txBody>
+      </p:sp>
+      <p:cxnSp>
+        <p:nvCxnSpPr>
+          <p:cNvPr id="9" name="Straight Arrow Connector 8"/>
+          <p:cNvCxnSpPr/>
+          <p:nvPr/>
+        </p:nvCxnSpPr>
+        <p:spPr>
+          <a:xfrm>
+            <a:off x="6805350" y="3799113"/>
+            <a:ext cx="0" cy="903515"/>
+          </a:xfrm>
+          <a:prstGeom prst="straightConnector1">
+            <a:avLst/>
+          </a:prstGeom>
+          <a:ln>
+            <a:solidFill>
+              <a:srgbClr val="FF0000"/>
+            </a:solidFill>
+            <a:tailEnd type="arrow"/>
+          </a:ln>
+        </p:spPr>
+        <p:style>
+          <a:lnRef idx="3">
+            <a:schemeClr val="dk1"/>
+          </a:lnRef>
+          <a:fillRef idx="0">
+            <a:schemeClr val="dk1"/>
+          </a:fillRef>
+          <a:effectRef idx="2">
+            <a:schemeClr val="dk1"/>
+          </a:effectRef>
+          <a:fontRef idx="minor">
+            <a:schemeClr val="tx1"/>
+          </a:fontRef>
+        </p:style>
+      </p:cxnSp>
+      <mc:AlternateContent xmlns:mc="http://schemas.openxmlformats.org/markup-compatibility/2006" xmlns:a14="http://schemas.microsoft.com/office/drawing/2010/main">
+        <mc:Choice Requires="a14">
           <p:sp>
             <p:nvSpPr>
-              <p:cNvPr id="3" name="Content Placeholder 2"/>
-              <p:cNvSpPr>
-                <a:spLocks noGrp="1"/>
-              </p:cNvSpPr>
-              <p:nvPr>
-                <p:ph idx="1"/>
-              </p:nvPr>
+              <p:cNvPr id="10" name="TextBox 9"/>
+              <p:cNvSpPr txBox="1"/>
+              <p:nvPr/>
             </p:nvSpPr>
-            <p:spPr/>
+            <p:spPr>
+              <a:xfrm>
+                <a:off x="6311234" y="4250870"/>
+                <a:ext cx="473911" cy="395686"/>
+              </a:xfrm>
+              <a:prstGeom prst="rect">
+                <a:avLst/>
+              </a:prstGeom>
+              <a:noFill/>
+            </p:spPr>
             <p:txBody>
-              <a:bodyPr/>
+              <a:bodyPr wrap="none" rtlCol="0">
+                <a:spAutoFit/>
+              </a:bodyPr>
               <a:lstStyle/>
               <a:p>
-                <a:r>
-                  <a:rPr lang="en-US" dirty="0"/>
-                  <a:t>Newton’s Second Law states that...</a:t>
-                </a:r>
-              </a:p>
-              <a:p>
-                <a:endParaRPr lang="en-US" dirty="0"/>
-              </a:p>
-              <a:p>
-                <a:pPr marL="0" indent="0">
-                  <a:buNone/>
-                </a:pPr>
-                <a:r>
-                  <a:rPr lang="en-US" b="1" dirty="0"/>
-                  <a:t>“When a net force acts on any body with mass, it produces an acceleration of that body. The net force will be equal to the mass of the body times the acceleration of the body”</a:t>
-                </a:r>
-              </a:p>
-              <a:p>
-                <a:pPr marL="0" indent="0">
-                  <a:buNone/>
-                </a:pPr>
-                <a:endParaRPr lang="en-US" b="1" dirty="0"/>
-              </a:p>
-              <a:p>
-                <a:pPr marL="0" indent="0" algn="ctr">
-                  <a:buNone/>
-                </a:pPr>
+                <a:pPr/>
                 <a14:m>
                   <m:oMathPara xmlns:m="http://schemas.openxmlformats.org/officeDocument/2006/math">
                     <m:oMathParaPr>
                       <m:jc m:val="centerGroup"/>
                     </m:oMathParaPr>
                     <m:oMath xmlns:m="http://schemas.openxmlformats.org/officeDocument/2006/math">
-                      <m:acc>
-                        <m:accPr>
-                          <m:chr m:val="⃗"/>
+                      <m:sSub>
+                        <m:sSubPr>
                           <m:ctrlPr>
-                            <a:rPr lang="en-US" i="1" smtClean="0">
+                            <a:rPr lang="en-US" b="1" i="1" smtClean="0">
+                              <a:solidFill>
+                                <a:srgbClr val="FF0000"/>
+                              </a:solidFill>
                               <a:latin typeface="Cambria Math" panose="02040503050406030204" pitchFamily="18" charset="0"/>
                             </a:rPr>
                           </m:ctrlPr>
-                        </m:accPr>
+                        </m:sSubPr>
                         <m:e>
                           <m:r>
-                            <a:rPr lang="en-US" b="0" i="1" smtClean="0">
-                              <a:latin typeface="Cambria Math" panose="02040503050406030204" pitchFamily="18" charset="0"/>
+                            <a:rPr lang="en-US" b="1" i="0" smtClean="0">
+                              <a:solidFill>
+                                <a:srgbClr val="FF0000"/>
+                              </a:solidFill>
+                              <a:latin typeface="Cambria Math"/>
                             </a:rPr>
-                            <m:t>𝐹</m:t>
+                            <m:t>𝐅</m:t>
                           </m:r>
                         </m:e>
-                      </m:acc>
-                      <m:r>
-                        <a:rPr lang="en-US" b="0" i="1" smtClean="0">
-                          <a:latin typeface="Cambria Math" panose="02040503050406030204" pitchFamily="18" charset="0"/>
-                        </a:rPr>
-                        <m:t>=</m:t>
-                      </m:r>
-                      <m:r>
-                        <a:rPr lang="en-US" b="0" i="1" smtClean="0">
-                          <a:latin typeface="Cambria Math" panose="02040503050406030204" pitchFamily="18" charset="0"/>
-                        </a:rPr>
-                        <m:t>𝑚</m:t>
-                      </m:r>
-                      <m:r>
-                        <a:rPr lang="en-US" b="0" i="1" smtClean="0">
-                          <a:latin typeface="Cambria Math" panose="02040503050406030204" pitchFamily="18" charset="0"/>
-                        </a:rPr>
-                        <m:t> </m:t>
-                      </m:r>
-                      <m:acc>
-                        <m:accPr>
-                          <m:chr m:val="⃗"/>
-                          <m:ctrlPr>
-                            <a:rPr lang="en-US" i="1" smtClean="0">
-                              <a:latin typeface="Cambria Math" panose="02040503050406030204" pitchFamily="18" charset="0"/>
+                        <m:sub>
+                          <m:r>
+                            <a:rPr lang="en-US" b="1" i="0" smtClean="0">
+                              <a:solidFill>
+                                <a:srgbClr val="FF0000"/>
+                              </a:solidFill>
+                              <a:latin typeface="Cambria Math"/>
                             </a:rPr>
-                          </m:ctrlPr>
-                        </m:accPr>
-                        <m:e>
-                          <m:r>
-                            <a:rPr lang="en-US" b="0" i="1" smtClean="0">
-                              <a:latin typeface="Cambria Math" panose="02040503050406030204" pitchFamily="18" charset="0"/>
-                            </a:rPr>
-                            <m:t>𝑎</m:t>
+                            <m:t>𝐠</m:t>
                           </m:r>
-                        </m:e>
-                      </m:acc>
+                        </m:sub>
+                      </m:sSub>
                     </m:oMath>
                   </m:oMathPara>
                 </a14:m>
-                <a:endParaRPr lang="en-US" dirty="0"/>
+                <a:endParaRPr lang="en-US" b="1" dirty="0">
+                  <a:solidFill>
+                    <a:srgbClr val="FF0000"/>
+                  </a:solidFill>
+                  <a:latin typeface="Arial Black" panose="020B0A04020102020204" pitchFamily="34" charset="0"/>
+                </a:endParaRPr>
               </a:p>
             </p:txBody>
           </p:sp>
         </mc:Choice>
-        <mc:Fallback>
+        <mc:Fallback xmlns="">
           <p:sp>
             <p:nvSpPr>
-              <p:cNvPr id="3" name="Content Placeholder 2"/>
-              <p:cNvSpPr>
-                <a:spLocks noGrp="1" noRot="1" noChangeAspect="1" noMove="1" noResize="1" noEditPoints="1" noAdjustHandles="1" noChangeArrowheads="1" noChangeShapeType="1" noTextEdit="1"/>
+              <p:cNvPr id="10" name="TextBox 9"/>
+              <p:cNvSpPr txBox="1">
+                <a:spLocks noRot="1" noChangeAspect="1" noMove="1" noResize="1" noEditPoints="1" noAdjustHandles="1" noChangeArrowheads="1" noChangeShapeType="1" noTextEdit="1"/>
               </p:cNvSpPr>
-              <p:nvPr>
-                <p:ph idx="1"/>
-              </p:nvPr>
+              <p:nvPr/>
             </p:nvSpPr>
             <p:spPr>
-              <a:blipFill>
-                <a:blip r:embed="rId2"/>
+              <a:xfrm>
+                <a:off x="6311234" y="4250870"/>
+                <a:ext cx="473911" cy="395686"/>
+              </a:xfrm>
+              <a:prstGeom prst="rect">
+                <a:avLst/>
+              </a:prstGeom>
+              <a:blipFill rotWithShape="1">
+                <a:blip r:embed="rId4"/>
                 <a:stretch>
-                  <a:fillRect l="-1852" t="-1752" r="-1333"/>
+                  <a:fillRect b="-4615"/>
                 </a:stretch>
               </a:blipFill>
             </p:spPr>
@@ -4198,6 +8251,1223 @@
           </p:sp>
         </mc:Fallback>
       </mc:AlternateContent>
+      <p:cxnSp>
+        <p:nvCxnSpPr>
+          <p:cNvPr id="11" name="Straight Arrow Connector 10"/>
+          <p:cNvCxnSpPr/>
+          <p:nvPr/>
+        </p:nvCxnSpPr>
+        <p:spPr>
+          <a:xfrm>
+            <a:off x="4830690" y="2144486"/>
+            <a:ext cx="838200" cy="0"/>
+          </a:xfrm>
+          <a:prstGeom prst="straightConnector1">
+            <a:avLst/>
+          </a:prstGeom>
+          <a:ln>
+            <a:solidFill>
+              <a:srgbClr val="FF0000"/>
+            </a:solidFill>
+            <a:tailEnd type="arrow"/>
+          </a:ln>
+        </p:spPr>
+        <p:style>
+          <a:lnRef idx="3">
+            <a:schemeClr val="dk1"/>
+          </a:lnRef>
+          <a:fillRef idx="0">
+            <a:schemeClr val="dk1"/>
+          </a:fillRef>
+          <a:effectRef idx="2">
+            <a:schemeClr val="dk1"/>
+          </a:effectRef>
+          <a:fontRef idx="minor">
+            <a:schemeClr val="tx1"/>
+          </a:fontRef>
+        </p:style>
+      </p:cxnSp>
+      <p:cxnSp>
+        <p:nvCxnSpPr>
+          <p:cNvPr id="12" name="Straight Arrow Connector 11"/>
+          <p:cNvCxnSpPr/>
+          <p:nvPr/>
+        </p:nvCxnSpPr>
+        <p:spPr>
+          <a:xfrm>
+            <a:off x="6314639" y="2100942"/>
+            <a:ext cx="0" cy="903515"/>
+          </a:xfrm>
+          <a:prstGeom prst="straightConnector1">
+            <a:avLst/>
+          </a:prstGeom>
+          <a:ln>
+            <a:solidFill>
+              <a:srgbClr val="FF0000"/>
+            </a:solidFill>
+            <a:tailEnd type="arrow"/>
+          </a:ln>
+        </p:spPr>
+        <p:style>
+          <a:lnRef idx="3">
+            <a:schemeClr val="dk1"/>
+          </a:lnRef>
+          <a:fillRef idx="0">
+            <a:schemeClr val="dk1"/>
+          </a:fillRef>
+          <a:effectRef idx="2">
+            <a:schemeClr val="dk1"/>
+          </a:effectRef>
+          <a:fontRef idx="minor">
+            <a:schemeClr val="tx1"/>
+          </a:fontRef>
+        </p:style>
+      </p:cxnSp>
+      <p:cxnSp>
+        <p:nvCxnSpPr>
+          <p:cNvPr id="13" name="Straight Arrow Connector 12"/>
+          <p:cNvCxnSpPr/>
+          <p:nvPr/>
+        </p:nvCxnSpPr>
+        <p:spPr>
+          <a:xfrm flipV="1">
+            <a:off x="7749003" y="5573486"/>
+            <a:ext cx="0" cy="1170214"/>
+          </a:xfrm>
+          <a:prstGeom prst="straightConnector1">
+            <a:avLst/>
+          </a:prstGeom>
+          <a:ln>
+            <a:solidFill>
+              <a:srgbClr val="FF0000"/>
+            </a:solidFill>
+            <a:tailEnd type="arrow"/>
+          </a:ln>
+        </p:spPr>
+        <p:style>
+          <a:lnRef idx="3">
+            <a:schemeClr val="dk1"/>
+          </a:lnRef>
+          <a:fillRef idx="0">
+            <a:schemeClr val="dk1"/>
+          </a:fillRef>
+          <a:effectRef idx="2">
+            <a:schemeClr val="dk1"/>
+          </a:effectRef>
+          <a:fontRef idx="minor">
+            <a:schemeClr val="tx1"/>
+          </a:fontRef>
+        </p:style>
+      </p:cxnSp>
+      <p:cxnSp>
+        <p:nvCxnSpPr>
+          <p:cNvPr id="14" name="Straight Arrow Connector 13"/>
+          <p:cNvCxnSpPr/>
+          <p:nvPr/>
+        </p:nvCxnSpPr>
+        <p:spPr>
+          <a:xfrm flipH="1">
+            <a:off x="7749003" y="5573486"/>
+            <a:ext cx="838200" cy="0"/>
+          </a:xfrm>
+          <a:prstGeom prst="straightConnector1">
+            <a:avLst/>
+          </a:prstGeom>
+          <a:ln>
+            <a:solidFill>
+              <a:srgbClr val="FF0000"/>
+            </a:solidFill>
+            <a:tailEnd type="arrow"/>
+          </a:ln>
+        </p:spPr>
+        <p:style>
+          <a:lnRef idx="3">
+            <a:schemeClr val="dk1"/>
+          </a:lnRef>
+          <a:fillRef idx="0">
+            <a:schemeClr val="dk1"/>
+          </a:fillRef>
+          <a:effectRef idx="2">
+            <a:schemeClr val="dk1"/>
+          </a:effectRef>
+          <a:fontRef idx="minor">
+            <a:schemeClr val="tx1"/>
+          </a:fontRef>
+        </p:style>
+      </p:cxnSp>
+      <mc:AlternateContent xmlns:mc="http://schemas.openxmlformats.org/markup-compatibility/2006" xmlns:a14="http://schemas.microsoft.com/office/drawing/2010/main">
+        <mc:Choice Requires="a14">
+          <p:sp>
+            <p:nvSpPr>
+              <p:cNvPr id="16" name="TextBox 15"/>
+              <p:cNvSpPr txBox="1"/>
+              <p:nvPr/>
+            </p:nvSpPr>
+            <p:spPr>
+              <a:xfrm>
+                <a:off x="4603031" y="1733958"/>
+                <a:ext cx="600549" cy="369332"/>
+              </a:xfrm>
+              <a:prstGeom prst="rect">
+                <a:avLst/>
+              </a:prstGeom>
+              <a:noFill/>
+            </p:spPr>
+            <p:txBody>
+              <a:bodyPr wrap="none" rtlCol="0">
+                <a:spAutoFit/>
+              </a:bodyPr>
+              <a:lstStyle/>
+              <a:p>
+                <a:pPr/>
+                <a14:m>
+                  <m:oMathPara xmlns:m="http://schemas.openxmlformats.org/officeDocument/2006/math">
+                    <m:oMathParaPr>
+                      <m:jc m:val="centerGroup"/>
+                    </m:oMathParaPr>
+                    <m:oMath xmlns:m="http://schemas.openxmlformats.org/officeDocument/2006/math">
+                      <m:sSub>
+                        <m:sSubPr>
+                          <m:ctrlPr>
+                            <a:rPr lang="en-US" b="1" i="1" smtClean="0">
+                              <a:solidFill>
+                                <a:srgbClr val="FF0000"/>
+                              </a:solidFill>
+                              <a:latin typeface="Cambria Math" panose="02040503050406030204" pitchFamily="18" charset="0"/>
+                            </a:rPr>
+                          </m:ctrlPr>
+                        </m:sSubPr>
+                        <m:e>
+                          <m:r>
+                            <a:rPr lang="en-US" b="1" i="0" smtClean="0">
+                              <a:solidFill>
+                                <a:srgbClr val="FF0000"/>
+                              </a:solidFill>
+                              <a:latin typeface="Cambria Math"/>
+                            </a:rPr>
+                            <m:t>𝐅</m:t>
+                          </m:r>
+                        </m:e>
+                        <m:sub>
+                          <m:r>
+                            <a:rPr lang="en-US" b="1" i="0" smtClean="0">
+                              <a:solidFill>
+                                <a:srgbClr val="FF0000"/>
+                              </a:solidFill>
+                              <a:latin typeface="Cambria Math"/>
+                            </a:rPr>
+                            <m:t>𝐍𝟏</m:t>
+                          </m:r>
+                        </m:sub>
+                      </m:sSub>
+                    </m:oMath>
+                  </m:oMathPara>
+                </a14:m>
+                <a:endParaRPr lang="en-US" b="1" dirty="0">
+                  <a:solidFill>
+                    <a:srgbClr val="FF0000"/>
+                  </a:solidFill>
+                  <a:latin typeface="Arial Black" panose="020B0A04020102020204" pitchFamily="34" charset="0"/>
+                </a:endParaRPr>
+              </a:p>
+            </p:txBody>
+          </p:sp>
+        </mc:Choice>
+        <mc:Fallback xmlns="">
+          <p:sp>
+            <p:nvSpPr>
+              <p:cNvPr id="16" name="TextBox 15"/>
+              <p:cNvSpPr txBox="1">
+                <a:spLocks noRot="1" noChangeAspect="1" noMove="1" noResize="1" noEditPoints="1" noAdjustHandles="1" noChangeArrowheads="1" noChangeShapeType="1" noTextEdit="1"/>
+              </p:cNvSpPr>
+              <p:nvPr/>
+            </p:nvSpPr>
+            <p:spPr>
+              <a:xfrm>
+                <a:off x="4603031" y="1733958"/>
+                <a:ext cx="600549" cy="369332"/>
+              </a:xfrm>
+              <a:prstGeom prst="rect">
+                <a:avLst/>
+              </a:prstGeom>
+              <a:blipFill rotWithShape="1">
+                <a:blip r:embed="rId6"/>
+                <a:stretch>
+                  <a:fillRect/>
+                </a:stretch>
+              </a:blipFill>
+            </p:spPr>
+            <p:txBody>
+              <a:bodyPr/>
+              <a:lstStyle/>
+              <a:p>
+                <a:r>
+                  <a:rPr lang="en-US">
+                    <a:noFill/>
+                  </a:rPr>
+                  <a:t> </a:t>
+                </a:r>
+              </a:p>
+            </p:txBody>
+          </p:sp>
+        </mc:Fallback>
+      </mc:AlternateContent>
+      <mc:AlternateContent xmlns:mc="http://schemas.openxmlformats.org/markup-compatibility/2006" xmlns:a14="http://schemas.microsoft.com/office/drawing/2010/main">
+        <mc:Choice Requires="a14">
+          <p:sp>
+            <p:nvSpPr>
+              <p:cNvPr id="17" name="TextBox 16"/>
+              <p:cNvSpPr txBox="1"/>
+              <p:nvPr/>
+            </p:nvSpPr>
+            <p:spPr>
+              <a:xfrm>
+                <a:off x="7716345" y="6412468"/>
+                <a:ext cx="600549" cy="369332"/>
+              </a:xfrm>
+              <a:prstGeom prst="rect">
+                <a:avLst/>
+              </a:prstGeom>
+              <a:noFill/>
+            </p:spPr>
+            <p:txBody>
+              <a:bodyPr wrap="none" rtlCol="0">
+                <a:spAutoFit/>
+              </a:bodyPr>
+              <a:lstStyle/>
+              <a:p>
+                <a:pPr/>
+                <a14:m>
+                  <m:oMathPara xmlns:m="http://schemas.openxmlformats.org/officeDocument/2006/math">
+                    <m:oMathParaPr>
+                      <m:jc m:val="centerGroup"/>
+                    </m:oMathParaPr>
+                    <m:oMath xmlns:m="http://schemas.openxmlformats.org/officeDocument/2006/math">
+                      <m:sSub>
+                        <m:sSubPr>
+                          <m:ctrlPr>
+                            <a:rPr lang="en-US" b="1" i="1" smtClean="0">
+                              <a:solidFill>
+                                <a:srgbClr val="FF0000"/>
+                              </a:solidFill>
+                              <a:latin typeface="Cambria Math" panose="02040503050406030204" pitchFamily="18" charset="0"/>
+                            </a:rPr>
+                          </m:ctrlPr>
+                        </m:sSubPr>
+                        <m:e>
+                          <m:r>
+                            <a:rPr lang="en-US" b="1" i="0" smtClean="0">
+                              <a:solidFill>
+                                <a:srgbClr val="FF0000"/>
+                              </a:solidFill>
+                              <a:latin typeface="Cambria Math"/>
+                            </a:rPr>
+                            <m:t>𝐅</m:t>
+                          </m:r>
+                        </m:e>
+                        <m:sub>
+                          <m:r>
+                            <a:rPr lang="en-US" b="1" i="0" smtClean="0">
+                              <a:solidFill>
+                                <a:srgbClr val="FF0000"/>
+                              </a:solidFill>
+                              <a:latin typeface="Cambria Math"/>
+                            </a:rPr>
+                            <m:t>𝐍𝟐</m:t>
+                          </m:r>
+                        </m:sub>
+                      </m:sSub>
+                    </m:oMath>
+                  </m:oMathPara>
+                </a14:m>
+                <a:endParaRPr lang="en-US" b="1" dirty="0">
+                  <a:solidFill>
+                    <a:srgbClr val="FF0000"/>
+                  </a:solidFill>
+                  <a:latin typeface="Arial Black" panose="020B0A04020102020204" pitchFamily="34" charset="0"/>
+                </a:endParaRPr>
+              </a:p>
+            </p:txBody>
+          </p:sp>
+        </mc:Choice>
+        <mc:Fallback xmlns="">
+          <p:sp>
+            <p:nvSpPr>
+              <p:cNvPr id="17" name="TextBox 16"/>
+              <p:cNvSpPr txBox="1">
+                <a:spLocks noRot="1" noChangeAspect="1" noMove="1" noResize="1" noEditPoints="1" noAdjustHandles="1" noChangeArrowheads="1" noChangeShapeType="1" noTextEdit="1"/>
+              </p:cNvSpPr>
+              <p:nvPr/>
+            </p:nvSpPr>
+            <p:spPr>
+              <a:xfrm>
+                <a:off x="7716345" y="6412468"/>
+                <a:ext cx="600549" cy="369332"/>
+              </a:xfrm>
+              <a:prstGeom prst="rect">
+                <a:avLst/>
+              </a:prstGeom>
+              <a:blipFill rotWithShape="1">
+                <a:blip r:embed="rId7"/>
+                <a:stretch>
+                  <a:fillRect/>
+                </a:stretch>
+              </a:blipFill>
+            </p:spPr>
+            <p:txBody>
+              <a:bodyPr/>
+              <a:lstStyle/>
+              <a:p>
+                <a:r>
+                  <a:rPr lang="en-US">
+                    <a:noFill/>
+                  </a:rPr>
+                  <a:t> </a:t>
+                </a:r>
+              </a:p>
+            </p:txBody>
+          </p:sp>
+        </mc:Fallback>
+      </mc:AlternateContent>
+      <mc:AlternateContent xmlns:mc="http://schemas.openxmlformats.org/markup-compatibility/2006" xmlns:a14="http://schemas.microsoft.com/office/drawing/2010/main">
+        <mc:Choice Requires="a14">
+          <p:sp>
+            <p:nvSpPr>
+              <p:cNvPr id="18" name="TextBox 17"/>
+              <p:cNvSpPr txBox="1"/>
+              <p:nvPr/>
+            </p:nvSpPr>
+            <p:spPr>
+              <a:xfrm>
+                <a:off x="8209683" y="5573486"/>
+                <a:ext cx="477117" cy="369332"/>
+              </a:xfrm>
+              <a:prstGeom prst="rect">
+                <a:avLst/>
+              </a:prstGeom>
+              <a:noFill/>
+            </p:spPr>
+            <p:txBody>
+              <a:bodyPr wrap="none" rtlCol="0">
+                <a:spAutoFit/>
+              </a:bodyPr>
+              <a:lstStyle/>
+              <a:p>
+                <a:pPr/>
+                <a14:m>
+                  <m:oMathPara xmlns:m="http://schemas.openxmlformats.org/officeDocument/2006/math">
+                    <m:oMathParaPr>
+                      <m:jc m:val="centerGroup"/>
+                    </m:oMathParaPr>
+                    <m:oMath xmlns:m="http://schemas.openxmlformats.org/officeDocument/2006/math">
+                      <m:sSub>
+                        <m:sSubPr>
+                          <m:ctrlPr>
+                            <a:rPr lang="en-US" b="1" i="1" smtClean="0">
+                              <a:solidFill>
+                                <a:srgbClr val="FF0000"/>
+                              </a:solidFill>
+                              <a:latin typeface="Cambria Math" panose="02040503050406030204" pitchFamily="18" charset="0"/>
+                            </a:rPr>
+                          </m:ctrlPr>
+                        </m:sSubPr>
+                        <m:e>
+                          <m:r>
+                            <a:rPr lang="en-US" b="1" i="0" smtClean="0">
+                              <a:solidFill>
+                                <a:srgbClr val="FF0000"/>
+                              </a:solidFill>
+                              <a:latin typeface="Cambria Math"/>
+                            </a:rPr>
+                            <m:t>𝐅</m:t>
+                          </m:r>
+                        </m:e>
+                        <m:sub>
+                          <m:r>
+                            <a:rPr lang="en-US" b="1" i="0" smtClean="0">
+                              <a:solidFill>
+                                <a:srgbClr val="FF0000"/>
+                              </a:solidFill>
+                              <a:latin typeface="Cambria Math"/>
+                            </a:rPr>
+                            <m:t>𝐅</m:t>
+                          </m:r>
+                        </m:sub>
+                      </m:sSub>
+                    </m:oMath>
+                  </m:oMathPara>
+                </a14:m>
+                <a:endParaRPr lang="en-US" b="1" dirty="0">
+                  <a:solidFill>
+                    <a:srgbClr val="FF0000"/>
+                  </a:solidFill>
+                  <a:latin typeface="Arial Black" panose="020B0A04020102020204" pitchFamily="34" charset="0"/>
+                </a:endParaRPr>
+              </a:p>
+            </p:txBody>
+          </p:sp>
+        </mc:Choice>
+        <mc:Fallback xmlns="">
+          <p:sp>
+            <p:nvSpPr>
+              <p:cNvPr id="18" name="TextBox 17"/>
+              <p:cNvSpPr txBox="1">
+                <a:spLocks noRot="1" noChangeAspect="1" noMove="1" noResize="1" noEditPoints="1" noAdjustHandles="1" noChangeArrowheads="1" noChangeShapeType="1" noTextEdit="1"/>
+              </p:cNvSpPr>
+              <p:nvPr/>
+            </p:nvSpPr>
+            <p:spPr>
+              <a:xfrm>
+                <a:off x="8209683" y="5573486"/>
+                <a:ext cx="477117" cy="369332"/>
+              </a:xfrm>
+              <a:prstGeom prst="rect">
+                <a:avLst/>
+              </a:prstGeom>
+              <a:blipFill rotWithShape="1">
+                <a:blip r:embed="rId8"/>
+                <a:stretch>
+                  <a:fillRect/>
+                </a:stretch>
+              </a:blipFill>
+            </p:spPr>
+            <p:txBody>
+              <a:bodyPr/>
+              <a:lstStyle/>
+              <a:p>
+                <a:r>
+                  <a:rPr lang="en-US">
+                    <a:noFill/>
+                  </a:rPr>
+                  <a:t> </a:t>
+                </a:r>
+              </a:p>
+            </p:txBody>
+          </p:sp>
+        </mc:Fallback>
+      </mc:AlternateContent>
+      <p:cxnSp>
+        <p:nvCxnSpPr>
+          <p:cNvPr id="19" name="Straight Connector 18"/>
+          <p:cNvCxnSpPr/>
+          <p:nvPr/>
+        </p:nvCxnSpPr>
+        <p:spPr>
+          <a:xfrm rot="16200000">
+            <a:off x="6101721" y="1596745"/>
+            <a:ext cx="298146" cy="551248"/>
+          </a:xfrm>
+          <a:prstGeom prst="line">
+            <a:avLst/>
+          </a:prstGeom>
+        </p:spPr>
+        <p:style>
+          <a:lnRef idx="1">
+            <a:schemeClr val="accent1"/>
+          </a:lnRef>
+          <a:fillRef idx="0">
+            <a:schemeClr val="accent1"/>
+          </a:fillRef>
+          <a:effectRef idx="0">
+            <a:schemeClr val="accent1"/>
+          </a:effectRef>
+          <a:fontRef idx="minor">
+            <a:schemeClr val="tx1"/>
+          </a:fontRef>
+        </p:style>
+      </p:cxnSp>
+      <p:cxnSp>
+        <p:nvCxnSpPr>
+          <p:cNvPr id="20" name="Straight Connector 19"/>
+          <p:cNvCxnSpPr/>
+          <p:nvPr/>
+        </p:nvCxnSpPr>
+        <p:spPr>
+          <a:xfrm rot="16200000">
+            <a:off x="6636072" y="2464429"/>
+            <a:ext cx="298146" cy="551248"/>
+          </a:xfrm>
+          <a:prstGeom prst="line">
+            <a:avLst/>
+          </a:prstGeom>
+        </p:spPr>
+        <p:style>
+          <a:lnRef idx="1">
+            <a:schemeClr val="accent1"/>
+          </a:lnRef>
+          <a:fillRef idx="0">
+            <a:schemeClr val="accent1"/>
+          </a:fillRef>
+          <a:effectRef idx="0">
+            <a:schemeClr val="accent1"/>
+          </a:effectRef>
+          <a:fontRef idx="minor">
+            <a:schemeClr val="tx1"/>
+          </a:fontRef>
+        </p:style>
+      </p:cxnSp>
+      <p:cxnSp>
+        <p:nvCxnSpPr>
+          <p:cNvPr id="21" name="Straight Connector 20"/>
+          <p:cNvCxnSpPr/>
+          <p:nvPr/>
+        </p:nvCxnSpPr>
+        <p:spPr>
+          <a:xfrm rot="16200000">
+            <a:off x="7083434" y="3258906"/>
+            <a:ext cx="298146" cy="551248"/>
+          </a:xfrm>
+          <a:prstGeom prst="line">
+            <a:avLst/>
+          </a:prstGeom>
+        </p:spPr>
+        <p:style>
+          <a:lnRef idx="1">
+            <a:schemeClr val="accent1"/>
+          </a:lnRef>
+          <a:fillRef idx="0">
+            <a:schemeClr val="accent1"/>
+          </a:fillRef>
+          <a:effectRef idx="0">
+            <a:schemeClr val="accent1"/>
+          </a:effectRef>
+          <a:fontRef idx="minor">
+            <a:schemeClr val="tx1"/>
+          </a:fontRef>
+        </p:style>
+      </p:cxnSp>
+      <p:cxnSp>
+        <p:nvCxnSpPr>
+          <p:cNvPr id="22" name="Straight Connector 21"/>
+          <p:cNvCxnSpPr/>
+          <p:nvPr/>
+        </p:nvCxnSpPr>
+        <p:spPr>
+          <a:xfrm rot="16200000">
+            <a:off x="8104154" y="5001795"/>
+            <a:ext cx="298146" cy="551248"/>
+          </a:xfrm>
+          <a:prstGeom prst="line">
+            <a:avLst/>
+          </a:prstGeom>
+        </p:spPr>
+        <p:style>
+          <a:lnRef idx="1">
+            <a:schemeClr val="accent1"/>
+          </a:lnRef>
+          <a:fillRef idx="0">
+            <a:schemeClr val="accent1"/>
+          </a:fillRef>
+          <a:effectRef idx="0">
+            <a:schemeClr val="accent1"/>
+          </a:effectRef>
+          <a:fontRef idx="minor">
+            <a:schemeClr val="tx1"/>
+          </a:fontRef>
+        </p:style>
+      </p:cxnSp>
+      <p:cxnSp>
+        <p:nvCxnSpPr>
+          <p:cNvPr id="23" name="Straight Connector 22"/>
+          <p:cNvCxnSpPr/>
+          <p:nvPr/>
+        </p:nvCxnSpPr>
+        <p:spPr>
+          <a:xfrm>
+            <a:off x="6436463" y="1768348"/>
+            <a:ext cx="1992579" cy="3419275"/>
+          </a:xfrm>
+          <a:prstGeom prst="line">
+            <a:avLst/>
+          </a:prstGeom>
+        </p:spPr>
+        <p:style>
+          <a:lnRef idx="1">
+            <a:schemeClr val="accent1"/>
+          </a:lnRef>
+          <a:fillRef idx="0">
+            <a:schemeClr val="accent1"/>
+          </a:fillRef>
+          <a:effectRef idx="0">
+            <a:schemeClr val="accent1"/>
+          </a:effectRef>
+          <a:fontRef idx="minor">
+            <a:schemeClr val="tx1"/>
+          </a:fontRef>
+        </p:style>
+      </p:cxnSp>
+      <p:cxnSp>
+        <p:nvCxnSpPr>
+          <p:cNvPr id="24" name="Straight Connector 23"/>
+          <p:cNvCxnSpPr/>
+          <p:nvPr/>
+        </p:nvCxnSpPr>
+        <p:spPr>
+          <a:xfrm>
+            <a:off x="6436463" y="5589276"/>
+            <a:ext cx="1191657" cy="0"/>
+          </a:xfrm>
+          <a:prstGeom prst="line">
+            <a:avLst/>
+          </a:prstGeom>
+        </p:spPr>
+        <p:style>
+          <a:lnRef idx="1">
+            <a:schemeClr val="accent1"/>
+          </a:lnRef>
+          <a:fillRef idx="0">
+            <a:schemeClr val="accent1"/>
+          </a:fillRef>
+          <a:effectRef idx="0">
+            <a:schemeClr val="accent1"/>
+          </a:effectRef>
+          <a:fontRef idx="minor">
+            <a:schemeClr val="tx1"/>
+          </a:fontRef>
+        </p:style>
+      </p:cxnSp>
+      <p:sp>
+        <p:nvSpPr>
+          <p:cNvPr id="25" name="TextBox 24"/>
+          <p:cNvSpPr txBox="1"/>
+          <p:nvPr/>
+        </p:nvSpPr>
+        <p:spPr>
+          <a:xfrm>
+            <a:off x="6415415" y="1983521"/>
+            <a:ext cx="538930" cy="369332"/>
+          </a:xfrm>
+          <a:prstGeom prst="rect">
+            <a:avLst/>
+          </a:prstGeom>
+          <a:solidFill>
+            <a:schemeClr val="bg1"/>
+          </a:solidFill>
+        </p:spPr>
+        <p:txBody>
+          <a:bodyPr wrap="none" rtlCol="0">
+            <a:spAutoFit/>
+          </a:bodyPr>
+          <a:lstStyle/>
+          <a:p>
+            <a:r>
+              <a:rPr lang="en-US" dirty="0">
+                <a:solidFill>
+                  <a:schemeClr val="accent1"/>
+                </a:solidFill>
+              </a:rPr>
+              <a:t>1 m</a:t>
+            </a:r>
+          </a:p>
+        </p:txBody>
+      </p:sp>
+      <p:sp>
+        <p:nvSpPr>
+          <p:cNvPr id="26" name="TextBox 25"/>
+          <p:cNvSpPr txBox="1"/>
+          <p:nvPr/>
+        </p:nvSpPr>
+        <p:spPr>
+          <a:xfrm>
+            <a:off x="6905271" y="2831068"/>
+            <a:ext cx="538930" cy="369332"/>
+          </a:xfrm>
+          <a:prstGeom prst="rect">
+            <a:avLst/>
+          </a:prstGeom>
+          <a:solidFill>
+            <a:schemeClr val="bg1"/>
+          </a:solidFill>
+        </p:spPr>
+        <p:txBody>
+          <a:bodyPr wrap="none" rtlCol="0">
+            <a:spAutoFit/>
+          </a:bodyPr>
+          <a:lstStyle/>
+          <a:p>
+            <a:r>
+              <a:rPr lang="en-US" dirty="0">
+                <a:solidFill>
+                  <a:schemeClr val="accent1"/>
+                </a:solidFill>
+              </a:rPr>
+              <a:t>1 m</a:t>
+            </a:r>
+          </a:p>
+        </p:txBody>
+      </p:sp>
+      <p:sp>
+        <p:nvSpPr>
+          <p:cNvPr id="27" name="TextBox 26"/>
+          <p:cNvSpPr txBox="1"/>
+          <p:nvPr/>
+        </p:nvSpPr>
+        <p:spPr>
+          <a:xfrm>
+            <a:off x="7661917" y="4126468"/>
+            <a:ext cx="538930" cy="369332"/>
+          </a:xfrm>
+          <a:prstGeom prst="rect">
+            <a:avLst/>
+          </a:prstGeom>
+          <a:solidFill>
+            <a:schemeClr val="bg1"/>
+          </a:solidFill>
+        </p:spPr>
+        <p:txBody>
+          <a:bodyPr wrap="none" rtlCol="0">
+            <a:spAutoFit/>
+          </a:bodyPr>
+          <a:lstStyle/>
+          <a:p>
+            <a:r>
+              <a:rPr lang="en-US" dirty="0">
+                <a:solidFill>
+                  <a:schemeClr val="accent1"/>
+                </a:solidFill>
+              </a:rPr>
+              <a:t>2 m</a:t>
+            </a:r>
+          </a:p>
+        </p:txBody>
+      </p:sp>
+      <p:sp>
+        <p:nvSpPr>
+          <p:cNvPr id="28" name="Arc 27"/>
+          <p:cNvSpPr/>
+          <p:nvPr/>
+        </p:nvSpPr>
+        <p:spPr>
+          <a:xfrm>
+            <a:off x="6834603" y="4669970"/>
+            <a:ext cx="1828800" cy="1828800"/>
+          </a:xfrm>
+          <a:prstGeom prst="arc">
+            <a:avLst>
+              <a:gd name="adj1" fmla="val 10836965"/>
+              <a:gd name="adj2" fmla="val 14364037"/>
+            </a:avLst>
+          </a:prstGeom>
+        </p:spPr>
+        <p:style>
+          <a:lnRef idx="1">
+            <a:schemeClr val="accent1"/>
+          </a:lnRef>
+          <a:fillRef idx="0">
+            <a:schemeClr val="accent1"/>
+          </a:fillRef>
+          <a:effectRef idx="0">
+            <a:schemeClr val="accent1"/>
+          </a:effectRef>
+          <a:fontRef idx="minor">
+            <a:schemeClr val="tx1"/>
+          </a:fontRef>
+        </p:style>
+        <p:txBody>
+          <a:bodyPr rtlCol="0" anchor="ctr"/>
+          <a:lstStyle/>
+          <a:p>
+            <a:pPr algn="ctr"/>
+            <a:endParaRPr lang="en-US"/>
+          </a:p>
+        </p:txBody>
+      </p:sp>
+      <p:sp>
+        <p:nvSpPr>
+          <p:cNvPr id="29" name="TextBox 28"/>
+          <p:cNvSpPr txBox="1"/>
+          <p:nvPr/>
+        </p:nvSpPr>
+        <p:spPr>
+          <a:xfrm>
+            <a:off x="6486545" y="4954565"/>
+            <a:ext cx="500458" cy="369332"/>
+          </a:xfrm>
+          <a:prstGeom prst="rect">
+            <a:avLst/>
+          </a:prstGeom>
+          <a:noFill/>
+        </p:spPr>
+        <p:txBody>
+          <a:bodyPr wrap="none" rtlCol="0">
+            <a:spAutoFit/>
+          </a:bodyPr>
+          <a:lstStyle/>
+          <a:p>
+            <a:r>
+              <a:rPr lang="en-US" dirty="0">
+                <a:solidFill>
+                  <a:schemeClr val="accent1"/>
+                </a:solidFill>
+              </a:rPr>
+              <a:t>65</a:t>
+            </a:r>
+            <a:r>
+              <a:rPr lang="en-US" baseline="30000" dirty="0">
+                <a:solidFill>
+                  <a:schemeClr val="accent1"/>
+                </a:solidFill>
+              </a:rPr>
+              <a:t>o</a:t>
+            </a:r>
+          </a:p>
+        </p:txBody>
+      </p:sp>
+      <p:sp>
+        <p:nvSpPr>
+          <p:cNvPr id="30" name="Right Arrow 29"/>
+          <p:cNvSpPr/>
+          <p:nvPr/>
+        </p:nvSpPr>
+        <p:spPr>
+          <a:xfrm>
+            <a:off x="4134945" y="3505200"/>
+            <a:ext cx="916235" cy="838200"/>
+          </a:xfrm>
+          <a:prstGeom prst="rightArrow">
+            <a:avLst/>
+          </a:prstGeom>
+        </p:spPr>
+        <p:style>
+          <a:lnRef idx="2">
+            <a:schemeClr val="accent1">
+              <a:shade val="50000"/>
+            </a:schemeClr>
+          </a:lnRef>
+          <a:fillRef idx="1">
+            <a:schemeClr val="accent1"/>
+          </a:fillRef>
+          <a:effectRef idx="0">
+            <a:schemeClr val="accent1"/>
+          </a:effectRef>
+          <a:fontRef idx="minor">
+            <a:schemeClr val="lt1"/>
+          </a:fontRef>
+        </p:style>
+        <p:txBody>
+          <a:bodyPr rtlCol="0" anchor="ctr"/>
+          <a:lstStyle/>
+          <a:p>
+            <a:pPr algn="ctr"/>
+            <a:endParaRPr lang="en-US"/>
+          </a:p>
+        </p:txBody>
+      </p:sp>
+      <p:sp>
+        <p:nvSpPr>
+          <p:cNvPr id="31" name="TextBox 30"/>
+          <p:cNvSpPr txBox="1"/>
+          <p:nvPr/>
+        </p:nvSpPr>
+        <p:spPr>
+          <a:xfrm>
+            <a:off x="1276974" y="914400"/>
+            <a:ext cx="1867371" cy="369332"/>
+          </a:xfrm>
+          <a:prstGeom prst="rect">
+            <a:avLst/>
+          </a:prstGeom>
+          <a:noFill/>
+        </p:spPr>
+        <p:txBody>
+          <a:bodyPr wrap="none" rtlCol="0">
+            <a:spAutoFit/>
+          </a:bodyPr>
+          <a:lstStyle/>
+          <a:p>
+            <a:r>
+              <a:rPr lang="en-US" dirty="0"/>
+              <a:t>Problem Diagram</a:t>
+            </a:r>
+          </a:p>
+        </p:txBody>
+      </p:sp>
+      <p:sp>
+        <p:nvSpPr>
+          <p:cNvPr id="32" name="TextBox 31"/>
+          <p:cNvSpPr txBox="1"/>
+          <p:nvPr/>
+        </p:nvSpPr>
+        <p:spPr>
+          <a:xfrm>
+            <a:off x="5354145" y="1002268"/>
+            <a:ext cx="1962653" cy="369332"/>
+          </a:xfrm>
+          <a:prstGeom prst="rect">
+            <a:avLst/>
+          </a:prstGeom>
+          <a:noFill/>
+        </p:spPr>
+        <p:txBody>
+          <a:bodyPr wrap="none" rtlCol="0">
+            <a:spAutoFit/>
+          </a:bodyPr>
+          <a:lstStyle/>
+          <a:p>
+            <a:r>
+              <a:rPr lang="en-US" dirty="0"/>
+              <a:t>Free Body Diagram</a:t>
+            </a:r>
+          </a:p>
+        </p:txBody>
+      </p:sp>
+      <mc:AlternateContent xmlns:mc="http://schemas.openxmlformats.org/markup-compatibility/2006" xmlns:a14="http://schemas.microsoft.com/office/drawing/2010/main">
+        <mc:Choice Requires="a14">
+          <p:sp>
+            <p:nvSpPr>
+              <p:cNvPr id="15" name="TextBox 14"/>
+              <p:cNvSpPr txBox="1"/>
+              <p:nvPr/>
+            </p:nvSpPr>
+            <p:spPr>
+              <a:xfrm>
+                <a:off x="6045623" y="1720247"/>
+                <a:ext cx="538032" cy="369332"/>
+              </a:xfrm>
+              <a:prstGeom prst="rect">
+                <a:avLst/>
+              </a:prstGeom>
+              <a:noFill/>
+            </p:spPr>
+            <p:txBody>
+              <a:bodyPr wrap="none" rtlCol="0">
+                <a:spAutoFit/>
+              </a:bodyPr>
+              <a:lstStyle/>
+              <a:p>
+                <a:pPr/>
+                <a14:m>
+                  <m:oMathPara xmlns:m="http://schemas.openxmlformats.org/officeDocument/2006/math">
+                    <m:oMathParaPr>
+                      <m:jc m:val="centerGroup"/>
+                    </m:oMathParaPr>
+                    <m:oMath xmlns:m="http://schemas.openxmlformats.org/officeDocument/2006/math">
+                      <m:sSub>
+                        <m:sSubPr>
+                          <m:ctrlPr>
+                            <a:rPr lang="en-US" b="1" i="1" smtClean="0">
+                              <a:solidFill>
+                                <a:srgbClr val="FF0000"/>
+                              </a:solidFill>
+                              <a:latin typeface="Cambria Math" panose="02040503050406030204" pitchFamily="18" charset="0"/>
+                            </a:rPr>
+                          </m:ctrlPr>
+                        </m:sSubPr>
+                        <m:e>
+                          <m:r>
+                            <a:rPr lang="en-US" b="1" i="0" smtClean="0">
+                              <a:solidFill>
+                                <a:srgbClr val="FF0000"/>
+                              </a:solidFill>
+                              <a:latin typeface="Cambria Math"/>
+                            </a:rPr>
+                            <m:t>𝐅</m:t>
+                          </m:r>
+                        </m:e>
+                        <m:sub>
+                          <m:r>
+                            <a:rPr lang="en-US" b="1" i="0" smtClean="0">
+                              <a:solidFill>
+                                <a:srgbClr val="FF0000"/>
+                              </a:solidFill>
+                              <a:latin typeface="Cambria Math"/>
+                            </a:rPr>
+                            <m:t>𝐦</m:t>
+                          </m:r>
+                        </m:sub>
+                      </m:sSub>
+                    </m:oMath>
+                  </m:oMathPara>
+                </a14:m>
+                <a:endParaRPr lang="en-US" b="1" dirty="0">
+                  <a:solidFill>
+                    <a:srgbClr val="FF0000"/>
+                  </a:solidFill>
+                  <a:latin typeface="Arial Black" panose="020B0A04020102020204" pitchFamily="34" charset="0"/>
+                </a:endParaRPr>
+              </a:p>
+            </p:txBody>
+          </p:sp>
+        </mc:Choice>
+        <mc:Fallback xmlns="">
+          <p:sp>
+            <p:nvSpPr>
+              <p:cNvPr id="15" name="TextBox 14"/>
+              <p:cNvSpPr txBox="1">
+                <a:spLocks noRot="1" noChangeAspect="1" noMove="1" noResize="1" noEditPoints="1" noAdjustHandles="1" noChangeArrowheads="1" noChangeShapeType="1" noTextEdit="1"/>
+              </p:cNvSpPr>
+              <p:nvPr/>
+            </p:nvSpPr>
+            <p:spPr>
+              <a:xfrm>
+                <a:off x="6045623" y="1720247"/>
+                <a:ext cx="538032" cy="369332"/>
+              </a:xfrm>
+              <a:prstGeom prst="rect">
+                <a:avLst/>
+              </a:prstGeom>
+              <a:blipFill>
+                <a:blip r:embed="rId9"/>
+                <a:stretch>
+                  <a:fillRect/>
+                </a:stretch>
+              </a:blipFill>
+            </p:spPr>
+            <p:txBody>
+              <a:bodyPr/>
+              <a:lstStyle/>
+              <a:p>
+                <a:r>
+                  <a:rPr lang="en-US">
+                    <a:noFill/>
+                  </a:rPr>
+                  <a:t> </a:t>
+                </a:r>
+              </a:p>
+            </p:txBody>
+          </p:sp>
+        </mc:Fallback>
+      </mc:AlternateContent>
+    </p:spTree>
+    <p:extLst>
+      <p:ext uri="{BB962C8B-B14F-4D97-AF65-F5344CB8AC3E}">
+        <p14:creationId xmlns:p14="http://schemas.microsoft.com/office/powerpoint/2010/main" val="3189583828"/>
+      </p:ext>
+    </p:extLst>
+  </p:cSld>
+  <p:clrMapOvr>
+    <a:masterClrMapping/>
+  </p:clrMapOvr>
+</p:sld>
+</file>
+
+<file path=ppt/slides/slide4.xml><?xml version="1.0" encoding="utf-8"?>
+<p:sld xmlns:a="http://schemas.openxmlformats.org/drawingml/2006/main" xmlns:r="http://schemas.openxmlformats.org/officeDocument/2006/relationships" xmlns:p="http://schemas.openxmlformats.org/presentationml/2006/main">
+  <p:cSld>
+    <p:spTree>
+      <p:nvGrpSpPr>
+        <p:cNvPr id="1" name=""/>
+        <p:cNvGrpSpPr/>
+        <p:nvPr/>
+      </p:nvGrpSpPr>
+      <p:grpSpPr>
+        <a:xfrm>
+          <a:off x="0" y="0"/>
+          <a:ext cx="0" cy="0"/>
+          <a:chOff x="0" y="0"/>
+          <a:chExt cx="0" cy="0"/>
+        </a:xfrm>
+      </p:grpSpPr>
+      <p:sp>
+        <p:nvSpPr>
+          <p:cNvPr id="2" name="Title 1"/>
+          <p:cNvSpPr>
+            <a:spLocks noGrp="1"/>
+          </p:cNvSpPr>
+          <p:nvPr>
+            <p:ph type="title"/>
+          </p:nvPr>
+        </p:nvSpPr>
+        <p:spPr/>
+        <p:txBody>
+          <a:bodyPr/>
+          <a:lstStyle/>
+          <a:p>
+            <a:r>
+              <a:rPr lang="en-US" dirty="0"/>
+              <a:t>Creating a Free Body Diagram</a:t>
+            </a:r>
+          </a:p>
+        </p:txBody>
+      </p:sp>
+      <p:sp>
+        <p:nvSpPr>
+          <p:cNvPr id="3" name="Content Placeholder 2"/>
+          <p:cNvSpPr>
+            <a:spLocks noGrp="1"/>
+          </p:cNvSpPr>
+          <p:nvPr>
+            <p:ph idx="1"/>
+          </p:nvPr>
+        </p:nvSpPr>
+        <p:spPr>
+          <a:xfrm>
+            <a:off x="457200" y="1600200"/>
+            <a:ext cx="8229600" cy="4724400"/>
+          </a:xfrm>
+        </p:spPr>
+        <p:txBody>
+          <a:bodyPr>
+            <a:normAutofit fontScale="92500" lnSpcReduction="10000"/>
+          </a:bodyPr>
+          <a:lstStyle/>
+          <a:p>
+            <a:pPr marL="514350" indent="-514350">
+              <a:buFont typeface="+mj-lt"/>
+              <a:buAutoNum type="arabicPeriod"/>
+            </a:pPr>
+            <a:r>
+              <a:rPr lang="en-US" dirty="0"/>
+              <a:t>Draw a picture of the body being analyzed separate from all the background objects.</a:t>
+            </a:r>
+          </a:p>
+          <a:p>
+            <a:pPr marL="514350" indent="-514350">
+              <a:buFont typeface="+mj-lt"/>
+              <a:buAutoNum type="arabicPeriod"/>
+            </a:pPr>
+            <a:r>
+              <a:rPr lang="en-US" dirty="0"/>
+              <a:t>Draw in any forces acting on the body.</a:t>
+            </a:r>
+          </a:p>
+          <a:p>
+            <a:pPr marL="914400" lvl="1" indent="-514350"/>
+            <a:r>
+              <a:rPr lang="en-US" dirty="0"/>
+              <a:t>Normal forces at any point of contact</a:t>
+            </a:r>
+          </a:p>
+          <a:p>
+            <a:pPr marL="914400" lvl="1" indent="-514350"/>
+            <a:r>
+              <a:rPr lang="en-US" dirty="0"/>
+              <a:t>Gravitational forces</a:t>
+            </a:r>
+          </a:p>
+          <a:p>
+            <a:pPr marL="914400" lvl="1" indent="-514350"/>
+            <a:r>
+              <a:rPr lang="en-US" dirty="0"/>
+              <a:t>Friction forces on rough surfaces</a:t>
+            </a:r>
+          </a:p>
+          <a:p>
+            <a:pPr marL="914400" lvl="1" indent="-514350"/>
+            <a:r>
+              <a:rPr lang="en-US" dirty="0"/>
+              <a:t>Tension in any cables or wire.</a:t>
+            </a:r>
+          </a:p>
+          <a:p>
+            <a:pPr marL="914400" lvl="1" indent="-514350"/>
+            <a:r>
+              <a:rPr lang="en-US" dirty="0"/>
+              <a:t>etc.</a:t>
+            </a:r>
+          </a:p>
+          <a:p>
+            <a:pPr marL="514350" indent="-514350">
+              <a:buFont typeface="+mj-lt"/>
+              <a:buAutoNum type="arabicPeriod"/>
+            </a:pPr>
+            <a:r>
+              <a:rPr lang="en-US" dirty="0"/>
+              <a:t>Add any angles for the force vectors and any key dimensions</a:t>
+            </a:r>
+          </a:p>
+        </p:txBody>
+      </p:sp>
       <p:sp>
         <p:nvSpPr>
           <p:cNvPr id="4" name="Slide Number Placeholder 3"/>
@@ -4215,7 +9485,7 @@
           <a:p>
             <a:fld id="{929262FE-7F58-4A1E-8AF3-5A510A86DEBD}" type="slidenum">
               <a:rPr lang="en-US" smtClean="0"/>
-              <a:t>2</a:t>
+              <a:t>4</a:t>
             </a:fld>
             <a:endParaRPr lang="en-US"/>
           </a:p>
@@ -4224,7 +9494,7 @@
     </p:spTree>
     <p:extLst>
       <p:ext uri="{BB962C8B-B14F-4D97-AF65-F5344CB8AC3E}">
-        <p14:creationId xmlns:p14="http://schemas.microsoft.com/office/powerpoint/2010/main" val="3642683568"/>
+        <p14:creationId xmlns:p14="http://schemas.microsoft.com/office/powerpoint/2010/main" val="1182082120"/>
       </p:ext>
     </p:extLst>
   </p:cSld>
@@ -4316,7 +9586,7 @@
                                         <p:tgtEl>
                                           <p:spTgt spid="3">
                                             <p:txEl>
-                                              <p:pRg st="2" end="2"/>
+                                              <p:pRg st="1" end="1"/>
                                             </p:txEl>
                                           </p:spTgt>
                                         </p:tgtEl>
@@ -4365,7 +9635,252 @@
                                         <p:tgtEl>
                                           <p:spTgt spid="3">
                                             <p:txEl>
+                                              <p:pRg st="2" end="2"/>
+                                            </p:txEl>
+                                          </p:spTgt>
+                                        </p:tgtEl>
+                                        <p:attrNameLst>
+                                          <p:attrName>style.visibility</p:attrName>
+                                        </p:attrNameLst>
+                                      </p:cBhvr>
+                                      <p:to>
+                                        <p:strVal val="visible"/>
+                                      </p:to>
+                                    </p:set>
+                                  </p:childTnLst>
+                                </p:cTn>
+                              </p:par>
+                            </p:childTnLst>
+                          </p:cTn>
+                        </p:par>
+                      </p:childTnLst>
+                    </p:cTn>
+                  </p:par>
+                  <p:par>
+                    <p:cTn id="15" fill="hold">
+                      <p:stCondLst>
+                        <p:cond delay="indefinite"/>
+                      </p:stCondLst>
+                      <p:childTnLst>
+                        <p:par>
+                          <p:cTn id="16" fill="hold">
+                            <p:stCondLst>
+                              <p:cond delay="0"/>
+                            </p:stCondLst>
+                            <p:childTnLst>
+                              <p:par>
+                                <p:cTn id="17" presetID="1" presetClass="entr" presetSubtype="0" fill="hold" grpId="0" nodeType="clickEffect">
+                                  <p:stCondLst>
+                                    <p:cond delay="0"/>
+                                  </p:stCondLst>
+                                  <p:childTnLst>
+                                    <p:set>
+                                      <p:cBhvr>
+                                        <p:cTn id="18" dur="1" fill="hold">
+                                          <p:stCondLst>
+                                            <p:cond delay="0"/>
+                                          </p:stCondLst>
+                                        </p:cTn>
+                                        <p:tgtEl>
+                                          <p:spTgt spid="3">
+                                            <p:txEl>
+                                              <p:pRg st="3" end="3"/>
+                                            </p:txEl>
+                                          </p:spTgt>
+                                        </p:tgtEl>
+                                        <p:attrNameLst>
+                                          <p:attrName>style.visibility</p:attrName>
+                                        </p:attrNameLst>
+                                      </p:cBhvr>
+                                      <p:to>
+                                        <p:strVal val="visible"/>
+                                      </p:to>
+                                    </p:set>
+                                  </p:childTnLst>
+                                </p:cTn>
+                              </p:par>
+                            </p:childTnLst>
+                          </p:cTn>
+                        </p:par>
+                      </p:childTnLst>
+                    </p:cTn>
+                  </p:par>
+                  <p:par>
+                    <p:cTn id="19" fill="hold">
+                      <p:stCondLst>
+                        <p:cond delay="indefinite"/>
+                      </p:stCondLst>
+                      <p:childTnLst>
+                        <p:par>
+                          <p:cTn id="20" fill="hold">
+                            <p:stCondLst>
+                              <p:cond delay="0"/>
+                            </p:stCondLst>
+                            <p:childTnLst>
+                              <p:par>
+                                <p:cTn id="21" presetID="1" presetClass="entr" presetSubtype="0" fill="hold" grpId="0" nodeType="clickEffect">
+                                  <p:stCondLst>
+                                    <p:cond delay="0"/>
+                                  </p:stCondLst>
+                                  <p:childTnLst>
+                                    <p:set>
+                                      <p:cBhvr>
+                                        <p:cTn id="22" dur="1" fill="hold">
+                                          <p:stCondLst>
+                                            <p:cond delay="0"/>
+                                          </p:stCondLst>
+                                        </p:cTn>
+                                        <p:tgtEl>
+                                          <p:spTgt spid="3">
+                                            <p:txEl>
                                               <p:pRg st="4" end="4"/>
+                                            </p:txEl>
+                                          </p:spTgt>
+                                        </p:tgtEl>
+                                        <p:attrNameLst>
+                                          <p:attrName>style.visibility</p:attrName>
+                                        </p:attrNameLst>
+                                      </p:cBhvr>
+                                      <p:to>
+                                        <p:strVal val="visible"/>
+                                      </p:to>
+                                    </p:set>
+                                  </p:childTnLst>
+                                </p:cTn>
+                              </p:par>
+                            </p:childTnLst>
+                          </p:cTn>
+                        </p:par>
+                      </p:childTnLst>
+                    </p:cTn>
+                  </p:par>
+                  <p:par>
+                    <p:cTn id="23" fill="hold">
+                      <p:stCondLst>
+                        <p:cond delay="indefinite"/>
+                      </p:stCondLst>
+                      <p:childTnLst>
+                        <p:par>
+                          <p:cTn id="24" fill="hold">
+                            <p:stCondLst>
+                              <p:cond delay="0"/>
+                            </p:stCondLst>
+                            <p:childTnLst>
+                              <p:par>
+                                <p:cTn id="25" presetID="1" presetClass="entr" presetSubtype="0" fill="hold" grpId="0" nodeType="clickEffect">
+                                  <p:stCondLst>
+                                    <p:cond delay="0"/>
+                                  </p:stCondLst>
+                                  <p:childTnLst>
+                                    <p:set>
+                                      <p:cBhvr>
+                                        <p:cTn id="26" dur="1" fill="hold">
+                                          <p:stCondLst>
+                                            <p:cond delay="0"/>
+                                          </p:stCondLst>
+                                        </p:cTn>
+                                        <p:tgtEl>
+                                          <p:spTgt spid="3">
+                                            <p:txEl>
+                                              <p:pRg st="5" end="5"/>
+                                            </p:txEl>
+                                          </p:spTgt>
+                                        </p:tgtEl>
+                                        <p:attrNameLst>
+                                          <p:attrName>style.visibility</p:attrName>
+                                        </p:attrNameLst>
+                                      </p:cBhvr>
+                                      <p:to>
+                                        <p:strVal val="visible"/>
+                                      </p:to>
+                                    </p:set>
+                                  </p:childTnLst>
+                                </p:cTn>
+                              </p:par>
+                            </p:childTnLst>
+                          </p:cTn>
+                        </p:par>
+                      </p:childTnLst>
+                    </p:cTn>
+                  </p:par>
+                  <p:par>
+                    <p:cTn id="27" fill="hold">
+                      <p:stCondLst>
+                        <p:cond delay="indefinite"/>
+                      </p:stCondLst>
+                      <p:childTnLst>
+                        <p:par>
+                          <p:cTn id="28" fill="hold">
+                            <p:stCondLst>
+                              <p:cond delay="0"/>
+                            </p:stCondLst>
+                            <p:childTnLst>
+                              <p:par>
+                                <p:cTn id="29" presetID="1" presetClass="entr" presetSubtype="0" fill="hold" grpId="0" nodeType="clickEffect">
+                                  <p:stCondLst>
+                                    <p:cond delay="0"/>
+                                  </p:stCondLst>
+                                  <p:childTnLst>
+                                    <p:set>
+                                      <p:cBhvr>
+                                        <p:cTn id="30" dur="1" fill="hold">
+                                          <p:stCondLst>
+                                            <p:cond delay="0"/>
+                                          </p:stCondLst>
+                                        </p:cTn>
+                                        <p:tgtEl>
+                                          <p:spTgt spid="3">
+                                            <p:txEl>
+                                              <p:pRg st="6" end="6"/>
+                                            </p:txEl>
+                                          </p:spTgt>
+                                        </p:tgtEl>
+                                        <p:attrNameLst>
+                                          <p:attrName>style.visibility</p:attrName>
+                                        </p:attrNameLst>
+                                      </p:cBhvr>
+                                      <p:to>
+                                        <p:strVal val="visible"/>
+                                      </p:to>
+                                    </p:set>
+                                  </p:childTnLst>
+                                </p:cTn>
+                              </p:par>
+                            </p:childTnLst>
+                          </p:cTn>
+                        </p:par>
+                      </p:childTnLst>
+                    </p:cTn>
+                  </p:par>
+                  <p:par>
+                    <p:cTn id="31" fill="hold">
+                      <p:stCondLst>
+                        <p:cond delay="indefinite"/>
+                      </p:stCondLst>
+                      <p:childTnLst>
+                        <p:par>
+                          <p:cTn id="32" fill="hold">
+                            <p:stCondLst>
+                              <p:cond delay="0"/>
+                            </p:stCondLst>
+                            <p:childTnLst>
+                              <p:par>
+                                <p:cTn id="33" presetID="1" presetClass="entr" presetSubtype="0" fill="hold" grpId="0" nodeType="clickEffect">
+                                  <p:stCondLst>
+                                    <p:cond delay="0"/>
+                                  </p:stCondLst>
+                                  <p:childTnLst>
+                                    <p:set>
+                                      <p:cBhvr>
+                                        <p:cTn id="34" dur="1" fill="hold">
+                                          <p:stCondLst>
+                                            <p:cond delay="0"/>
+                                          </p:stCondLst>
+                                        </p:cTn>
+                                        <p:tgtEl>
+                                          <p:spTgt spid="3">
+                                            <p:txEl>
+                                              <p:pRg st="7" end="7"/>
                                             </p:txEl>
                                           </p:spTgt>
                                         </p:tgtEl>
@@ -4414,7 +9929,7 @@
 </p:sld>
 </file>
 
-<file path=ppt/slides/slide3.xml><?xml version="1.0" encoding="utf-8"?>
+<file path=ppt/slides/slide5.xml><?xml version="1.0" encoding="utf-8"?>
 <p:sld xmlns:a="http://schemas.openxmlformats.org/drawingml/2006/main" xmlns:r="http://schemas.openxmlformats.org/officeDocument/2006/relationships" xmlns:p="http://schemas.openxmlformats.org/presentationml/2006/main">
   <p:cSld>
     <p:spTree>
@@ -4443,165 +9958,473 @@
         </p:nvSpPr>
         <p:spPr/>
         <p:txBody>
+          <a:bodyPr>
+            <a:normAutofit fontScale="90000"/>
+          </a:bodyPr>
+          <a:lstStyle/>
+          <a:p>
+            <a:r>
+              <a:rPr lang="en-US" dirty="0"/>
+              <a:t>Common Forces (Gravitational Forces)</a:t>
+            </a:r>
+          </a:p>
+        </p:txBody>
+      </p:sp>
+      <p:sp>
+        <p:nvSpPr>
+          <p:cNvPr id="3" name="Content Placeholder 2"/>
+          <p:cNvSpPr>
+            <a:spLocks noGrp="1"/>
+          </p:cNvSpPr>
+          <p:nvPr>
+            <p:ph idx="1"/>
+          </p:nvPr>
+        </p:nvSpPr>
+        <p:spPr>
+          <a:xfrm>
+            <a:off x="457200" y="1600199"/>
+            <a:ext cx="5486400" cy="4787799"/>
+          </a:xfrm>
+        </p:spPr>
+        <p:txBody>
+          <a:bodyPr>
+            <a:normAutofit fontScale="85000" lnSpcReduction="20000"/>
+          </a:bodyPr>
+          <a:lstStyle/>
+          <a:p>
+            <a:r>
+              <a:rPr lang="en-US" dirty="0"/>
+              <a:t>Gravitational Forces are the forces present due to the weight of an object.</a:t>
+            </a:r>
+          </a:p>
+          <a:p>
+            <a:r>
+              <a:rPr lang="en-US" dirty="0"/>
+              <a:t>We will usually model them as point forces acting downward (towards the center of the earth) at the center of mass of the body.</a:t>
+            </a:r>
+          </a:p>
+          <a:p>
+            <a:r>
+              <a:rPr lang="en-US" dirty="0"/>
+              <a:t>In the US customary system we are usually directly given the weight force, in the metric system we will need </a:t>
+            </a:r>
+            <a:r>
+              <a:rPr lang="en-US"/>
+              <a:t>to multiply </a:t>
+            </a:r>
+            <a:r>
+              <a:rPr lang="en-US" dirty="0"/>
+              <a:t>the mass by g (9.81 N/kg at sea level) to find the weight force in Newtons.</a:t>
+            </a:r>
+          </a:p>
+        </p:txBody>
+      </p:sp>
+      <p:sp>
+        <p:nvSpPr>
+          <p:cNvPr id="4" name="Slide Number Placeholder 3"/>
+          <p:cNvSpPr>
+            <a:spLocks noGrp="1"/>
+          </p:cNvSpPr>
+          <p:nvPr>
+            <p:ph type="sldNum" sz="quarter" idx="12"/>
+          </p:nvPr>
+        </p:nvSpPr>
+        <p:spPr/>
+        <p:txBody>
           <a:bodyPr/>
           <a:lstStyle/>
           <a:p>
+            <a:fld id="{929262FE-7F58-4A1E-8AF3-5A510A86DEBD}" type="slidenum">
+              <a:rPr lang="en-US" smtClean="0"/>
+              <a:t>5</a:t>
+            </a:fld>
+            <a:endParaRPr lang="en-US" dirty="0"/>
+          </a:p>
+        </p:txBody>
+      </p:sp>
+      <p:sp>
+        <p:nvSpPr>
+          <p:cNvPr id="5" name="Rectangle 4"/>
+          <p:cNvSpPr/>
+          <p:nvPr/>
+        </p:nvSpPr>
+        <p:spPr>
+          <a:xfrm>
+            <a:off x="6536869" y="2057400"/>
+            <a:ext cx="1905000" cy="1143000"/>
+          </a:xfrm>
+          <a:prstGeom prst="rect">
+            <a:avLst/>
+          </a:prstGeom>
+        </p:spPr>
+        <p:style>
+          <a:lnRef idx="2">
+            <a:schemeClr val="accent1">
+              <a:shade val="50000"/>
+            </a:schemeClr>
+          </a:lnRef>
+          <a:fillRef idx="1">
+            <a:schemeClr val="accent1"/>
+          </a:fillRef>
+          <a:effectRef idx="0">
+            <a:schemeClr val="accent1"/>
+          </a:effectRef>
+          <a:fontRef idx="minor">
+            <a:schemeClr val="lt1"/>
+          </a:fontRef>
+        </p:style>
+        <p:txBody>
+          <a:bodyPr rtlCol="0" anchor="ctr"/>
+          <a:lstStyle/>
+          <a:p>
+            <a:pPr algn="ctr"/>
+            <a:endParaRPr lang="en-US"/>
+          </a:p>
+        </p:txBody>
+      </p:sp>
+      <p:sp>
+        <p:nvSpPr>
+          <p:cNvPr id="6" name="Rectangle 5"/>
+          <p:cNvSpPr/>
+          <p:nvPr/>
+        </p:nvSpPr>
+        <p:spPr>
+          <a:xfrm>
+            <a:off x="6599203" y="4687923"/>
+            <a:ext cx="1905000" cy="1143000"/>
+          </a:xfrm>
+          <a:prstGeom prst="rect">
+            <a:avLst/>
+          </a:prstGeom>
+        </p:spPr>
+        <p:style>
+          <a:lnRef idx="2">
+            <a:schemeClr val="accent1">
+              <a:shade val="50000"/>
+            </a:schemeClr>
+          </a:lnRef>
+          <a:fillRef idx="1">
+            <a:schemeClr val="accent1"/>
+          </a:fillRef>
+          <a:effectRef idx="0">
+            <a:schemeClr val="accent1"/>
+          </a:effectRef>
+          <a:fontRef idx="minor">
+            <a:schemeClr val="lt1"/>
+          </a:fontRef>
+        </p:style>
+        <p:txBody>
+          <a:bodyPr rtlCol="0" anchor="ctr"/>
+          <a:lstStyle/>
+          <a:p>
+            <a:pPr algn="ctr"/>
+            <a:endParaRPr lang="en-US"/>
+          </a:p>
+        </p:txBody>
+      </p:sp>
+      <p:sp>
+        <p:nvSpPr>
+          <p:cNvPr id="7" name="TextBox 6"/>
+          <p:cNvSpPr txBox="1"/>
+          <p:nvPr/>
+        </p:nvSpPr>
+        <p:spPr>
+          <a:xfrm>
+            <a:off x="6986804" y="1666297"/>
+            <a:ext cx="1037785" cy="369332"/>
+          </a:xfrm>
+          <a:prstGeom prst="rect">
+            <a:avLst/>
+          </a:prstGeom>
+          <a:noFill/>
+        </p:spPr>
+        <p:txBody>
+          <a:bodyPr wrap="none" rtlCol="0">
+            <a:spAutoFit/>
+          </a:bodyPr>
+          <a:lstStyle/>
+          <a:p>
             <a:r>
               <a:rPr lang="en-US" dirty="0"/>
-              <a:t>Newton’s Second Law</a:t>
-            </a:r>
-          </a:p>
-        </p:txBody>
-      </p:sp>
-      <mc:AlternateContent xmlns:mc="http://schemas.openxmlformats.org/markup-compatibility/2006">
-        <mc:Choice xmlns:a14="http://schemas.microsoft.com/office/drawing/2010/main" Requires="a14">
+              <a:t>60 lb box</a:t>
+            </a:r>
+          </a:p>
+        </p:txBody>
+      </p:sp>
+      <p:sp>
+        <p:nvSpPr>
+          <p:cNvPr id="8" name="TextBox 7"/>
+          <p:cNvSpPr txBox="1"/>
+          <p:nvPr/>
+        </p:nvSpPr>
+        <p:spPr>
+          <a:xfrm>
+            <a:off x="7021194" y="4296820"/>
+            <a:ext cx="1076257" cy="369332"/>
+          </a:xfrm>
+          <a:prstGeom prst="rect">
+            <a:avLst/>
+          </a:prstGeom>
+          <a:noFill/>
+        </p:spPr>
+        <p:txBody>
+          <a:bodyPr wrap="none" rtlCol="0">
+            <a:spAutoFit/>
+          </a:bodyPr>
+          <a:lstStyle/>
+          <a:p>
+            <a:r>
+              <a:rPr lang="en-US" dirty="0"/>
+              <a:t>60 kg box</a:t>
+            </a:r>
+          </a:p>
+        </p:txBody>
+      </p:sp>
+      <p:sp>
+        <p:nvSpPr>
+          <p:cNvPr id="9" name="Oval 8"/>
+          <p:cNvSpPr/>
+          <p:nvPr/>
+        </p:nvSpPr>
+        <p:spPr>
+          <a:xfrm>
+            <a:off x="7462155" y="2586446"/>
+            <a:ext cx="91440" cy="91440"/>
+          </a:xfrm>
+          <a:prstGeom prst="ellipse">
+            <a:avLst/>
+          </a:prstGeom>
+        </p:spPr>
+        <p:style>
+          <a:lnRef idx="2">
+            <a:schemeClr val="dk1">
+              <a:shade val="50000"/>
+            </a:schemeClr>
+          </a:lnRef>
+          <a:fillRef idx="1">
+            <a:schemeClr val="dk1"/>
+          </a:fillRef>
+          <a:effectRef idx="0">
+            <a:schemeClr val="dk1"/>
+          </a:effectRef>
+          <a:fontRef idx="minor">
+            <a:schemeClr val="lt1"/>
+          </a:fontRef>
+        </p:style>
+        <p:txBody>
+          <a:bodyPr rtlCol="0" anchor="ctr"/>
+          <a:lstStyle/>
+          <a:p>
+            <a:pPr algn="ctr"/>
+            <a:endParaRPr lang="en-US"/>
+          </a:p>
+        </p:txBody>
+      </p:sp>
+      <p:sp>
+        <p:nvSpPr>
+          <p:cNvPr id="10" name="Oval 9"/>
+          <p:cNvSpPr/>
+          <p:nvPr/>
+        </p:nvSpPr>
+        <p:spPr>
+          <a:xfrm>
+            <a:off x="7513603" y="5184311"/>
+            <a:ext cx="91440" cy="91440"/>
+          </a:xfrm>
+          <a:prstGeom prst="ellipse">
+            <a:avLst/>
+          </a:prstGeom>
+        </p:spPr>
+        <p:style>
+          <a:lnRef idx="2">
+            <a:schemeClr val="dk1">
+              <a:shade val="50000"/>
+            </a:schemeClr>
+          </a:lnRef>
+          <a:fillRef idx="1">
+            <a:schemeClr val="dk1"/>
+          </a:fillRef>
+          <a:effectRef idx="0">
+            <a:schemeClr val="dk1"/>
+          </a:effectRef>
+          <a:fontRef idx="minor">
+            <a:schemeClr val="lt1"/>
+          </a:fontRef>
+        </p:style>
+        <p:txBody>
+          <a:bodyPr rtlCol="0" anchor="ctr"/>
+          <a:lstStyle/>
+          <a:p>
+            <a:pPr algn="ctr"/>
+            <a:endParaRPr lang="en-US"/>
+          </a:p>
+        </p:txBody>
+      </p:sp>
+      <p:cxnSp>
+        <p:nvCxnSpPr>
+          <p:cNvPr id="11" name="Straight Arrow Connector 10"/>
+          <p:cNvCxnSpPr/>
+          <p:nvPr/>
+        </p:nvCxnSpPr>
+        <p:spPr>
+          <a:xfrm>
+            <a:off x="7505697" y="2688769"/>
+            <a:ext cx="0" cy="903515"/>
+          </a:xfrm>
+          <a:prstGeom prst="straightConnector1">
+            <a:avLst/>
+          </a:prstGeom>
+          <a:ln>
+            <a:solidFill>
+              <a:srgbClr val="FF0000"/>
+            </a:solidFill>
+            <a:tailEnd type="arrow"/>
+          </a:ln>
+        </p:spPr>
+        <p:style>
+          <a:lnRef idx="3">
+            <a:schemeClr val="dk1"/>
+          </a:lnRef>
+          <a:fillRef idx="0">
+            <a:schemeClr val="dk1"/>
+          </a:fillRef>
+          <a:effectRef idx="2">
+            <a:schemeClr val="dk1"/>
+          </a:effectRef>
+          <a:fontRef idx="minor">
+            <a:schemeClr val="tx1"/>
+          </a:fontRef>
+        </p:style>
+      </p:cxnSp>
+      <mc:AlternateContent xmlns:mc="http://schemas.openxmlformats.org/markup-compatibility/2006" xmlns:a14="http://schemas.microsoft.com/office/drawing/2010/main">
+        <mc:Choice Requires="a14">
           <p:sp>
             <p:nvSpPr>
-              <p:cNvPr id="3" name="Content Placeholder 2"/>
-              <p:cNvSpPr>
-                <a:spLocks noGrp="1"/>
-              </p:cNvSpPr>
-              <p:nvPr>
-                <p:ph idx="1"/>
-              </p:nvPr>
+              <p:cNvPr id="12" name="TextBox 11"/>
+              <p:cNvSpPr txBox="1"/>
+              <p:nvPr/>
             </p:nvSpPr>
             <p:spPr>
               <a:xfrm>
-                <a:off x="457200" y="1600201"/>
-                <a:ext cx="4648200" cy="4495800"/>
+                <a:off x="6798125" y="3642914"/>
+                <a:ext cx="1424493" cy="395686"/>
               </a:xfrm>
+              <a:prstGeom prst="rect">
+                <a:avLst/>
+              </a:prstGeom>
+              <a:noFill/>
             </p:spPr>
             <p:txBody>
-              <a:bodyPr/>
+              <a:bodyPr wrap="none" rtlCol="0">
+                <a:spAutoFit/>
+              </a:bodyPr>
               <a:lstStyle/>
               <a:p>
-                <a:pPr marL="0" indent="0">
-                  <a:buNone/>
-                </a:pPr>
+                <a:pPr/>
                 <a14:m>
                   <m:oMathPara xmlns:m="http://schemas.openxmlformats.org/officeDocument/2006/math">
                     <m:oMathParaPr>
                       <m:jc m:val="centerGroup"/>
                     </m:oMathParaPr>
                     <m:oMath xmlns:m="http://schemas.openxmlformats.org/officeDocument/2006/math">
-                      <m:nary>
-                        <m:naryPr>
-                          <m:chr m:val="∑"/>
-                          <m:subHide m:val="on"/>
-                          <m:supHide m:val="on"/>
+                      <m:sSub>
+                        <m:sSubPr>
                           <m:ctrlPr>
-                            <a:rPr lang="en-US" i="1" smtClean="0">
+                            <a:rPr lang="en-US" b="1" i="1" smtClean="0">
+                              <a:solidFill>
+                                <a:srgbClr val="FF0000"/>
+                              </a:solidFill>
                               <a:latin typeface="Cambria Math" panose="02040503050406030204" pitchFamily="18" charset="0"/>
                             </a:rPr>
                           </m:ctrlPr>
-                        </m:naryPr>
-                        <m:sub/>
-                        <m:sup/>
+                        </m:sSubPr>
                         <m:e>
-                          <m:acc>
-                            <m:accPr>
-                              <m:chr m:val="⃗"/>
-                              <m:ctrlPr>
-                                <a:rPr lang="en-US" i="1">
-                                  <a:latin typeface="Cambria Math" panose="02040503050406030204" pitchFamily="18" charset="0"/>
-                                </a:rPr>
-                              </m:ctrlPr>
-                            </m:accPr>
-                            <m:e>
-                              <m:r>
-                                <a:rPr lang="en-US" i="1">
-                                  <a:latin typeface="Cambria Math" panose="02040503050406030204" pitchFamily="18" charset="0"/>
-                                </a:rPr>
-                                <m:t>𝐹</m:t>
-                              </m:r>
-                            </m:e>
-                          </m:acc>
+                          <m:r>
+                            <a:rPr lang="en-US" b="1" i="0" smtClean="0">
+                              <a:solidFill>
+                                <a:srgbClr val="FF0000"/>
+                              </a:solidFill>
+                              <a:latin typeface="Cambria Math"/>
+                            </a:rPr>
+                            <m:t>𝐅</m:t>
+                          </m:r>
                         </m:e>
-                      </m:nary>
+                        <m:sub>
+                          <m:r>
+                            <a:rPr lang="en-US" b="1" i="0" smtClean="0">
+                              <a:solidFill>
+                                <a:srgbClr val="FF0000"/>
+                              </a:solidFill>
+                              <a:latin typeface="Cambria Math"/>
+                            </a:rPr>
+                            <m:t>𝐠</m:t>
+                          </m:r>
+                        </m:sub>
+                      </m:sSub>
                       <m:r>
-                        <a:rPr lang="en-US" i="1">
-                          <a:latin typeface="Cambria Math" panose="02040503050406030204" pitchFamily="18" charset="0"/>
+                        <a:rPr lang="en-US" b="1" i="0" smtClean="0">
+                          <a:solidFill>
+                            <a:srgbClr val="FF0000"/>
+                          </a:solidFill>
+                          <a:latin typeface="Cambria Math"/>
                         </a:rPr>
                         <m:t>=</m:t>
                       </m:r>
                       <m:r>
-                        <a:rPr lang="en-US" i="1">
-                          <a:latin typeface="Cambria Math" panose="02040503050406030204" pitchFamily="18" charset="0"/>
+                        <a:rPr lang="en-US" b="0" i="0" smtClean="0">
+                          <a:solidFill>
+                            <a:srgbClr val="FF0000"/>
+                          </a:solidFill>
+                          <a:latin typeface="Cambria Math"/>
                         </a:rPr>
-                        <m:t>𝑚</m:t>
+                        <m:t>60 </m:t>
                       </m:r>
                       <m:r>
-                        <a:rPr lang="en-US" i="1">
-                          <a:latin typeface="Cambria Math" panose="02040503050406030204" pitchFamily="18" charset="0"/>
+                        <m:rPr>
+                          <m:sty m:val="p"/>
+                        </m:rPr>
+                        <a:rPr lang="en-US" b="0" i="0" smtClean="0">
+                          <a:solidFill>
+                            <a:srgbClr val="FF0000"/>
+                          </a:solidFill>
+                          <a:latin typeface="Cambria Math"/>
                         </a:rPr>
-                        <m:t> </m:t>
+                        <m:t>lbs</m:t>
                       </m:r>
-                      <m:acc>
-                        <m:accPr>
-                          <m:chr m:val="⃗"/>
-                          <m:ctrlPr>
-                            <a:rPr lang="en-US" i="1">
-                              <a:latin typeface="Cambria Math" panose="02040503050406030204" pitchFamily="18" charset="0"/>
-                            </a:rPr>
-                          </m:ctrlPr>
-                        </m:accPr>
-                        <m:e>
-                          <m:r>
-                            <a:rPr lang="en-US" i="1">
-                              <a:latin typeface="Cambria Math" panose="02040503050406030204" pitchFamily="18" charset="0"/>
-                            </a:rPr>
-                            <m:t>𝑎</m:t>
-                          </m:r>
-                        </m:e>
-                      </m:acc>
                     </m:oMath>
                   </m:oMathPara>
                 </a14:m>
-                <a:endParaRPr lang="en-US" dirty="0"/>
-              </a:p>
-              <a:p>
-                <a:pPr marL="0" indent="0">
-                  <a:buNone/>
-                </a:pPr>
-                <a:endParaRPr lang="en-US" dirty="0"/>
-              </a:p>
-              <a:p>
-                <a:r>
-                  <a:rPr lang="en-US" dirty="0"/>
-                  <a:t>F will be the </a:t>
-                </a:r>
-                <a:r>
-                  <a:rPr lang="en-US" b="1" dirty="0"/>
-                  <a:t>net force</a:t>
-                </a:r>
-                <a:r>
-                  <a:rPr lang="en-US" dirty="0"/>
-                  <a:t>, or the sum of all the forces acting on the object.</a:t>
-                </a:r>
+                <a:endParaRPr lang="en-US" dirty="0">
+                  <a:solidFill>
+                    <a:srgbClr val="FF0000"/>
+                  </a:solidFill>
+                  <a:latin typeface="Arial Black" panose="020B0A04020102020204" pitchFamily="34" charset="0"/>
+                </a:endParaRPr>
               </a:p>
             </p:txBody>
           </p:sp>
         </mc:Choice>
-        <mc:Fallback>
+        <mc:Fallback xmlns="">
           <p:sp>
             <p:nvSpPr>
-              <p:cNvPr id="3" name="Content Placeholder 2"/>
-              <p:cNvSpPr>
-                <a:spLocks noGrp="1" noRot="1" noChangeAspect="1" noMove="1" noResize="1" noEditPoints="1" noAdjustHandles="1" noChangeArrowheads="1" noChangeShapeType="1" noTextEdit="1"/>
+              <p:cNvPr id="12" name="TextBox 11"/>
+              <p:cNvSpPr txBox="1">
+                <a:spLocks noRot="1" noChangeAspect="1" noMove="1" noResize="1" noEditPoints="1" noAdjustHandles="1" noChangeArrowheads="1" noChangeShapeType="1" noTextEdit="1"/>
               </p:cNvSpPr>
-              <p:nvPr>
-                <p:ph idx="1"/>
-              </p:nvPr>
+              <p:nvPr/>
             </p:nvSpPr>
             <p:spPr>
               <a:xfrm>
-                <a:off x="457200" y="1600201"/>
-                <a:ext cx="4648200" cy="4495800"/>
+                <a:off x="6798125" y="3642914"/>
+                <a:ext cx="1424493" cy="395686"/>
               </a:xfrm>
-              <a:blipFill>
-                <a:blip r:embed="rId3"/>
+              <a:prstGeom prst="rect">
+                <a:avLst/>
+              </a:prstGeom>
+              <a:blipFill rotWithShape="1">
+                <a:blip r:embed="rId2"/>
                 <a:stretch>
-                  <a:fillRect l="-3014"/>
+                  <a:fillRect b="-4615"/>
                 </a:stretch>
               </a:blipFill>
             </p:spPr>
@@ -4620,74 +10443,251 @@
           </p:sp>
         </mc:Fallback>
       </mc:AlternateContent>
-      <p:sp>
-        <p:nvSpPr>
-          <p:cNvPr id="4" name="Slide Number Placeholder 3"/>
-          <p:cNvSpPr>
-            <a:spLocks noGrp="1"/>
-          </p:cNvSpPr>
-          <p:nvPr>
-            <p:ph type="sldNum" sz="quarter" idx="12"/>
-          </p:nvPr>
-        </p:nvSpPr>
-        <p:spPr/>
-        <p:txBody>
-          <a:bodyPr/>
-          <a:lstStyle/>
-          <a:p>
-            <a:fld id="{929262FE-7F58-4A1E-8AF3-5A510A86DEBD}" type="slidenum">
-              <a:rPr lang="en-US" smtClean="0"/>
-              <a:t>3</a:t>
-            </a:fld>
-            <a:endParaRPr lang="en-US"/>
-          </a:p>
-        </p:txBody>
-      </p:sp>
-      <p:pic>
-        <p:nvPicPr>
-          <p:cNvPr id="2050" name="Picture 2" descr="http://upload.wikimedia.org/wikipedia/commons/thumb/e/ef/Ksc-69pc-442.jpg/640px-Ksc-69pc-442.jpg"/>
-          <p:cNvPicPr>
-            <a:picLocks noChangeAspect="1" noChangeArrowheads="1"/>
-          </p:cNvPicPr>
+      <mc:AlternateContent xmlns:mc="http://schemas.openxmlformats.org/markup-compatibility/2006" xmlns:a14="http://schemas.microsoft.com/office/drawing/2010/main">
+        <mc:Choice Requires="a14">
+          <p:sp>
+            <p:nvSpPr>
+              <p:cNvPr id="13" name="TextBox 12"/>
+              <p:cNvSpPr txBox="1"/>
+              <p:nvPr/>
+            </p:nvSpPr>
+            <p:spPr>
+              <a:xfrm>
+                <a:off x="6172200" y="6190156"/>
+                <a:ext cx="2801473" cy="395686"/>
+              </a:xfrm>
+              <a:prstGeom prst="rect">
+                <a:avLst/>
+              </a:prstGeom>
+              <a:noFill/>
+            </p:spPr>
+            <p:txBody>
+              <a:bodyPr wrap="none" rtlCol="0">
+                <a:spAutoFit/>
+              </a:bodyPr>
+              <a:lstStyle/>
+              <a:p>
+                <a:pPr/>
+                <a14:m>
+                  <m:oMathPara xmlns:m="http://schemas.openxmlformats.org/officeDocument/2006/math">
+                    <m:oMathParaPr>
+                      <m:jc m:val="centerGroup"/>
+                    </m:oMathParaPr>
+                    <m:oMath xmlns:m="http://schemas.openxmlformats.org/officeDocument/2006/math">
+                      <m:sSub>
+                        <m:sSubPr>
+                          <m:ctrlPr>
+                            <a:rPr lang="en-US" b="1" i="1" smtClean="0">
+                              <a:solidFill>
+                                <a:srgbClr val="FF0000"/>
+                              </a:solidFill>
+                              <a:latin typeface="Cambria Math" panose="02040503050406030204" pitchFamily="18" charset="0"/>
+                            </a:rPr>
+                          </m:ctrlPr>
+                        </m:sSubPr>
+                        <m:e>
+                          <m:r>
+                            <a:rPr lang="en-US" b="1" i="0" smtClean="0">
+                              <a:solidFill>
+                                <a:srgbClr val="FF0000"/>
+                              </a:solidFill>
+                              <a:latin typeface="Cambria Math"/>
+                            </a:rPr>
+                            <m:t>𝐅</m:t>
+                          </m:r>
+                        </m:e>
+                        <m:sub>
+                          <m:r>
+                            <a:rPr lang="en-US" b="1" i="0" smtClean="0">
+                              <a:solidFill>
+                                <a:srgbClr val="FF0000"/>
+                              </a:solidFill>
+                              <a:latin typeface="Cambria Math"/>
+                            </a:rPr>
+                            <m:t>𝐠</m:t>
+                          </m:r>
+                        </m:sub>
+                      </m:sSub>
+                      <m:r>
+                        <a:rPr lang="en-US" b="1" i="0" smtClean="0">
+                          <a:solidFill>
+                            <a:srgbClr val="FF0000"/>
+                          </a:solidFill>
+                          <a:latin typeface="Cambria Math"/>
+                        </a:rPr>
+                        <m:t>=</m:t>
+                      </m:r>
+                      <m:r>
+                        <a:rPr lang="en-US" b="0" i="0" smtClean="0">
+                          <a:solidFill>
+                            <a:srgbClr val="FF0000"/>
+                          </a:solidFill>
+                          <a:latin typeface="Cambria Math"/>
+                        </a:rPr>
+                        <m:t>60 ∗9.81=588.6 </m:t>
+                      </m:r>
+                      <m:r>
+                        <m:rPr>
+                          <m:sty m:val="p"/>
+                        </m:rPr>
+                        <a:rPr lang="en-US" b="0" i="0" smtClean="0">
+                          <a:solidFill>
+                            <a:srgbClr val="FF0000"/>
+                          </a:solidFill>
+                          <a:latin typeface="Cambria Math"/>
+                        </a:rPr>
+                        <m:t>N</m:t>
+                      </m:r>
+                    </m:oMath>
+                  </m:oMathPara>
+                </a14:m>
+                <a:endParaRPr lang="en-US" dirty="0">
+                  <a:solidFill>
+                    <a:srgbClr val="FF0000"/>
+                  </a:solidFill>
+                  <a:latin typeface="Arial Black" panose="020B0A04020102020204" pitchFamily="34" charset="0"/>
+                </a:endParaRPr>
+              </a:p>
+            </p:txBody>
+          </p:sp>
+        </mc:Choice>
+        <mc:Fallback xmlns="">
+          <p:sp>
+            <p:nvSpPr>
+              <p:cNvPr id="13" name="TextBox 12"/>
+              <p:cNvSpPr txBox="1">
+                <a:spLocks noRot="1" noChangeAspect="1" noMove="1" noResize="1" noEditPoints="1" noAdjustHandles="1" noChangeArrowheads="1" noChangeShapeType="1" noTextEdit="1"/>
+              </p:cNvSpPr>
+              <p:nvPr/>
+            </p:nvSpPr>
+            <p:spPr>
+              <a:xfrm>
+                <a:off x="6172200" y="6190156"/>
+                <a:ext cx="2801473" cy="395686"/>
+              </a:xfrm>
+              <a:prstGeom prst="rect">
+                <a:avLst/>
+              </a:prstGeom>
+              <a:blipFill rotWithShape="1">
+                <a:blip r:embed="rId3"/>
+                <a:stretch>
+                  <a:fillRect b="-4615"/>
+                </a:stretch>
+              </a:blipFill>
+            </p:spPr>
+            <p:txBody>
+              <a:bodyPr/>
+              <a:lstStyle/>
+              <a:p>
+                <a:r>
+                  <a:rPr lang="en-US">
+                    <a:noFill/>
+                  </a:rPr>
+                  <a:t> </a:t>
+                </a:r>
+              </a:p>
+            </p:txBody>
+          </p:sp>
+        </mc:Fallback>
+      </mc:AlternateContent>
+      <p:sp>
+        <p:nvSpPr>
+          <p:cNvPr id="14" name="TextBox 13"/>
+          <p:cNvSpPr txBox="1"/>
           <p:nvPr/>
-        </p:nvPicPr>
-        <p:blipFill>
-          <a:blip r:embed="rId4">
-            <a:extLst>
-              <a:ext uri="{28A0092B-C50C-407E-A947-70E740481C1C}">
-                <a14:useLocalDpi xmlns:a14="http://schemas.microsoft.com/office/drawing/2010/main" val="0"/>
-              </a:ext>
-            </a:extLst>
-          </a:blip>
-          <a:srcRect/>
-          <a:stretch>
-            <a:fillRect/>
-          </a:stretch>
-        </p:blipFill>
-        <p:spPr bwMode="auto">
+        </p:nvSpPr>
+        <p:spPr>
           <a:xfrm>
-            <a:off x="5638800" y="2057400"/>
-            <a:ext cx="3000100" cy="3762376"/>
+            <a:off x="7551703" y="2434438"/>
+            <a:ext cx="655500" cy="369332"/>
           </a:xfrm>
           <a:prstGeom prst="rect">
             <a:avLst/>
           </a:prstGeom>
           <a:noFill/>
-          <a:extLst>
-            <a:ext uri="{909E8E84-426E-40DD-AFC4-6F175D3DCCD1}">
-              <a14:hiddenFill xmlns:a14="http://schemas.microsoft.com/office/drawing/2010/main">
-                <a:solidFill>
-                  <a:srgbClr val="FFFFFF"/>
-                </a:solidFill>
-              </a14:hiddenFill>
-            </a:ext>
-          </a:extLst>
         </p:spPr>
-      </p:pic>
+        <p:txBody>
+          <a:bodyPr wrap="none" rtlCol="0">
+            <a:spAutoFit/>
+          </a:bodyPr>
+          <a:lstStyle/>
+          <a:p>
+            <a:r>
+              <a:rPr lang="en-US" dirty="0"/>
+              <a:t>COM</a:t>
+            </a:r>
+          </a:p>
+        </p:txBody>
+      </p:sp>
+      <p:sp>
+        <p:nvSpPr>
+          <p:cNvPr id="15" name="TextBox 14"/>
+          <p:cNvSpPr txBox="1"/>
+          <p:nvPr/>
+        </p:nvSpPr>
+        <p:spPr>
+          <a:xfrm>
+            <a:off x="7600689" y="5047933"/>
+            <a:ext cx="655500" cy="369332"/>
+          </a:xfrm>
+          <a:prstGeom prst="rect">
+            <a:avLst/>
+          </a:prstGeom>
+          <a:noFill/>
+        </p:spPr>
+        <p:txBody>
+          <a:bodyPr wrap="none" rtlCol="0">
+            <a:spAutoFit/>
+          </a:bodyPr>
+          <a:lstStyle/>
+          <a:p>
+            <a:r>
+              <a:rPr lang="en-US" dirty="0"/>
+              <a:t>COM</a:t>
+            </a:r>
+          </a:p>
+        </p:txBody>
+      </p:sp>
+      <p:cxnSp>
+        <p:nvCxnSpPr>
+          <p:cNvPr id="16" name="Straight Arrow Connector 15"/>
+          <p:cNvCxnSpPr/>
+          <p:nvPr/>
+        </p:nvCxnSpPr>
+        <p:spPr>
+          <a:xfrm>
+            <a:off x="7557147" y="5286641"/>
+            <a:ext cx="0" cy="903515"/>
+          </a:xfrm>
+          <a:prstGeom prst="straightConnector1">
+            <a:avLst/>
+          </a:prstGeom>
+          <a:ln>
+            <a:solidFill>
+              <a:srgbClr val="FF0000"/>
+            </a:solidFill>
+            <a:tailEnd type="arrow"/>
+          </a:ln>
+        </p:spPr>
+        <p:style>
+          <a:lnRef idx="3">
+            <a:schemeClr val="dk1"/>
+          </a:lnRef>
+          <a:fillRef idx="0">
+            <a:schemeClr val="dk1"/>
+          </a:fillRef>
+          <a:effectRef idx="2">
+            <a:schemeClr val="dk1"/>
+          </a:effectRef>
+          <a:fontRef idx="minor">
+            <a:schemeClr val="tx1"/>
+          </a:fontRef>
+        </p:style>
+      </p:cxnSp>
     </p:spTree>
     <p:extLst>
       <p:ext uri="{BB962C8B-B14F-4D97-AF65-F5344CB8AC3E}">
-        <p14:creationId xmlns:p14="http://schemas.microsoft.com/office/powerpoint/2010/main" val="3990908239"/>
+        <p14:creationId xmlns:p14="http://schemas.microsoft.com/office/powerpoint/2010/main" val="1878726931"/>
       </p:ext>
     </p:extLst>
   </p:cSld>
@@ -4779,7 +10779,853 @@
                                         <p:tgtEl>
                                           <p:spTgt spid="3">
                                             <p:txEl>
+                                              <p:pRg st="1" end="1"/>
+                                            </p:txEl>
+                                          </p:spTgt>
+                                        </p:tgtEl>
+                                        <p:attrNameLst>
+                                          <p:attrName>style.visibility</p:attrName>
+                                        </p:attrNameLst>
+                                      </p:cBhvr>
+                                      <p:to>
+                                        <p:strVal val="visible"/>
+                                      </p:to>
+                                    </p:set>
+                                  </p:childTnLst>
+                                </p:cTn>
+                              </p:par>
+                            </p:childTnLst>
+                          </p:cTn>
+                        </p:par>
+                      </p:childTnLst>
+                    </p:cTn>
+                  </p:par>
+                  <p:par>
+                    <p:cTn id="11" fill="hold">
+                      <p:stCondLst>
+                        <p:cond delay="indefinite"/>
+                      </p:stCondLst>
+                      <p:childTnLst>
+                        <p:par>
+                          <p:cTn id="12" fill="hold">
+                            <p:stCondLst>
+                              <p:cond delay="0"/>
+                            </p:stCondLst>
+                            <p:childTnLst>
+                              <p:par>
+                                <p:cTn id="13" presetID="10" presetClass="entr" presetSubtype="0" fill="hold" nodeType="clickEffect">
+                                  <p:stCondLst>
+                                    <p:cond delay="0"/>
+                                  </p:stCondLst>
+                                  <p:childTnLst>
+                                    <p:set>
+                                      <p:cBhvr>
+                                        <p:cTn id="14" dur="1" fill="hold">
+                                          <p:stCondLst>
+                                            <p:cond delay="0"/>
+                                          </p:stCondLst>
+                                        </p:cTn>
+                                        <p:tgtEl>
+                                          <p:spTgt spid="11"/>
+                                        </p:tgtEl>
+                                        <p:attrNameLst>
+                                          <p:attrName>style.visibility</p:attrName>
+                                        </p:attrNameLst>
+                                      </p:cBhvr>
+                                      <p:to>
+                                        <p:strVal val="visible"/>
+                                      </p:to>
+                                    </p:set>
+                                    <p:animEffect transition="in" filter="fade">
+                                      <p:cBhvr>
+                                        <p:cTn id="15" dur="500"/>
+                                        <p:tgtEl>
+                                          <p:spTgt spid="11"/>
+                                        </p:tgtEl>
+                                      </p:cBhvr>
+                                    </p:animEffect>
+                                  </p:childTnLst>
+                                </p:cTn>
+                              </p:par>
+                              <p:par>
+                                <p:cTn id="16" presetID="10" presetClass="entr" presetSubtype="0" fill="hold" nodeType="withEffect">
+                                  <p:stCondLst>
+                                    <p:cond delay="0"/>
+                                  </p:stCondLst>
+                                  <p:childTnLst>
+                                    <p:set>
+                                      <p:cBhvr>
+                                        <p:cTn id="17" dur="1" fill="hold">
+                                          <p:stCondLst>
+                                            <p:cond delay="0"/>
+                                          </p:stCondLst>
+                                        </p:cTn>
+                                        <p:tgtEl>
+                                          <p:spTgt spid="16"/>
+                                        </p:tgtEl>
+                                        <p:attrNameLst>
+                                          <p:attrName>style.visibility</p:attrName>
+                                        </p:attrNameLst>
+                                      </p:cBhvr>
+                                      <p:to>
+                                        <p:strVal val="visible"/>
+                                      </p:to>
+                                    </p:set>
+                                    <p:animEffect transition="in" filter="fade">
+                                      <p:cBhvr>
+                                        <p:cTn id="18" dur="500"/>
+                                        <p:tgtEl>
+                                          <p:spTgt spid="16"/>
+                                        </p:tgtEl>
+                                      </p:cBhvr>
+                                    </p:animEffect>
+                                  </p:childTnLst>
+                                </p:cTn>
+                              </p:par>
+                            </p:childTnLst>
+                          </p:cTn>
+                        </p:par>
+                      </p:childTnLst>
+                    </p:cTn>
+                  </p:par>
+                  <p:par>
+                    <p:cTn id="19" fill="hold">
+                      <p:stCondLst>
+                        <p:cond delay="indefinite"/>
+                      </p:stCondLst>
+                      <p:childTnLst>
+                        <p:par>
+                          <p:cTn id="20" fill="hold">
+                            <p:stCondLst>
+                              <p:cond delay="0"/>
+                            </p:stCondLst>
+                            <p:childTnLst>
+                              <p:par>
+                                <p:cTn id="21" presetID="1" presetClass="entr" presetSubtype="0" fill="hold" grpId="0" nodeType="clickEffect">
+                                  <p:stCondLst>
+                                    <p:cond delay="0"/>
+                                  </p:stCondLst>
+                                  <p:childTnLst>
+                                    <p:set>
+                                      <p:cBhvr>
+                                        <p:cTn id="22" dur="1" fill="hold">
+                                          <p:stCondLst>
+                                            <p:cond delay="0"/>
+                                          </p:stCondLst>
+                                        </p:cTn>
+                                        <p:tgtEl>
+                                          <p:spTgt spid="3">
+                                            <p:txEl>
                                               <p:pRg st="2" end="2"/>
+                                            </p:txEl>
+                                          </p:spTgt>
+                                        </p:tgtEl>
+                                        <p:attrNameLst>
+                                          <p:attrName>style.visibility</p:attrName>
+                                        </p:attrNameLst>
+                                      </p:cBhvr>
+                                      <p:to>
+                                        <p:strVal val="visible"/>
+                                      </p:to>
+                                    </p:set>
+                                  </p:childTnLst>
+                                </p:cTn>
+                              </p:par>
+                            </p:childTnLst>
+                          </p:cTn>
+                        </p:par>
+                      </p:childTnLst>
+                    </p:cTn>
+                  </p:par>
+                  <p:par>
+                    <p:cTn id="23" fill="hold">
+                      <p:stCondLst>
+                        <p:cond delay="indefinite"/>
+                      </p:stCondLst>
+                      <p:childTnLst>
+                        <p:par>
+                          <p:cTn id="24" fill="hold">
+                            <p:stCondLst>
+                              <p:cond delay="0"/>
+                            </p:stCondLst>
+                            <p:childTnLst>
+                              <p:par>
+                                <p:cTn id="25" presetID="10" presetClass="entr" presetSubtype="0" fill="hold" grpId="0" nodeType="clickEffect">
+                                  <p:stCondLst>
+                                    <p:cond delay="0"/>
+                                  </p:stCondLst>
+                                  <p:childTnLst>
+                                    <p:set>
+                                      <p:cBhvr>
+                                        <p:cTn id="26" dur="1" fill="hold">
+                                          <p:stCondLst>
+                                            <p:cond delay="0"/>
+                                          </p:stCondLst>
+                                        </p:cTn>
+                                        <p:tgtEl>
+                                          <p:spTgt spid="13"/>
+                                        </p:tgtEl>
+                                        <p:attrNameLst>
+                                          <p:attrName>style.visibility</p:attrName>
+                                        </p:attrNameLst>
+                                      </p:cBhvr>
+                                      <p:to>
+                                        <p:strVal val="visible"/>
+                                      </p:to>
+                                    </p:set>
+                                    <p:animEffect transition="in" filter="fade">
+                                      <p:cBhvr>
+                                        <p:cTn id="27" dur="500"/>
+                                        <p:tgtEl>
+                                          <p:spTgt spid="13"/>
+                                        </p:tgtEl>
+                                      </p:cBhvr>
+                                    </p:animEffect>
+                                  </p:childTnLst>
+                                </p:cTn>
+                              </p:par>
+                              <p:par>
+                                <p:cTn id="28" presetID="10" presetClass="entr" presetSubtype="0" fill="hold" grpId="0" nodeType="withEffect">
+                                  <p:stCondLst>
+                                    <p:cond delay="0"/>
+                                  </p:stCondLst>
+                                  <p:childTnLst>
+                                    <p:set>
+                                      <p:cBhvr>
+                                        <p:cTn id="29" dur="1" fill="hold">
+                                          <p:stCondLst>
+                                            <p:cond delay="0"/>
+                                          </p:stCondLst>
+                                        </p:cTn>
+                                        <p:tgtEl>
+                                          <p:spTgt spid="12"/>
+                                        </p:tgtEl>
+                                        <p:attrNameLst>
+                                          <p:attrName>style.visibility</p:attrName>
+                                        </p:attrNameLst>
+                                      </p:cBhvr>
+                                      <p:to>
+                                        <p:strVal val="visible"/>
+                                      </p:to>
+                                    </p:set>
+                                    <p:animEffect transition="in" filter="fade">
+                                      <p:cBhvr>
+                                        <p:cTn id="30" dur="500"/>
+                                        <p:tgtEl>
+                                          <p:spTgt spid="12"/>
+                                        </p:tgtEl>
+                                      </p:cBhvr>
+                                    </p:animEffect>
+                                  </p:childTnLst>
+                                </p:cTn>
+                              </p:par>
+                            </p:childTnLst>
+                          </p:cTn>
+                        </p:par>
+                      </p:childTnLst>
+                    </p:cTn>
+                  </p:par>
+                </p:childTnLst>
+              </p:cTn>
+              <p:prevCondLst>
+                <p:cond evt="onPrev" delay="0">
+                  <p:tgtEl>
+                    <p:sldTgt/>
+                  </p:tgtEl>
+                </p:cond>
+              </p:prevCondLst>
+              <p:nextCondLst>
+                <p:cond evt="onNext" delay="0">
+                  <p:tgtEl>
+                    <p:sldTgt/>
+                  </p:tgtEl>
+                </p:cond>
+              </p:nextCondLst>
+            </p:seq>
+          </p:childTnLst>
+        </p:cTn>
+      </p:par>
+    </p:tnLst>
+    <p:bldLst>
+      <p:bldP spid="3" grpId="0" uiExpand="1" build="p"/>
+      <p:bldP spid="12" grpId="0"/>
+      <p:bldP spid="13" grpId="0"/>
+    </p:bldLst>
+  </p:timing>
+</p:sld>
+</file>
+
+<file path=ppt/slides/slide6.xml><?xml version="1.0" encoding="utf-8"?>
+<p:sld xmlns:a="http://schemas.openxmlformats.org/drawingml/2006/main" xmlns:r="http://schemas.openxmlformats.org/officeDocument/2006/relationships" xmlns:p="http://schemas.openxmlformats.org/presentationml/2006/main">
+  <p:cSld>
+    <p:spTree>
+      <p:nvGrpSpPr>
+        <p:cNvPr id="1" name=""/>
+        <p:cNvGrpSpPr/>
+        <p:nvPr/>
+      </p:nvGrpSpPr>
+      <p:grpSpPr>
+        <a:xfrm>
+          <a:off x="0" y="0"/>
+          <a:ext cx="0" cy="0"/>
+          <a:chOff x="0" y="0"/>
+          <a:chExt cx="0" cy="0"/>
+        </a:xfrm>
+      </p:grpSpPr>
+      <p:sp>
+        <p:nvSpPr>
+          <p:cNvPr id="2" name="Title 1"/>
+          <p:cNvSpPr>
+            <a:spLocks noGrp="1"/>
+          </p:cNvSpPr>
+          <p:nvPr>
+            <p:ph type="title"/>
+          </p:nvPr>
+        </p:nvSpPr>
+        <p:spPr/>
+        <p:txBody>
+          <a:bodyPr>
+            <a:normAutofit/>
+          </a:bodyPr>
+          <a:lstStyle/>
+          <a:p>
+            <a:r>
+              <a:rPr lang="en-US" dirty="0"/>
+              <a:t>Common Forces (Normal Forces)</a:t>
+            </a:r>
+          </a:p>
+        </p:txBody>
+      </p:sp>
+      <p:sp>
+        <p:nvSpPr>
+          <p:cNvPr id="3" name="Content Placeholder 2"/>
+          <p:cNvSpPr>
+            <a:spLocks noGrp="1"/>
+          </p:cNvSpPr>
+          <p:nvPr>
+            <p:ph idx="1"/>
+          </p:nvPr>
+        </p:nvSpPr>
+        <p:spPr>
+          <a:xfrm>
+            <a:off x="457200" y="1600201"/>
+            <a:ext cx="8229600" cy="2209800"/>
+          </a:xfrm>
+        </p:spPr>
+        <p:txBody>
+          <a:bodyPr>
+            <a:normAutofit fontScale="92500" lnSpcReduction="20000"/>
+          </a:bodyPr>
+          <a:lstStyle/>
+          <a:p>
+            <a:r>
+              <a:rPr lang="en-US" dirty="0"/>
+              <a:t>Normal forces (also sometimes called reaction forces) are the forces that prevent two bodies from occupying the same place at the same time.</a:t>
+            </a:r>
+          </a:p>
+          <a:p>
+            <a:r>
+              <a:rPr lang="en-US" dirty="0"/>
+              <a:t>They will always act perpendicular to the surfaces in contact at the point of contact.</a:t>
+            </a:r>
+          </a:p>
+        </p:txBody>
+      </p:sp>
+      <p:sp>
+        <p:nvSpPr>
+          <p:cNvPr id="4" name="Slide Number Placeholder 3"/>
+          <p:cNvSpPr>
+            <a:spLocks noGrp="1"/>
+          </p:cNvSpPr>
+          <p:nvPr>
+            <p:ph type="sldNum" sz="quarter" idx="12"/>
+          </p:nvPr>
+        </p:nvSpPr>
+        <p:spPr/>
+        <p:txBody>
+          <a:bodyPr/>
+          <a:lstStyle/>
+          <a:p>
+            <a:fld id="{929262FE-7F58-4A1E-8AF3-5A510A86DEBD}" type="slidenum">
+              <a:rPr lang="en-US" smtClean="0"/>
+              <a:t>6</a:t>
+            </a:fld>
+            <a:endParaRPr lang="en-US"/>
+          </a:p>
+        </p:txBody>
+      </p:sp>
+      <p:pic>
+        <p:nvPicPr>
+          <p:cNvPr id="1026" name="Picture 2" descr="Normal Forces"/>
+          <p:cNvPicPr>
+            <a:picLocks noChangeAspect="1" noChangeArrowheads="1"/>
+          </p:cNvPicPr>
+          <p:nvPr/>
+        </p:nvPicPr>
+        <p:blipFill>
+          <a:blip r:embed="rId2">
+            <a:extLst>
+              <a:ext uri="{28A0092B-C50C-407E-A947-70E740481C1C}">
+                <a14:useLocalDpi xmlns:a14="http://schemas.microsoft.com/office/drawing/2010/main" val="0"/>
+              </a:ext>
+            </a:extLst>
+          </a:blip>
+          <a:srcRect/>
+          <a:stretch>
+            <a:fillRect/>
+          </a:stretch>
+        </p:blipFill>
+        <p:spPr bwMode="auto">
+          <a:xfrm>
+            <a:off x="1752600" y="3519086"/>
+            <a:ext cx="5867400" cy="3233590"/>
+          </a:xfrm>
+          <a:prstGeom prst="rect">
+            <a:avLst/>
+          </a:prstGeom>
+          <a:noFill/>
+          <a:extLst>
+            <a:ext uri="{909E8E84-426E-40DD-AFC4-6F175D3DCCD1}">
+              <a14:hiddenFill xmlns:a14="http://schemas.microsoft.com/office/drawing/2010/main">
+                <a:solidFill>
+                  <a:srgbClr val="FFFFFF"/>
+                </a:solidFill>
+              </a14:hiddenFill>
+            </a:ext>
+          </a:extLst>
+        </p:spPr>
+      </p:pic>
+    </p:spTree>
+    <p:extLst>
+      <p:ext uri="{BB962C8B-B14F-4D97-AF65-F5344CB8AC3E}">
+        <p14:creationId xmlns:p14="http://schemas.microsoft.com/office/powerpoint/2010/main" val="85784440"/>
+      </p:ext>
+    </p:extLst>
+  </p:cSld>
+  <p:clrMapOvr>
+    <a:masterClrMapping/>
+  </p:clrMapOvr>
+  <p:timing>
+    <p:tnLst>
+      <p:par>
+        <p:cTn id="1" dur="indefinite" restart="never" nodeType="tmRoot">
+          <p:childTnLst>
+            <p:seq concurrent="1" nextAc="seek">
+              <p:cTn id="2" dur="indefinite" nodeType="mainSeq">
+                <p:childTnLst>
+                  <p:par>
+                    <p:cTn id="3" fill="hold">
+                      <p:stCondLst>
+                        <p:cond delay="indefinite"/>
+                      </p:stCondLst>
+                      <p:childTnLst>
+                        <p:par>
+                          <p:cTn id="4" fill="hold">
+                            <p:stCondLst>
+                              <p:cond delay="0"/>
+                            </p:stCondLst>
+                            <p:childTnLst>
+                              <p:par>
+                                <p:cTn id="5" presetID="1" presetClass="entr" presetSubtype="0" fill="hold" grpId="0" nodeType="clickEffect">
+                                  <p:stCondLst>
+                                    <p:cond delay="0"/>
+                                  </p:stCondLst>
+                                  <p:childTnLst>
+                                    <p:set>
+                                      <p:cBhvr>
+                                        <p:cTn id="6" dur="1" fill="hold">
+                                          <p:stCondLst>
+                                            <p:cond delay="0"/>
+                                          </p:stCondLst>
+                                        </p:cTn>
+                                        <p:tgtEl>
+                                          <p:spTgt spid="3">
+                                            <p:txEl>
+                                              <p:pRg st="0" end="0"/>
+                                            </p:txEl>
+                                          </p:spTgt>
+                                        </p:tgtEl>
+                                        <p:attrNameLst>
+                                          <p:attrName>style.visibility</p:attrName>
+                                        </p:attrNameLst>
+                                      </p:cBhvr>
+                                      <p:to>
+                                        <p:strVal val="visible"/>
+                                      </p:to>
+                                    </p:set>
+                                  </p:childTnLst>
+                                </p:cTn>
+                              </p:par>
+                            </p:childTnLst>
+                          </p:cTn>
+                        </p:par>
+                      </p:childTnLst>
+                    </p:cTn>
+                  </p:par>
+                  <p:par>
+                    <p:cTn id="7" fill="hold">
+                      <p:stCondLst>
+                        <p:cond delay="indefinite"/>
+                      </p:stCondLst>
+                      <p:childTnLst>
+                        <p:par>
+                          <p:cTn id="8" fill="hold">
+                            <p:stCondLst>
+                              <p:cond delay="0"/>
+                            </p:stCondLst>
+                            <p:childTnLst>
+                              <p:par>
+                                <p:cTn id="9" presetID="1" presetClass="entr" presetSubtype="0" fill="hold" grpId="0" nodeType="clickEffect">
+                                  <p:stCondLst>
+                                    <p:cond delay="0"/>
+                                  </p:stCondLst>
+                                  <p:childTnLst>
+                                    <p:set>
+                                      <p:cBhvr>
+                                        <p:cTn id="10" dur="1" fill="hold">
+                                          <p:stCondLst>
+                                            <p:cond delay="0"/>
+                                          </p:stCondLst>
+                                        </p:cTn>
+                                        <p:tgtEl>
+                                          <p:spTgt spid="3">
+                                            <p:txEl>
+                                              <p:pRg st="1" end="1"/>
+                                            </p:txEl>
+                                          </p:spTgt>
+                                        </p:tgtEl>
+                                        <p:attrNameLst>
+                                          <p:attrName>style.visibility</p:attrName>
+                                        </p:attrNameLst>
+                                      </p:cBhvr>
+                                      <p:to>
+                                        <p:strVal val="visible"/>
+                                      </p:to>
+                                    </p:set>
+                                  </p:childTnLst>
+                                </p:cTn>
+                              </p:par>
+                            </p:childTnLst>
+                          </p:cTn>
+                        </p:par>
+                      </p:childTnLst>
+                    </p:cTn>
+                  </p:par>
+                  <p:par>
+                    <p:cTn id="11" fill="hold">
+                      <p:stCondLst>
+                        <p:cond delay="indefinite"/>
+                      </p:stCondLst>
+                      <p:childTnLst>
+                        <p:par>
+                          <p:cTn id="12" fill="hold">
+                            <p:stCondLst>
+                              <p:cond delay="0"/>
+                            </p:stCondLst>
+                            <p:childTnLst>
+                              <p:par>
+                                <p:cTn id="13" presetID="10" presetClass="entr" presetSubtype="0" fill="hold" nodeType="clickEffect">
+                                  <p:stCondLst>
+                                    <p:cond delay="0"/>
+                                  </p:stCondLst>
+                                  <p:childTnLst>
+                                    <p:set>
+                                      <p:cBhvr>
+                                        <p:cTn id="14" dur="1" fill="hold">
+                                          <p:stCondLst>
+                                            <p:cond delay="0"/>
+                                          </p:stCondLst>
+                                        </p:cTn>
+                                        <p:tgtEl>
+                                          <p:spTgt spid="1026"/>
+                                        </p:tgtEl>
+                                        <p:attrNameLst>
+                                          <p:attrName>style.visibility</p:attrName>
+                                        </p:attrNameLst>
+                                      </p:cBhvr>
+                                      <p:to>
+                                        <p:strVal val="visible"/>
+                                      </p:to>
+                                    </p:set>
+                                    <p:animEffect transition="in" filter="fade">
+                                      <p:cBhvr>
+                                        <p:cTn id="15" dur="500"/>
+                                        <p:tgtEl>
+                                          <p:spTgt spid="1026"/>
+                                        </p:tgtEl>
+                                      </p:cBhvr>
+                                    </p:animEffect>
+                                  </p:childTnLst>
+                                </p:cTn>
+                              </p:par>
+                            </p:childTnLst>
+                          </p:cTn>
+                        </p:par>
+                      </p:childTnLst>
+                    </p:cTn>
+                  </p:par>
+                </p:childTnLst>
+              </p:cTn>
+              <p:prevCondLst>
+                <p:cond evt="onPrev" delay="0">
+                  <p:tgtEl>
+                    <p:sldTgt/>
+                  </p:tgtEl>
+                </p:cond>
+              </p:prevCondLst>
+              <p:nextCondLst>
+                <p:cond evt="onNext" delay="0">
+                  <p:tgtEl>
+                    <p:sldTgt/>
+                  </p:tgtEl>
+                </p:cond>
+              </p:nextCondLst>
+            </p:seq>
+          </p:childTnLst>
+        </p:cTn>
+      </p:par>
+    </p:tnLst>
+    <p:bldLst>
+      <p:bldP spid="3" grpId="0" uiExpand="1" build="p"/>
+    </p:bldLst>
+  </p:timing>
+</p:sld>
+</file>
+
+<file path=ppt/slides/slide7.xml><?xml version="1.0" encoding="utf-8"?>
+<p:sld xmlns:a="http://schemas.openxmlformats.org/drawingml/2006/main" xmlns:r="http://schemas.openxmlformats.org/officeDocument/2006/relationships" xmlns:p="http://schemas.openxmlformats.org/presentationml/2006/main">
+  <p:cSld>
+    <p:spTree>
+      <p:nvGrpSpPr>
+        <p:cNvPr id="1" name=""/>
+        <p:cNvGrpSpPr/>
+        <p:nvPr/>
+      </p:nvGrpSpPr>
+      <p:grpSpPr>
+        <a:xfrm>
+          <a:off x="0" y="0"/>
+          <a:ext cx="0" cy="0"/>
+          <a:chOff x="0" y="0"/>
+          <a:chExt cx="0" cy="0"/>
+        </a:xfrm>
+      </p:grpSpPr>
+      <p:sp>
+        <p:nvSpPr>
+          <p:cNvPr id="2" name="Title 1"/>
+          <p:cNvSpPr>
+            <a:spLocks noGrp="1"/>
+          </p:cNvSpPr>
+          <p:nvPr>
+            <p:ph type="title"/>
+          </p:nvPr>
+        </p:nvSpPr>
+        <p:spPr/>
+        <p:txBody>
+          <a:bodyPr/>
+          <a:lstStyle/>
+          <a:p>
+            <a:r>
+              <a:rPr lang="en-US" dirty="0"/>
+              <a:t>Common Forces (Normal Forces)</a:t>
+            </a:r>
+          </a:p>
+        </p:txBody>
+      </p:sp>
+      <p:sp>
+        <p:nvSpPr>
+          <p:cNvPr id="3" name="Content Placeholder 2"/>
+          <p:cNvSpPr>
+            <a:spLocks noGrp="1"/>
+          </p:cNvSpPr>
+          <p:nvPr>
+            <p:ph idx="1"/>
+          </p:nvPr>
+        </p:nvSpPr>
+        <p:spPr>
+          <a:xfrm>
+            <a:off x="457200" y="1600200"/>
+            <a:ext cx="3627072" cy="4648199"/>
+          </a:xfrm>
+        </p:spPr>
+        <p:txBody>
+          <a:bodyPr>
+            <a:normAutofit fontScale="92500" lnSpcReduction="20000"/>
+          </a:bodyPr>
+          <a:lstStyle/>
+          <a:p>
+            <a:r>
+              <a:rPr lang="en-US" dirty="0"/>
+              <a:t>Another common type of normal force exists between connected bodies.</a:t>
+            </a:r>
+          </a:p>
+          <a:p>
+            <a:r>
+              <a:rPr lang="en-US" dirty="0"/>
+              <a:t>These connections can exert normal forces and even moments to prevent motion in certain directions.</a:t>
+            </a:r>
+          </a:p>
+        </p:txBody>
+      </p:sp>
+      <p:sp>
+        <p:nvSpPr>
+          <p:cNvPr id="4" name="Slide Number Placeholder 3"/>
+          <p:cNvSpPr>
+            <a:spLocks noGrp="1"/>
+          </p:cNvSpPr>
+          <p:nvPr>
+            <p:ph type="sldNum" sz="quarter" idx="12"/>
+          </p:nvPr>
+        </p:nvSpPr>
+        <p:spPr/>
+        <p:txBody>
+          <a:bodyPr/>
+          <a:lstStyle/>
+          <a:p>
+            <a:fld id="{929262FE-7F58-4A1E-8AF3-5A510A86DEBD}" type="slidenum">
+              <a:rPr lang="en-US" smtClean="0"/>
+              <a:t>7</a:t>
+            </a:fld>
+            <a:endParaRPr lang="en-US"/>
+          </a:p>
+        </p:txBody>
+      </p:sp>
+      <p:pic>
+        <p:nvPicPr>
+          <p:cNvPr id="2050" name="Picture 2" descr="Reaction forces at Joints"/>
+          <p:cNvPicPr>
+            <a:picLocks noChangeAspect="1" noChangeArrowheads="1"/>
+          </p:cNvPicPr>
+          <p:nvPr/>
+        </p:nvPicPr>
+        <p:blipFill>
+          <a:blip r:embed="rId2">
+            <a:extLst>
+              <a:ext uri="{28A0092B-C50C-407E-A947-70E740481C1C}">
+                <a14:useLocalDpi xmlns:a14="http://schemas.microsoft.com/office/drawing/2010/main" val="0"/>
+              </a:ext>
+            </a:extLst>
+          </a:blip>
+          <a:srcRect/>
+          <a:stretch>
+            <a:fillRect/>
+          </a:stretch>
+        </p:blipFill>
+        <p:spPr bwMode="auto">
+          <a:xfrm>
+            <a:off x="4084272" y="1676400"/>
+            <a:ext cx="5027071" cy="4267426"/>
+          </a:xfrm>
+          <a:prstGeom prst="rect">
+            <a:avLst/>
+          </a:prstGeom>
+          <a:noFill/>
+          <a:extLst>
+            <a:ext uri="{909E8E84-426E-40DD-AFC4-6F175D3DCCD1}">
+              <a14:hiddenFill xmlns:a14="http://schemas.microsoft.com/office/drawing/2010/main">
+                <a:solidFill>
+                  <a:srgbClr val="FFFFFF"/>
+                </a:solidFill>
+              </a14:hiddenFill>
+            </a:ext>
+          </a:extLst>
+        </p:spPr>
+      </p:pic>
+    </p:spTree>
+    <p:extLst>
+      <p:ext uri="{BB962C8B-B14F-4D97-AF65-F5344CB8AC3E}">
+        <p14:creationId xmlns:p14="http://schemas.microsoft.com/office/powerpoint/2010/main" val="1065110183"/>
+      </p:ext>
+    </p:extLst>
+  </p:cSld>
+  <p:clrMapOvr>
+    <a:masterClrMapping/>
+  </p:clrMapOvr>
+  <p:timing>
+    <p:tnLst>
+      <p:par>
+        <p:cTn id="1" dur="indefinite" restart="never" nodeType="tmRoot">
+          <p:childTnLst>
+            <p:seq concurrent="1" nextAc="seek">
+              <p:cTn id="2" dur="indefinite" nodeType="mainSeq">
+                <p:childTnLst>
+                  <p:par>
+                    <p:cTn id="3" fill="hold">
+                      <p:stCondLst>
+                        <p:cond delay="indefinite"/>
+                      </p:stCondLst>
+                      <p:childTnLst>
+                        <p:par>
+                          <p:cTn id="4" fill="hold">
+                            <p:stCondLst>
+                              <p:cond delay="0"/>
+                            </p:stCondLst>
+                            <p:childTnLst>
+                              <p:par>
+                                <p:cTn id="5" presetID="1" presetClass="entr" presetSubtype="0" fill="hold" grpId="0" nodeType="clickEffect">
+                                  <p:stCondLst>
+                                    <p:cond delay="0"/>
+                                  </p:stCondLst>
+                                  <p:childTnLst>
+                                    <p:set>
+                                      <p:cBhvr>
+                                        <p:cTn id="6" dur="1" fill="hold">
+                                          <p:stCondLst>
+                                            <p:cond delay="0"/>
+                                          </p:stCondLst>
+                                        </p:cTn>
+                                        <p:tgtEl>
+                                          <p:spTgt spid="3">
+                                            <p:txEl>
+                                              <p:pRg st="0" end="0"/>
+                                            </p:txEl>
+                                          </p:spTgt>
+                                        </p:tgtEl>
+                                        <p:attrNameLst>
+                                          <p:attrName>style.visibility</p:attrName>
+                                        </p:attrNameLst>
+                                      </p:cBhvr>
+                                      <p:to>
+                                        <p:strVal val="visible"/>
+                                      </p:to>
+                                    </p:set>
+                                  </p:childTnLst>
+                                </p:cTn>
+                              </p:par>
+                            </p:childTnLst>
+                          </p:cTn>
+                        </p:par>
+                      </p:childTnLst>
+                    </p:cTn>
+                  </p:par>
+                  <p:par>
+                    <p:cTn id="7" fill="hold">
+                      <p:stCondLst>
+                        <p:cond delay="indefinite"/>
+                      </p:stCondLst>
+                      <p:childTnLst>
+                        <p:par>
+                          <p:cTn id="8" fill="hold">
+                            <p:stCondLst>
+                              <p:cond delay="0"/>
+                            </p:stCondLst>
+                            <p:childTnLst>
+                              <p:par>
+                                <p:cTn id="9" presetID="1" presetClass="entr" presetSubtype="0" fill="hold" grpId="0" nodeType="clickEffect">
+                                  <p:stCondLst>
+                                    <p:cond delay="0"/>
+                                  </p:stCondLst>
+                                  <p:childTnLst>
+                                    <p:set>
+                                      <p:cBhvr>
+                                        <p:cTn id="10" dur="1" fill="hold">
+                                          <p:stCondLst>
+                                            <p:cond delay="0"/>
+                                          </p:stCondLst>
+                                        </p:cTn>
+                                        <p:tgtEl>
+                                          <p:spTgt spid="3">
+                                            <p:txEl>
+                                              <p:pRg st="1" end="1"/>
                                             </p:txEl>
                                           </p:spTgt>
                                         </p:tgtEl>
@@ -4875,13 +11721,13 @@
       </p:par>
     </p:tnLst>
     <p:bldLst>
-      <p:bldP spid="3" grpId="0" build="p"/>
+      <p:bldP spid="3" grpId="0" uiExpand="1" build="p"/>
     </p:bldLst>
   </p:timing>
 </p:sld>
 </file>
 
-<file path=ppt/slides/slide4.xml><?xml version="1.0" encoding="utf-8"?>
+<file path=ppt/slides/slide8.xml><?xml version="1.0" encoding="utf-8"?>
 <p:sld xmlns:a="http://schemas.openxmlformats.org/drawingml/2006/main" xmlns:r="http://schemas.openxmlformats.org/officeDocument/2006/relationships" xmlns:p="http://schemas.openxmlformats.org/presentationml/2006/main">
   <p:cSld>
     <p:spTree>
@@ -4900,13 +11746,7 @@
       </p:grpSpPr>
       <p:pic>
         <p:nvPicPr>
-          <p:cNvPr id="1026" name="Picture 2" descr="White car | Public domain vectors">
-            <a:extLst>
-              <a:ext uri="{FF2B5EF4-FFF2-40B4-BE49-F238E27FC236}">
-                <a16:creationId xmlns:a16="http://schemas.microsoft.com/office/drawing/2014/main" id="{914960C9-C93D-4D8A-997D-78D7CF8AA781}"/>
-              </a:ext>
-            </a:extLst>
-          </p:cNvPr>
+          <p:cNvPr id="3074" name="Picture 2" descr="Friction Forces"/>
           <p:cNvPicPr>
             <a:picLocks noChangeAspect="1" noChangeArrowheads="1"/>
           </p:cNvPicPr>
@@ -4927,8 +11767,8 @@
         </p:blipFill>
         <p:spPr bwMode="auto">
           <a:xfrm>
-            <a:off x="5305425" y="3771615"/>
-            <a:ext cx="3381375" cy="1352550"/>
+            <a:off x="5239568" y="2590800"/>
+            <a:ext cx="3904432" cy="2828544"/>
           </a:xfrm>
           <a:prstGeom prst="rect">
             <a:avLst/>
@@ -4962,7 +11802,42 @@
           <a:p>
             <a:r>
               <a:rPr lang="en-US" dirty="0"/>
-              <a:t>Newton’s Second Law</a:t>
+              <a:t>Common Forces (Friction)</a:t>
+            </a:r>
+          </a:p>
+        </p:txBody>
+      </p:sp>
+      <p:sp>
+        <p:nvSpPr>
+          <p:cNvPr id="3" name="Content Placeholder 2"/>
+          <p:cNvSpPr>
+            <a:spLocks noGrp="1"/>
+          </p:cNvSpPr>
+          <p:nvPr>
+            <p:ph idx="1"/>
+          </p:nvPr>
+        </p:nvSpPr>
+        <p:spPr>
+          <a:xfrm>
+            <a:off x="457199" y="1447800"/>
+            <a:ext cx="4782369" cy="4800600"/>
+          </a:xfrm>
+        </p:spPr>
+        <p:txBody>
+          <a:bodyPr>
+            <a:normAutofit fontScale="85000" lnSpcReduction="20000"/>
+          </a:bodyPr>
+          <a:lstStyle/>
+          <a:p>
+            <a:r>
+              <a:rPr lang="en-US" dirty="0"/>
+              <a:t>Friction forces will act between any two surfaces sliding relative to one another and will always act parallel with the surfaces in contact opposing motion or potential motion.</a:t>
+            </a:r>
+          </a:p>
+          <a:p>
+            <a:r>
+              <a:rPr lang="en-US" dirty="0"/>
+              <a:t>It can be a complex interaction, but for simple scenarios we often assume smooth surfaces (no friction) or rough surfaces (what ever force is necessary to prevent sliding).</a:t>
             </a:r>
           </a:p>
         </p:txBody>
@@ -4984,1217 +11859,16 @@
           <a:p>
             <a:fld id="{929262FE-7F58-4A1E-8AF3-5A510A86DEBD}" type="slidenum">
               <a:rPr lang="en-US" smtClean="0"/>
-              <a:t>4</a:t>
+              <a:t>8</a:t>
             </a:fld>
             <a:endParaRPr lang="en-US"/>
           </a:p>
         </p:txBody>
       </p:sp>
-      <mc:AlternateContent xmlns:mc="http://schemas.openxmlformats.org/markup-compatibility/2006">
-        <mc:Choice xmlns:a14="http://schemas.microsoft.com/office/drawing/2010/main" Requires="a14">
-          <p:sp>
-            <p:nvSpPr>
-              <p:cNvPr id="8" name="Content Placeholder 2"/>
-              <p:cNvSpPr txBox="1">
-                <a:spLocks/>
-              </p:cNvSpPr>
-              <p:nvPr/>
-            </p:nvSpPr>
-            <p:spPr>
-              <a:xfrm>
-                <a:off x="457200" y="1600201"/>
-                <a:ext cx="4648200" cy="4495800"/>
-              </a:xfrm>
-              <a:prstGeom prst="rect">
-                <a:avLst/>
-              </a:prstGeom>
-            </p:spPr>
-            <p:txBody>
-              <a:bodyPr vert="horz" lIns="91440" tIns="45720" rIns="91440" bIns="45720" rtlCol="0">
-                <a:normAutofit fontScale="92500" lnSpcReduction="20000"/>
-              </a:bodyPr>
-              <a:lstStyle>
-                <a:lvl1pPr marL="342900" indent="-342900" algn="l" defTabSz="914400" rtl="0" eaLnBrk="1" latinLnBrk="0" hangingPunct="1">
-                  <a:spcBef>
-                    <a:spcPct val="20000"/>
-                  </a:spcBef>
-                  <a:buFont typeface="Arial" panose="020B0604020202020204" pitchFamily="34" charset="0"/>
-                  <a:buChar char="•"/>
-                  <a:defRPr sz="3200" kern="1200">
-                    <a:solidFill>
-                      <a:schemeClr val="accent1">
-                        <a:lumMod val="50000"/>
-                      </a:schemeClr>
-                    </a:solidFill>
-                    <a:latin typeface="+mn-lt"/>
-                    <a:ea typeface="+mn-ea"/>
-                    <a:cs typeface="+mn-cs"/>
-                  </a:defRPr>
-                </a:lvl1pPr>
-                <a:lvl2pPr marL="742950" indent="-285750" algn="l" defTabSz="914400" rtl="0" eaLnBrk="1" latinLnBrk="0" hangingPunct="1">
-                  <a:spcBef>
-                    <a:spcPct val="20000"/>
-                  </a:spcBef>
-                  <a:buFont typeface="Arial" panose="020B0604020202020204" pitchFamily="34" charset="0"/>
-                  <a:buChar char="–"/>
-                  <a:defRPr sz="2800" kern="1200">
-                    <a:solidFill>
-                      <a:schemeClr val="accent1">
-                        <a:lumMod val="50000"/>
-                      </a:schemeClr>
-                    </a:solidFill>
-                    <a:latin typeface="+mn-lt"/>
-                    <a:ea typeface="+mn-ea"/>
-                    <a:cs typeface="+mn-cs"/>
-                  </a:defRPr>
-                </a:lvl2pPr>
-                <a:lvl3pPr marL="1143000" indent="-228600" algn="l" defTabSz="914400" rtl="0" eaLnBrk="1" latinLnBrk="0" hangingPunct="1">
-                  <a:spcBef>
-                    <a:spcPct val="20000"/>
-                  </a:spcBef>
-                  <a:buFont typeface="Arial" panose="020B0604020202020204" pitchFamily="34" charset="0"/>
-                  <a:buChar char="•"/>
-                  <a:defRPr sz="2400" kern="1200">
-                    <a:solidFill>
-                      <a:schemeClr val="accent1">
-                        <a:lumMod val="50000"/>
-                      </a:schemeClr>
-                    </a:solidFill>
-                    <a:latin typeface="+mn-lt"/>
-                    <a:ea typeface="+mn-ea"/>
-                    <a:cs typeface="+mn-cs"/>
-                  </a:defRPr>
-                </a:lvl3pPr>
-                <a:lvl4pPr marL="1600200" indent="-228600" algn="l" defTabSz="914400" rtl="0" eaLnBrk="1" latinLnBrk="0" hangingPunct="1">
-                  <a:spcBef>
-                    <a:spcPct val="20000"/>
-                  </a:spcBef>
-                  <a:buFont typeface="Arial" panose="020B0604020202020204" pitchFamily="34" charset="0"/>
-                  <a:buChar char="–"/>
-                  <a:defRPr sz="2000" kern="1200">
-                    <a:solidFill>
-                      <a:schemeClr val="accent1">
-                        <a:lumMod val="50000"/>
-                      </a:schemeClr>
-                    </a:solidFill>
-                    <a:latin typeface="+mn-lt"/>
-                    <a:ea typeface="+mn-ea"/>
-                    <a:cs typeface="+mn-cs"/>
-                  </a:defRPr>
-                </a:lvl4pPr>
-                <a:lvl5pPr marL="2057400" indent="-228600" algn="l" defTabSz="914400" rtl="0" eaLnBrk="1" latinLnBrk="0" hangingPunct="1">
-                  <a:spcBef>
-                    <a:spcPct val="20000"/>
-                  </a:spcBef>
-                  <a:buFont typeface="Arial" panose="020B0604020202020204" pitchFamily="34" charset="0"/>
-                  <a:buChar char="»"/>
-                  <a:defRPr sz="2000" kern="1200">
-                    <a:solidFill>
-                      <a:schemeClr val="accent1">
-                        <a:lumMod val="50000"/>
-                      </a:schemeClr>
-                    </a:solidFill>
-                    <a:latin typeface="+mn-lt"/>
-                    <a:ea typeface="+mn-ea"/>
-                    <a:cs typeface="+mn-cs"/>
-                  </a:defRPr>
-                </a:lvl5pPr>
-                <a:lvl6pPr marL="2514600" indent="-228600" algn="l" defTabSz="914400" rtl="0" eaLnBrk="1" latinLnBrk="0" hangingPunct="1">
-                  <a:spcBef>
-                    <a:spcPct val="20000"/>
-                  </a:spcBef>
-                  <a:buFont typeface="Arial" panose="020B0604020202020204" pitchFamily="34" charset="0"/>
-                  <a:buChar char="•"/>
-                  <a:defRPr sz="2000" kern="1200">
-                    <a:solidFill>
-                      <a:schemeClr val="tx1"/>
-                    </a:solidFill>
-                    <a:latin typeface="+mn-lt"/>
-                    <a:ea typeface="+mn-ea"/>
-                    <a:cs typeface="+mn-cs"/>
-                  </a:defRPr>
-                </a:lvl6pPr>
-                <a:lvl7pPr marL="2971800" indent="-228600" algn="l" defTabSz="914400" rtl="0" eaLnBrk="1" latinLnBrk="0" hangingPunct="1">
-                  <a:spcBef>
-                    <a:spcPct val="20000"/>
-                  </a:spcBef>
-                  <a:buFont typeface="Arial" panose="020B0604020202020204" pitchFamily="34" charset="0"/>
-                  <a:buChar char="•"/>
-                  <a:defRPr sz="2000" kern="1200">
-                    <a:solidFill>
-                      <a:schemeClr val="tx1"/>
-                    </a:solidFill>
-                    <a:latin typeface="+mn-lt"/>
-                    <a:ea typeface="+mn-ea"/>
-                    <a:cs typeface="+mn-cs"/>
-                  </a:defRPr>
-                </a:lvl7pPr>
-                <a:lvl8pPr marL="3429000" indent="-228600" algn="l" defTabSz="914400" rtl="0" eaLnBrk="1" latinLnBrk="0" hangingPunct="1">
-                  <a:spcBef>
-                    <a:spcPct val="20000"/>
-                  </a:spcBef>
-                  <a:buFont typeface="Arial" panose="020B0604020202020204" pitchFamily="34" charset="0"/>
-                  <a:buChar char="•"/>
-                  <a:defRPr sz="2000" kern="1200">
-                    <a:solidFill>
-                      <a:schemeClr val="tx1"/>
-                    </a:solidFill>
-                    <a:latin typeface="+mn-lt"/>
-                    <a:ea typeface="+mn-ea"/>
-                    <a:cs typeface="+mn-cs"/>
-                  </a:defRPr>
-                </a:lvl8pPr>
-                <a:lvl9pPr marL="3886200" indent="-228600" algn="l" defTabSz="914400" rtl="0" eaLnBrk="1" latinLnBrk="0" hangingPunct="1">
-                  <a:spcBef>
-                    <a:spcPct val="20000"/>
-                  </a:spcBef>
-                  <a:buFont typeface="Arial" panose="020B0604020202020204" pitchFamily="34" charset="0"/>
-                  <a:buChar char="•"/>
-                  <a:defRPr sz="2000" kern="1200">
-                    <a:solidFill>
-                      <a:schemeClr val="tx1"/>
-                    </a:solidFill>
-                    <a:latin typeface="+mn-lt"/>
-                    <a:ea typeface="+mn-ea"/>
-                    <a:cs typeface="+mn-cs"/>
-                  </a:defRPr>
-                </a:lvl9pPr>
-              </a:lstStyle>
-              <a:p>
-                <a:pPr marL="0" indent="0">
-                  <a:buNone/>
-                </a:pPr>
-                <a14:m>
-                  <m:oMathPara xmlns:m="http://schemas.openxmlformats.org/officeDocument/2006/math">
-                    <m:oMathParaPr>
-                      <m:jc m:val="centerGroup"/>
-                    </m:oMathParaPr>
-                    <m:oMath xmlns:m="http://schemas.openxmlformats.org/officeDocument/2006/math">
-                      <m:nary>
-                        <m:naryPr>
-                          <m:chr m:val="∑"/>
-                          <m:subHide m:val="on"/>
-                          <m:supHide m:val="on"/>
-                          <m:ctrlPr>
-                            <a:rPr lang="en-US" i="1">
-                              <a:latin typeface="Cambria Math" panose="02040503050406030204" pitchFamily="18" charset="0"/>
-                            </a:rPr>
-                          </m:ctrlPr>
-                        </m:naryPr>
-                        <m:sub/>
-                        <m:sup/>
-                        <m:e>
-                          <m:acc>
-                            <m:accPr>
-                              <m:chr m:val="⃗"/>
-                              <m:ctrlPr>
-                                <a:rPr lang="en-US" i="1">
-                                  <a:latin typeface="Cambria Math" panose="02040503050406030204" pitchFamily="18" charset="0"/>
-                                </a:rPr>
-                              </m:ctrlPr>
-                            </m:accPr>
-                            <m:e>
-                              <m:r>
-                                <a:rPr lang="en-US" i="1">
-                                  <a:latin typeface="Cambria Math" panose="02040503050406030204" pitchFamily="18" charset="0"/>
-                                </a:rPr>
-                                <m:t>𝐹</m:t>
-                              </m:r>
-                            </m:e>
-                          </m:acc>
-                        </m:e>
-                      </m:nary>
-                      <m:r>
-                        <a:rPr lang="en-US" i="1">
-                          <a:latin typeface="Cambria Math" panose="02040503050406030204" pitchFamily="18" charset="0"/>
-                        </a:rPr>
-                        <m:t>=</m:t>
-                      </m:r>
-                      <m:r>
-                        <a:rPr lang="en-US" i="1">
-                          <a:latin typeface="Cambria Math" panose="02040503050406030204" pitchFamily="18" charset="0"/>
-                        </a:rPr>
-                        <m:t>𝑚</m:t>
-                      </m:r>
-                      <m:r>
-                        <a:rPr lang="en-US" i="1">
-                          <a:latin typeface="Cambria Math" panose="02040503050406030204" pitchFamily="18" charset="0"/>
-                        </a:rPr>
-                        <m:t> </m:t>
-                      </m:r>
-                      <m:acc>
-                        <m:accPr>
-                          <m:chr m:val="⃗"/>
-                          <m:ctrlPr>
-                            <a:rPr lang="en-US" i="1">
-                              <a:latin typeface="Cambria Math" panose="02040503050406030204" pitchFamily="18" charset="0"/>
-                            </a:rPr>
-                          </m:ctrlPr>
-                        </m:accPr>
-                        <m:e>
-                          <m:r>
-                            <a:rPr lang="en-US" i="1">
-                              <a:latin typeface="Cambria Math" panose="02040503050406030204" pitchFamily="18" charset="0"/>
-                            </a:rPr>
-                            <m:t>𝑎</m:t>
-                          </m:r>
-                        </m:e>
-                      </m:acc>
-                    </m:oMath>
-                  </m:oMathPara>
-                </a14:m>
-                <a:endParaRPr lang="en-US" dirty="0"/>
-              </a:p>
-              <a:p>
-                <a:r>
-                  <a:rPr lang="en-US" dirty="0"/>
-                  <a:t>Another important thing to note is that forces and accelerations are </a:t>
-                </a:r>
-                <a:r>
-                  <a:rPr lang="en-US" b="1" dirty="0"/>
-                  <a:t>vectors</a:t>
-                </a:r>
-                <a:r>
-                  <a:rPr lang="en-US" dirty="0"/>
-                  <a:t>.</a:t>
-                </a:r>
-              </a:p>
-              <a:p>
-                <a:r>
-                  <a:rPr lang="en-US" dirty="0"/>
-                  <a:t>They have both a magnitude and a direction which will need to be taken into account when summing them up.</a:t>
-                </a:r>
-              </a:p>
-              <a:p>
-                <a:endParaRPr lang="en-US" dirty="0"/>
-              </a:p>
-            </p:txBody>
-          </p:sp>
-        </mc:Choice>
-        <mc:Fallback>
-          <p:sp>
-            <p:nvSpPr>
-              <p:cNvPr id="8" name="Content Placeholder 2"/>
-              <p:cNvSpPr txBox="1">
-                <a:spLocks noRot="1" noChangeAspect="1" noMove="1" noResize="1" noEditPoints="1" noAdjustHandles="1" noChangeArrowheads="1" noChangeShapeType="1" noTextEdit="1"/>
-              </p:cNvSpPr>
-              <p:nvPr/>
-            </p:nvSpPr>
-            <p:spPr>
-              <a:xfrm>
-                <a:off x="457200" y="1600201"/>
-                <a:ext cx="4648200" cy="4495800"/>
-              </a:xfrm>
-              <a:prstGeom prst="rect">
-                <a:avLst/>
-              </a:prstGeom>
-              <a:blipFill>
-                <a:blip r:embed="rId3"/>
-                <a:stretch>
-                  <a:fillRect l="-2621" r="-3670" b="-271"/>
-                </a:stretch>
-              </a:blipFill>
-            </p:spPr>
-            <p:txBody>
-              <a:bodyPr/>
-              <a:lstStyle/>
-              <a:p>
-                <a:r>
-                  <a:rPr lang="en-US">
-                    <a:noFill/>
-                  </a:rPr>
-                  <a:t> </a:t>
-                </a:r>
-              </a:p>
-            </p:txBody>
-          </p:sp>
-        </mc:Fallback>
-      </mc:AlternateContent>
-      <p:cxnSp>
-        <p:nvCxnSpPr>
-          <p:cNvPr id="10" name="Straight Arrow Connector 9"/>
-          <p:cNvCxnSpPr/>
-          <p:nvPr/>
-        </p:nvCxnSpPr>
-        <p:spPr>
-          <a:xfrm flipV="1">
-            <a:off x="5867400" y="5117815"/>
-            <a:ext cx="0" cy="625760"/>
-          </a:xfrm>
-          <a:prstGeom prst="straightConnector1">
-            <a:avLst/>
-          </a:prstGeom>
-          <a:ln>
-            <a:solidFill>
-              <a:srgbClr val="FF0000"/>
-            </a:solidFill>
-            <a:tailEnd type="arrow"/>
-          </a:ln>
-        </p:spPr>
-        <p:style>
-          <a:lnRef idx="3">
-            <a:schemeClr val="accent2"/>
-          </a:lnRef>
-          <a:fillRef idx="0">
-            <a:schemeClr val="accent2"/>
-          </a:fillRef>
-          <a:effectRef idx="2">
-            <a:schemeClr val="accent2"/>
-          </a:effectRef>
-          <a:fontRef idx="minor">
-            <a:schemeClr val="tx1"/>
-          </a:fontRef>
-        </p:style>
-      </p:cxnSp>
-      <p:cxnSp>
-        <p:nvCxnSpPr>
-          <p:cNvPr id="11" name="Straight Arrow Connector 10"/>
-          <p:cNvCxnSpPr/>
-          <p:nvPr/>
-        </p:nvCxnSpPr>
-        <p:spPr>
-          <a:xfrm flipV="1">
-            <a:off x="8215993" y="5089240"/>
-            <a:ext cx="0" cy="625760"/>
-          </a:xfrm>
-          <a:prstGeom prst="straightConnector1">
-            <a:avLst/>
-          </a:prstGeom>
-          <a:ln>
-            <a:solidFill>
-              <a:srgbClr val="FF0000"/>
-            </a:solidFill>
-            <a:tailEnd type="arrow"/>
-          </a:ln>
-        </p:spPr>
-        <p:style>
-          <a:lnRef idx="3">
-            <a:schemeClr val="accent2"/>
-          </a:lnRef>
-          <a:fillRef idx="0">
-            <a:schemeClr val="accent2"/>
-          </a:fillRef>
-          <a:effectRef idx="2">
-            <a:schemeClr val="accent2"/>
-          </a:effectRef>
-          <a:fontRef idx="minor">
-            <a:schemeClr val="tx1"/>
-          </a:fontRef>
-        </p:style>
-      </p:cxnSp>
-      <p:cxnSp>
-        <p:nvCxnSpPr>
-          <p:cNvPr id="13" name="Straight Arrow Connector 12"/>
-          <p:cNvCxnSpPr/>
-          <p:nvPr/>
-        </p:nvCxnSpPr>
-        <p:spPr>
-          <a:xfrm flipH="1">
-            <a:off x="6187445" y="4351480"/>
-            <a:ext cx="746755" cy="0"/>
-          </a:xfrm>
-          <a:prstGeom prst="straightConnector1">
-            <a:avLst/>
-          </a:prstGeom>
-          <a:ln>
-            <a:prstDash val="dash"/>
-            <a:tailEnd type="arrow"/>
-          </a:ln>
-        </p:spPr>
-        <p:style>
-          <a:lnRef idx="3">
-            <a:schemeClr val="accent1"/>
-          </a:lnRef>
-          <a:fillRef idx="0">
-            <a:schemeClr val="accent1"/>
-          </a:fillRef>
-          <a:effectRef idx="2">
-            <a:schemeClr val="accent1"/>
-          </a:effectRef>
-          <a:fontRef idx="minor">
-            <a:schemeClr val="tx1"/>
-          </a:fontRef>
-        </p:style>
-      </p:cxnSp>
-      <p:cxnSp>
-        <p:nvCxnSpPr>
-          <p:cNvPr id="20" name="Straight Arrow Connector 19"/>
-          <p:cNvCxnSpPr/>
-          <p:nvPr/>
-        </p:nvCxnSpPr>
-        <p:spPr>
-          <a:xfrm flipH="1">
-            <a:off x="8258440" y="5089240"/>
-            <a:ext cx="599810" cy="0"/>
-          </a:xfrm>
-          <a:prstGeom prst="straightConnector1">
-            <a:avLst/>
-          </a:prstGeom>
-          <a:ln>
-            <a:solidFill>
-              <a:srgbClr val="FF0000"/>
-            </a:solidFill>
-            <a:tailEnd type="arrow"/>
-          </a:ln>
-        </p:spPr>
-        <p:style>
-          <a:lnRef idx="3">
-            <a:schemeClr val="accent2"/>
-          </a:lnRef>
-          <a:fillRef idx="0">
-            <a:schemeClr val="accent2"/>
-          </a:fillRef>
-          <a:effectRef idx="2">
-            <a:schemeClr val="accent2"/>
-          </a:effectRef>
-          <a:fontRef idx="minor">
-            <a:schemeClr val="tx1"/>
-          </a:fontRef>
-        </p:style>
-      </p:cxnSp>
-      <p:cxnSp>
-        <p:nvCxnSpPr>
-          <p:cNvPr id="23" name="Straight Arrow Connector 22"/>
-          <p:cNvCxnSpPr/>
-          <p:nvPr/>
-        </p:nvCxnSpPr>
-        <p:spPr>
-          <a:xfrm>
-            <a:off x="6934200" y="4351480"/>
-            <a:ext cx="0" cy="1050640"/>
-          </a:xfrm>
-          <a:prstGeom prst="straightConnector1">
-            <a:avLst/>
-          </a:prstGeom>
-          <a:ln>
-            <a:solidFill>
-              <a:srgbClr val="FF0000"/>
-            </a:solidFill>
-            <a:tailEnd type="arrow"/>
-          </a:ln>
-        </p:spPr>
-        <p:style>
-          <a:lnRef idx="3">
-            <a:schemeClr val="accent2"/>
-          </a:lnRef>
-          <a:fillRef idx="0">
-            <a:schemeClr val="accent2"/>
-          </a:fillRef>
-          <a:effectRef idx="2">
-            <a:schemeClr val="accent2"/>
-          </a:effectRef>
-          <a:fontRef idx="minor">
-            <a:schemeClr val="tx1"/>
-          </a:fontRef>
-        </p:style>
-      </p:cxnSp>
     </p:spTree>
     <p:extLst>
       <p:ext uri="{BB962C8B-B14F-4D97-AF65-F5344CB8AC3E}">
-        <p14:creationId xmlns:p14="http://schemas.microsoft.com/office/powerpoint/2010/main" val="2003935324"/>
-      </p:ext>
-    </p:extLst>
-  </p:cSld>
-  <p:clrMapOvr>
-    <a:masterClrMapping/>
-  </p:clrMapOvr>
-  <p:timing>
-    <p:tnLst>
-      <p:par>
-        <p:cTn id="1" dur="indefinite" restart="never" nodeType="tmRoot">
-          <p:childTnLst>
-            <p:seq concurrent="1" nextAc="seek">
-              <p:cTn id="2" dur="indefinite" nodeType="mainSeq">
-                <p:childTnLst>
-                  <p:par>
-                    <p:cTn id="3" fill="hold">
-                      <p:stCondLst>
-                        <p:cond delay="indefinite"/>
-                      </p:stCondLst>
-                      <p:childTnLst>
-                        <p:par>
-                          <p:cTn id="4" fill="hold">
-                            <p:stCondLst>
-                              <p:cond delay="0"/>
-                            </p:stCondLst>
-                            <p:childTnLst>
-                              <p:par>
-                                <p:cTn id="5" presetID="1" presetClass="entr" presetSubtype="0" fill="hold" nodeType="clickEffect">
-                                  <p:stCondLst>
-                                    <p:cond delay="0"/>
-                                  </p:stCondLst>
-                                  <p:childTnLst>
-                                    <p:set>
-                                      <p:cBhvr>
-                                        <p:cTn id="6" dur="1" fill="hold">
-                                          <p:stCondLst>
-                                            <p:cond delay="0"/>
-                                          </p:stCondLst>
-                                        </p:cTn>
-                                        <p:tgtEl>
-                                          <p:spTgt spid="8">
-                                            <p:txEl>
-                                              <p:pRg st="1" end="1"/>
-                                            </p:txEl>
-                                          </p:spTgt>
-                                        </p:tgtEl>
-                                        <p:attrNameLst>
-                                          <p:attrName>style.visibility</p:attrName>
-                                        </p:attrNameLst>
-                                      </p:cBhvr>
-                                      <p:to>
-                                        <p:strVal val="visible"/>
-                                      </p:to>
-                                    </p:set>
-                                  </p:childTnLst>
-                                </p:cTn>
-                              </p:par>
-                            </p:childTnLst>
-                          </p:cTn>
-                        </p:par>
-                      </p:childTnLst>
-                    </p:cTn>
-                  </p:par>
-                  <p:par>
-                    <p:cTn id="7" fill="hold">
-                      <p:stCondLst>
-                        <p:cond delay="indefinite"/>
-                      </p:stCondLst>
-                      <p:childTnLst>
-                        <p:par>
-                          <p:cTn id="8" fill="hold">
-                            <p:stCondLst>
-                              <p:cond delay="0"/>
-                            </p:stCondLst>
-                            <p:childTnLst>
-                              <p:par>
-                                <p:cTn id="9" presetID="10" presetClass="entr" presetSubtype="0" fill="hold" nodeType="clickEffect">
-                                  <p:stCondLst>
-                                    <p:cond delay="0"/>
-                                  </p:stCondLst>
-                                  <p:childTnLst>
-                                    <p:set>
-                                      <p:cBhvr>
-                                        <p:cTn id="10" dur="1" fill="hold">
-                                          <p:stCondLst>
-                                            <p:cond delay="0"/>
-                                          </p:stCondLst>
-                                        </p:cTn>
-                                        <p:tgtEl>
-                                          <p:spTgt spid="10"/>
-                                        </p:tgtEl>
-                                        <p:attrNameLst>
-                                          <p:attrName>style.visibility</p:attrName>
-                                        </p:attrNameLst>
-                                      </p:cBhvr>
-                                      <p:to>
-                                        <p:strVal val="visible"/>
-                                      </p:to>
-                                    </p:set>
-                                    <p:animEffect transition="in" filter="fade">
-                                      <p:cBhvr>
-                                        <p:cTn id="11" dur="500"/>
-                                        <p:tgtEl>
-                                          <p:spTgt spid="10"/>
-                                        </p:tgtEl>
-                                      </p:cBhvr>
-                                    </p:animEffect>
-                                  </p:childTnLst>
-                                </p:cTn>
-                              </p:par>
-                              <p:par>
-                                <p:cTn id="12" presetID="10" presetClass="entr" presetSubtype="0" fill="hold" nodeType="withEffect">
-                                  <p:stCondLst>
-                                    <p:cond delay="0"/>
-                                  </p:stCondLst>
-                                  <p:childTnLst>
-                                    <p:set>
-                                      <p:cBhvr>
-                                        <p:cTn id="13" dur="1" fill="hold">
-                                          <p:stCondLst>
-                                            <p:cond delay="0"/>
-                                          </p:stCondLst>
-                                        </p:cTn>
-                                        <p:tgtEl>
-                                          <p:spTgt spid="23"/>
-                                        </p:tgtEl>
-                                        <p:attrNameLst>
-                                          <p:attrName>style.visibility</p:attrName>
-                                        </p:attrNameLst>
-                                      </p:cBhvr>
-                                      <p:to>
-                                        <p:strVal val="visible"/>
-                                      </p:to>
-                                    </p:set>
-                                    <p:animEffect transition="in" filter="fade">
-                                      <p:cBhvr>
-                                        <p:cTn id="14" dur="500"/>
-                                        <p:tgtEl>
-                                          <p:spTgt spid="23"/>
-                                        </p:tgtEl>
-                                      </p:cBhvr>
-                                    </p:animEffect>
-                                  </p:childTnLst>
-                                </p:cTn>
-                              </p:par>
-                              <p:par>
-                                <p:cTn id="15" presetID="10" presetClass="entr" presetSubtype="0" fill="hold" nodeType="withEffect">
-                                  <p:stCondLst>
-                                    <p:cond delay="0"/>
-                                  </p:stCondLst>
-                                  <p:childTnLst>
-                                    <p:set>
-                                      <p:cBhvr>
-                                        <p:cTn id="16" dur="1" fill="hold">
-                                          <p:stCondLst>
-                                            <p:cond delay="0"/>
-                                          </p:stCondLst>
-                                        </p:cTn>
-                                        <p:tgtEl>
-                                          <p:spTgt spid="11"/>
-                                        </p:tgtEl>
-                                        <p:attrNameLst>
-                                          <p:attrName>style.visibility</p:attrName>
-                                        </p:attrNameLst>
-                                      </p:cBhvr>
-                                      <p:to>
-                                        <p:strVal val="visible"/>
-                                      </p:to>
-                                    </p:set>
-                                    <p:animEffect transition="in" filter="fade">
-                                      <p:cBhvr>
-                                        <p:cTn id="17" dur="500"/>
-                                        <p:tgtEl>
-                                          <p:spTgt spid="11"/>
-                                        </p:tgtEl>
-                                      </p:cBhvr>
-                                    </p:animEffect>
-                                  </p:childTnLst>
-                                </p:cTn>
-                              </p:par>
-                              <p:par>
-                                <p:cTn id="18" presetID="10" presetClass="entr" presetSubtype="0" fill="hold" nodeType="withEffect">
-                                  <p:stCondLst>
-                                    <p:cond delay="0"/>
-                                  </p:stCondLst>
-                                  <p:childTnLst>
-                                    <p:set>
-                                      <p:cBhvr>
-                                        <p:cTn id="19" dur="1" fill="hold">
-                                          <p:stCondLst>
-                                            <p:cond delay="0"/>
-                                          </p:stCondLst>
-                                        </p:cTn>
-                                        <p:tgtEl>
-                                          <p:spTgt spid="20"/>
-                                        </p:tgtEl>
-                                        <p:attrNameLst>
-                                          <p:attrName>style.visibility</p:attrName>
-                                        </p:attrNameLst>
-                                      </p:cBhvr>
-                                      <p:to>
-                                        <p:strVal val="visible"/>
-                                      </p:to>
-                                    </p:set>
-                                    <p:animEffect transition="in" filter="fade">
-                                      <p:cBhvr>
-                                        <p:cTn id="20" dur="500"/>
-                                        <p:tgtEl>
-                                          <p:spTgt spid="20"/>
-                                        </p:tgtEl>
-                                      </p:cBhvr>
-                                    </p:animEffect>
-                                  </p:childTnLst>
-                                </p:cTn>
-                              </p:par>
-                            </p:childTnLst>
-                          </p:cTn>
-                        </p:par>
-                      </p:childTnLst>
-                    </p:cTn>
-                  </p:par>
-                  <p:par>
-                    <p:cTn id="21" fill="hold">
-                      <p:stCondLst>
-                        <p:cond delay="indefinite"/>
-                      </p:stCondLst>
-                      <p:childTnLst>
-                        <p:par>
-                          <p:cTn id="22" fill="hold">
-                            <p:stCondLst>
-                              <p:cond delay="0"/>
-                            </p:stCondLst>
-                            <p:childTnLst>
-                              <p:par>
-                                <p:cTn id="23" presetID="10" presetClass="entr" presetSubtype="0" fill="hold" nodeType="clickEffect">
-                                  <p:stCondLst>
-                                    <p:cond delay="0"/>
-                                  </p:stCondLst>
-                                  <p:childTnLst>
-                                    <p:set>
-                                      <p:cBhvr>
-                                        <p:cTn id="24" dur="1" fill="hold">
-                                          <p:stCondLst>
-                                            <p:cond delay="0"/>
-                                          </p:stCondLst>
-                                        </p:cTn>
-                                        <p:tgtEl>
-                                          <p:spTgt spid="13"/>
-                                        </p:tgtEl>
-                                        <p:attrNameLst>
-                                          <p:attrName>style.visibility</p:attrName>
-                                        </p:attrNameLst>
-                                      </p:cBhvr>
-                                      <p:to>
-                                        <p:strVal val="visible"/>
-                                      </p:to>
-                                    </p:set>
-                                    <p:animEffect transition="in" filter="fade">
-                                      <p:cBhvr>
-                                        <p:cTn id="25" dur="500"/>
-                                        <p:tgtEl>
-                                          <p:spTgt spid="13"/>
-                                        </p:tgtEl>
-                                      </p:cBhvr>
-                                    </p:animEffect>
-                                  </p:childTnLst>
-                                </p:cTn>
-                              </p:par>
-                            </p:childTnLst>
-                          </p:cTn>
-                        </p:par>
-                      </p:childTnLst>
-                    </p:cTn>
-                  </p:par>
-                  <p:par>
-                    <p:cTn id="26" fill="hold">
-                      <p:stCondLst>
-                        <p:cond delay="indefinite"/>
-                      </p:stCondLst>
-                      <p:childTnLst>
-                        <p:par>
-                          <p:cTn id="27" fill="hold">
-                            <p:stCondLst>
-                              <p:cond delay="0"/>
-                            </p:stCondLst>
-                            <p:childTnLst>
-                              <p:par>
-                                <p:cTn id="28" presetID="1" presetClass="entr" presetSubtype="0" fill="hold" nodeType="clickEffect">
-                                  <p:stCondLst>
-                                    <p:cond delay="0"/>
-                                  </p:stCondLst>
-                                  <p:childTnLst>
-                                    <p:set>
-                                      <p:cBhvr>
-                                        <p:cTn id="29" dur="1" fill="hold">
-                                          <p:stCondLst>
-                                            <p:cond delay="0"/>
-                                          </p:stCondLst>
-                                        </p:cTn>
-                                        <p:tgtEl>
-                                          <p:spTgt spid="8">
-                                            <p:txEl>
-                                              <p:pRg st="2" end="2"/>
-                                            </p:txEl>
-                                          </p:spTgt>
-                                        </p:tgtEl>
-                                        <p:attrNameLst>
-                                          <p:attrName>style.visibility</p:attrName>
-                                        </p:attrNameLst>
-                                      </p:cBhvr>
-                                      <p:to>
-                                        <p:strVal val="visible"/>
-                                      </p:to>
-                                    </p:set>
-                                  </p:childTnLst>
-                                </p:cTn>
-                              </p:par>
-                            </p:childTnLst>
-                          </p:cTn>
-                        </p:par>
-                      </p:childTnLst>
-                    </p:cTn>
-                  </p:par>
-                </p:childTnLst>
-              </p:cTn>
-              <p:prevCondLst>
-                <p:cond evt="onPrev" delay="0">
-                  <p:tgtEl>
-                    <p:sldTgt/>
-                  </p:tgtEl>
-                </p:cond>
-              </p:prevCondLst>
-              <p:nextCondLst>
-                <p:cond evt="onNext" delay="0">
-                  <p:tgtEl>
-                    <p:sldTgt/>
-                  </p:tgtEl>
-                </p:cond>
-              </p:nextCondLst>
-            </p:seq>
-          </p:childTnLst>
-        </p:cTn>
-      </p:par>
-    </p:tnLst>
-  </p:timing>
-</p:sld>
-</file>
-
-<file path=ppt/slides/slide5.xml><?xml version="1.0" encoding="utf-8"?>
-<p:sld xmlns:a="http://schemas.openxmlformats.org/drawingml/2006/main" xmlns:r="http://schemas.openxmlformats.org/officeDocument/2006/relationships" xmlns:p="http://schemas.openxmlformats.org/presentationml/2006/main">
-  <p:cSld>
-    <p:spTree>
-      <p:nvGrpSpPr>
-        <p:cNvPr id="1" name=""/>
-        <p:cNvGrpSpPr/>
-        <p:nvPr/>
-      </p:nvGrpSpPr>
-      <p:grpSpPr>
-        <a:xfrm>
-          <a:off x="0" y="0"/>
-          <a:ext cx="0" cy="0"/>
-          <a:chOff x="0" y="0"/>
-          <a:chExt cx="0" cy="0"/>
-        </a:xfrm>
-      </p:grpSpPr>
-      <p:sp>
-        <p:nvSpPr>
-          <p:cNvPr id="2" name="Title 1"/>
-          <p:cNvSpPr>
-            <a:spLocks noGrp="1"/>
-          </p:cNvSpPr>
-          <p:nvPr>
-            <p:ph type="title"/>
-          </p:nvPr>
-        </p:nvSpPr>
-        <p:spPr/>
-        <p:txBody>
-          <a:bodyPr/>
-          <a:lstStyle/>
-          <a:p>
-            <a:r>
-              <a:rPr lang="en-US" dirty="0"/>
-              <a:t>Newton’s Second Law (Rotation)</a:t>
-            </a:r>
-          </a:p>
-        </p:txBody>
-      </p:sp>
-      <mc:AlternateContent xmlns:mc="http://schemas.openxmlformats.org/markup-compatibility/2006">
-        <mc:Choice xmlns:a14="http://schemas.microsoft.com/office/drawing/2010/main" Requires="a14">
-          <p:sp>
-            <p:nvSpPr>
-              <p:cNvPr id="3" name="Content Placeholder 2"/>
-              <p:cNvSpPr>
-                <a:spLocks noGrp="1"/>
-              </p:cNvSpPr>
-              <p:nvPr>
-                <p:ph idx="1"/>
-              </p:nvPr>
-            </p:nvSpPr>
-            <p:spPr>
-              <a:xfrm>
-                <a:off x="457200" y="1600200"/>
-                <a:ext cx="5334000" cy="4525963"/>
-              </a:xfrm>
-            </p:spPr>
-            <p:txBody>
-              <a:bodyPr>
-                <a:normAutofit fontScale="85000" lnSpcReduction="20000"/>
-              </a:bodyPr>
-              <a:lstStyle/>
-              <a:p>
-                <a:r>
-                  <a:rPr lang="en-US" dirty="0"/>
-                  <a:t>In addition to the familiar </a:t>
-                </a:r>
-                <a14:m>
-                  <m:oMath xmlns:m="http://schemas.openxmlformats.org/officeDocument/2006/math">
-                    <m:r>
-                      <m:rPr>
-                        <m:sty m:val="p"/>
-                      </m:rPr>
-                      <a:rPr lang="en-US" b="0" i="1">
-                        <a:latin typeface="Cambria Math"/>
-                      </a:rPr>
-                      <m:t>F</m:t>
-                    </m:r>
-                    <m:r>
-                      <a:rPr lang="en-US" b="0">
-                        <a:latin typeface="Cambria Math"/>
-                      </a:rPr>
-                      <m:t>=</m:t>
-                    </m:r>
-                    <m:r>
-                      <m:rPr>
-                        <m:sty m:val="p"/>
-                      </m:rPr>
-                      <a:rPr lang="en-US" b="0">
-                        <a:latin typeface="Cambria Math"/>
-                      </a:rPr>
-                      <m:t>m</m:t>
-                    </m:r>
-                    <m:r>
-                      <a:rPr lang="en-US" b="0">
-                        <a:latin typeface="Cambria Math"/>
-                      </a:rPr>
-                      <m:t> </m:t>
-                    </m:r>
-                    <m:r>
-                      <m:rPr>
-                        <m:sty m:val="p"/>
-                      </m:rPr>
-                      <a:rPr lang="en-US" b="0" i="1">
-                        <a:latin typeface="Cambria Math"/>
-                      </a:rPr>
-                      <m:t>a</m:t>
-                    </m:r>
-                  </m:oMath>
-                </a14:m>
-                <a:r>
-                  <a:rPr lang="en-US" dirty="0"/>
-                  <a:t>, Newton’s second law also has a rotational counterpart.</a:t>
-                </a:r>
-              </a:p>
-              <a:p>
-                <a:endParaRPr lang="en-US" b="1" dirty="0"/>
-              </a:p>
-              <a:p>
-                <a:pPr marL="0" indent="0">
-                  <a:buNone/>
-                </a:pPr>
-                <a14:m>
-                  <m:oMathPara xmlns:m="http://schemas.openxmlformats.org/officeDocument/2006/math">
-                    <m:oMathParaPr>
-                      <m:jc m:val="centerGroup"/>
-                    </m:oMathParaPr>
-                    <m:oMath xmlns:m="http://schemas.openxmlformats.org/officeDocument/2006/math">
-                      <m:nary>
-                        <m:naryPr>
-                          <m:chr m:val="∑"/>
-                          <m:subHide m:val="on"/>
-                          <m:supHide m:val="on"/>
-                          <m:ctrlPr>
-                            <a:rPr lang="en-US" i="1">
-                              <a:latin typeface="Cambria Math" panose="02040503050406030204" pitchFamily="18" charset="0"/>
-                            </a:rPr>
-                          </m:ctrlPr>
-                        </m:naryPr>
-                        <m:sub/>
-                        <m:sup/>
-                        <m:e>
-                          <m:acc>
-                            <m:accPr>
-                              <m:chr m:val="⃗"/>
-                              <m:ctrlPr>
-                                <a:rPr lang="en-US" i="1">
-                                  <a:latin typeface="Cambria Math" panose="02040503050406030204" pitchFamily="18" charset="0"/>
-                                </a:rPr>
-                              </m:ctrlPr>
-                            </m:accPr>
-                            <m:e>
-                              <m:r>
-                                <a:rPr lang="en-US" b="0" i="1" smtClean="0">
-                                  <a:latin typeface="Cambria Math" panose="02040503050406030204" pitchFamily="18" charset="0"/>
-                                </a:rPr>
-                                <m:t>𝑀</m:t>
-                              </m:r>
-                            </m:e>
-                          </m:acc>
-                        </m:e>
-                      </m:nary>
-                      <m:r>
-                        <a:rPr lang="en-US" i="1">
-                          <a:latin typeface="Cambria Math" panose="02040503050406030204" pitchFamily="18" charset="0"/>
-                        </a:rPr>
-                        <m:t>=</m:t>
-                      </m:r>
-                      <m:r>
-                        <a:rPr lang="en-US" b="0" i="1" smtClean="0">
-                          <a:latin typeface="Cambria Math" panose="02040503050406030204" pitchFamily="18" charset="0"/>
-                        </a:rPr>
-                        <m:t>𝐼</m:t>
-                      </m:r>
-                      <m:r>
-                        <a:rPr lang="en-US" i="1">
-                          <a:latin typeface="Cambria Math" panose="02040503050406030204" pitchFamily="18" charset="0"/>
-                        </a:rPr>
-                        <m:t> </m:t>
-                      </m:r>
-                      <m:acc>
-                        <m:accPr>
-                          <m:chr m:val="⃗"/>
-                          <m:ctrlPr>
-                            <a:rPr lang="en-US" i="1">
-                              <a:latin typeface="Cambria Math" panose="02040503050406030204" pitchFamily="18" charset="0"/>
-                            </a:rPr>
-                          </m:ctrlPr>
-                        </m:accPr>
-                        <m:e>
-                          <m:r>
-                            <a:rPr lang="en-US" i="1" smtClean="0">
-                              <a:latin typeface="Cambria Math" panose="02040503050406030204" pitchFamily="18" charset="0"/>
-                              <a:ea typeface="Cambria Math" panose="02040503050406030204" pitchFamily="18" charset="0"/>
-                            </a:rPr>
-                            <m:t>𝛼</m:t>
-                          </m:r>
-                        </m:e>
-                      </m:acc>
-                    </m:oMath>
-                  </m:oMathPara>
-                </a14:m>
-                <a:endParaRPr lang="en-US" dirty="0"/>
-              </a:p>
-              <a:p>
-                <a:pPr marL="0" indent="0" algn="ctr">
-                  <a:buNone/>
-                </a:pPr>
-                <a:endParaRPr lang="en-US" b="1" dirty="0"/>
-              </a:p>
-              <a:p>
-                <a:r>
-                  <a:rPr lang="en-US" dirty="0"/>
-                  <a:t>The </a:t>
-                </a:r>
-                <a:r>
-                  <a:rPr lang="en-US" b="1" dirty="0"/>
-                  <a:t>net moment</a:t>
-                </a:r>
-                <a:r>
-                  <a:rPr lang="en-US" dirty="0"/>
-                  <a:t> exerted on a body will be equal to the </a:t>
-                </a:r>
-                <a:r>
-                  <a:rPr lang="en-US" b="1" dirty="0"/>
-                  <a:t>mass moment of inertia</a:t>
-                </a:r>
-                <a:r>
-                  <a:rPr lang="en-US" dirty="0"/>
-                  <a:t> times the </a:t>
-                </a:r>
-                <a:r>
-                  <a:rPr lang="en-US" b="1" dirty="0"/>
-                  <a:t>angular acceleration</a:t>
-                </a:r>
-                <a:r>
-                  <a:rPr lang="en-US" dirty="0"/>
-                  <a:t>.</a:t>
-                </a:r>
-              </a:p>
-            </p:txBody>
-          </p:sp>
-        </mc:Choice>
-        <mc:Fallback>
-          <p:sp>
-            <p:nvSpPr>
-              <p:cNvPr id="3" name="Content Placeholder 2"/>
-              <p:cNvSpPr>
-                <a:spLocks noGrp="1" noRot="1" noChangeAspect="1" noMove="1" noResize="1" noEditPoints="1" noAdjustHandles="1" noChangeArrowheads="1" noChangeShapeType="1" noTextEdit="1"/>
-              </p:cNvSpPr>
-              <p:nvPr>
-                <p:ph idx="1"/>
-              </p:nvPr>
-            </p:nvSpPr>
-            <p:spPr>
-              <a:xfrm>
-                <a:off x="457200" y="1600200"/>
-                <a:ext cx="5334000" cy="4525963"/>
-              </a:xfrm>
-              <a:blipFill>
-                <a:blip r:embed="rId2"/>
-                <a:stretch>
-                  <a:fillRect l="-1943" t="-2830"/>
-                </a:stretch>
-              </a:blipFill>
-            </p:spPr>
-            <p:txBody>
-              <a:bodyPr/>
-              <a:lstStyle/>
-              <a:p>
-                <a:r>
-                  <a:rPr lang="en-US">
-                    <a:noFill/>
-                  </a:rPr>
-                  <a:t> </a:t>
-                </a:r>
-              </a:p>
-            </p:txBody>
-          </p:sp>
-        </mc:Fallback>
-      </mc:AlternateContent>
-      <p:sp>
-        <p:nvSpPr>
-          <p:cNvPr id="4" name="Slide Number Placeholder 3"/>
-          <p:cNvSpPr>
-            <a:spLocks noGrp="1"/>
-          </p:cNvSpPr>
-          <p:nvPr>
-            <p:ph type="sldNum" sz="quarter" idx="12"/>
-          </p:nvPr>
-        </p:nvSpPr>
-        <p:spPr/>
-        <p:txBody>
-          <a:bodyPr/>
-          <a:lstStyle/>
-          <a:p>
-            <a:fld id="{929262FE-7F58-4A1E-8AF3-5A510A86DEBD}" type="slidenum">
-              <a:rPr lang="en-US" smtClean="0"/>
-              <a:t>5</a:t>
-            </a:fld>
-            <a:endParaRPr lang="en-US"/>
-          </a:p>
-        </p:txBody>
-      </p:sp>
-      <p:pic>
-        <p:nvPicPr>
-          <p:cNvPr id="8" name="Picture 2" descr="Spinning Top">
-            <a:extLst>
-              <a:ext uri="{FF2B5EF4-FFF2-40B4-BE49-F238E27FC236}">
-                <a16:creationId xmlns:a16="http://schemas.microsoft.com/office/drawing/2014/main" id="{13523CD8-2235-41D9-A507-CF64EA263EF5}"/>
-              </a:ext>
-            </a:extLst>
-          </p:cNvPr>
-          <p:cNvPicPr>
-            <a:picLocks noChangeAspect="1" noChangeArrowheads="1"/>
-          </p:cNvPicPr>
-          <p:nvPr/>
-        </p:nvPicPr>
-        <p:blipFill>
-          <a:blip r:embed="rId3">
-            <a:extLst>
-              <a:ext uri="{28A0092B-C50C-407E-A947-70E740481C1C}">
-                <a14:useLocalDpi xmlns:a14="http://schemas.microsoft.com/office/drawing/2010/main" val="0"/>
-              </a:ext>
-            </a:extLst>
-          </a:blip>
-          <a:srcRect/>
-          <a:stretch>
-            <a:fillRect/>
-          </a:stretch>
-        </p:blipFill>
-        <p:spPr bwMode="auto">
-          <a:xfrm>
-            <a:off x="6153150" y="2590800"/>
-            <a:ext cx="2743200" cy="2051914"/>
-          </a:xfrm>
-          <a:prstGeom prst="rect">
-            <a:avLst/>
-          </a:prstGeom>
-          <a:noFill/>
-          <a:extLst>
-            <a:ext uri="{909E8E84-426E-40DD-AFC4-6F175D3DCCD1}">
-              <a14:hiddenFill xmlns:a14="http://schemas.microsoft.com/office/drawing/2010/main">
-                <a:solidFill>
-                  <a:srgbClr val="FFFFFF"/>
-                </a:solidFill>
-              </a14:hiddenFill>
-            </a:ext>
-          </a:extLst>
-        </p:spPr>
-      </p:pic>
-    </p:spTree>
-    <p:extLst>
-      <p:ext uri="{BB962C8B-B14F-4D97-AF65-F5344CB8AC3E}">
-        <p14:creationId xmlns:p14="http://schemas.microsoft.com/office/powerpoint/2010/main" val="744401461"/>
+        <p14:creationId xmlns:p14="http://schemas.microsoft.com/office/powerpoint/2010/main" val="4127202656"/>
       </p:ext>
     </p:extLst>
   </p:cSld>
@@ -6286,7 +11960,7 @@
                                         <p:tgtEl>
                                           <p:spTgt spid="3">
                                             <p:txEl>
-                                              <p:pRg st="2" end="2"/>
+                                              <p:pRg st="1" end="1"/>
                                             </p:txEl>
                                           </p:spTgt>
                                         </p:tgtEl>
@@ -6320,7 +11994,7 @@
                             </p:stCondLst>
                             <p:childTnLst>
                               <p:par>
-                                <p:cTn id="13" presetID="1" presetClass="entr" presetSubtype="0" fill="hold" grpId="0" nodeType="clickEffect">
+                                <p:cTn id="13" presetID="10" presetClass="entr" presetSubtype="0" fill="hold" nodeType="clickEffect">
                                   <p:stCondLst>
                                     <p:cond delay="0"/>
                                   </p:stCondLst>
@@ -6333,9 +12007,244 @@
                                           </p:stCondLst>
                                         </p:cTn>
                                         <p:tgtEl>
+                                          <p:spTgt spid="3074"/>
+                                        </p:tgtEl>
+                                        <p:attrNameLst>
+                                          <p:attrName>style.visibility</p:attrName>
+                                        </p:attrNameLst>
+                                      </p:cBhvr>
+                                      <p:to>
+                                        <p:strVal val="visible"/>
+                                      </p:to>
+                                    </p:set>
+                                    <p:animEffect transition="in" filter="fade">
+                                      <p:cBhvr>
+                                        <p:cTn id="15" dur="500"/>
+                                        <p:tgtEl>
+                                          <p:spTgt spid="3074"/>
+                                        </p:tgtEl>
+                                      </p:cBhvr>
+                                    </p:animEffect>
+                                  </p:childTnLst>
+                                </p:cTn>
+                              </p:par>
+                            </p:childTnLst>
+                          </p:cTn>
+                        </p:par>
+                      </p:childTnLst>
+                    </p:cTn>
+                  </p:par>
+                </p:childTnLst>
+              </p:cTn>
+              <p:prevCondLst>
+                <p:cond evt="onPrev" delay="0">
+                  <p:tgtEl>
+                    <p:sldTgt/>
+                  </p:tgtEl>
+                </p:cond>
+              </p:prevCondLst>
+              <p:nextCondLst>
+                <p:cond evt="onNext" delay="0">
+                  <p:tgtEl>
+                    <p:sldTgt/>
+                  </p:tgtEl>
+                </p:cond>
+              </p:nextCondLst>
+            </p:seq>
+          </p:childTnLst>
+        </p:cTn>
+      </p:par>
+    </p:tnLst>
+    <p:bldLst>
+      <p:bldP spid="3" grpId="0" uiExpand="1" build="p"/>
+    </p:bldLst>
+  </p:timing>
+</p:sld>
+</file>
+
+<file path=ppt/slides/slide9.xml><?xml version="1.0" encoding="utf-8"?>
+<p:sld xmlns:a="http://schemas.openxmlformats.org/drawingml/2006/main" xmlns:r="http://schemas.openxmlformats.org/officeDocument/2006/relationships" xmlns:p="http://schemas.openxmlformats.org/presentationml/2006/main">
+  <p:cSld>
+    <p:spTree>
+      <p:nvGrpSpPr>
+        <p:cNvPr id="1" name=""/>
+        <p:cNvGrpSpPr/>
+        <p:nvPr/>
+      </p:nvGrpSpPr>
+      <p:grpSpPr>
+        <a:xfrm>
+          <a:off x="0" y="0"/>
+          <a:ext cx="0" cy="0"/>
+          <a:chOff x="0" y="0"/>
+          <a:chExt cx="0" cy="0"/>
+        </a:xfrm>
+      </p:grpSpPr>
+      <p:sp>
+        <p:nvSpPr>
+          <p:cNvPr id="2" name="Title 1"/>
+          <p:cNvSpPr>
+            <a:spLocks noGrp="1"/>
+          </p:cNvSpPr>
+          <p:nvPr>
+            <p:ph type="title"/>
+          </p:nvPr>
+        </p:nvSpPr>
+        <p:spPr/>
+        <p:txBody>
+          <a:bodyPr/>
+          <a:lstStyle/>
+          <a:p>
+            <a:r>
+              <a:rPr lang="en-US" dirty="0"/>
+              <a:t>Common Forces (Tension)</a:t>
+            </a:r>
+          </a:p>
+        </p:txBody>
+      </p:sp>
+      <p:sp>
+        <p:nvSpPr>
+          <p:cNvPr id="3" name="Content Placeholder 2"/>
+          <p:cNvSpPr>
+            <a:spLocks noGrp="1"/>
+          </p:cNvSpPr>
+          <p:nvPr>
+            <p:ph idx="1"/>
+          </p:nvPr>
+        </p:nvSpPr>
+        <p:spPr>
+          <a:xfrm>
+            <a:off x="457200" y="1600201"/>
+            <a:ext cx="8229600" cy="2743200"/>
+          </a:xfrm>
+        </p:spPr>
+        <p:txBody>
+          <a:bodyPr/>
+          <a:lstStyle/>
+          <a:p>
+            <a:r>
+              <a:rPr lang="en-US" dirty="0"/>
+              <a:t>Cables, ropes, or other flexible connections will often carry tension forces.</a:t>
+            </a:r>
+          </a:p>
+          <a:p>
+            <a:r>
+              <a:rPr lang="en-US" dirty="0"/>
+              <a:t>These forces will always be pulling in the direction of the cable itself.</a:t>
+            </a:r>
+          </a:p>
+        </p:txBody>
+      </p:sp>
+      <p:sp>
+        <p:nvSpPr>
+          <p:cNvPr id="4" name="Slide Number Placeholder 3"/>
+          <p:cNvSpPr>
+            <a:spLocks noGrp="1"/>
+          </p:cNvSpPr>
+          <p:nvPr>
+            <p:ph type="sldNum" sz="quarter" idx="12"/>
+          </p:nvPr>
+        </p:nvSpPr>
+        <p:spPr/>
+        <p:txBody>
+          <a:bodyPr/>
+          <a:lstStyle/>
+          <a:p>
+            <a:fld id="{929262FE-7F58-4A1E-8AF3-5A510A86DEBD}" type="slidenum">
+              <a:rPr lang="en-US" smtClean="0"/>
+              <a:t>9</a:t>
+            </a:fld>
+            <a:endParaRPr lang="en-US"/>
+          </a:p>
+        </p:txBody>
+      </p:sp>
+      <p:pic>
+        <p:nvPicPr>
+          <p:cNvPr id="4098" name="Picture 2" descr="Tension in Cables"/>
+          <p:cNvPicPr>
+            <a:picLocks noChangeAspect="1" noChangeArrowheads="1"/>
+          </p:cNvPicPr>
+          <p:nvPr/>
+        </p:nvPicPr>
+        <p:blipFill>
+          <a:blip r:embed="rId2">
+            <a:extLst>
+              <a:ext uri="{28A0092B-C50C-407E-A947-70E740481C1C}">
+                <a14:useLocalDpi xmlns:a14="http://schemas.microsoft.com/office/drawing/2010/main" val="0"/>
+              </a:ext>
+            </a:extLst>
+          </a:blip>
+          <a:srcRect/>
+          <a:stretch>
+            <a:fillRect/>
+          </a:stretch>
+        </p:blipFill>
+        <p:spPr bwMode="auto">
+          <a:xfrm>
+            <a:off x="2133600" y="4419600"/>
+            <a:ext cx="5749848" cy="2095500"/>
+          </a:xfrm>
+          <a:prstGeom prst="rect">
+            <a:avLst/>
+          </a:prstGeom>
+          <a:noFill/>
+          <a:extLst>
+            <a:ext uri="{909E8E84-426E-40DD-AFC4-6F175D3DCCD1}">
+              <a14:hiddenFill xmlns:a14="http://schemas.microsoft.com/office/drawing/2010/main">
+                <a:solidFill>
+                  <a:srgbClr val="FFFFFF"/>
+                </a:solidFill>
+              </a14:hiddenFill>
+            </a:ext>
+          </a:extLst>
+        </p:spPr>
+      </p:pic>
+    </p:spTree>
+    <p:extLst>
+      <p:ext uri="{BB962C8B-B14F-4D97-AF65-F5344CB8AC3E}">
+        <p14:creationId xmlns:p14="http://schemas.microsoft.com/office/powerpoint/2010/main" val="3956896579"/>
+      </p:ext>
+    </p:extLst>
+  </p:cSld>
+  <p:clrMapOvr>
+    <a:masterClrMapping/>
+  </p:clrMapOvr>
+  <p:timing>
+    <p:tnLst>
+      <p:par>
+        <p:cTn id="1" dur="indefinite" restart="never" nodeType="tmRoot">
+          <p:childTnLst>
+            <p:seq concurrent="1" nextAc="seek">
+              <p:cTn id="2" dur="indefinite" nodeType="mainSeq">
+                <p:childTnLst>
+                  <p:par>
+                    <p:cTn id="3" fill="hold">
+                      <p:stCondLst>
+                        <p:cond delay="indefinite"/>
+                      </p:stCondLst>
+                      <p:childTnLst>
+                        <p:par>
+                          <p:cTn id="4" fill="hold">
+                            <p:stCondLst>
+                              <p:cond delay="0"/>
+                            </p:stCondLst>
+                            <p:childTnLst>
+                              <p:par>
+                                <p:cTn id="5" presetID="1" presetClass="entr" presetSubtype="0" fill="hold" grpId="0" nodeType="clickEffect">
+                                  <p:stCondLst>
+                                    <p:cond delay="0"/>
+                                  </p:stCondLst>
+                                  <p:childTnLst>
+                                    <p:set>
+                                      <p:cBhvr>
+                                        <p:cTn id="6" dur="1" fill="hold">
+                                          <p:stCondLst>
+                                            <p:cond delay="0"/>
+                                          </p:stCondLst>
+                                        </p:cTn>
+                                        <p:tgtEl>
                                           <p:spTgt spid="3">
                                             <p:txEl>
-                                              <p:pRg st="4" end="4"/>
+                                              <p:pRg st="0" end="0"/>
                                             </p:txEl>
                                           </p:spTgt>
                                         </p:tgtEl>
@@ -6357,32 +12266,81 @@
                     </p:cTn>
                   </p:par>
                   <p:par>
-                    <p:cTn id="15" fill="hold">
+                    <p:cTn id="7" fill="hold">
                       <p:stCondLst>
                         <p:cond delay="indefinite"/>
                       </p:stCondLst>
                       <p:childTnLst>
                         <p:par>
-                          <p:cTn id="16" fill="hold">
+                          <p:cTn id="8" fill="hold">
                             <p:stCondLst>
                               <p:cond delay="0"/>
                             </p:stCondLst>
                             <p:childTnLst>
                               <p:par>
-                                <p:cTn id="17" presetID="10" presetClass="entr" presetSubtype="0" fill="hold" nodeType="clickEffect">
+                                <p:cTn id="9" presetID="1" presetClass="entr" presetSubtype="0" fill="hold" grpId="0" nodeType="clickEffect">
                                   <p:stCondLst>
                                     <p:cond delay="0"/>
                                   </p:stCondLst>
                                   <p:childTnLst>
                                     <p:set>
                                       <p:cBhvr>
-                                        <p:cTn id="18" dur="1" fill="hold">
+                                        <p:cTn id="10" dur="1" fill="hold">
                                           <p:stCondLst>
                                             <p:cond delay="0"/>
                                           </p:stCondLst>
                                         </p:cTn>
                                         <p:tgtEl>
-                                          <p:spTgt spid="8"/>
+                                          <p:spTgt spid="3">
+                                            <p:txEl>
+                                              <p:pRg st="1" end="1"/>
+                                            </p:txEl>
+                                          </p:spTgt>
+                                        </p:tgtEl>
+                                        <p:attrNameLst>
+                                          <p:attrName>style.visibility</p:attrName>
+                                        </p:attrNameLst>
+                                      </p:cBhvr>
+                                      <p:to>
+                                        <p:strVal val="visible"/>
+                                      </p:to>
+                                    </p:set>
+                                  </p:childTnLst>
+                                </p:cTn>
+                              </p:par>
+                            </p:childTnLst>
+                          </p:cTn>
+                        </p:par>
+                      </p:childTnLst>
+                    </p:cTn>
+                  </p:par>
+                  <p:par>
+                    <p:cTn id="11" fill="hold">
+                      <p:stCondLst>
+                        <p:cond delay="indefinite"/>
+                      </p:stCondLst>
+                      <p:childTnLst>
+                        <p:par>
+                          <p:cTn id="12" fill="hold">
+                            <p:stCondLst>
+                              <p:cond delay="0"/>
+                            </p:stCondLst>
+                            <p:childTnLst>
+                              <p:par>
+                                <p:cTn id="13" presetID="10" presetClass="entr" presetSubtype="0" fill="hold" nodeType="clickEffect">
+                                  <p:stCondLst>
+                                    <p:cond delay="0"/>
+                                  </p:stCondLst>
+                                  <p:childTnLst>
+                                    <p:set>
+                                      <p:cBhvr>
+                                        <p:cTn id="14" dur="1" fill="hold">
+                                          <p:stCondLst>
+                                            <p:cond delay="0"/>
+                                          </p:stCondLst>
+                                        </p:cTn>
+                                        <p:tgtEl>
+                                          <p:spTgt spid="4098"/>
                                         </p:tgtEl>
                                         <p:attrNameLst>
                                           <p:attrName>style.visibility</p:attrName>
@@ -6394,9 +12352,9 @@
                                     </p:set>
                                     <p:animEffect transition="in" filter="fade">
                                       <p:cBhvr>
-                                        <p:cTn id="19" dur="500"/>
+                                        <p:cTn id="15" dur="500"/>
                                         <p:tgtEl>
-                                          <p:spTgt spid="8"/>
+                                          <p:spTgt spid="4098"/>
                                         </p:tgtEl>
                                       </p:cBhvr>
                                     </p:animEffect>
@@ -6434,80 +12392,6 @@
       <p:bldP spid="3" grpId="0" build="p"/>
     </p:bldLst>
   </p:timing>
-</p:sld>
-</file>
-
-<file path=ppt/slides/slide6.xml><?xml version="1.0" encoding="utf-8"?>
-<p:sld xmlns:a="http://schemas.openxmlformats.org/drawingml/2006/main" xmlns:r="http://schemas.openxmlformats.org/officeDocument/2006/relationships" xmlns:p="http://schemas.openxmlformats.org/presentationml/2006/main">
-  <p:cSld>
-    <p:spTree>
-      <p:nvGrpSpPr>
-        <p:cNvPr id="1" name=""/>
-        <p:cNvGrpSpPr/>
-        <p:nvPr/>
-      </p:nvGrpSpPr>
-      <p:grpSpPr>
-        <a:xfrm>
-          <a:off x="0" y="0"/>
-          <a:ext cx="0" cy="0"/>
-          <a:chOff x="0" y="0"/>
-          <a:chExt cx="0" cy="0"/>
-        </a:xfrm>
-      </p:grpSpPr>
-      <p:sp>
-        <p:nvSpPr>
-          <p:cNvPr id="2" name="Title 1"/>
-          <p:cNvSpPr>
-            <a:spLocks noGrp="1"/>
-          </p:cNvSpPr>
-          <p:nvPr>
-            <p:ph type="ctrTitle"/>
-          </p:nvPr>
-        </p:nvSpPr>
-        <p:spPr/>
-        <p:txBody>
-          <a:bodyPr/>
-          <a:lstStyle/>
-          <a:p>
-            <a:r>
-              <a:rPr lang="en-US" dirty="0"/>
-              <a:t>Thanks for Watching</a:t>
-            </a:r>
-          </a:p>
-        </p:txBody>
-      </p:sp>
-      <p:sp>
-        <p:nvSpPr>
-          <p:cNvPr id="3" name="Subtitle 2"/>
-          <p:cNvSpPr>
-            <a:spLocks noGrp="1"/>
-          </p:cNvSpPr>
-          <p:nvPr>
-            <p:ph type="subTitle" idx="1"/>
-          </p:nvPr>
-        </p:nvSpPr>
-        <p:spPr/>
-        <p:txBody>
-          <a:bodyPr/>
-          <a:lstStyle/>
-          <a:p>
-            <a:r>
-              <a:rPr lang="en-US" dirty="0"/>
-              <a:t>See other engineering mechanics videos and access the full tool at…</a:t>
-            </a:r>
-          </a:p>
-        </p:txBody>
-      </p:sp>
-    </p:spTree>
-    <p:extLst>
-      <p:ext uri="{BB962C8B-B14F-4D97-AF65-F5344CB8AC3E}">
-        <p14:creationId xmlns:p14="http://schemas.microsoft.com/office/powerpoint/2010/main" val="3129637585"/>
-      </p:ext>
-    </p:extLst>
-  </p:cSld>
-  <p:clrMapOvr>
-    <a:masterClrMapping/>
-  </p:clrMapOvr>
 </p:sld>
 </file>
 
@@ -7082,21 +12966,6 @@
 </file>
 
 <file path=customXml/item1.xml><?xml version="1.0" encoding="utf-8"?>
-<p:properties xmlns:p="http://schemas.microsoft.com/office/2006/metadata/properties" xmlns:xsi="http://www.w3.org/2001/XMLSchema-instance" xmlns:pc="http://schemas.microsoft.com/office/infopath/2007/PartnerControls">
-  <documentManagement/>
-</p:properties>
-</file>
-
-<file path=customXml/item2.xml><?xml version="1.0" encoding="utf-8"?>
-<?mso-contentType ?>
-<FormTemplates xmlns="http://schemas.microsoft.com/sharepoint/v3/contenttype/forms">
-  <Display>DocumentLibraryForm</Display>
-  <Edit>DocumentLibraryForm</Edit>
-  <New>DocumentLibraryForm</New>
-</FormTemplates>
-</file>
-
-<file path=customXml/item3.xml><?xml version="1.0" encoding="utf-8"?>
 <ct:contentTypeSchema xmlns:ct="http://schemas.microsoft.com/office/2006/metadata/contentType" xmlns:ma="http://schemas.microsoft.com/office/2006/metadata/properties/metaAttributes" ct:_="" ma:_="" ma:contentTypeName="Document" ma:contentTypeID="0x010100A06DF21F5BB2734A800ED30F3F452129" ma:contentTypeVersion="12" ma:contentTypeDescription="Create a new document." ma:contentTypeScope="" ma:versionID="544d96a5fbac5de9d5d902b535c73fb2">
   <xsd:schema xmlns:xsd="http://www.w3.org/2001/XMLSchema" xmlns:xs="http://www.w3.org/2001/XMLSchema" xmlns:p="http://schemas.microsoft.com/office/2006/metadata/properties" xmlns:ns3="90d05cb5-950f-4f68-bc2c-e17794455b92" xmlns:ns4="b4eab9fa-dbb0-4082-8491-8bd54207a265" targetNamespace="http://schemas.microsoft.com/office/2006/metadata/properties" ma:root="true" ma:fieldsID="7a710efc71c2169bf9c05e5a40dddf12" ns3:_="" ns4:_="">
     <xsd:import namespace="90d05cb5-950f-4f68-bc2c-e17794455b92"/>
@@ -7313,32 +13182,22 @@
 </ct:contentTypeSchema>
 </file>
 
-<file path=customXml/itemProps1.xml><?xml version="1.0" encoding="utf-8"?>
-<ds:datastoreItem xmlns:ds="http://schemas.openxmlformats.org/officeDocument/2006/customXml" ds:itemID="{52EB1464-66D1-425A-BBB5-7A9312BBE9C4}">
-  <ds:schemaRefs>
-    <ds:schemaRef ds:uri="http://purl.org/dc/terms/"/>
-    <ds:schemaRef ds:uri="http://schemas.openxmlformats.org/package/2006/metadata/core-properties"/>
-    <ds:schemaRef ds:uri="http://schemas.microsoft.com/office/2006/documentManagement/types"/>
-    <ds:schemaRef ds:uri="90d05cb5-950f-4f68-bc2c-e17794455b92"/>
-    <ds:schemaRef ds:uri="http://purl.org/dc/elements/1.1/"/>
-    <ds:schemaRef ds:uri="http://schemas.microsoft.com/office/2006/metadata/properties"/>
-    <ds:schemaRef ds:uri="http://schemas.microsoft.com/office/infopath/2007/PartnerControls"/>
-    <ds:schemaRef ds:uri="b4eab9fa-dbb0-4082-8491-8bd54207a265"/>
-    <ds:schemaRef ds:uri="http://www.w3.org/XML/1998/namespace"/>
-    <ds:schemaRef ds:uri="http://purl.org/dc/dcmitype/"/>
-  </ds:schemaRefs>
-</ds:datastoreItem>
+<file path=customXml/item2.xml><?xml version="1.0" encoding="utf-8"?>
+<?mso-contentType ?>
+<FormTemplates xmlns="http://schemas.microsoft.com/sharepoint/v3/contenttype/forms">
+  <Display>DocumentLibraryForm</Display>
+  <Edit>DocumentLibraryForm</Edit>
+  <New>DocumentLibraryForm</New>
+</FormTemplates>
 </file>
 
-<file path=customXml/itemProps2.xml><?xml version="1.0" encoding="utf-8"?>
-<ds:datastoreItem xmlns:ds="http://schemas.openxmlformats.org/officeDocument/2006/customXml" ds:itemID="{F5CF5F32-56DC-4068-8B04-457CF34A96F3}">
-  <ds:schemaRefs>
-    <ds:schemaRef ds:uri="http://schemas.microsoft.com/sharepoint/v3/contenttype/forms"/>
-  </ds:schemaRefs>
-</ds:datastoreItem>
+<file path=customXml/item3.xml><?xml version="1.0" encoding="utf-8"?>
+<p:properties xmlns:p="http://schemas.microsoft.com/office/2006/metadata/properties" xmlns:xsi="http://www.w3.org/2001/XMLSchema-instance" xmlns:pc="http://schemas.microsoft.com/office/infopath/2007/PartnerControls">
+  <documentManagement/>
+</p:properties>
 </file>
 
-<file path=customXml/itemProps3.xml><?xml version="1.0" encoding="utf-8"?>
+<file path=customXml/itemProps1.xml><?xml version="1.0" encoding="utf-8"?>
 <ds:datastoreItem xmlns:ds="http://schemas.openxmlformats.org/officeDocument/2006/customXml" ds:itemID="{A43B8A4B-79FE-4529-931C-D64224FA70E3}">
   <ds:schemaRefs>
     <ds:schemaRef ds:uri="http://schemas.microsoft.com/office/2006/metadata/contentType"/>
@@ -7355,4 +13214,21 @@
     <ds:schemaRef ds:uri="http://schemas.microsoft.com/internal/obd"/>
   </ds:schemaRefs>
 </ds:datastoreItem>
+</file>
+
+<file path=customXml/itemProps2.xml><?xml version="1.0" encoding="utf-8"?>
+<ds:datastoreItem xmlns:ds="http://schemas.openxmlformats.org/officeDocument/2006/customXml" ds:itemID="{F5CF5F32-56DC-4068-8B04-457CF34A96F3}">
+  <ds:schemaRefs>
+    <ds:schemaRef ds:uri="http://schemas.microsoft.com/sharepoint/v3/contenttype/forms"/>
+  </ds:schemaRefs>
+</ds:datastoreItem>
+</file>
+
+<file path=customXml/itemProps3.xml><?xml version="1.0" encoding="utf-8"?>
+<ds:datastoreItem xmlns:ds="http://schemas.openxmlformats.org/officeDocument/2006/customXml" ds:itemID="{52EB1464-66D1-425A-BBB5-7A9312BBE9C4}">
+  <ds:schemaRefs>
+    <ds:schemaRef ds:uri="http://schemas.microsoft.com/office/2006/metadata/properties"/>
+    <ds:schemaRef ds:uri="http://schemas.microsoft.com/office/infopath/2007/PartnerControls"/>
+  </ds:schemaRefs>
+</ds:datastoreItem>
 </file>
--- a/Lecture Slides/VideoLectureSlides/1.6.pptx
+++ b/Lecture Slides/VideoLectureSlides/1.6.pptx
@@ -5,7 +5,7 @@
     <p:sldMasterId id="2147483660" r:id="rId4"/>
   </p:sldMasterIdLst>
   <p:notesMasterIdLst>
-    <p:notesMasterId r:id="rId22"/>
+    <p:notesMasterId r:id="rId23"/>
   </p:notesMasterIdLst>
   <p:sldIdLst>
     <p:sldId id="256" r:id="rId5"/>
@@ -20,11 +20,12 @@
     <p:sldId id="295" r:id="rId14"/>
     <p:sldId id="296" r:id="rId15"/>
     <p:sldId id="287" r:id="rId16"/>
-    <p:sldId id="297" r:id="rId17"/>
-    <p:sldId id="298" r:id="rId18"/>
-    <p:sldId id="300" r:id="rId19"/>
-    <p:sldId id="299" r:id="rId20"/>
-    <p:sldId id="301" r:id="rId21"/>
+    <p:sldId id="303" r:id="rId17"/>
+    <p:sldId id="297" r:id="rId18"/>
+    <p:sldId id="298" r:id="rId19"/>
+    <p:sldId id="300" r:id="rId20"/>
+    <p:sldId id="299" r:id="rId21"/>
+    <p:sldId id="301" r:id="rId22"/>
   </p:sldIdLst>
   <p:sldSz cx="9144000" cy="6858000" type="screen4x3"/>
   <p:notesSz cx="6858000" cy="9144000"/>
@@ -487,7 +488,7 @@
           <a:p>
             <a:fld id="{1AA1AB63-216F-4D5B-8811-CCB935E98D4A}" type="datetimeFigureOut">
               <a:rPr lang="en-US" smtClean="0"/>
-              <a:t>9/1/2020</a:t>
+              <a:t>7/3/2025</a:t>
             </a:fld>
             <a:endParaRPr lang="en-US"/>
           </a:p>
@@ -6670,6 +6671,90 @@
           <a:chExt cx="0" cy="0"/>
         </a:xfrm>
       </p:grpSpPr>
+      <p:cxnSp>
+        <p:nvCxnSpPr>
+          <p:cNvPr id="31" name="Straight Connector 30">
+            <a:extLst>
+              <a:ext uri="{FF2B5EF4-FFF2-40B4-BE49-F238E27FC236}">
+                <a16:creationId xmlns:a16="http://schemas.microsoft.com/office/drawing/2014/main" id="{16A26168-29AC-48EC-EC16-4BBDCC636A60}"/>
+              </a:ext>
+            </a:extLst>
+          </p:cNvPr>
+          <p:cNvCxnSpPr>
+            <a:cxnSpLocks/>
+          </p:cNvCxnSpPr>
+          <p:nvPr/>
+        </p:nvCxnSpPr>
+        <p:spPr>
+          <a:xfrm>
+            <a:off x="3124200" y="4131491"/>
+            <a:ext cx="2944638" cy="0"/>
+          </a:xfrm>
+          <a:prstGeom prst="line">
+            <a:avLst/>
+          </a:prstGeom>
+        </p:spPr>
+        <p:style>
+          <a:lnRef idx="1">
+            <a:schemeClr val="accent1"/>
+          </a:lnRef>
+          <a:fillRef idx="0">
+            <a:schemeClr val="accent1"/>
+          </a:fillRef>
+          <a:effectRef idx="0">
+            <a:schemeClr val="accent1"/>
+          </a:effectRef>
+          <a:fontRef idx="minor">
+            <a:schemeClr val="tx1"/>
+          </a:fontRef>
+        </p:style>
+      </p:cxnSp>
+      <p:sp>
+        <p:nvSpPr>
+          <p:cNvPr id="20" name="Isosceles Triangle 19">
+            <a:extLst>
+              <a:ext uri="{FF2B5EF4-FFF2-40B4-BE49-F238E27FC236}">
+                <a16:creationId xmlns:a16="http://schemas.microsoft.com/office/drawing/2014/main" id="{65E734D7-3E96-E24D-4229-A3250E94A651}"/>
+              </a:ext>
+            </a:extLst>
+          </p:cNvPr>
+          <p:cNvSpPr/>
+          <p:nvPr/>
+        </p:nvSpPr>
+        <p:spPr>
+          <a:xfrm>
+            <a:off x="4381499" y="4122065"/>
+            <a:ext cx="381000" cy="457200"/>
+          </a:xfrm>
+          <a:prstGeom prst="triangle">
+            <a:avLst/>
+          </a:prstGeom>
+        </p:spPr>
+        <p:style>
+          <a:lnRef idx="2">
+            <a:schemeClr val="dk1">
+              <a:shade val="15000"/>
+            </a:schemeClr>
+          </a:lnRef>
+          <a:fillRef idx="1">
+            <a:schemeClr val="dk1"/>
+          </a:fillRef>
+          <a:effectRef idx="0">
+            <a:schemeClr val="dk1"/>
+          </a:effectRef>
+          <a:fontRef idx="minor">
+            <a:schemeClr val="lt1"/>
+          </a:fontRef>
+        </p:style>
+        <p:txBody>
+          <a:bodyPr rtlCol="0" anchor="ctr"/>
+          <a:lstStyle/>
+          <a:p>
+            <a:pPr algn="ctr"/>
+            <a:endParaRPr lang="en-US"/>
+          </a:p>
+        </p:txBody>
+      </p:sp>
       <p:sp>
         <p:nvSpPr>
           <p:cNvPr id="2" name="Title 1"/>
@@ -6707,65 +6792,390 @@
         <p:spPr>
           <a:xfrm>
             <a:off x="457200" y="1600201"/>
-            <a:ext cx="8229600" cy="1600200"/>
-          </a:xfrm>
-        </p:spPr>
-        <p:txBody>
-          <a:bodyPr/>
+            <a:ext cx="8229600" cy="1232555"/>
+          </a:xfrm>
+        </p:spPr>
+        <p:txBody>
+          <a:bodyPr>
+            <a:normAutofit fontScale="92500" lnSpcReduction="20000"/>
+          </a:bodyPr>
           <a:lstStyle/>
           <a:p>
             <a:r>
               <a:rPr lang="en-US" dirty="0"/>
-              <a:t>Draw a free body diagram of each of the two boxes below. </a:t>
-            </a:r>
-          </a:p>
-        </p:txBody>
-      </p:sp>
-      <p:pic>
-        <p:nvPicPr>
-          <p:cNvPr id="1026" name="Picture 2" descr="Problem 1 Diagram"/>
-          <p:cNvPicPr>
-            <a:picLocks noChangeAspect="1" noChangeArrowheads="1"/>
-          </p:cNvPicPr>
-          <p:nvPr/>
-        </p:nvPicPr>
-        <p:blipFill>
-          <a:blip r:embed="rId2">
+              <a:t>A gondola for a ski lift is supported by two cables as the angles shown below. Draw a free body diagram of the ski gondola.</a:t>
+            </a:r>
+          </a:p>
+        </p:txBody>
+      </p:sp>
+      <p:sp>
+        <p:nvSpPr>
+          <p:cNvPr id="18" name="Rectangle: Rounded Corners 17">
             <a:extLst>
-              <a:ext uri="{28A0092B-C50C-407E-A947-70E740481C1C}">
-                <a14:useLocalDpi xmlns:a14="http://schemas.microsoft.com/office/drawing/2010/main" val="0"/>
+              <a:ext uri="{FF2B5EF4-FFF2-40B4-BE49-F238E27FC236}">
+                <a16:creationId xmlns:a16="http://schemas.microsoft.com/office/drawing/2014/main" id="{7955EA96-EEC2-E58D-9240-CCAE81EAA9FE}"/>
               </a:ext>
             </a:extLst>
-          </a:blip>
-          <a:srcRect/>
-          <a:stretch>
-            <a:fillRect/>
-          </a:stretch>
-        </p:blipFill>
-        <p:spPr bwMode="auto">
+          </p:cNvPr>
+          <p:cNvSpPr/>
+          <p:nvPr/>
+        </p:nvSpPr>
+        <p:spPr>
           <a:xfrm>
-            <a:off x="1600200" y="3621328"/>
-            <a:ext cx="5638800" cy="3236672"/>
+            <a:off x="3586703" y="4510330"/>
+            <a:ext cx="1970593" cy="1466101"/>
+          </a:xfrm>
+          <a:prstGeom prst="roundRect">
+            <a:avLst/>
+          </a:prstGeom>
+        </p:spPr>
+        <p:style>
+          <a:lnRef idx="2">
+            <a:schemeClr val="accent2">
+              <a:shade val="15000"/>
+            </a:schemeClr>
+          </a:lnRef>
+          <a:fillRef idx="1">
+            <a:schemeClr val="accent2"/>
+          </a:fillRef>
+          <a:effectRef idx="0">
+            <a:schemeClr val="accent2"/>
+          </a:effectRef>
+          <a:fontRef idx="minor">
+            <a:schemeClr val="lt1"/>
+          </a:fontRef>
+        </p:style>
+        <p:txBody>
+          <a:bodyPr rtlCol="0" anchor="ctr"/>
+          <a:lstStyle/>
+          <a:p>
+            <a:pPr algn="ctr"/>
+            <a:endParaRPr lang="en-US"/>
+          </a:p>
+        </p:txBody>
+      </p:sp>
+      <p:sp>
+        <p:nvSpPr>
+          <p:cNvPr id="19" name="Rectangle: Rounded Corners 18">
+            <a:extLst>
+              <a:ext uri="{FF2B5EF4-FFF2-40B4-BE49-F238E27FC236}">
+                <a16:creationId xmlns:a16="http://schemas.microsoft.com/office/drawing/2014/main" id="{70FFA860-7426-2E3C-00CA-5B4121C4BF95}"/>
+              </a:ext>
+            </a:extLst>
+          </p:cNvPr>
+          <p:cNvSpPr/>
+          <p:nvPr/>
+        </p:nvSpPr>
+        <p:spPr>
+          <a:xfrm>
+            <a:off x="3752850" y="4633780"/>
+            <a:ext cx="1638300" cy="624019"/>
+          </a:xfrm>
+          <a:prstGeom prst="roundRect">
+            <a:avLst/>
+          </a:prstGeom>
+          <a:solidFill>
+            <a:schemeClr val="accent1">
+              <a:lumMod val="40000"/>
+              <a:lumOff val="60000"/>
+            </a:schemeClr>
+          </a:solidFill>
+        </p:spPr>
+        <p:style>
+          <a:lnRef idx="2">
+            <a:schemeClr val="accent1">
+              <a:shade val="15000"/>
+            </a:schemeClr>
+          </a:lnRef>
+          <a:fillRef idx="1">
+            <a:schemeClr val="accent1"/>
+          </a:fillRef>
+          <a:effectRef idx="0">
+            <a:schemeClr val="accent1"/>
+          </a:effectRef>
+          <a:fontRef idx="minor">
+            <a:schemeClr val="lt1"/>
+          </a:fontRef>
+        </p:style>
+        <p:txBody>
+          <a:bodyPr rtlCol="0" anchor="ctr"/>
+          <a:lstStyle/>
+          <a:p>
+            <a:pPr algn="ctr"/>
+            <a:endParaRPr lang="en-US"/>
+          </a:p>
+        </p:txBody>
+      </p:sp>
+      <p:cxnSp>
+        <p:nvCxnSpPr>
+          <p:cNvPr id="22" name="Straight Connector 21">
+            <a:extLst>
+              <a:ext uri="{FF2B5EF4-FFF2-40B4-BE49-F238E27FC236}">
+                <a16:creationId xmlns:a16="http://schemas.microsoft.com/office/drawing/2014/main" id="{FFE01B4E-2FD9-72AF-33DD-21E55AAD125A}"/>
+              </a:ext>
+            </a:extLst>
+          </p:cNvPr>
+          <p:cNvCxnSpPr>
+            <a:cxnSpLocks/>
+            <a:endCxn id="20" idx="0"/>
+          </p:cNvCxnSpPr>
+          <p:nvPr/>
+        </p:nvCxnSpPr>
+        <p:spPr>
+          <a:xfrm flipV="1">
+            <a:off x="2209800" y="4122065"/>
+            <a:ext cx="2362199" cy="457200"/>
+          </a:xfrm>
+          <a:prstGeom prst="line">
+            <a:avLst/>
+          </a:prstGeom>
+        </p:spPr>
+        <p:style>
+          <a:lnRef idx="2">
+            <a:schemeClr val="dk1"/>
+          </a:lnRef>
+          <a:fillRef idx="0">
+            <a:schemeClr val="dk1"/>
+          </a:fillRef>
+          <a:effectRef idx="1">
+            <a:schemeClr val="dk1"/>
+          </a:effectRef>
+          <a:fontRef idx="minor">
+            <a:schemeClr val="tx1"/>
+          </a:fontRef>
+        </p:style>
+      </p:cxnSp>
+      <p:cxnSp>
+        <p:nvCxnSpPr>
+          <p:cNvPr id="24" name="Straight Connector 23">
+            <a:extLst>
+              <a:ext uri="{FF2B5EF4-FFF2-40B4-BE49-F238E27FC236}">
+                <a16:creationId xmlns:a16="http://schemas.microsoft.com/office/drawing/2014/main" id="{2587D12A-6035-3F79-2B5F-447E766156A0}"/>
+              </a:ext>
+            </a:extLst>
+          </p:cNvPr>
+          <p:cNvCxnSpPr>
+            <a:cxnSpLocks/>
+            <a:endCxn id="20" idx="0"/>
+          </p:cNvCxnSpPr>
+          <p:nvPr/>
+        </p:nvCxnSpPr>
+        <p:spPr>
+          <a:xfrm flipH="1">
+            <a:off x="4571999" y="3221021"/>
+            <a:ext cx="2133601" cy="901044"/>
+          </a:xfrm>
+          <a:prstGeom prst="line">
+            <a:avLst/>
+          </a:prstGeom>
+        </p:spPr>
+        <p:style>
+          <a:lnRef idx="2">
+            <a:schemeClr val="dk1"/>
+          </a:lnRef>
+          <a:fillRef idx="0">
+            <a:schemeClr val="dk1"/>
+          </a:fillRef>
+          <a:effectRef idx="1">
+            <a:schemeClr val="dk1"/>
+          </a:effectRef>
+          <a:fontRef idx="minor">
+            <a:schemeClr val="tx1"/>
+          </a:fontRef>
+        </p:style>
+      </p:cxnSp>
+      <p:sp>
+        <p:nvSpPr>
+          <p:cNvPr id="30" name="Arc 29">
+            <a:extLst>
+              <a:ext uri="{FF2B5EF4-FFF2-40B4-BE49-F238E27FC236}">
+                <a16:creationId xmlns:a16="http://schemas.microsoft.com/office/drawing/2014/main" id="{62D557D4-7E0C-B796-FEEC-A5C7EB03D7CA}"/>
+              </a:ext>
+            </a:extLst>
+          </p:cNvPr>
+          <p:cNvSpPr/>
+          <p:nvPr/>
+        </p:nvSpPr>
+        <p:spPr>
+          <a:xfrm>
+            <a:off x="3789680" y="3423920"/>
+            <a:ext cx="1524000" cy="1395383"/>
+          </a:xfrm>
+          <a:prstGeom prst="arc">
+            <a:avLst>
+              <a:gd name="adj1" fmla="val 20393947"/>
+              <a:gd name="adj2" fmla="val 2"/>
+            </a:avLst>
+          </a:prstGeom>
+        </p:spPr>
+        <p:style>
+          <a:lnRef idx="1">
+            <a:schemeClr val="accent1"/>
+          </a:lnRef>
+          <a:fillRef idx="0">
+            <a:schemeClr val="accent1"/>
+          </a:fillRef>
+          <a:effectRef idx="0">
+            <a:schemeClr val="accent1"/>
+          </a:effectRef>
+          <a:fontRef idx="minor">
+            <a:schemeClr val="tx1"/>
+          </a:fontRef>
+        </p:style>
+        <p:txBody>
+          <a:bodyPr rtlCol="0" anchor="ctr"/>
+          <a:lstStyle/>
+          <a:p>
+            <a:pPr algn="ctr"/>
+            <a:endParaRPr lang="en-US"/>
+          </a:p>
+        </p:txBody>
+      </p:sp>
+      <p:sp>
+        <p:nvSpPr>
+          <p:cNvPr id="32" name="TextBox 31">
+            <a:extLst>
+              <a:ext uri="{FF2B5EF4-FFF2-40B4-BE49-F238E27FC236}">
+                <a16:creationId xmlns:a16="http://schemas.microsoft.com/office/drawing/2014/main" id="{14234706-0AE6-B0AC-2CC5-447C64E595BA}"/>
+              </a:ext>
+            </a:extLst>
+          </p:cNvPr>
+          <p:cNvSpPr txBox="1"/>
+          <p:nvPr/>
+        </p:nvSpPr>
+        <p:spPr>
+          <a:xfrm>
+            <a:off x="5491147" y="3762159"/>
+            <a:ext cx="500458" cy="369332"/>
           </a:xfrm>
           <a:prstGeom prst="rect">
             <a:avLst/>
           </a:prstGeom>
           <a:noFill/>
-          <a:extLst>
-            <a:ext uri="{909E8E84-426E-40DD-AFC4-6F175D3DCCD1}">
-              <a14:hiddenFill xmlns:a14="http://schemas.microsoft.com/office/drawing/2010/main">
+        </p:spPr>
+        <p:txBody>
+          <a:bodyPr wrap="none" rtlCol="0">
+            <a:spAutoFit/>
+          </a:bodyPr>
+          <a:lstStyle/>
+          <a:p>
+            <a:r>
+              <a:rPr lang="en-US" dirty="0">
                 <a:solidFill>
-                  <a:srgbClr val="FFFFFF"/>
+                  <a:schemeClr val="accent1"/>
                 </a:solidFill>
-              </a14:hiddenFill>
-            </a:ext>
-          </a:extLst>
-        </p:spPr>
-      </p:pic>
+              </a:rPr>
+              <a:t>25</a:t>
+            </a:r>
+            <a:r>
+              <a:rPr lang="en-US" baseline="30000" dirty="0">
+                <a:solidFill>
+                  <a:schemeClr val="accent1"/>
+                </a:solidFill>
+              </a:rPr>
+              <a:t>o</a:t>
+            </a:r>
+          </a:p>
+        </p:txBody>
+      </p:sp>
+      <p:sp>
+        <p:nvSpPr>
+          <p:cNvPr id="36" name="Arc 35">
+            <a:extLst>
+              <a:ext uri="{FF2B5EF4-FFF2-40B4-BE49-F238E27FC236}">
+                <a16:creationId xmlns:a16="http://schemas.microsoft.com/office/drawing/2014/main" id="{85821ADE-51BF-6B21-E8F4-91F327C25E62}"/>
+              </a:ext>
+            </a:extLst>
+          </p:cNvPr>
+          <p:cNvSpPr/>
+          <p:nvPr/>
+        </p:nvSpPr>
+        <p:spPr>
+          <a:xfrm>
+            <a:off x="3810000" y="3423920"/>
+            <a:ext cx="1524000" cy="1395383"/>
+          </a:xfrm>
+          <a:prstGeom prst="arc">
+            <a:avLst>
+              <a:gd name="adj1" fmla="val 10084895"/>
+              <a:gd name="adj2" fmla="val 10757916"/>
+            </a:avLst>
+          </a:prstGeom>
+        </p:spPr>
+        <p:style>
+          <a:lnRef idx="1">
+            <a:schemeClr val="accent1"/>
+          </a:lnRef>
+          <a:fillRef idx="0">
+            <a:schemeClr val="accent1"/>
+          </a:fillRef>
+          <a:effectRef idx="0">
+            <a:schemeClr val="accent1"/>
+          </a:effectRef>
+          <a:fontRef idx="minor">
+            <a:schemeClr val="tx1"/>
+          </a:fontRef>
+        </p:style>
+        <p:txBody>
+          <a:bodyPr rtlCol="0" anchor="ctr"/>
+          <a:lstStyle/>
+          <a:p>
+            <a:pPr algn="ctr"/>
+            <a:endParaRPr lang="en-US"/>
+          </a:p>
+        </p:txBody>
+      </p:sp>
+      <p:sp>
+        <p:nvSpPr>
+          <p:cNvPr id="37" name="TextBox 36">
+            <a:extLst>
+              <a:ext uri="{FF2B5EF4-FFF2-40B4-BE49-F238E27FC236}">
+                <a16:creationId xmlns:a16="http://schemas.microsoft.com/office/drawing/2014/main" id="{0113D9FC-ED01-B305-7687-44AB997FAF3B}"/>
+              </a:ext>
+            </a:extLst>
+          </p:cNvPr>
+          <p:cNvSpPr txBox="1"/>
+          <p:nvPr/>
+        </p:nvSpPr>
+        <p:spPr>
+          <a:xfrm>
+            <a:off x="2773564" y="4097704"/>
+            <a:ext cx="500458" cy="369332"/>
+          </a:xfrm>
+          <a:prstGeom prst="rect">
+            <a:avLst/>
+          </a:prstGeom>
+          <a:noFill/>
+        </p:spPr>
+        <p:txBody>
+          <a:bodyPr wrap="none" rtlCol="0">
+            <a:spAutoFit/>
+          </a:bodyPr>
+          <a:lstStyle/>
+          <a:p>
+            <a:r>
+              <a:rPr lang="en-US" dirty="0">
+                <a:solidFill>
+                  <a:schemeClr val="accent1"/>
+                </a:solidFill>
+              </a:rPr>
+              <a:t>10</a:t>
+            </a:r>
+            <a:r>
+              <a:rPr lang="en-US" baseline="30000" dirty="0">
+                <a:solidFill>
+                  <a:schemeClr val="accent1"/>
+                </a:solidFill>
+              </a:rPr>
+              <a:t>o</a:t>
+            </a:r>
+          </a:p>
+        </p:txBody>
+      </p:sp>
     </p:spTree>
     <p:extLst>
       <p:ext uri="{BB962C8B-B14F-4D97-AF65-F5344CB8AC3E}">
-        <p14:creationId xmlns:p14="http://schemas.microsoft.com/office/powerpoint/2010/main" val="948972480"/>
+        <p14:creationId xmlns:p14="http://schemas.microsoft.com/office/powerpoint/2010/main" val="3499474918"/>
       </p:ext>
     </p:extLst>
   </p:cSld>
@@ -6829,67 +7239,622 @@
         <p:spPr>
           <a:xfrm>
             <a:off x="457200" y="1600201"/>
-            <a:ext cx="8229600" cy="1752600"/>
+            <a:ext cx="8229600" cy="1232555"/>
           </a:xfrm>
         </p:spPr>
         <p:txBody>
           <a:bodyPr>
-            <a:normAutofit fontScale="92500"/>
+            <a:normAutofit fontScale="92500" lnSpcReduction="20000"/>
           </a:bodyPr>
           <a:lstStyle/>
           <a:p>
             <a:r>
               <a:rPr lang="en-US" dirty="0"/>
-              <a:t>Two equally sized barrels are being transported in a hand truck as shown below. Draw a free body diagram for each of the barrels below.</a:t>
-            </a:r>
-          </a:p>
-        </p:txBody>
-      </p:sp>
-      <p:pic>
-        <p:nvPicPr>
-          <p:cNvPr id="2050" name="Picture 2" descr="Problem 2 Diagram"/>
-          <p:cNvPicPr>
-            <a:picLocks noChangeAspect="1" noChangeArrowheads="1"/>
-          </p:cNvPicPr>
-          <p:nvPr/>
-        </p:nvPicPr>
-        <p:blipFill>
-          <a:blip r:embed="rId2">
+              <a:t>A cylindrical barrel sits in an asymmetrical groove as shown below. Draw a free body diagram of he barrel.</a:t>
+            </a:r>
+          </a:p>
+        </p:txBody>
+      </p:sp>
+      <p:sp>
+        <p:nvSpPr>
+          <p:cNvPr id="4" name="Freeform: Shape 3">
             <a:extLst>
-              <a:ext uri="{28A0092B-C50C-407E-A947-70E740481C1C}">
-                <a14:useLocalDpi xmlns:a14="http://schemas.microsoft.com/office/drawing/2010/main" val="0"/>
+              <a:ext uri="{FF2B5EF4-FFF2-40B4-BE49-F238E27FC236}">
+                <a16:creationId xmlns:a16="http://schemas.microsoft.com/office/drawing/2014/main" id="{F7175413-E29A-F3F3-5E62-89902ACF1B41}"/>
               </a:ext>
             </a:extLst>
-          </a:blip>
-          <a:srcRect/>
-          <a:stretch>
-            <a:fillRect/>
-          </a:stretch>
-        </p:blipFill>
-        <p:spPr bwMode="auto">
+          </p:cNvPr>
+          <p:cNvSpPr/>
+          <p:nvPr/>
+        </p:nvSpPr>
+        <p:spPr>
           <a:xfrm>
-            <a:off x="2814637" y="3400713"/>
-            <a:ext cx="3514725" cy="3448051"/>
+            <a:off x="800100" y="3429000"/>
+            <a:ext cx="7543800" cy="3141661"/>
+          </a:xfrm>
+          <a:custGeom>
+            <a:avLst/>
+            <a:gdLst>
+              <a:gd name="connsiteX0" fmla="*/ 47625 w 5572125"/>
+              <a:gd name="connsiteY0" fmla="*/ 9525 h 2105025"/>
+              <a:gd name="connsiteX1" fmla="*/ 1162050 w 5572125"/>
+              <a:gd name="connsiteY1" fmla="*/ 9525 h 2105025"/>
+              <a:gd name="connsiteX2" fmla="*/ 2495550 w 5572125"/>
+              <a:gd name="connsiteY2" fmla="*/ 1362075 h 2105025"/>
+              <a:gd name="connsiteX3" fmla="*/ 4848225 w 5572125"/>
+              <a:gd name="connsiteY3" fmla="*/ 0 h 2105025"/>
+              <a:gd name="connsiteX4" fmla="*/ 5553075 w 5572125"/>
+              <a:gd name="connsiteY4" fmla="*/ 0 h 2105025"/>
+              <a:gd name="connsiteX5" fmla="*/ 5572125 w 5572125"/>
+              <a:gd name="connsiteY5" fmla="*/ 2105025 h 2105025"/>
+              <a:gd name="connsiteX6" fmla="*/ 0 w 5572125"/>
+              <a:gd name="connsiteY6" fmla="*/ 2057400 h 2105025"/>
+              <a:gd name="connsiteX7" fmla="*/ 47625 w 5572125"/>
+              <a:gd name="connsiteY7" fmla="*/ 9525 h 2105025"/>
+              <a:gd name="connsiteX0" fmla="*/ 0 w 5524500"/>
+              <a:gd name="connsiteY0" fmla="*/ 9525 h 2105025"/>
+              <a:gd name="connsiteX1" fmla="*/ 1114425 w 5524500"/>
+              <a:gd name="connsiteY1" fmla="*/ 9525 h 2105025"/>
+              <a:gd name="connsiteX2" fmla="*/ 2447925 w 5524500"/>
+              <a:gd name="connsiteY2" fmla="*/ 1362075 h 2105025"/>
+              <a:gd name="connsiteX3" fmla="*/ 4800600 w 5524500"/>
+              <a:gd name="connsiteY3" fmla="*/ 0 h 2105025"/>
+              <a:gd name="connsiteX4" fmla="*/ 5505450 w 5524500"/>
+              <a:gd name="connsiteY4" fmla="*/ 0 h 2105025"/>
+              <a:gd name="connsiteX5" fmla="*/ 5524500 w 5524500"/>
+              <a:gd name="connsiteY5" fmla="*/ 2105025 h 2105025"/>
+              <a:gd name="connsiteX6" fmla="*/ 57150 w 5524500"/>
+              <a:gd name="connsiteY6" fmla="*/ 2057400 h 2105025"/>
+              <a:gd name="connsiteX7" fmla="*/ 0 w 5524500"/>
+              <a:gd name="connsiteY7" fmla="*/ 9525 h 2105025"/>
+              <a:gd name="connsiteX0" fmla="*/ 0 w 5524500"/>
+              <a:gd name="connsiteY0" fmla="*/ 9525 h 2105025"/>
+              <a:gd name="connsiteX1" fmla="*/ 1114425 w 5524500"/>
+              <a:gd name="connsiteY1" fmla="*/ 9525 h 2105025"/>
+              <a:gd name="connsiteX2" fmla="*/ 2447925 w 5524500"/>
+              <a:gd name="connsiteY2" fmla="*/ 1362075 h 2105025"/>
+              <a:gd name="connsiteX3" fmla="*/ 4800600 w 5524500"/>
+              <a:gd name="connsiteY3" fmla="*/ 0 h 2105025"/>
+              <a:gd name="connsiteX4" fmla="*/ 5505450 w 5524500"/>
+              <a:gd name="connsiteY4" fmla="*/ 0 h 2105025"/>
+              <a:gd name="connsiteX5" fmla="*/ 5524500 w 5524500"/>
+              <a:gd name="connsiteY5" fmla="*/ 2105025 h 2105025"/>
+              <a:gd name="connsiteX6" fmla="*/ 0 w 5524500"/>
+              <a:gd name="connsiteY6" fmla="*/ 2028825 h 2105025"/>
+              <a:gd name="connsiteX7" fmla="*/ 0 w 5524500"/>
+              <a:gd name="connsiteY7" fmla="*/ 9525 h 2105025"/>
+              <a:gd name="connsiteX0" fmla="*/ 0 w 5524500"/>
+              <a:gd name="connsiteY0" fmla="*/ 9525 h 2105025"/>
+              <a:gd name="connsiteX1" fmla="*/ 1114425 w 5524500"/>
+              <a:gd name="connsiteY1" fmla="*/ 9525 h 2105025"/>
+              <a:gd name="connsiteX2" fmla="*/ 2447925 w 5524500"/>
+              <a:gd name="connsiteY2" fmla="*/ 1362075 h 2105025"/>
+              <a:gd name="connsiteX3" fmla="*/ 4800600 w 5524500"/>
+              <a:gd name="connsiteY3" fmla="*/ 0 h 2105025"/>
+              <a:gd name="connsiteX4" fmla="*/ 5505450 w 5524500"/>
+              <a:gd name="connsiteY4" fmla="*/ 0 h 2105025"/>
+              <a:gd name="connsiteX5" fmla="*/ 5524500 w 5524500"/>
+              <a:gd name="connsiteY5" fmla="*/ 2105025 h 2105025"/>
+              <a:gd name="connsiteX6" fmla="*/ 66675 w 5524500"/>
+              <a:gd name="connsiteY6" fmla="*/ 2085975 h 2105025"/>
+              <a:gd name="connsiteX7" fmla="*/ 0 w 5524500"/>
+              <a:gd name="connsiteY7" fmla="*/ 9525 h 2105025"/>
+              <a:gd name="connsiteX0" fmla="*/ 0 w 5524500"/>
+              <a:gd name="connsiteY0" fmla="*/ 9525 h 2105025"/>
+              <a:gd name="connsiteX1" fmla="*/ 1114425 w 5524500"/>
+              <a:gd name="connsiteY1" fmla="*/ 9525 h 2105025"/>
+              <a:gd name="connsiteX2" fmla="*/ 2447925 w 5524500"/>
+              <a:gd name="connsiteY2" fmla="*/ 1362075 h 2105025"/>
+              <a:gd name="connsiteX3" fmla="*/ 4800600 w 5524500"/>
+              <a:gd name="connsiteY3" fmla="*/ 0 h 2105025"/>
+              <a:gd name="connsiteX4" fmla="*/ 5505450 w 5524500"/>
+              <a:gd name="connsiteY4" fmla="*/ 0 h 2105025"/>
+              <a:gd name="connsiteX5" fmla="*/ 5524500 w 5524500"/>
+              <a:gd name="connsiteY5" fmla="*/ 2105025 h 2105025"/>
+              <a:gd name="connsiteX6" fmla="*/ 28575 w 5524500"/>
+              <a:gd name="connsiteY6" fmla="*/ 2066925 h 2105025"/>
+              <a:gd name="connsiteX7" fmla="*/ 0 w 5524500"/>
+              <a:gd name="connsiteY7" fmla="*/ 9525 h 2105025"/>
+            </a:gdLst>
+            <a:ahLst/>
+            <a:cxnLst>
+              <a:cxn ang="0">
+                <a:pos x="connsiteX0" y="connsiteY0"/>
+              </a:cxn>
+              <a:cxn ang="0">
+                <a:pos x="connsiteX1" y="connsiteY1"/>
+              </a:cxn>
+              <a:cxn ang="0">
+                <a:pos x="connsiteX2" y="connsiteY2"/>
+              </a:cxn>
+              <a:cxn ang="0">
+                <a:pos x="connsiteX3" y="connsiteY3"/>
+              </a:cxn>
+              <a:cxn ang="0">
+                <a:pos x="connsiteX4" y="connsiteY4"/>
+              </a:cxn>
+              <a:cxn ang="0">
+                <a:pos x="connsiteX5" y="connsiteY5"/>
+              </a:cxn>
+              <a:cxn ang="0">
+                <a:pos x="connsiteX6" y="connsiteY6"/>
+              </a:cxn>
+              <a:cxn ang="0">
+                <a:pos x="connsiteX7" y="connsiteY7"/>
+              </a:cxn>
+            </a:cxnLst>
+            <a:rect l="l" t="t" r="r" b="b"/>
+            <a:pathLst>
+              <a:path w="5524500" h="2105025">
+                <a:moveTo>
+                  <a:pt x="0" y="9525"/>
+                </a:moveTo>
+                <a:lnTo>
+                  <a:pt x="1114425" y="9525"/>
+                </a:lnTo>
+                <a:lnTo>
+                  <a:pt x="2447925" y="1362075"/>
+                </a:lnTo>
+                <a:lnTo>
+                  <a:pt x="4800600" y="0"/>
+                </a:lnTo>
+                <a:lnTo>
+                  <a:pt x="5505450" y="0"/>
+                </a:lnTo>
+                <a:lnTo>
+                  <a:pt x="5524500" y="2105025"/>
+                </a:lnTo>
+                <a:lnTo>
+                  <a:pt x="28575" y="2066925"/>
+                </a:lnTo>
+                <a:lnTo>
+                  <a:pt x="0" y="9525"/>
+                </a:lnTo>
+                <a:close/>
+              </a:path>
+            </a:pathLst>
+          </a:custGeom>
+          <a:solidFill>
+            <a:schemeClr val="bg2">
+              <a:lumMod val="75000"/>
+            </a:schemeClr>
+          </a:solidFill>
+          <a:ln>
+            <a:solidFill>
+              <a:schemeClr val="bg2">
+                <a:lumMod val="50000"/>
+              </a:schemeClr>
+            </a:solidFill>
+          </a:ln>
+        </p:spPr>
+        <p:style>
+          <a:lnRef idx="2">
+            <a:schemeClr val="accent3">
+              <a:shade val="50000"/>
+            </a:schemeClr>
+          </a:lnRef>
+          <a:fillRef idx="1">
+            <a:schemeClr val="accent3"/>
+          </a:fillRef>
+          <a:effectRef idx="0">
+            <a:schemeClr val="accent3"/>
+          </a:effectRef>
+          <a:fontRef idx="minor">
+            <a:schemeClr val="lt1"/>
+          </a:fontRef>
+        </p:style>
+        <p:txBody>
+          <a:bodyPr rtlCol="0" anchor="ctr"/>
+          <a:lstStyle/>
+          <a:p>
+            <a:pPr algn="ctr"/>
+            <a:endParaRPr lang="en-US"/>
+          </a:p>
+        </p:txBody>
+      </p:sp>
+      <p:sp>
+        <p:nvSpPr>
+          <p:cNvPr id="6" name="Arc 5">
+            <a:extLst>
+              <a:ext uri="{FF2B5EF4-FFF2-40B4-BE49-F238E27FC236}">
+                <a16:creationId xmlns:a16="http://schemas.microsoft.com/office/drawing/2014/main" id="{040518C6-85D2-4178-17D6-E5B85F228CFE}"/>
+              </a:ext>
+            </a:extLst>
+          </p:cNvPr>
+          <p:cNvSpPr/>
+          <p:nvPr/>
+        </p:nvSpPr>
+        <p:spPr>
+          <a:xfrm>
+            <a:off x="3381375" y="4769304"/>
+            <a:ext cx="1524000" cy="1395383"/>
+          </a:xfrm>
+          <a:prstGeom prst="arc">
+            <a:avLst>
+              <a:gd name="adj1" fmla="val 19780053"/>
+              <a:gd name="adj2" fmla="val 2"/>
+            </a:avLst>
+          </a:prstGeom>
+        </p:spPr>
+        <p:style>
+          <a:lnRef idx="1">
+            <a:schemeClr val="accent1"/>
+          </a:lnRef>
+          <a:fillRef idx="0">
+            <a:schemeClr val="accent1"/>
+          </a:fillRef>
+          <a:effectRef idx="0">
+            <a:schemeClr val="accent1"/>
+          </a:effectRef>
+          <a:fontRef idx="minor">
+            <a:schemeClr val="tx1"/>
+          </a:fontRef>
+        </p:style>
+        <p:txBody>
+          <a:bodyPr rtlCol="0" anchor="ctr"/>
+          <a:lstStyle/>
+          <a:p>
+            <a:pPr algn="ctr"/>
+            <a:endParaRPr lang="en-US"/>
+          </a:p>
+        </p:txBody>
+      </p:sp>
+      <p:sp>
+        <p:nvSpPr>
+          <p:cNvPr id="7" name="TextBox 6">
+            <a:extLst>
+              <a:ext uri="{FF2B5EF4-FFF2-40B4-BE49-F238E27FC236}">
+                <a16:creationId xmlns:a16="http://schemas.microsoft.com/office/drawing/2014/main" id="{2B1FB7E7-C980-B8A5-5D13-AE3B43487A81}"/>
+              </a:ext>
+            </a:extLst>
+          </p:cNvPr>
+          <p:cNvSpPr txBox="1"/>
+          <p:nvPr/>
+        </p:nvSpPr>
+        <p:spPr>
+          <a:xfrm>
+            <a:off x="2959696" y="4903026"/>
+            <a:ext cx="500458" cy="369332"/>
           </a:xfrm>
           <a:prstGeom prst="rect">
             <a:avLst/>
           </a:prstGeom>
           <a:noFill/>
-          <a:extLst>
-            <a:ext uri="{909E8E84-426E-40DD-AFC4-6F175D3DCCD1}">
-              <a14:hiddenFill xmlns:a14="http://schemas.microsoft.com/office/drawing/2010/main">
+        </p:spPr>
+        <p:txBody>
+          <a:bodyPr wrap="none" rtlCol="0">
+            <a:spAutoFit/>
+          </a:bodyPr>
+          <a:lstStyle/>
+          <a:p>
+            <a:r>
+              <a:rPr lang="en-US" dirty="0">
                 <a:solidFill>
-                  <a:srgbClr val="FFFFFF"/>
+                  <a:schemeClr val="accent1"/>
                 </a:solidFill>
-              </a14:hiddenFill>
-            </a:ext>
-          </a:extLst>
-        </p:spPr>
-      </p:pic>
+              </a:rPr>
+              <a:t>45</a:t>
+            </a:r>
+            <a:r>
+              <a:rPr lang="en-US" baseline="30000" dirty="0">
+                <a:solidFill>
+                  <a:schemeClr val="accent1"/>
+                </a:solidFill>
+              </a:rPr>
+              <a:t>o</a:t>
+            </a:r>
+          </a:p>
+        </p:txBody>
+      </p:sp>
+      <p:sp>
+        <p:nvSpPr>
+          <p:cNvPr id="8" name="Arc 7">
+            <a:extLst>
+              <a:ext uri="{FF2B5EF4-FFF2-40B4-BE49-F238E27FC236}">
+                <a16:creationId xmlns:a16="http://schemas.microsoft.com/office/drawing/2014/main" id="{868ADC70-D4E9-7F63-7112-222E27CBCAD8}"/>
+              </a:ext>
+            </a:extLst>
+          </p:cNvPr>
+          <p:cNvSpPr/>
+          <p:nvPr/>
+        </p:nvSpPr>
+        <p:spPr>
+          <a:xfrm>
+            <a:off x="3371850" y="4767292"/>
+            <a:ext cx="1524000" cy="1395383"/>
+          </a:xfrm>
+          <a:prstGeom prst="arc">
+            <a:avLst>
+              <a:gd name="adj1" fmla="val 10790816"/>
+              <a:gd name="adj2" fmla="val 13695063"/>
+            </a:avLst>
+          </a:prstGeom>
+        </p:spPr>
+        <p:style>
+          <a:lnRef idx="1">
+            <a:schemeClr val="accent1"/>
+          </a:lnRef>
+          <a:fillRef idx="0">
+            <a:schemeClr val="accent1"/>
+          </a:fillRef>
+          <a:effectRef idx="0">
+            <a:schemeClr val="accent1"/>
+          </a:effectRef>
+          <a:fontRef idx="minor">
+            <a:schemeClr val="tx1"/>
+          </a:fontRef>
+        </p:style>
+        <p:txBody>
+          <a:bodyPr rtlCol="0" anchor="ctr"/>
+          <a:lstStyle/>
+          <a:p>
+            <a:pPr algn="ctr"/>
+            <a:endParaRPr lang="en-US"/>
+          </a:p>
+        </p:txBody>
+      </p:sp>
+      <p:sp>
+        <p:nvSpPr>
+          <p:cNvPr id="9" name="TextBox 8">
+            <a:extLst>
+              <a:ext uri="{FF2B5EF4-FFF2-40B4-BE49-F238E27FC236}">
+                <a16:creationId xmlns:a16="http://schemas.microsoft.com/office/drawing/2014/main" id="{D256493F-66BB-1783-9EFB-73B7EE524873}"/>
+              </a:ext>
+            </a:extLst>
+          </p:cNvPr>
+          <p:cNvSpPr txBox="1"/>
+          <p:nvPr/>
+        </p:nvSpPr>
+        <p:spPr>
+          <a:xfrm>
+            <a:off x="3652241" y="4582572"/>
+            <a:ext cx="317716" cy="369332"/>
+          </a:xfrm>
+          <a:prstGeom prst="rect">
+            <a:avLst/>
+          </a:prstGeom>
+          <a:noFill/>
+        </p:spPr>
+        <p:txBody>
+          <a:bodyPr wrap="none" rtlCol="0">
+            <a:spAutoFit/>
+          </a:bodyPr>
+          <a:lstStyle/>
+          <a:p>
+            <a:r>
+              <a:rPr lang="en-US" dirty="0"/>
+              <a:t>A</a:t>
+            </a:r>
+          </a:p>
+        </p:txBody>
+      </p:sp>
+      <p:sp>
+        <p:nvSpPr>
+          <p:cNvPr id="10" name="TextBox 9">
+            <a:extLst>
+              <a:ext uri="{FF2B5EF4-FFF2-40B4-BE49-F238E27FC236}">
+                <a16:creationId xmlns:a16="http://schemas.microsoft.com/office/drawing/2014/main" id="{1B27230D-7266-A483-5BC6-8B95CDC45B8E}"/>
+              </a:ext>
+            </a:extLst>
+          </p:cNvPr>
+          <p:cNvSpPr txBox="1"/>
+          <p:nvPr/>
+        </p:nvSpPr>
+        <p:spPr>
+          <a:xfrm>
+            <a:off x="4511416" y="4718360"/>
+            <a:ext cx="309700" cy="369332"/>
+          </a:xfrm>
+          <a:prstGeom prst="rect">
+            <a:avLst/>
+          </a:prstGeom>
+          <a:noFill/>
+        </p:spPr>
+        <p:txBody>
+          <a:bodyPr wrap="none" rtlCol="0">
+            <a:spAutoFit/>
+          </a:bodyPr>
+          <a:lstStyle/>
+          <a:p>
+            <a:r>
+              <a:rPr lang="en-US" dirty="0"/>
+              <a:t>B</a:t>
+            </a:r>
+          </a:p>
+        </p:txBody>
+      </p:sp>
+      <p:cxnSp>
+        <p:nvCxnSpPr>
+          <p:cNvPr id="11" name="Straight Connector 10">
+            <a:extLst>
+              <a:ext uri="{FF2B5EF4-FFF2-40B4-BE49-F238E27FC236}">
+                <a16:creationId xmlns:a16="http://schemas.microsoft.com/office/drawing/2014/main" id="{4E02798E-24CE-F0D8-BEA9-5B2F034F9E44}"/>
+              </a:ext>
+            </a:extLst>
+          </p:cNvPr>
+          <p:cNvCxnSpPr/>
+          <p:nvPr/>
+        </p:nvCxnSpPr>
+        <p:spPr>
+          <a:xfrm>
+            <a:off x="2875993" y="5476875"/>
+            <a:ext cx="2610407" cy="0"/>
+          </a:xfrm>
+          <a:prstGeom prst="line">
+            <a:avLst/>
+          </a:prstGeom>
+        </p:spPr>
+        <p:style>
+          <a:lnRef idx="1">
+            <a:schemeClr val="accent1"/>
+          </a:lnRef>
+          <a:fillRef idx="0">
+            <a:schemeClr val="accent1"/>
+          </a:fillRef>
+          <a:effectRef idx="0">
+            <a:schemeClr val="accent1"/>
+          </a:effectRef>
+          <a:fontRef idx="minor">
+            <a:schemeClr val="tx1"/>
+          </a:fontRef>
+        </p:style>
+      </p:cxnSp>
+      <p:sp>
+        <p:nvSpPr>
+          <p:cNvPr id="12" name="TextBox 11">
+            <a:extLst>
+              <a:ext uri="{FF2B5EF4-FFF2-40B4-BE49-F238E27FC236}">
+                <a16:creationId xmlns:a16="http://schemas.microsoft.com/office/drawing/2014/main" id="{4BCD8408-304F-6332-93E6-14A660E1BDFD}"/>
+              </a:ext>
+            </a:extLst>
+          </p:cNvPr>
+          <p:cNvSpPr txBox="1"/>
+          <p:nvPr/>
+        </p:nvSpPr>
+        <p:spPr>
+          <a:xfrm>
+            <a:off x="4886325" y="5073133"/>
+            <a:ext cx="500458" cy="369332"/>
+          </a:xfrm>
+          <a:prstGeom prst="rect">
+            <a:avLst/>
+          </a:prstGeom>
+          <a:noFill/>
+        </p:spPr>
+        <p:txBody>
+          <a:bodyPr wrap="none" rtlCol="0">
+            <a:spAutoFit/>
+          </a:bodyPr>
+          <a:lstStyle/>
+          <a:p>
+            <a:r>
+              <a:rPr lang="en-US" dirty="0">
+                <a:solidFill>
+                  <a:schemeClr val="accent1"/>
+                </a:solidFill>
+              </a:rPr>
+              <a:t>30</a:t>
+            </a:r>
+            <a:r>
+              <a:rPr lang="en-US" baseline="30000" dirty="0">
+                <a:solidFill>
+                  <a:schemeClr val="accent1"/>
+                </a:solidFill>
+              </a:rPr>
+              <a:t>o</a:t>
+            </a:r>
+          </a:p>
+        </p:txBody>
+      </p:sp>
+      <p:sp>
+        <p:nvSpPr>
+          <p:cNvPr id="17" name="Frame 16">
+            <a:extLst>
+              <a:ext uri="{FF2B5EF4-FFF2-40B4-BE49-F238E27FC236}">
+                <a16:creationId xmlns:a16="http://schemas.microsoft.com/office/drawing/2014/main" id="{951439E8-AEDC-A6C1-73BD-DE9644C45097}"/>
+              </a:ext>
+            </a:extLst>
+          </p:cNvPr>
+          <p:cNvSpPr/>
+          <p:nvPr/>
+        </p:nvSpPr>
+        <p:spPr>
+          <a:xfrm>
+            <a:off x="457200" y="2837688"/>
+            <a:ext cx="8458200" cy="4130675"/>
+          </a:xfrm>
+          <a:prstGeom prst="frame">
+            <a:avLst>
+              <a:gd name="adj1" fmla="val 25681"/>
+            </a:avLst>
+          </a:prstGeom>
+          <a:solidFill>
+            <a:schemeClr val="bg1"/>
+          </a:solidFill>
+          <a:ln>
+            <a:noFill/>
+          </a:ln>
+          <a:effectLst>
+            <a:softEdge rad="127000"/>
+          </a:effectLst>
+        </p:spPr>
+        <p:style>
+          <a:lnRef idx="2">
+            <a:schemeClr val="accent1">
+              <a:shade val="50000"/>
+            </a:schemeClr>
+          </a:lnRef>
+          <a:fillRef idx="1">
+            <a:schemeClr val="accent1"/>
+          </a:fillRef>
+          <a:effectRef idx="0">
+            <a:schemeClr val="accent1"/>
+          </a:effectRef>
+          <a:fontRef idx="minor">
+            <a:schemeClr val="lt1"/>
+          </a:fontRef>
+        </p:style>
+        <p:txBody>
+          <a:bodyPr rtlCol="0" anchor="ctr"/>
+          <a:lstStyle/>
+          <a:p>
+            <a:pPr algn="ctr"/>
+            <a:endParaRPr lang="en-US">
+              <a:solidFill>
+                <a:schemeClr val="tx1"/>
+              </a:solidFill>
+            </a:endParaRPr>
+          </a:p>
+        </p:txBody>
+      </p:sp>
+      <p:sp>
+        <p:nvSpPr>
+          <p:cNvPr id="5" name="Oval 4">
+            <a:extLst>
+              <a:ext uri="{FF2B5EF4-FFF2-40B4-BE49-F238E27FC236}">
+                <a16:creationId xmlns:a16="http://schemas.microsoft.com/office/drawing/2014/main" id="{6CB446C8-E44E-57C9-1DF1-78688D8403C4}"/>
+              </a:ext>
+            </a:extLst>
+          </p:cNvPr>
+          <p:cNvSpPr/>
+          <p:nvPr/>
+        </p:nvSpPr>
+        <p:spPr>
+          <a:xfrm>
+            <a:off x="3286125" y="3078164"/>
+            <a:ext cx="2057400" cy="2057400"/>
+          </a:xfrm>
+          <a:prstGeom prst="ellipse">
+            <a:avLst/>
+          </a:prstGeom>
+        </p:spPr>
+        <p:style>
+          <a:lnRef idx="1">
+            <a:schemeClr val="dk1"/>
+          </a:lnRef>
+          <a:fillRef idx="2">
+            <a:schemeClr val="dk1"/>
+          </a:fillRef>
+          <a:effectRef idx="1">
+            <a:schemeClr val="dk1"/>
+          </a:effectRef>
+          <a:fontRef idx="minor">
+            <a:schemeClr val="dk1"/>
+          </a:fontRef>
+        </p:style>
+        <p:txBody>
+          <a:bodyPr rtlCol="0" anchor="ctr"/>
+          <a:lstStyle/>
+          <a:p>
+            <a:pPr algn="ctr"/>
+            <a:endParaRPr lang="en-US" dirty="0"/>
+          </a:p>
+        </p:txBody>
+      </p:sp>
     </p:spTree>
     <p:extLst>
       <p:ext uri="{BB962C8B-B14F-4D97-AF65-F5344CB8AC3E}">
-        <p14:creationId xmlns:p14="http://schemas.microsoft.com/office/powerpoint/2010/main" val="307900893"/>
+        <p14:creationId xmlns:p14="http://schemas.microsoft.com/office/powerpoint/2010/main" val="948972480"/>
       </p:ext>
     </p:extLst>
   </p:cSld>
@@ -6952,26 +7917,26 @@
         </p:nvSpPr>
         <p:spPr>
           <a:xfrm>
-            <a:off x="457200" y="1600200"/>
-            <a:ext cx="8229600" cy="2285999"/>
+            <a:off x="457200" y="1600201"/>
+            <a:ext cx="8229600" cy="1752600"/>
           </a:xfrm>
         </p:spPr>
         <p:txBody>
           <a:bodyPr>
-            <a:normAutofit fontScale="85000" lnSpcReduction="20000"/>
+            <a:normAutofit fontScale="92500"/>
           </a:bodyPr>
           <a:lstStyle/>
           <a:p>
             <a:r>
               <a:rPr lang="en-US" dirty="0"/>
-              <a:t>The car shown below is moving and then slams on the brakes, locking up both front and back wheels. The distance between the wheels is 8 feet and the center of mass is 3 feet behind and 2.5 feet above the point of contact between the front wheel and the ground. Draw the free body diagram of the car as it comes to a stop.</a:t>
+              <a:t>Two equally sized barrels are being transported in a hand truck as shown below. Draw a free body diagram for each of the barrels below.</a:t>
             </a:r>
           </a:p>
         </p:txBody>
       </p:sp>
       <p:pic>
         <p:nvPicPr>
-          <p:cNvPr id="3074" name="Picture 2" descr="Problem 3 Diagram"/>
+          <p:cNvPr id="2050" name="Picture 2" descr="Problem 2 Diagram"/>
           <p:cNvPicPr>
             <a:picLocks noChangeAspect="1" noChangeArrowheads="1"/>
           </p:cNvPicPr>
@@ -6992,8 +7957,8 @@
         </p:blipFill>
         <p:spPr bwMode="auto">
           <a:xfrm>
-            <a:off x="1475257" y="3886200"/>
-            <a:ext cx="6193485" cy="2638426"/>
+            <a:off x="2814637" y="3400713"/>
+            <a:ext cx="3514725" cy="3448051"/>
           </a:xfrm>
           <a:prstGeom prst="rect">
             <a:avLst/>
@@ -7013,7 +7978,7 @@
     </p:spTree>
     <p:extLst>
       <p:ext uri="{BB962C8B-B14F-4D97-AF65-F5344CB8AC3E}">
-        <p14:creationId xmlns:p14="http://schemas.microsoft.com/office/powerpoint/2010/main" val="3714287723"/>
+        <p14:creationId xmlns:p14="http://schemas.microsoft.com/office/powerpoint/2010/main" val="307900893"/>
       </p:ext>
     </p:extLst>
   </p:cSld>
@@ -7076,6 +8041,130 @@
         </p:nvSpPr>
         <p:spPr>
           <a:xfrm>
+            <a:off x="457200" y="1600200"/>
+            <a:ext cx="8229600" cy="2285999"/>
+          </a:xfrm>
+        </p:spPr>
+        <p:txBody>
+          <a:bodyPr>
+            <a:normAutofit fontScale="85000" lnSpcReduction="20000"/>
+          </a:bodyPr>
+          <a:lstStyle/>
+          <a:p>
+            <a:r>
+              <a:rPr lang="en-US" dirty="0"/>
+              <a:t>The car shown below is moving and then slams on the brakes, locking up both front and back wheels. The distance between the wheels is 8 feet and the center of mass is 3 feet behind and 2.5 feet above the point of contact between the front wheel and the ground. Draw the free body diagram of the car as it comes to a stop.</a:t>
+            </a:r>
+          </a:p>
+        </p:txBody>
+      </p:sp>
+      <p:pic>
+        <p:nvPicPr>
+          <p:cNvPr id="3074" name="Picture 2" descr="Problem 3 Diagram"/>
+          <p:cNvPicPr>
+            <a:picLocks noChangeAspect="1" noChangeArrowheads="1"/>
+          </p:cNvPicPr>
+          <p:nvPr/>
+        </p:nvPicPr>
+        <p:blipFill>
+          <a:blip r:embed="rId2">
+            <a:extLst>
+              <a:ext uri="{28A0092B-C50C-407E-A947-70E740481C1C}">
+                <a14:useLocalDpi xmlns:a14="http://schemas.microsoft.com/office/drawing/2010/main" val="0"/>
+              </a:ext>
+            </a:extLst>
+          </a:blip>
+          <a:srcRect/>
+          <a:stretch>
+            <a:fillRect/>
+          </a:stretch>
+        </p:blipFill>
+        <p:spPr bwMode="auto">
+          <a:xfrm>
+            <a:off x="1475257" y="3886200"/>
+            <a:ext cx="6193485" cy="2638426"/>
+          </a:xfrm>
+          <a:prstGeom prst="rect">
+            <a:avLst/>
+          </a:prstGeom>
+          <a:noFill/>
+          <a:extLst>
+            <a:ext uri="{909E8E84-426E-40DD-AFC4-6F175D3DCCD1}">
+              <a14:hiddenFill xmlns:a14="http://schemas.microsoft.com/office/drawing/2010/main">
+                <a:solidFill>
+                  <a:srgbClr val="FFFFFF"/>
+                </a:solidFill>
+              </a14:hiddenFill>
+            </a:ext>
+          </a:extLst>
+        </p:spPr>
+      </p:pic>
+    </p:spTree>
+    <p:extLst>
+      <p:ext uri="{BB962C8B-B14F-4D97-AF65-F5344CB8AC3E}">
+        <p14:creationId xmlns:p14="http://schemas.microsoft.com/office/powerpoint/2010/main" val="3714287723"/>
+      </p:ext>
+    </p:extLst>
+  </p:cSld>
+  <p:clrMapOvr>
+    <a:masterClrMapping/>
+  </p:clrMapOvr>
+</p:sld>
+</file>
+
+<file path=ppt/slides/slide17.xml><?xml version="1.0" encoding="utf-8"?>
+<p:sld xmlns:a="http://schemas.openxmlformats.org/drawingml/2006/main" xmlns:r="http://schemas.openxmlformats.org/officeDocument/2006/relationships" xmlns:p="http://schemas.openxmlformats.org/presentationml/2006/main">
+  <p:cSld>
+    <p:spTree>
+      <p:nvGrpSpPr>
+        <p:cNvPr id="1" name=""/>
+        <p:cNvGrpSpPr/>
+        <p:nvPr/>
+      </p:nvGrpSpPr>
+      <p:grpSpPr>
+        <a:xfrm>
+          <a:off x="0" y="0"/>
+          <a:ext cx="0" cy="0"/>
+          <a:chOff x="0" y="0"/>
+          <a:chExt cx="0" cy="0"/>
+        </a:xfrm>
+      </p:grpSpPr>
+      <p:sp>
+        <p:nvSpPr>
+          <p:cNvPr id="2" name="Title 1"/>
+          <p:cNvSpPr>
+            <a:spLocks noGrp="1"/>
+          </p:cNvSpPr>
+          <p:nvPr>
+            <p:ph type="title"/>
+          </p:nvPr>
+        </p:nvSpPr>
+        <p:spPr/>
+        <p:txBody>
+          <a:bodyPr>
+            <a:normAutofit fontScale="90000"/>
+          </a:bodyPr>
+          <a:lstStyle/>
+          <a:p>
+            <a:r>
+              <a:rPr lang="en-US" dirty="0"/>
+              <a:t>Free Body Diagram Worked Example</a:t>
+            </a:r>
+          </a:p>
+        </p:txBody>
+      </p:sp>
+      <p:sp>
+        <p:nvSpPr>
+          <p:cNvPr id="3" name="Content Placeholder 2"/>
+          <p:cNvSpPr>
+            <a:spLocks noGrp="1"/>
+          </p:cNvSpPr>
+          <p:nvPr>
+            <p:ph idx="1"/>
+          </p:nvPr>
+        </p:nvSpPr>
+        <p:spPr>
+          <a:xfrm>
             <a:off x="457200" y="1600201"/>
             <a:ext cx="8229600" cy="2286000"/>
           </a:xfrm>
@@ -7147,7 +8236,7 @@
 </p:sld>
 </file>
 
-<file path=ppt/slides/slide17.xml><?xml version="1.0" encoding="utf-8"?>
+<file path=ppt/slides/slide18.xml><?xml version="1.0" encoding="utf-8"?>
 <p:sld xmlns:a="http://schemas.openxmlformats.org/drawingml/2006/main" xmlns:r="http://schemas.openxmlformats.org/officeDocument/2006/relationships" xmlns:p="http://schemas.openxmlformats.org/presentationml/2006/main">
   <p:cSld>
     <p:spTree>
@@ -12966,6 +14055,15 @@
 </file>
 
 <file path=customXml/item1.xml><?xml version="1.0" encoding="utf-8"?>
+<?mso-contentType ?>
+<FormTemplates xmlns="http://schemas.microsoft.com/sharepoint/v3/contenttype/forms">
+  <Display>DocumentLibraryForm</Display>
+  <Edit>DocumentLibraryForm</Edit>
+  <New>DocumentLibraryForm</New>
+</FormTemplates>
+</file>
+
+<file path=customXml/item2.xml><?xml version="1.0" encoding="utf-8"?>
 <ct:contentTypeSchema xmlns:ct="http://schemas.microsoft.com/office/2006/metadata/contentType" xmlns:ma="http://schemas.microsoft.com/office/2006/metadata/properties/metaAttributes" ct:_="" ma:_="" ma:contentTypeName="Document" ma:contentTypeID="0x010100A06DF21F5BB2734A800ED30F3F452129" ma:contentTypeVersion="12" ma:contentTypeDescription="Create a new document." ma:contentTypeScope="" ma:versionID="544d96a5fbac5de9d5d902b535c73fb2">
   <xsd:schema xmlns:xsd="http://www.w3.org/2001/XMLSchema" xmlns:xs="http://www.w3.org/2001/XMLSchema" xmlns:p="http://schemas.microsoft.com/office/2006/metadata/properties" xmlns:ns3="90d05cb5-950f-4f68-bc2c-e17794455b92" xmlns:ns4="b4eab9fa-dbb0-4082-8491-8bd54207a265" targetNamespace="http://schemas.microsoft.com/office/2006/metadata/properties" ma:root="true" ma:fieldsID="7a710efc71c2169bf9c05e5a40dddf12" ns3:_="" ns4:_="">
     <xsd:import namespace="90d05cb5-950f-4f68-bc2c-e17794455b92"/>
@@ -13182,15 +14280,6 @@
 </ct:contentTypeSchema>
 </file>
 
-<file path=customXml/item2.xml><?xml version="1.0" encoding="utf-8"?>
-<?mso-contentType ?>
-<FormTemplates xmlns="http://schemas.microsoft.com/sharepoint/v3/contenttype/forms">
-  <Display>DocumentLibraryForm</Display>
-  <Edit>DocumentLibraryForm</Edit>
-  <New>DocumentLibraryForm</New>
-</FormTemplates>
-</file>
-
 <file path=customXml/item3.xml><?xml version="1.0" encoding="utf-8"?>
 <p:properties xmlns:p="http://schemas.microsoft.com/office/2006/metadata/properties" xmlns:xsi="http://www.w3.org/2001/XMLSchema-instance" xmlns:pc="http://schemas.microsoft.com/office/infopath/2007/PartnerControls">
   <documentManagement/>
@@ -13198,6 +14287,14 @@
 </file>
 
 <file path=customXml/itemProps1.xml><?xml version="1.0" encoding="utf-8"?>
+<ds:datastoreItem xmlns:ds="http://schemas.openxmlformats.org/officeDocument/2006/customXml" ds:itemID="{F5CF5F32-56DC-4068-8B04-457CF34A96F3}">
+  <ds:schemaRefs>
+    <ds:schemaRef ds:uri="http://schemas.microsoft.com/sharepoint/v3/contenttype/forms"/>
+  </ds:schemaRefs>
+</ds:datastoreItem>
+</file>
+
+<file path=customXml/itemProps2.xml><?xml version="1.0" encoding="utf-8"?>
 <ds:datastoreItem xmlns:ds="http://schemas.openxmlformats.org/officeDocument/2006/customXml" ds:itemID="{A43B8A4B-79FE-4529-931C-D64224FA70E3}">
   <ds:schemaRefs>
     <ds:schemaRef ds:uri="http://schemas.microsoft.com/office/2006/metadata/contentType"/>
@@ -13216,14 +14313,6 @@
 </ds:datastoreItem>
 </file>
 
-<file path=customXml/itemProps2.xml><?xml version="1.0" encoding="utf-8"?>
-<ds:datastoreItem xmlns:ds="http://schemas.openxmlformats.org/officeDocument/2006/customXml" ds:itemID="{F5CF5F32-56DC-4068-8B04-457CF34A96F3}">
-  <ds:schemaRefs>
-    <ds:schemaRef ds:uri="http://schemas.microsoft.com/sharepoint/v3/contenttype/forms"/>
-  </ds:schemaRefs>
-</ds:datastoreItem>
-</file>
-
 <file path=customXml/itemProps3.xml><?xml version="1.0" encoding="utf-8"?>
 <ds:datastoreItem xmlns:ds="http://schemas.openxmlformats.org/officeDocument/2006/customXml" ds:itemID="{52EB1464-66D1-425A-BBB5-7A9312BBE9C4}">
   <ds:schemaRefs>
